--- a/Entrega_2/00.REPORTE/Reporte_Grupo5_new.pptx
+++ b/Entrega_2/00.REPORTE/Reporte_Grupo5_new.pptx
@@ -5,47 +5,37 @@
     <p:sldMasterId id="2147483648" r:id="rId1"/>
   </p:sldMasterIdLst>
   <p:notesMasterIdLst>
-    <p:notesMasterId r:id="rId11"/>
+    <p:notesMasterId r:id="rId4"/>
   </p:notesMasterIdLst>
   <p:sldIdLst>
-    <p:sldId id="285" r:id="rId2"/>
-    <p:sldId id="293" r:id="rId3"/>
-    <p:sldId id="299" r:id="rId4"/>
-    <p:sldId id="301" r:id="rId5"/>
-    <p:sldId id="296" r:id="rId6"/>
-    <p:sldId id="302" r:id="rId7"/>
-    <p:sldId id="303" r:id="rId8"/>
-    <p:sldId id="304" r:id="rId9"/>
-    <p:sldId id="305" r:id="rId10"/>
+    <p:sldId id="285" r:id="rId3"/>
+    <p:sldId id="293" r:id="rId5"/>
+    <p:sldId id="299" r:id="rId6"/>
+    <p:sldId id="301" r:id="rId7"/>
+    <p:sldId id="296" r:id="rId8"/>
+    <p:sldId id="302" r:id="rId9"/>
+    <p:sldId id="303" r:id="rId10"/>
+    <p:sldId id="304" r:id="rId11"/>
+    <p:sldId id="305" r:id="rId12"/>
   </p:sldIdLst>
   <p:sldSz cx="9144000" cy="5143500" type="screen16x9"/>
   <p:notesSz cx="6858000" cy="9144000"/>
   <p:embeddedFontLst>
     <p:embeddedFont>
-      <p:font typeface="Arial Black" panose="020B0A04020102020204" pitchFamily="34" charset="0"/>
-      <p:bold r:id="rId12"/>
+      <p:font typeface="Poppins" panose="00000500000000000000"/>
+      <p:regular r:id="rId17"/>
     </p:embeddedFont>
     <p:embeddedFont>
-      <p:font typeface="Didact Gothic" panose="00000500000000000000" pitchFamily="2" charset="0"/>
-      <p:regular r:id="rId13"/>
+      <p:font typeface="Didact Gothic" panose="00000500000000000000"/>
+      <p:regular r:id="rId18"/>
     </p:embeddedFont>
     <p:embeddedFont>
-      <p:font typeface="Libre Franklin" pitchFamily="2" charset="0"/>
-      <p:regular r:id="rId14"/>
-      <p:bold r:id="rId15"/>
-      <p:italic r:id="rId16"/>
-      <p:boldItalic r:id="rId17"/>
+      <p:font typeface="Arial Black" panose="020B0A04020102020204" pitchFamily="34" charset="0"/>
+      <p:bold r:id="rId19"/>
     </p:embeddedFont>
     <p:embeddedFont>
       <p:font typeface="Lucida Console" panose="020B0609040504020204" pitchFamily="49" charset="0"/>
-      <p:regular r:id="rId18"/>
-    </p:embeddedFont>
-    <p:embeddedFont>
-      <p:font typeface="Poppins" panose="00000500000000000000" pitchFamily="2" charset="0"/>
-      <p:regular r:id="rId19"/>
-      <p:bold r:id="rId20"/>
-      <p:italic r:id="rId21"/>
-      <p:boldItalic r:id="rId22"/>
+      <p:regular r:id="rId20"/>
     </p:embeddedFont>
   </p:embeddedFontLst>
   <p:defaultTextStyle>
@@ -277,11 +267,6 @@
       </a:defRPr>
     </a:lvl9pPr>
   </p:defaultTextStyle>
-  <p:extLst>
-    <p:ext uri="{EFAFB233-063F-42B5-8137-9DF3F51BA10A}">
-      <p15:sldGuideLst xmlns:p15="http://schemas.microsoft.com/office/powerpoint/2012/main"/>
-    </p:ext>
-  </p:extLst>
 </p:presentation>
 </file>
 
@@ -289,35 +274,6 @@
 <p:cmAuthorLst xmlns:a="http://schemas.openxmlformats.org/drawingml/2006/main" xmlns:r="http://schemas.openxmlformats.org/officeDocument/2006/relationships" xmlns:p="http://schemas.openxmlformats.org/presentationml/2006/main">
   <p:cmAuthor id="1" name="Mario Aragón Valderrama" initials="MA" lastIdx="1" clrIdx="0"/>
 </p:cmAuthorLst>
-</file>
-
-<file path=ppt/changesInfos/changesInfo1.xml><?xml version="1.0" encoding="utf-8"?>
-<pc:chgInfo xmlns:a="http://schemas.openxmlformats.org/drawingml/2006/main" xmlns:r="http://schemas.openxmlformats.org/officeDocument/2006/relationships" xmlns:ac="http://schemas.microsoft.com/office/drawing/2013/main/command" xmlns:pc="http://schemas.microsoft.com/office/powerpoint/2013/main/command">
-  <pc:docChgLst>
-    <pc:chgData name="Mario Aragón Valderrama" userId="ab42593c9091a3c7" providerId="LiveId" clId="{A94EC9C8-FC2E-45B4-829C-AEB6B286F687}"/>
-    <pc:docChg chg="modSld">
-      <pc:chgData name="Mario Aragón Valderrama" userId="ab42593c9091a3c7" providerId="LiveId" clId="{A94EC9C8-FC2E-45B4-829C-AEB6B286F687}" dt="2025-12-17T10:37:10.383" v="227" actId="20577"/>
-      <pc:docMkLst>
-        <pc:docMk/>
-      </pc:docMkLst>
-      <pc:sldChg chg="modSp mod">
-        <pc:chgData name="Mario Aragón Valderrama" userId="ab42593c9091a3c7" providerId="LiveId" clId="{A94EC9C8-FC2E-45B4-829C-AEB6B286F687}" dt="2025-12-17T10:37:10.383" v="227" actId="20577"/>
-        <pc:sldMkLst>
-          <pc:docMk/>
-          <pc:sldMk cId="193844949" sldId="304"/>
-        </pc:sldMkLst>
-        <pc:spChg chg="mod">
-          <ac:chgData name="Mario Aragón Valderrama" userId="ab42593c9091a3c7" providerId="LiveId" clId="{A94EC9C8-FC2E-45B4-829C-AEB6B286F687}" dt="2025-12-17T10:37:10.383" v="227" actId="20577"/>
-          <ac:spMkLst>
-            <pc:docMk/>
-            <pc:sldMk cId="193844949" sldId="304"/>
-            <ac:spMk id="4" creationId="{35AAD5D2-DF63-EE2F-79C1-F0CAB2917DB1}"/>
-          </ac:spMkLst>
-        </pc:spChg>
-      </pc:sldChg>
-    </pc:docChg>
-  </pc:docChgLst>
-</pc:chgInfo>
 </file>
 
 <file path=ppt/notesMasters/notesMaster1.xml><?xml version="1.0" encoding="utf-8"?>
@@ -521,9 +477,7 @@
               <a:defRPr sz="1100"/>
             </a:lvl9pPr>
           </a:lstStyle>
-          <a:p>
-            <a:endParaRPr/>
-          </a:p>
+          <a:p/>
         </p:txBody>
       </p:sp>
     </p:spTree>
@@ -762,7 +716,7 @@
 </file>
 
 <file path=ppt/notesSlides/notesSlide1.xml><?xml version="1.0" encoding="utf-8"?>
-<p:notes xmlns:a="http://schemas.openxmlformats.org/drawingml/2006/main" xmlns:r="http://schemas.openxmlformats.org/officeDocument/2006/relationships" xmlns:p="http://schemas.openxmlformats.org/presentationml/2006/main" showMasterSp="0" showMasterPhAnim="0">
+<p:notes xmlns:a="http://schemas.openxmlformats.org/drawingml/2006/main" xmlns:r="http://schemas.openxmlformats.org/officeDocument/2006/relationships" xmlns:p="http://schemas.openxmlformats.org/presentationml/2006/main" showMasterPhAnim="0" showMasterSp="0">
   <p:cSld>
     <p:spTree>
       <p:nvGrpSpPr>
@@ -853,7 +807,6 @@
               </a:spcAft>
               <a:buNone/>
             </a:pPr>
-            <a:endParaRPr/>
           </a:p>
         </p:txBody>
       </p:sp>
@@ -866,7 +819,7 @@
 </file>
 
 <file path=ppt/slideLayouts/slideLayout1.xml><?xml version="1.0" encoding="utf-8"?>
-<p:sldLayout xmlns:a="http://schemas.openxmlformats.org/drawingml/2006/main" xmlns:r="http://schemas.openxmlformats.org/officeDocument/2006/relationships" xmlns:p="http://schemas.openxmlformats.org/presentationml/2006/main" matchingName="Title slide" type="title">
+<p:sldLayout xmlns:a="http://schemas.openxmlformats.org/drawingml/2006/main" xmlns:r="http://schemas.openxmlformats.org/officeDocument/2006/relationships" xmlns:p="http://schemas.openxmlformats.org/presentationml/2006/main" type="title" matchingName="Title slide">
   <p:cSld name="TITLE">
     <p:spTree>
       <p:nvGrpSpPr>
@@ -1065,9 +1018,7 @@
               </a:defRPr>
             </a:lvl9pPr>
           </a:lstStyle>
-          <a:p>
-            <a:endParaRPr/>
-          </a:p>
+          <a:p/>
         </p:txBody>
       </p:sp>
       <p:sp>
@@ -1225,9 +1176,7 @@
               <a:defRPr sz="1800"/>
             </a:lvl9pPr>
           </a:lstStyle>
-          <a:p>
-            <a:endParaRPr/>
-          </a:p>
+          <a:p/>
         </p:txBody>
       </p:sp>
       <p:grpSp>
@@ -1344,7 +1293,7 @@
 </file>
 
 <file path=ppt/slideLayouts/slideLayout2.xml><?xml version="1.0" encoding="utf-8"?>
-<p:sldLayout xmlns:a="http://schemas.openxmlformats.org/drawingml/2006/main" xmlns:r="http://schemas.openxmlformats.org/officeDocument/2006/relationships" xmlns:p="http://schemas.openxmlformats.org/presentationml/2006/main" matchingName="Title only" type="titleOnly">
+<p:sldLayout xmlns:a="http://schemas.openxmlformats.org/drawingml/2006/main" xmlns:r="http://schemas.openxmlformats.org/officeDocument/2006/relationships" xmlns:p="http://schemas.openxmlformats.org/presentationml/2006/main" type="titleOnly" matchingName="Title only">
   <p:cSld name="TITLE_ONLY">
     <p:spTree>
       <p:nvGrpSpPr>
@@ -1484,9 +1433,7 @@
               <a:defRPr/>
             </a:lvl9pPr>
           </a:lstStyle>
-          <a:p>
-            <a:endParaRPr/>
-          </a:p>
+          <a:p/>
         </p:txBody>
       </p:sp>
       <p:grpSp>
@@ -1743,9 +1690,7 @@
               <a:defRPr/>
             </a:lvl9pPr>
           </a:lstStyle>
-          <a:p>
-            <a:endParaRPr/>
-          </a:p>
+          <a:p/>
         </p:txBody>
       </p:sp>
       <p:sp>
@@ -1872,9 +1817,7 @@
               <a:defRPr/>
             </a:lvl9pPr>
           </a:lstStyle>
-          <a:p>
-            <a:endParaRPr/>
-          </a:p>
+          <a:p/>
         </p:txBody>
       </p:sp>
       <p:sp>
@@ -2158,9 +2101,7 @@
               <a:defRPr sz="4800"/>
             </a:lvl9pPr>
           </a:lstStyle>
-          <a:p>
-            <a:endParaRPr/>
-          </a:p>
+          <a:p/>
         </p:txBody>
       </p:sp>
       <p:grpSp>
@@ -2417,9 +2358,7 @@
               <a:defRPr/>
             </a:lvl9pPr>
           </a:lstStyle>
-          <a:p>
-            <a:endParaRPr/>
-          </a:p>
+          <a:p/>
         </p:txBody>
       </p:sp>
       <p:sp>
@@ -2573,9 +2512,7 @@
               <a:defRPr/>
             </a:lvl9pPr>
           </a:lstStyle>
-          <a:p>
-            <a:endParaRPr/>
-          </a:p>
+          <a:p/>
         </p:txBody>
       </p:sp>
       <p:grpSp>
@@ -2859,9 +2796,7 @@
               <a:defRPr/>
             </a:lvl9pPr>
           </a:lstStyle>
-          <a:p>
-            <a:endParaRPr/>
-          </a:p>
+          <a:p/>
         </p:txBody>
       </p:sp>
     </p:spTree>
@@ -3171,9 +3106,7 @@
               <a:defRPr sz="1600"/>
             </a:lvl9pPr>
           </a:lstStyle>
-          <a:p>
-            <a:endParaRPr/>
-          </a:p>
+          <a:p/>
         </p:txBody>
       </p:sp>
       <p:grpSp>
@@ -3680,9 +3613,7 @@
               </a:defRPr>
             </a:lvl9pPr>
           </a:lstStyle>
-          <a:p>
-            <a:endParaRPr/>
-          </a:p>
+          <a:p/>
         </p:txBody>
       </p:sp>
       <p:sp>
@@ -3948,9 +3879,7 @@
               </a:defRPr>
             </a:lvl9pPr>
           </a:lstStyle>
-          <a:p>
-            <a:endParaRPr/>
-          </a:p>
+          <a:p/>
         </p:txBody>
       </p:sp>
     </p:spTree>
@@ -3958,13 +3887,13 @@
   <p:clrMap bg1="lt1" tx1="dk1" bg2="dk2" tx2="lt2" accent1="accent1" accent2="accent2" accent3="accent3" accent4="accent4" accent5="accent5" accent6="accent6" hlink="hlink" folHlink="folHlink"/>
   <p:sldLayoutIdLst>
     <p:sldLayoutId id="2147483649" r:id="rId1"/>
-    <p:sldLayoutId id="2147483651" r:id="rId2"/>
-    <p:sldLayoutId id="2147483652" r:id="rId3"/>
-    <p:sldLayoutId id="2147483653" r:id="rId4"/>
-    <p:sldLayoutId id="2147483654" r:id="rId5"/>
-    <p:sldLayoutId id="2147483655" r:id="rId6"/>
-    <p:sldLayoutId id="2147483656" r:id="rId7"/>
-    <p:sldLayoutId id="2147483657" r:id="rId8"/>
+    <p:sldLayoutId id="2147483650" r:id="rId2"/>
+    <p:sldLayoutId id="2147483651" r:id="rId3"/>
+    <p:sldLayoutId id="2147483652" r:id="rId4"/>
+    <p:sldLayoutId id="2147483653" r:id="rId5"/>
+    <p:sldLayoutId id="2147483654" r:id="rId6"/>
+    <p:sldLayoutId id="2147483655" r:id="rId7"/>
+    <p:sldLayoutId id="2147483656" r:id="rId8"/>
   </p:sldLayoutIdLst>
   <p:hf hdr="0" ftr="0" dt="0"/>
   <p:txStyles>
@@ -4994,7 +4923,7 @@
                 <a:solidFill>
                   <a:schemeClr val="tx1"/>
                 </a:solidFill>
-                <a:hlinkClick r:id="rId3"/>
+                <a:hlinkClick r:id="rId1"/>
               </a:rPr>
               <a:t>maragonvalderrama@gmail.com</a:t>
             </a:r>
@@ -5022,6 +4951,11 @@
               </a:rPr>
               <a:t>)</a:t>
             </a:r>
+            <a:endParaRPr lang="es-ES" dirty="0">
+              <a:solidFill>
+                <a:schemeClr val="tx1"/>
+              </a:solidFill>
+            </a:endParaRPr>
           </a:p>
           <a:p>
             <a:r>
@@ -5031,6 +4965,152 @@
                 </a:solidFill>
               </a:rPr>
               <a:t>- Laura Belmonte (</a:t>
+            </a:r>
+            <a:r>
+              <a:rPr lang="es-ES" dirty="0">
+                <a:solidFill>
+                  <a:schemeClr val="tx1"/>
+                </a:solidFill>
+                <a:hlinkClick r:id="rId2"/>
+              </a:rPr>
+              <a:t>laura.Belmonte@estudiantat.upc.edu</a:t>
+            </a:r>
+            <a:r>
+              <a:rPr lang="es-ES" dirty="0">
+                <a:solidFill>
+                  <a:schemeClr val="tx1"/>
+                </a:solidFill>
+              </a:rPr>
+              <a:t>), (G05, </a:t>
+            </a:r>
+            <a:r>
+              <a:rPr lang="es-ES" dirty="0" err="1">
+                <a:solidFill>
+                  <a:schemeClr val="tx1"/>
+                </a:solidFill>
+              </a:rPr>
+              <a:t>laurabelvel</a:t>
+            </a:r>
+            <a:r>
+              <a:rPr lang="es-ES" dirty="0">
+                <a:solidFill>
+                  <a:schemeClr val="tx1"/>
+                </a:solidFill>
+              </a:rPr>
+              <a:t>)</a:t>
+            </a:r>
+            <a:endParaRPr lang="es-ES" dirty="0">
+              <a:solidFill>
+                <a:schemeClr val="tx1"/>
+              </a:solidFill>
+            </a:endParaRPr>
+          </a:p>
+          <a:p>
+            <a:r>
+              <a:rPr lang="es-ES" dirty="0">
+                <a:solidFill>
+                  <a:schemeClr val="tx1"/>
+                </a:solidFill>
+              </a:rPr>
+              <a:t>- </a:t>
+            </a:r>
+            <a:r>
+              <a:rPr lang="es-ES" dirty="0" err="1">
+                <a:solidFill>
+                  <a:schemeClr val="tx1"/>
+                </a:solidFill>
+              </a:rPr>
+              <a:t>Siling</a:t>
+            </a:r>
+            <a:r>
+              <a:rPr lang="es-ES" dirty="0">
+                <a:solidFill>
+                  <a:schemeClr val="tx1"/>
+                </a:solidFill>
+              </a:rPr>
+              <a:t> </a:t>
+            </a:r>
+            <a:r>
+              <a:rPr lang="es-ES" dirty="0" err="1">
+                <a:solidFill>
+                  <a:schemeClr val="tx1"/>
+                </a:solidFill>
+              </a:rPr>
+              <a:t>Guo</a:t>
+            </a:r>
+            <a:r>
+              <a:rPr lang="es-ES" dirty="0">
+                <a:solidFill>
+                  <a:schemeClr val="tx1"/>
+                </a:solidFill>
+              </a:rPr>
+              <a:t> (</a:t>
+            </a:r>
+            <a:r>
+              <a:rPr lang="es-ES" dirty="0">
+                <a:solidFill>
+                  <a:schemeClr val="tx1"/>
+                </a:solidFill>
+                <a:hlinkClick r:id="rId3"/>
+              </a:rPr>
+              <a:t>siling.guo@estudiantat.u</a:t>
+            </a:r>
+            <a:r>
+              <a:rPr lang="en-US" altLang="es-ES" dirty="0">
+                <a:solidFill>
+                  <a:schemeClr val="tx1"/>
+                </a:solidFill>
+                <a:hlinkClick r:id="rId3"/>
+              </a:rPr>
+              <a:t>pc</a:t>
+            </a:r>
+            <a:r>
+              <a:rPr lang="es-ES" dirty="0">
+                <a:solidFill>
+                  <a:schemeClr val="tx1"/>
+                </a:solidFill>
+                <a:hlinkClick r:id="rId3"/>
+              </a:rPr>
+              <a:t>.edu</a:t>
+            </a:r>
+            <a:r>
+              <a:rPr lang="es-ES" dirty="0">
+                <a:solidFill>
+                  <a:schemeClr val="tx1"/>
+                </a:solidFill>
+              </a:rPr>
+              <a:t>), (G05, </a:t>
+            </a:r>
+            <a:r>
+              <a:rPr lang="es-ES" dirty="0" err="1">
+                <a:solidFill>
+                  <a:schemeClr val="tx1"/>
+                </a:solidFill>
+              </a:rPr>
+              <a:t>silinguo</a:t>
+            </a:r>
+            <a:r>
+              <a:rPr lang="es-ES" dirty="0">
+                <a:solidFill>
+                  <a:schemeClr val="tx1"/>
+                </a:solidFill>
+              </a:rPr>
+              <a:t>)</a:t>
+            </a:r>
+            <a:endParaRPr lang="es-ES" dirty="0">
+              <a:solidFill>
+                <a:schemeClr val="tx1"/>
+              </a:solidFill>
+            </a:endParaRPr>
+          </a:p>
+          <a:p>
+            <a:r>
+              <a:rPr lang="es-ES" dirty="0">
+                <a:solidFill>
+                  <a:schemeClr val="tx1"/>
+                </a:solidFill>
+              </a:rPr>
+              <a:t>- Melissa Vargas (</a:t>
             </a:r>
             <a:r>
               <a:rPr lang="es-ES" dirty="0">
@@ -5039,7 +5119,7 @@
                 </a:solidFill>
                 <a:hlinkClick r:id="rId4"/>
               </a:rPr>
-              <a:t>laura.Belmonte@estudiantat.upc.edu</a:t>
+              <a:t>melissa.Vargas@estudiantat.upc.edu</a:t>
             </a:r>
             <a:r>
               <a:rPr lang="es-ES" dirty="0">
@@ -5055,7 +5135,7 @@
                   <a:schemeClr val="tx1"/>
                 </a:solidFill>
               </a:rPr>
-              <a:t>laurabelvel</a:t>
+              <a:t>matildasanchez</a:t>
             </a:r>
             <a:r>
               <a:rPr lang="es-ES" dirty="0">
@@ -5065,6 +5145,11 @@
               </a:rPr>
               <a:t>)</a:t>
             </a:r>
+            <a:endParaRPr lang="es-ES" dirty="0">
+              <a:solidFill>
+                <a:schemeClr val="tx1"/>
+              </a:solidFill>
+            </a:endParaRPr>
           </a:p>
           <a:p>
             <a:r>
@@ -5081,7 +5166,7 @@
                   <a:schemeClr val="tx1"/>
                 </a:solidFill>
               </a:rPr>
-              <a:t>Siling</a:t>
+              <a:t>Wenjia</a:t>
             </a:r>
             <a:r>
               <a:rPr lang="es-ES" dirty="0">
@@ -5089,23 +5174,7 @@
                   <a:schemeClr val="tx1"/>
                 </a:solidFill>
               </a:rPr>
-              <a:t> </a:t>
-            </a:r>
-            <a:r>
-              <a:rPr lang="es-ES" dirty="0" err="1">
-                <a:solidFill>
-                  <a:schemeClr val="tx1"/>
-                </a:solidFill>
-              </a:rPr>
-              <a:t>Guo</a:t>
-            </a:r>
-            <a:r>
-              <a:rPr lang="es-ES" dirty="0">
-                <a:solidFill>
-                  <a:schemeClr val="tx1"/>
-                </a:solidFill>
-              </a:rPr>
-              <a:t> (</a:t>
+              <a:t> Ye (</a:t>
             </a:r>
             <a:r>
               <a:rPr lang="es-ES" dirty="0">
@@ -5114,7 +5183,7 @@
                 </a:solidFill>
                 <a:hlinkClick r:id="rId5"/>
               </a:rPr>
-              <a:t>siling.guo@estudiantat.ub.edu</a:t>
+              <a:t>wenjia.ye@estudiantat.upc.edu</a:t>
             </a:r>
             <a:r>
               <a:rPr lang="es-ES" dirty="0">
@@ -5122,110 +5191,13 @@
                   <a:schemeClr val="tx1"/>
                 </a:solidFill>
               </a:rPr>
-              <a:t>), (G05, </a:t>
-            </a:r>
-            <a:r>
-              <a:rPr lang="es-ES" dirty="0" err="1">
-                <a:solidFill>
-                  <a:schemeClr val="tx1"/>
-                </a:solidFill>
-              </a:rPr>
-              <a:t>silinguo</a:t>
-            </a:r>
-            <a:r>
-              <a:rPr lang="es-ES" dirty="0">
-                <a:solidFill>
-                  <a:schemeClr val="tx1"/>
-                </a:solidFill>
-              </a:rPr>
-              <a:t>)</a:t>
-            </a:r>
-          </a:p>
-          <a:p>
-            <a:r>
-              <a:rPr lang="es-ES" dirty="0">
-                <a:solidFill>
-                  <a:schemeClr val="tx1"/>
-                </a:solidFill>
-              </a:rPr>
-              <a:t>- Melissa Vargas (</a:t>
-            </a:r>
-            <a:r>
-              <a:rPr lang="es-ES" dirty="0">
-                <a:solidFill>
-                  <a:schemeClr val="tx1"/>
-                </a:solidFill>
-                <a:hlinkClick r:id="rId6"/>
-              </a:rPr>
-              <a:t>melissa.Vargas@estudiantat.upc.edu</a:t>
-            </a:r>
-            <a:r>
-              <a:rPr lang="es-ES" dirty="0">
-                <a:solidFill>
-                  <a:schemeClr val="tx1"/>
-                </a:solidFill>
-              </a:rPr>
-              <a:t>), (G05, </a:t>
-            </a:r>
-            <a:r>
-              <a:rPr lang="es-ES" dirty="0" err="1">
-                <a:solidFill>
-                  <a:schemeClr val="tx1"/>
-                </a:solidFill>
-              </a:rPr>
-              <a:t>matildasanchez</a:t>
-            </a:r>
-            <a:r>
-              <a:rPr lang="es-ES" dirty="0">
-                <a:solidFill>
-                  <a:schemeClr val="tx1"/>
-                </a:solidFill>
-              </a:rPr>
-              <a:t>)</a:t>
-            </a:r>
-          </a:p>
-          <a:p>
-            <a:r>
-              <a:rPr lang="es-ES" dirty="0">
-                <a:solidFill>
-                  <a:schemeClr val="tx1"/>
-                </a:solidFill>
-              </a:rPr>
-              <a:t>- </a:t>
-            </a:r>
-            <a:r>
-              <a:rPr lang="es-ES" dirty="0" err="1">
-                <a:solidFill>
-                  <a:schemeClr val="tx1"/>
-                </a:solidFill>
-              </a:rPr>
-              <a:t>Wenjia</a:t>
-            </a:r>
-            <a:r>
-              <a:rPr lang="es-ES" dirty="0">
-                <a:solidFill>
-                  <a:schemeClr val="tx1"/>
-                </a:solidFill>
-              </a:rPr>
-              <a:t> Ye (</a:t>
-            </a:r>
-            <a:r>
-              <a:rPr lang="es-ES" dirty="0">
-                <a:solidFill>
-                  <a:schemeClr val="tx1"/>
-                </a:solidFill>
-                <a:hlinkClick r:id="rId7"/>
-              </a:rPr>
-              <a:t>wenjia.ye@estudiantat.upc.edu</a:t>
-            </a:r>
-            <a:r>
-              <a:rPr lang="es-ES" dirty="0">
-                <a:solidFill>
-                  <a:schemeClr val="tx1"/>
-                </a:solidFill>
-              </a:rPr>
               <a:t>), (G05, wenjiaye03)</a:t>
             </a:r>
+            <a:endParaRPr lang="es-ES" dirty="0">
+              <a:solidFill>
+                <a:schemeClr val="tx1"/>
+              </a:solidFill>
+            </a:endParaRPr>
           </a:p>
           <a:p>
             <a:pPr marL="342900" indent="-342900">
@@ -5247,7 +5219,7 @@
                 <a:highlight>
                   <a:srgbClr val="C0C0C0"/>
                 </a:highlight>
-                <a:hlinkClick r:id="rId8"/>
+                <a:hlinkClick r:id="rId6"/>
               </a:rPr>
               <a:t>Enlace </a:t>
             </a:r>
@@ -5259,7 +5231,7 @@
                 <a:highlight>
                   <a:srgbClr val="C0C0C0"/>
                 </a:highlight>
-                <a:hlinkClick r:id="rId8"/>
+                <a:hlinkClick r:id="rId6"/>
               </a:rPr>
               <a:t>Github</a:t>
             </a:r>
@@ -5290,7 +5262,7 @@
           <p:nvPr/>
         </p:nvPicPr>
         <p:blipFill>
-          <a:blip r:embed="rId9">
+          <a:blip r:embed="rId7">
             <a:extLst>
               <a:ext uri="{28A0092B-C50C-407E-A947-70E740481C1C}">
                 <a14:useLocalDpi xmlns:a14="http://schemas.microsoft.com/office/drawing/2010/main" val="0"/>
@@ -5350,6 +5322,9 @@
               </a:rPr>
               <a:t>Grado en Estadística</a:t>
             </a:r>
+            <a:endParaRPr lang="es-ES" dirty="0">
+              <a:latin typeface="Arial Black" panose="020B0A04020102020204" pitchFamily="34" charset="0"/>
+            </a:endParaRPr>
           </a:p>
         </p:txBody>
       </p:sp>
@@ -5362,7 +5337,7 @@
           <p:nvPr/>
         </p:nvPicPr>
         <p:blipFill>
-          <a:blip r:embed="rId10"/>
+          <a:blip r:embed="rId8"/>
           <a:stretch>
             <a:fillRect/>
           </a:stretch>
@@ -5405,6 +5380,9 @@
               </a:rPr>
               <a:t>Minería de datos</a:t>
             </a:r>
+            <a:endParaRPr lang="es-ES" dirty="0">
+              <a:latin typeface="Arial Black" panose="020B0A04020102020204" pitchFamily="34" charset="0"/>
+            </a:endParaRPr>
           </a:p>
         </p:txBody>
       </p:sp>
@@ -5471,13 +5449,7 @@
           <p:cNvGraphicFramePr>
             <a:graphicFrameLocks noGrp="1"/>
           </p:cNvGraphicFramePr>
-          <p:nvPr>
-            <p:extLst>
-              <p:ext uri="{D42A27DB-BD31-4B8C-83A1-F6EECF244321}">
-                <p14:modId xmlns:p14="http://schemas.microsoft.com/office/powerpoint/2010/main" val="3616029438"/>
-              </p:ext>
-            </p:extLst>
-          </p:nvPr>
+          <p:nvPr/>
         </p:nvGraphicFramePr>
         <p:xfrm>
           <a:off x="369480" y="1499123"/>
@@ -5490,20 +5462,8 @@
                 <a:tableStyleId>{69012ECD-51FC-41F1-AA8D-1B2483CD663E}</a:tableStyleId>
               </a:tblPr>
               <a:tblGrid>
-                <a:gridCol w="2213517">
-                  <a:extLst>
-                    <a:ext uri="{9D8B030D-6E8A-4147-A177-3AD203B41FA5}">
-                      <a16:colId xmlns:a16="http://schemas.microsoft.com/office/drawing/2014/main" val="20000"/>
-                    </a:ext>
-                  </a:extLst>
-                </a:gridCol>
-                <a:gridCol w="2213517">
-                  <a:extLst>
-                    <a:ext uri="{9D8B030D-6E8A-4147-A177-3AD203B41FA5}">
-                      <a16:colId xmlns:a16="http://schemas.microsoft.com/office/drawing/2014/main" val="20001"/>
-                    </a:ext>
-                  </a:extLst>
-                </a:gridCol>
+                <a:gridCol w="2213517"/>
+                <a:gridCol w="2213517"/>
               </a:tblGrid>
               <a:tr h="212904">
                 <a:tc>
@@ -5515,6 +5475,7 @@
                         <a:rPr lang="ca-ES" sz="1100" dirty="0"/>
                         <a:t>Característica</a:t>
                       </a:r>
+                      <a:endParaRPr lang="ca-ES" sz="1100" dirty="0"/>
                     </a:p>
                   </a:txBody>
                   <a:tcPr/>
@@ -5528,15 +5489,11 @@
                         <a:rPr lang="ca-ES" sz="1100" dirty="0"/>
                         <a:t>Valor</a:t>
                       </a:r>
+                      <a:endParaRPr lang="ca-ES" sz="1100" dirty="0"/>
                     </a:p>
                   </a:txBody>
                   <a:tcPr/>
                 </a:tc>
-                <a:extLst>
-                  <a:ext uri="{0D108BD9-81ED-4DB2-BD59-A6C34878D82A}">
-                    <a16:rowId xmlns:a16="http://schemas.microsoft.com/office/drawing/2014/main" val="10000"/>
-                  </a:ext>
-                </a:extLst>
               </a:tr>
               <a:tr h="212904">
                 <a:tc>
@@ -5562,15 +5519,11 @@
                         <a:rPr lang="ca-ES" sz="1100" dirty="0"/>
                         <a:t>Sí (ROSE: 43-57)</a:t>
                       </a:r>
+                      <a:endParaRPr lang="ca-ES" sz="1100" dirty="0"/>
                     </a:p>
                   </a:txBody>
                   <a:tcPr/>
                 </a:tc>
-                <a:extLst>
-                  <a:ext uri="{0D108BD9-81ED-4DB2-BD59-A6C34878D82A}">
-                    <a16:rowId xmlns:a16="http://schemas.microsoft.com/office/drawing/2014/main" val="10001"/>
-                  </a:ext>
-                </a:extLst>
               </a:tr>
               <a:tr h="212904">
                 <a:tc>
@@ -5600,15 +5553,11 @@
                         <a:rPr lang="ca-ES" sz="1100" dirty="0"/>
                         <a:t>0.43</a:t>
                       </a:r>
+                      <a:endParaRPr lang="ca-ES" sz="1100" dirty="0"/>
                     </a:p>
                   </a:txBody>
                   <a:tcPr/>
                 </a:tc>
-                <a:extLst>
-                  <a:ext uri="{0D108BD9-81ED-4DB2-BD59-A6C34878D82A}">
-                    <a16:rowId xmlns:a16="http://schemas.microsoft.com/office/drawing/2014/main" val="10002"/>
-                  </a:ext>
-                </a:extLst>
               </a:tr>
               <a:tr h="212904">
                 <a:tc>
@@ -5642,15 +5591,11 @@
                         <a:rPr lang="ca-ES" sz="1100" dirty="0"/>
                         <a:t>Sí</a:t>
                       </a:r>
+                      <a:endParaRPr lang="ca-ES" sz="1100" dirty="0"/>
                     </a:p>
                   </a:txBody>
                   <a:tcPr/>
                 </a:tc>
-                <a:extLst>
-                  <a:ext uri="{0D108BD9-81ED-4DB2-BD59-A6C34878D82A}">
-                    <a16:rowId xmlns:a16="http://schemas.microsoft.com/office/drawing/2014/main" val="10003"/>
-                  </a:ext>
-                </a:extLst>
               </a:tr>
               <a:tr h="212904">
                 <a:tc>
@@ -5688,15 +5633,11 @@
                         <a:rPr lang="ca-ES" sz="1100" dirty="0"/>
                         <a:t>)</a:t>
                       </a:r>
+                      <a:endParaRPr lang="ca-ES" sz="1100" dirty="0"/>
                     </a:p>
                   </a:txBody>
                   <a:tcPr/>
                 </a:tc>
-                <a:extLst>
-                  <a:ext uri="{0D108BD9-81ED-4DB2-BD59-A6C34878D82A}">
-                    <a16:rowId xmlns:a16="http://schemas.microsoft.com/office/drawing/2014/main" val="10004"/>
-                  </a:ext>
-                </a:extLst>
               </a:tr>
               <a:tr h="212904">
                 <a:tc>
@@ -5743,11 +5684,6 @@
                   </a:txBody>
                   <a:tcPr/>
                 </a:tc>
-                <a:extLst>
-                  <a:ext uri="{0D108BD9-81ED-4DB2-BD59-A6C34878D82A}">
-                    <a16:rowId xmlns:a16="http://schemas.microsoft.com/office/drawing/2014/main" val="10005"/>
-                  </a:ext>
-                </a:extLst>
               </a:tr>
               <a:tr h="361936">
                 <a:tc>
@@ -5810,11 +5746,6 @@
                   </a:txBody>
                   <a:tcPr/>
                 </a:tc>
-                <a:extLst>
-                  <a:ext uri="{0D108BD9-81ED-4DB2-BD59-A6C34878D82A}">
-                    <a16:rowId xmlns:a16="http://schemas.microsoft.com/office/drawing/2014/main" val="10006"/>
-                  </a:ext>
-                </a:extLst>
               </a:tr>
               <a:tr h="212904">
                 <a:tc>
@@ -5844,15 +5775,11 @@
                         <a:rPr lang="ca-ES" sz="1100" dirty="0"/>
                         <a:t>27</a:t>
                       </a:r>
+                      <a:endParaRPr lang="ca-ES" sz="1100" dirty="0"/>
                     </a:p>
                   </a:txBody>
                   <a:tcPr/>
                 </a:tc>
-                <a:extLst>
-                  <a:ext uri="{0D108BD9-81ED-4DB2-BD59-A6C34878D82A}">
-                    <a16:rowId xmlns:a16="http://schemas.microsoft.com/office/drawing/2014/main" val="10007"/>
-                  </a:ext>
-                </a:extLst>
               </a:tr>
               <a:tr h="212904">
                 <a:tc>
@@ -5882,15 +5809,11 @@
                         <a:rPr lang="ca-ES" sz="1100" dirty="0"/>
                         <a:t>14</a:t>
                       </a:r>
+                      <a:endParaRPr lang="ca-ES" sz="1100" dirty="0"/>
                     </a:p>
                   </a:txBody>
                   <a:tcPr/>
                 </a:tc>
-                <a:extLst>
-                  <a:ext uri="{0D108BD9-81ED-4DB2-BD59-A6C34878D82A}">
-                    <a16:rowId xmlns:a16="http://schemas.microsoft.com/office/drawing/2014/main" val="10008"/>
-                  </a:ext>
-                </a:extLst>
               </a:tr>
               <a:tr h="212904">
                 <a:tc>
@@ -5932,15 +5855,11 @@
                         <a:rPr lang="ca-ES" sz="1100" dirty="0"/>
                         <a:t>15</a:t>
                       </a:r>
+                      <a:endParaRPr lang="ca-ES" sz="1100" dirty="0"/>
                     </a:p>
                   </a:txBody>
                   <a:tcPr/>
                 </a:tc>
-                <a:extLst>
-                  <a:ext uri="{0D108BD9-81ED-4DB2-BD59-A6C34878D82A}">
-                    <a16:rowId xmlns:a16="http://schemas.microsoft.com/office/drawing/2014/main" val="10009"/>
-                  </a:ext>
-                </a:extLst>
               </a:tr>
             </a:tbl>
           </a:graphicData>
@@ -5987,13 +5906,7 @@
           <p:cNvGraphicFramePr>
             <a:graphicFrameLocks noGrp="1"/>
           </p:cNvGraphicFramePr>
-          <p:nvPr>
-            <p:extLst>
-              <p:ext uri="{D42A27DB-BD31-4B8C-83A1-F6EECF244321}">
-                <p14:modId xmlns:p14="http://schemas.microsoft.com/office/powerpoint/2010/main" val="1333039329"/>
-              </p:ext>
-            </p:extLst>
-          </p:nvPr>
+          <p:nvPr/>
         </p:nvGraphicFramePr>
         <p:xfrm>
           <a:off x="5221678" y="1499119"/>
@@ -6006,20 +5919,8 @@
                 <a:tableStyleId>{69012ECD-51FC-41F1-AA8D-1B2483CD663E}</a:tableStyleId>
               </a:tblPr>
               <a:tblGrid>
-                <a:gridCol w="1776421">
-                  <a:extLst>
-                    <a:ext uri="{9D8B030D-6E8A-4147-A177-3AD203B41FA5}">
-                      <a16:colId xmlns:a16="http://schemas.microsoft.com/office/drawing/2014/main" val="20000"/>
-                    </a:ext>
-                  </a:extLst>
-                </a:gridCol>
-                <a:gridCol w="1776421">
-                  <a:extLst>
-                    <a:ext uri="{9D8B030D-6E8A-4147-A177-3AD203B41FA5}">
-                      <a16:colId xmlns:a16="http://schemas.microsoft.com/office/drawing/2014/main" val="20001"/>
-                    </a:ext>
-                  </a:extLst>
-                </a:gridCol>
+                <a:gridCol w="1776421"/>
+                <a:gridCol w="1776421"/>
               </a:tblGrid>
               <a:tr h="293545">
                 <a:tc>
@@ -6031,6 +5932,7 @@
                         <a:rPr lang="ca-ES" sz="1100" dirty="0"/>
                         <a:t>KPI</a:t>
                       </a:r>
+                      <a:endParaRPr lang="ca-ES" sz="1100" dirty="0"/>
                     </a:p>
                   </a:txBody>
                   <a:tcPr/>
@@ -6044,15 +5946,11 @@
                         <a:rPr lang="ca-ES" sz="1100" dirty="0"/>
                         <a:t>Valor</a:t>
                       </a:r>
+                      <a:endParaRPr lang="ca-ES" sz="1100" dirty="0"/>
                     </a:p>
                   </a:txBody>
                   <a:tcPr/>
                 </a:tc>
-                <a:extLst>
-                  <a:ext uri="{0D108BD9-81ED-4DB2-BD59-A6C34878D82A}">
-                    <a16:rowId xmlns:a16="http://schemas.microsoft.com/office/drawing/2014/main" val="10000"/>
-                  </a:ext>
-                </a:extLst>
               </a:tr>
               <a:tr h="293545">
                 <a:tc>
@@ -6082,15 +5980,11 @@
                         <a:rPr lang="ca-ES" sz="1100" dirty="0"/>
                         <a:t>0.4870878</a:t>
                       </a:r>
+                      <a:endParaRPr lang="ca-ES" sz="1100" dirty="0"/>
                     </a:p>
                   </a:txBody>
                   <a:tcPr/>
                 </a:tc>
-                <a:extLst>
-                  <a:ext uri="{0D108BD9-81ED-4DB2-BD59-A6C34878D82A}">
-                    <a16:rowId xmlns:a16="http://schemas.microsoft.com/office/drawing/2014/main" val="10001"/>
-                  </a:ext>
-                </a:extLst>
               </a:tr>
               <a:tr h="293545">
                 <a:tc>
@@ -6102,6 +5996,7 @@
                         <a:rPr lang="ca-ES" sz="1100" dirty="0"/>
                         <a:t>F1 test</a:t>
                       </a:r>
+                      <a:endParaRPr lang="ca-ES" sz="1100" dirty="0"/>
                     </a:p>
                   </a:txBody>
                   <a:tcPr/>
@@ -6115,15 +6010,11 @@
                         <a:rPr lang="ca-ES" sz="1100" dirty="0"/>
                         <a:t>0.4990826</a:t>
                       </a:r>
+                      <a:endParaRPr lang="ca-ES" sz="1100" dirty="0"/>
                     </a:p>
                   </a:txBody>
                   <a:tcPr/>
                 </a:tc>
-                <a:extLst>
-                  <a:ext uri="{0D108BD9-81ED-4DB2-BD59-A6C34878D82A}">
-                    <a16:rowId xmlns:a16="http://schemas.microsoft.com/office/drawing/2014/main" val="10002"/>
-                  </a:ext>
-                </a:extLst>
               </a:tr>
               <a:tr h="293545">
                 <a:tc>
@@ -6157,15 +6048,11 @@
                         <a:rPr lang="ca-ES" sz="1100" dirty="0"/>
                         <a:t>0.607</a:t>
                       </a:r>
+                      <a:endParaRPr lang="ca-ES" sz="1100" dirty="0"/>
                     </a:p>
                   </a:txBody>
                   <a:tcPr/>
                 </a:tc>
-                <a:extLst>
-                  <a:ext uri="{0D108BD9-81ED-4DB2-BD59-A6C34878D82A}">
-                    <a16:rowId xmlns:a16="http://schemas.microsoft.com/office/drawing/2014/main" val="10003"/>
-                  </a:ext>
-                </a:extLst>
               </a:tr>
               <a:tr h="293545">
                 <a:tc>
@@ -6181,6 +6068,7 @@
                         <a:rPr lang="ca-ES" sz="1100" dirty="0"/>
                         <a:t> test</a:t>
                       </a:r>
+                      <a:endParaRPr lang="ca-ES" sz="1100" dirty="0"/>
                     </a:p>
                   </a:txBody>
                   <a:tcPr/>
@@ -6194,15 +6082,11 @@
                         <a:rPr lang="ca-ES" sz="1100" dirty="0"/>
                         <a:t>0.61678</a:t>
                       </a:r>
+                      <a:endParaRPr lang="ca-ES" sz="1100" dirty="0"/>
                     </a:p>
                   </a:txBody>
                   <a:tcPr/>
                 </a:tc>
-                <a:extLst>
-                  <a:ext uri="{0D108BD9-81ED-4DB2-BD59-A6C34878D82A}">
-                    <a16:rowId xmlns:a16="http://schemas.microsoft.com/office/drawing/2014/main" val="10004"/>
-                  </a:ext>
-                </a:extLst>
               </a:tr>
               <a:tr h="293545">
                 <a:tc>
@@ -6228,15 +6112,11 @@
                         <a:rPr lang="ca-ES" sz="1100" dirty="0"/>
                         <a:t>0.769982</a:t>
                       </a:r>
+                      <a:endParaRPr lang="ca-ES" sz="1100" dirty="0"/>
                     </a:p>
                   </a:txBody>
                   <a:tcPr/>
                 </a:tc>
-                <a:extLst>
-                  <a:ext uri="{0D108BD9-81ED-4DB2-BD59-A6C34878D82A}">
-                    <a16:rowId xmlns:a16="http://schemas.microsoft.com/office/drawing/2014/main" val="10005"/>
-                  </a:ext>
-                </a:extLst>
               </a:tr>
               <a:tr h="410084">
                 <a:tc>
@@ -6252,6 +6132,7 @@
                         <a:rPr lang="ca-ES" sz="1100" dirty="0"/>
                         <a:t> test</a:t>
                       </a:r>
+                      <a:endParaRPr lang="ca-ES" sz="1100" dirty="0"/>
                     </a:p>
                   </a:txBody>
                   <a:tcPr/>
@@ -6265,15 +6146,11 @@
                         <a:rPr lang="ca-ES" sz="1100" dirty="0"/>
                         <a:t>0.7727</a:t>
                       </a:r>
+                      <a:endParaRPr lang="ca-ES" sz="1100" dirty="0"/>
                     </a:p>
                   </a:txBody>
                   <a:tcPr/>
                 </a:tc>
-                <a:extLst>
-                  <a:ext uri="{0D108BD9-81ED-4DB2-BD59-A6C34878D82A}">
-                    <a16:rowId xmlns:a16="http://schemas.microsoft.com/office/drawing/2014/main" val="10006"/>
-                  </a:ext>
-                </a:extLst>
               </a:tr>
               <a:tr h="293545">
                 <a:tc>
@@ -6307,15 +6184,11 @@
                         <a:rPr lang="ca-ES" sz="1100" dirty="0"/>
                         <a:t>0.7365306</a:t>
                       </a:r>
+                      <a:endParaRPr lang="ca-ES" sz="1100" dirty="0"/>
                     </a:p>
                   </a:txBody>
                   <a:tcPr/>
                 </a:tc>
-                <a:extLst>
-                  <a:ext uri="{0D108BD9-81ED-4DB2-BD59-A6C34878D82A}">
-                    <a16:rowId xmlns:a16="http://schemas.microsoft.com/office/drawing/2014/main" val="10007"/>
-                  </a:ext>
-                </a:extLst>
               </a:tr>
               <a:tr h="293545">
                 <a:tc>
@@ -6331,6 +6204,7 @@
                         <a:rPr lang="ca-ES" sz="1100" dirty="0"/>
                         <a:t> test</a:t>
                       </a:r>
+                      <a:endParaRPr lang="ca-ES" sz="1100" dirty="0"/>
                     </a:p>
                   </a:txBody>
                   <a:tcPr/>
@@ -6344,15 +6218,11 @@
                         <a:rPr lang="ca-ES" sz="1100" dirty="0"/>
                         <a:t>0.74</a:t>
                       </a:r>
+                      <a:endParaRPr lang="ca-ES" sz="1100" dirty="0"/>
                     </a:p>
                   </a:txBody>
                   <a:tcPr/>
                 </a:tc>
-                <a:extLst>
-                  <a:ext uri="{0D108BD9-81ED-4DB2-BD59-A6C34878D82A}">
-                    <a16:rowId xmlns:a16="http://schemas.microsoft.com/office/drawing/2014/main" val="10008"/>
-                  </a:ext>
-                </a:extLst>
               </a:tr>
             </a:tbl>
           </a:graphicData>
@@ -6392,7 +6262,7 @@
           <p:nvPr/>
         </p:nvPicPr>
         <p:blipFill>
-          <a:blip r:embed="rId2"/>
+          <a:blip r:embed="rId1"/>
           <a:stretch>
             <a:fillRect/>
           </a:stretch>
@@ -6409,13 +6279,7 @@
       </p:pic>
       <p:sp>
         <p:nvSpPr>
-          <p:cNvPr id="2" name="TextBox 1">
-            <a:extLst>
-              <a:ext uri="{FF2B5EF4-FFF2-40B4-BE49-F238E27FC236}">
-                <a16:creationId xmlns:a16="http://schemas.microsoft.com/office/drawing/2014/main" id="{7B9C6DA5-3145-B0ED-C9C6-3EEBA06235C6}"/>
-              </a:ext>
-            </a:extLst>
-          </p:cNvPr>
+          <p:cNvPr id="2" name="TextBox 1"/>
           <p:cNvSpPr txBox="1"/>
           <p:nvPr/>
         </p:nvSpPr>
@@ -6436,9 +6300,10 @@
           <a:lstStyle/>
           <a:p>
             <a:r>
-              <a:rPr lang="en-ES" b="1" dirty="0"/>
+              <a:rPr lang="en-US" b="1" dirty="0"/>
               <a:t>Las variables más importantes </a:t>
             </a:r>
+            <a:endParaRPr lang="en-US" b="1" dirty="0"/>
           </a:p>
           <a:p>
             <a:pPr marL="285750" indent="-285750">
@@ -6453,6 +6318,7 @@
               <a:rPr lang="en-GB" sz="1200" dirty="0"/>
               <a:t>  </a:t>
             </a:r>
+            <a:endParaRPr lang="en-GB" sz="1200" dirty="0"/>
           </a:p>
           <a:p>
             <a:pPr marL="285750" indent="-285750">
@@ -6475,26 +6341,20 @@
               <a:rPr lang="en-GB" sz="1200" dirty="0"/>
               <a:t> banco</a:t>
             </a:r>
-            <a:endParaRPr lang="en-ES" sz="1200" dirty="0"/>
+            <a:endParaRPr lang="en-US" sz="1200" dirty="0"/>
           </a:p>
         </p:txBody>
       </p:sp>
       <p:pic>
         <p:nvPicPr>
-          <p:cNvPr id="5" name="Picture 4" descr="A graph with red dots and blue lines&#10;&#10;AI-generated content may be incorrect.">
-            <a:extLst>
-              <a:ext uri="{FF2B5EF4-FFF2-40B4-BE49-F238E27FC236}">
-                <a16:creationId xmlns:a16="http://schemas.microsoft.com/office/drawing/2014/main" id="{DC1FC1D7-9B3C-12AD-0C86-48078DF9D2C4}"/>
-              </a:ext>
-            </a:extLst>
-          </p:cNvPr>
+          <p:cNvPr id="5" name="Picture 4" descr="A graph with red dots and blue lines&#10;&#10;AI-generated content may be incorrect."/>
           <p:cNvPicPr>
             <a:picLocks noChangeAspect="1"/>
           </p:cNvPicPr>
           <p:nvPr/>
         </p:nvPicPr>
         <p:blipFill>
-          <a:blip r:embed="rId3"/>
+          <a:blip r:embed="rId2"/>
           <a:stretch>
             <a:fillRect/>
           </a:stretch>
@@ -6511,20 +6371,14 @@
       </p:pic>
       <p:pic>
         <p:nvPicPr>
-          <p:cNvPr id="7" name="Picture 6" descr="A diagram of a family tree&#10;&#10;AI-generated content may be incorrect.">
-            <a:extLst>
-              <a:ext uri="{FF2B5EF4-FFF2-40B4-BE49-F238E27FC236}">
-                <a16:creationId xmlns:a16="http://schemas.microsoft.com/office/drawing/2014/main" id="{A3E3CB3F-4865-6CA8-52D6-66CA6A623D08}"/>
-              </a:ext>
-            </a:extLst>
-          </p:cNvPr>
+          <p:cNvPr id="7" name="Picture 6" descr="A diagram of a family tree&#10;&#10;AI-generated content may be incorrect."/>
           <p:cNvPicPr>
             <a:picLocks noChangeAspect="1"/>
           </p:cNvPicPr>
           <p:nvPr/>
         </p:nvPicPr>
         <p:blipFill>
-          <a:blip r:embed="rId4"/>
+          <a:blip r:embed="rId3"/>
           <a:stretch>
             <a:fillRect/>
           </a:stretch>
@@ -6547,6 +6401,8 @@
               <a:srgbClr val="FFFFFF"/>
             </a:solidFill>
             <a:miter lim="800000"/>
+            <a:headEnd/>
+            <a:tailEnd/>
           </a:ln>
           <a:effectLst>
             <a:outerShdw blurRad="55000" dist="18000" dir="5400000" algn="tl" rotWithShape="0">
@@ -6750,13 +6606,7 @@
   <p:cSld>
     <p:spTree>
       <p:nvGrpSpPr>
-        <p:cNvPr id="1" name="">
-          <a:extLst>
-            <a:ext uri="{FF2B5EF4-FFF2-40B4-BE49-F238E27FC236}">
-              <a16:creationId xmlns:a16="http://schemas.microsoft.com/office/drawing/2014/main" id="{0C7F3FB6-0B3A-0034-1847-7992A2337B70}"/>
-            </a:ext>
-          </a:extLst>
-        </p:cNvPr>
+        <p:cNvPr id="1" name=""/>
         <p:cNvGrpSpPr/>
         <p:nvPr/>
       </p:nvGrpSpPr>
@@ -6770,13 +6620,7 @@
       </p:grpSpPr>
       <p:sp>
         <p:nvSpPr>
-          <p:cNvPr id="2" name="Título 1">
-            <a:extLst>
-              <a:ext uri="{FF2B5EF4-FFF2-40B4-BE49-F238E27FC236}">
-                <a16:creationId xmlns:a16="http://schemas.microsoft.com/office/drawing/2014/main" id="{292F289C-7F3A-0FA1-5ADE-478623348792}"/>
-              </a:ext>
-            </a:extLst>
-          </p:cNvPr>
+          <p:cNvPr id="2" name="Título 1"/>
           <p:cNvSpPr>
             <a:spLocks noGrp="1"/>
           </p:cNvSpPr>
@@ -6809,13 +6653,7 @@
       </p:sp>
       <p:sp>
         <p:nvSpPr>
-          <p:cNvPr id="5" name="CuadroTexto 4">
-            <a:extLst>
-              <a:ext uri="{FF2B5EF4-FFF2-40B4-BE49-F238E27FC236}">
-                <a16:creationId xmlns:a16="http://schemas.microsoft.com/office/drawing/2014/main" id="{CA24C387-6A16-E8AF-E5B9-811810BD2EF2}"/>
-              </a:ext>
-            </a:extLst>
-          </p:cNvPr>
+          <p:cNvPr id="5" name="CuadroTexto 4"/>
           <p:cNvSpPr txBox="1"/>
           <p:nvPr/>
         </p:nvSpPr>
@@ -6847,6 +6685,7 @@
               <a:rPr lang="es-ES" dirty="0"/>
               <a:t>Data completo.                 Métricas no destacables.</a:t>
             </a:r>
+            <a:endParaRPr lang="es-ES" dirty="0"/>
           </a:p>
           <a:p>
             <a:pPr marL="285750" lvl="3" indent="-285750">
@@ -6905,6 +6744,9 @@
               </a:rPr>
               <a:t>).            </a:t>
             </a:r>
+            <a:endParaRPr lang="en-US" altLang="zh-CN" dirty="0">
+              <a:sym typeface="+mn-ea"/>
+            </a:endParaRPr>
           </a:p>
           <a:p>
             <a:pPr marL="285750" indent="-285750">
@@ -6931,6 +6773,7 @@
               <a:rPr lang="es-ES" dirty="0"/>
               <a:t> reducido.</a:t>
             </a:r>
+            <a:endParaRPr lang="es-ES" dirty="0"/>
           </a:p>
           <a:p>
             <a:pPr marL="285750" lvl="3" indent="-285750">
@@ -6953,6 +6796,7 @@
               <a:rPr lang="es-ES" dirty="0"/>
               <a:t>.</a:t>
             </a:r>
+            <a:endParaRPr lang="es-ES" dirty="0"/>
           </a:p>
           <a:p>
             <a:pPr marL="285750" lvl="3" indent="-285750">
@@ -6975,6 +6819,7 @@
               <a:rPr lang="es-ES" dirty="0"/>
               <a:t>.</a:t>
             </a:r>
+            <a:endParaRPr lang="es-ES" dirty="0"/>
           </a:p>
           <a:p>
             <a:endParaRPr lang="es-ES" dirty="0"/>
@@ -6988,6 +6833,7 @@
               <a:rPr lang="es-ES" sz="1600" b="1" dirty="0"/>
               <a:t> del mejor: </a:t>
             </a:r>
+            <a:endParaRPr lang="es-ES" sz="1600" b="1" dirty="0"/>
           </a:p>
           <a:p>
             <a:endParaRPr lang="es-ES" b="1" dirty="0"/>
@@ -7013,6 +6859,7 @@
               <a:rPr lang="es-ES" dirty="0"/>
               <a:t> y es estable.</a:t>
             </a:r>
+            <a:endParaRPr lang="es-ES" dirty="0"/>
           </a:p>
           <a:p>
             <a:pPr marL="285750" indent="-285750">
@@ -7039,6 +6886,7 @@
               <a:rPr lang="es-ES" dirty="0"/>
               <a:t>.</a:t>
             </a:r>
+            <a:endParaRPr lang="es-ES" dirty="0"/>
           </a:p>
           <a:p>
             <a:pPr marL="285750" indent="-285750">
@@ -7073,6 +6921,7 @@
               <a:rPr lang="es-ES" dirty="0"/>
               <a:t>=5.</a:t>
             </a:r>
+            <a:endParaRPr lang="es-ES" dirty="0"/>
           </a:p>
           <a:p>
             <a:pPr marL="285750" indent="-285750">
@@ -7110,6 +6959,7 @@
               <a:rPr lang="es-ES" dirty="0"/>
               <a:t>Métricas obtenidas con p=0,06.</a:t>
             </a:r>
+            <a:endParaRPr lang="es-ES" dirty="0"/>
           </a:p>
           <a:p>
             <a:pPr marL="285750" indent="-285750">
@@ -7122,13 +6972,7 @@
       </p:sp>
       <p:sp>
         <p:nvSpPr>
-          <p:cNvPr id="6" name="Flecha: a la derecha 5">
-            <a:extLst>
-              <a:ext uri="{FF2B5EF4-FFF2-40B4-BE49-F238E27FC236}">
-                <a16:creationId xmlns:a16="http://schemas.microsoft.com/office/drawing/2014/main" id="{960D4467-E153-86D2-A2DC-D941EB45263E}"/>
-              </a:ext>
-            </a:extLst>
-          </p:cNvPr>
+          <p:cNvPr id="6" name="Flecha: a la derecha 5"/>
           <p:cNvSpPr/>
           <p:nvPr/>
         </p:nvSpPr>
@@ -7168,13 +7012,7 @@
       </p:sp>
       <p:sp>
         <p:nvSpPr>
-          <p:cNvPr id="7" name="Flecha: a la derecha 6">
-            <a:extLst>
-              <a:ext uri="{FF2B5EF4-FFF2-40B4-BE49-F238E27FC236}">
-                <a16:creationId xmlns:a16="http://schemas.microsoft.com/office/drawing/2014/main" id="{82BA70BD-DC96-5102-F3C5-E7313A0F35AD}"/>
-              </a:ext>
-            </a:extLst>
-          </p:cNvPr>
+          <p:cNvPr id="7" name="Flecha: a la derecha 6"/>
           <p:cNvSpPr/>
           <p:nvPr/>
         </p:nvSpPr>
@@ -7214,13 +7052,7 @@
       </p:sp>
       <p:sp>
         <p:nvSpPr>
-          <p:cNvPr id="9" name="Flecha: a la derecha 8">
-            <a:extLst>
-              <a:ext uri="{FF2B5EF4-FFF2-40B4-BE49-F238E27FC236}">
-                <a16:creationId xmlns:a16="http://schemas.microsoft.com/office/drawing/2014/main" id="{6A0B7F8B-B8DC-ECFC-2CD9-483238071DB4}"/>
-              </a:ext>
-            </a:extLst>
-          </p:cNvPr>
+          <p:cNvPr id="9" name="Flecha: a la derecha 8"/>
           <p:cNvSpPr/>
           <p:nvPr/>
         </p:nvSpPr>
@@ -7260,13 +7092,7 @@
       </p:sp>
       <p:sp>
         <p:nvSpPr>
-          <p:cNvPr id="11" name="CuadroTexto 10">
-            <a:extLst>
-              <a:ext uri="{FF2B5EF4-FFF2-40B4-BE49-F238E27FC236}">
-                <a16:creationId xmlns:a16="http://schemas.microsoft.com/office/drawing/2014/main" id="{53BD1220-CE1A-331A-047F-390BDD4C319A}"/>
-              </a:ext>
-            </a:extLst>
-          </p:cNvPr>
+          <p:cNvPr id="11" name="CuadroTexto 10"/>
           <p:cNvSpPr txBox="1"/>
           <p:nvPr/>
         </p:nvSpPr>
@@ -7320,6 +7146,7 @@
               <a:rPr lang="en-US" dirty="0"/>
               <a:t>  Specificity  F1_Score</a:t>
             </a:r>
+            <a:endParaRPr lang="en-US" dirty="0"/>
           </a:p>
           <a:p>
             <a:pPr latinLnBrk="1"/>
@@ -7327,6 +7154,7 @@
               <a:rPr lang="en-US" dirty="0"/>
               <a:t>1  Train2  0.2071429  0.7928571  0.500000          0.5783251      0.8489060 0.5363180</a:t>
             </a:r>
+            <a:endParaRPr lang="en-US" dirty="0"/>
           </a:p>
           <a:p>
             <a:pPr latinLnBrk="1"/>
@@ -7334,15 +7162,11 @@
               <a:rPr lang="en-US" dirty="0"/>
               <a:t>2   Test2  0.2200000  0.7800000  0.473161          0.5471264      0.8408408 0.5074627</a:t>
             </a:r>
+            <a:endParaRPr lang="en-US" dirty="0"/>
           </a:p>
         </p:txBody>
       </p:sp>
     </p:spTree>
-    <p:extLst>
-      <p:ext uri="{BB962C8B-B14F-4D97-AF65-F5344CB8AC3E}">
-        <p14:creationId xmlns:p14="http://schemas.microsoft.com/office/powerpoint/2010/main" val="2044926557"/>
-      </p:ext>
-    </p:extLst>
   </p:cSld>
   <p:clrMapOvr>
     <a:masterClrMapping/>
@@ -7392,13 +7216,7 @@
       </p:sp>
       <p:sp>
         <p:nvSpPr>
-          <p:cNvPr id="6" name="CuadroTexto 5">
-            <a:extLst>
-              <a:ext uri="{FF2B5EF4-FFF2-40B4-BE49-F238E27FC236}">
-                <a16:creationId xmlns:a16="http://schemas.microsoft.com/office/drawing/2014/main" id="{7F872B8B-55D2-42B7-CD9B-7BCC543EDA08}"/>
-              </a:ext>
-            </a:extLst>
-          </p:cNvPr>
+          <p:cNvPr id="6" name="CuadroTexto 5"/>
           <p:cNvSpPr txBox="1"/>
           <p:nvPr/>
         </p:nvSpPr>
@@ -7430,6 +7248,7 @@
               <a:rPr lang="es-ES" dirty="0"/>
               <a:t>Data completo.               </a:t>
             </a:r>
+            <a:endParaRPr lang="es-ES" dirty="0"/>
           </a:p>
           <a:p>
             <a:pPr marL="285750" lvl="3" indent="-285750">
@@ -7488,6 +7307,9 @@
               </a:rPr>
               <a:t>).            </a:t>
             </a:r>
+            <a:endParaRPr lang="en-US" altLang="zh-CN" dirty="0">
+              <a:sym typeface="+mn-ea"/>
+            </a:endParaRPr>
           </a:p>
           <a:p>
             <a:pPr marL="285750" indent="-285750">
@@ -7514,6 +7336,7 @@
               <a:rPr lang="es-ES" dirty="0"/>
               <a:t> reducido.</a:t>
             </a:r>
+            <a:endParaRPr lang="es-ES" dirty="0"/>
           </a:p>
           <a:p>
             <a:pPr marL="285750" indent="-285750">
@@ -7561,6 +7384,7 @@
               <a:rPr lang="es-ES" sz="1600" b="1" dirty="0"/>
               <a:t> del mejor: </a:t>
             </a:r>
+            <a:endParaRPr lang="es-ES" sz="1600" b="1" dirty="0"/>
           </a:p>
           <a:p>
             <a:endParaRPr lang="es-ES" b="1" dirty="0"/>
@@ -7586,6 +7410,7 @@
               <a:rPr lang="es-ES" dirty="0"/>
               <a:t> y es estable.</a:t>
             </a:r>
+            <a:endParaRPr lang="es-ES" dirty="0"/>
           </a:p>
           <a:p>
             <a:pPr marL="285750" indent="-285750">
@@ -7612,6 +7437,7 @@
               <a:rPr lang="es-ES" dirty="0"/>
               <a:t>.</a:t>
             </a:r>
+            <a:endParaRPr lang="es-ES" dirty="0"/>
           </a:p>
           <a:p>
             <a:pPr marL="285750" indent="-285750">
@@ -7646,6 +7472,7 @@
               <a:rPr lang="es-ES" dirty="0"/>
               <a:t>=5.</a:t>
             </a:r>
+            <a:endParaRPr lang="es-ES" dirty="0"/>
           </a:p>
           <a:p>
             <a:pPr marL="285750" indent="-285750">
@@ -7683,6 +7510,7 @@
               <a:rPr lang="es-ES" dirty="0"/>
               <a:t>Métricas obtenidas con p=0,06.</a:t>
             </a:r>
+            <a:endParaRPr lang="es-ES" dirty="0"/>
           </a:p>
           <a:p>
             <a:pPr marL="285750" indent="-285750">
@@ -7720,13 +7548,7 @@
       </p:grpSpPr>
       <p:sp>
         <p:nvSpPr>
-          <p:cNvPr id="2" name="Título 1">
-            <a:extLst>
-              <a:ext uri="{FF2B5EF4-FFF2-40B4-BE49-F238E27FC236}">
-                <a16:creationId xmlns:a16="http://schemas.microsoft.com/office/drawing/2014/main" id="{8D3930F5-ACC3-7379-7FD6-8B2C2ABF6A05}"/>
-              </a:ext>
-            </a:extLst>
-          </p:cNvPr>
+          <p:cNvPr id="2" name="Título 1"/>
           <p:cNvSpPr>
             <a:spLocks noGrp="1"/>
           </p:cNvSpPr>
@@ -7743,18 +7565,13 @@
               <a:rPr lang="es-ES" dirty="0"/>
               <a:t>GLM</a:t>
             </a:r>
+            <a:endParaRPr lang="es-ES" dirty="0"/>
           </a:p>
         </p:txBody>
       </p:sp>
       <p:sp>
         <p:nvSpPr>
-          <p:cNvPr id="4" name="CuadroTexto 3">
-            <a:extLst>
-              <a:ext uri="{FF2B5EF4-FFF2-40B4-BE49-F238E27FC236}">
-                <a16:creationId xmlns:a16="http://schemas.microsoft.com/office/drawing/2014/main" id="{A19C81F1-A15F-835A-5E3B-0AFBC06BA8D2}"/>
-              </a:ext>
-            </a:extLst>
-          </p:cNvPr>
+          <p:cNvPr id="4" name="CuadroTexto 3"/>
           <p:cNvSpPr txBox="1"/>
           <p:nvPr/>
         </p:nvSpPr>
@@ -7861,6 +7678,7 @@
               <a:rPr lang="es-ES" b="1" dirty="0"/>
               <a:t>.</a:t>
             </a:r>
+            <a:endParaRPr lang="es-ES" b="1" dirty="0"/>
           </a:p>
           <a:p>
             <a:pPr marL="285750" indent="-285750">
@@ -7883,6 +7701,7 @@
               <a:rPr lang="es-ES" dirty="0"/>
               <a:t>               Peor</a:t>
             </a:r>
+            <a:endParaRPr lang="es-ES" dirty="0"/>
           </a:p>
           <a:p>
             <a:pPr marL="285750" indent="-285750">
@@ -7897,6 +7716,7 @@
               <a:rPr lang="es-ES" dirty="0"/>
               <a:t>Data reducido                 Mejores resultados.</a:t>
             </a:r>
+            <a:endParaRPr lang="es-ES" dirty="0"/>
           </a:p>
           <a:p>
             <a:pPr marL="285750" indent="-285750">
@@ -7911,6 +7731,7 @@
               <a:rPr lang="es-ES" dirty="0"/>
               <a:t>Balance               F1 MUUUUUY bajo</a:t>
             </a:r>
+            <a:endParaRPr lang="es-ES" dirty="0"/>
           </a:p>
           <a:p>
             <a:pPr marL="285750" indent="-285750">
@@ -7937,6 +7758,7 @@
               <a:rPr lang="es-ES" dirty="0"/>
               <a:t> de las variables categóricas.               No afecta en las métricas.</a:t>
             </a:r>
+            <a:endParaRPr lang="es-ES" dirty="0"/>
           </a:p>
           <a:p>
             <a:pPr marL="285750" indent="-285750">
@@ -7960,6 +7782,7 @@
               <a:rPr lang="es-ES" dirty="0"/>
               <a:t>Características: </a:t>
             </a:r>
+            <a:endParaRPr lang="es-ES" dirty="0"/>
           </a:p>
           <a:p>
             <a:pPr>
@@ -7983,6 +7806,7 @@
               <a:rPr lang="es-ES" dirty="0"/>
               <a:t>El punto de corte óptimo es: p=0.2071429.</a:t>
             </a:r>
+            <a:endParaRPr lang="es-ES" dirty="0"/>
           </a:p>
           <a:p>
             <a:pPr marL="285750" indent="-285750">
@@ -8003,13 +7827,7 @@
       </p:sp>
       <p:sp>
         <p:nvSpPr>
-          <p:cNvPr id="3" name="CuadroTexto 2">
-            <a:extLst>
-              <a:ext uri="{FF2B5EF4-FFF2-40B4-BE49-F238E27FC236}">
-                <a16:creationId xmlns:a16="http://schemas.microsoft.com/office/drawing/2014/main" id="{E1F418CC-45B9-57D6-1A31-8F0E6480A384}"/>
-              </a:ext>
-            </a:extLst>
-          </p:cNvPr>
+          <p:cNvPr id="3" name="CuadroTexto 2"/>
           <p:cNvSpPr txBox="1"/>
           <p:nvPr/>
         </p:nvSpPr>
@@ -8063,6 +7881,7 @@
               <a:rPr lang="en-US" dirty="0"/>
               <a:t>  Specificity   F1_Score</a:t>
             </a:r>
+            <a:endParaRPr lang="en-US" dirty="0"/>
           </a:p>
           <a:p>
             <a:pPr latinLnBrk="1"/>
@@ -8070,6 +7889,7 @@
               <a:rPr lang="en-US" dirty="0"/>
               <a:t>1  Train2  0.3273469  0.6726531 0.3516373       0.6876847       0.6687259   0.4653333</a:t>
             </a:r>
+            <a:endParaRPr lang="en-US" dirty="0"/>
           </a:p>
           <a:p>
             <a:pPr latinLnBrk="1"/>
@@ -8077,18 +7897,13 @@
               <a:rPr lang="en-US" dirty="0"/>
               <a:t>2   Test2  0.3261905  0.6738095 0.3549884       0.7034483       0.6660661   0.4718581</a:t>
             </a:r>
+            <a:endParaRPr lang="en-US" dirty="0"/>
           </a:p>
         </p:txBody>
       </p:sp>
       <p:sp>
         <p:nvSpPr>
-          <p:cNvPr id="5" name="Flecha: a la derecha 6">
-            <a:extLst>
-              <a:ext uri="{FF2B5EF4-FFF2-40B4-BE49-F238E27FC236}">
-                <a16:creationId xmlns:a16="http://schemas.microsoft.com/office/drawing/2014/main" id="{204E4731-EE50-1A0F-78FA-AB260AF750BB}"/>
-              </a:ext>
-            </a:extLst>
-          </p:cNvPr>
+          <p:cNvPr id="5" name="Flecha: a la derecha 6"/>
           <p:cNvSpPr/>
           <p:nvPr/>
         </p:nvSpPr>
@@ -8128,13 +7943,7 @@
       </p:sp>
       <p:sp>
         <p:nvSpPr>
-          <p:cNvPr id="6" name="Flecha: a la derecha 6">
-            <a:extLst>
-              <a:ext uri="{FF2B5EF4-FFF2-40B4-BE49-F238E27FC236}">
-                <a16:creationId xmlns:a16="http://schemas.microsoft.com/office/drawing/2014/main" id="{6B6A870F-515E-0390-802A-DF886CC83BE7}"/>
-              </a:ext>
-            </a:extLst>
-          </p:cNvPr>
+          <p:cNvPr id="6" name="Flecha: a la derecha 6"/>
           <p:cNvSpPr/>
           <p:nvPr/>
         </p:nvSpPr>
@@ -8174,13 +7983,7 @@
       </p:sp>
       <p:sp>
         <p:nvSpPr>
-          <p:cNvPr id="7" name="Flecha: a la derecha 6">
-            <a:extLst>
-              <a:ext uri="{FF2B5EF4-FFF2-40B4-BE49-F238E27FC236}">
-                <a16:creationId xmlns:a16="http://schemas.microsoft.com/office/drawing/2014/main" id="{7CE7682A-2D1D-1842-85BD-4E3D66105BBF}"/>
-              </a:ext>
-            </a:extLst>
-          </p:cNvPr>
+          <p:cNvPr id="7" name="Flecha: a la derecha 6"/>
           <p:cNvSpPr/>
           <p:nvPr/>
         </p:nvSpPr>
@@ -8220,13 +8023,7 @@
       </p:sp>
       <p:sp>
         <p:nvSpPr>
-          <p:cNvPr id="8" name="Flecha: a la derecha 6">
-            <a:extLst>
-              <a:ext uri="{FF2B5EF4-FFF2-40B4-BE49-F238E27FC236}">
-                <a16:creationId xmlns:a16="http://schemas.microsoft.com/office/drawing/2014/main" id="{C1AEEB45-25E2-1430-61A9-4142E17901FF}"/>
-              </a:ext>
-            </a:extLst>
-          </p:cNvPr>
+          <p:cNvPr id="8" name="Flecha: a la derecha 6"/>
           <p:cNvSpPr/>
           <p:nvPr/>
         </p:nvSpPr>
@@ -8266,13 +8063,7 @@
       </p:sp>
       <p:sp>
         <p:nvSpPr>
-          <p:cNvPr id="9" name="Flecha: a la derecha 6">
-            <a:extLst>
-              <a:ext uri="{FF2B5EF4-FFF2-40B4-BE49-F238E27FC236}">
-                <a16:creationId xmlns:a16="http://schemas.microsoft.com/office/drawing/2014/main" id="{9AA757AE-5FCC-903E-E3FA-E4854B27FAC4}"/>
-              </a:ext>
-            </a:extLst>
-          </p:cNvPr>
+          <p:cNvPr id="9" name="Flecha: a la derecha 6"/>
           <p:cNvSpPr/>
           <p:nvPr/>
         </p:nvSpPr>
@@ -8312,13 +8103,7 @@
       </p:sp>
       <p:sp>
         <p:nvSpPr>
-          <p:cNvPr id="10" name="Flecha: a la derecha 9">
-            <a:extLst>
-              <a:ext uri="{FF2B5EF4-FFF2-40B4-BE49-F238E27FC236}">
-                <a16:creationId xmlns:a16="http://schemas.microsoft.com/office/drawing/2014/main" id="{48A9109A-0AA2-C610-2B4B-661AAC7895C3}"/>
-              </a:ext>
-            </a:extLst>
-          </p:cNvPr>
+          <p:cNvPr id="10" name="Flecha: a la derecha 9"/>
           <p:cNvSpPr/>
           <p:nvPr/>
         </p:nvSpPr>
@@ -8357,11 +8142,6 @@
         </p:txBody>
       </p:sp>
     </p:spTree>
-    <p:extLst>
-      <p:ext uri="{BB962C8B-B14F-4D97-AF65-F5344CB8AC3E}">
-        <p14:creationId xmlns:p14="http://schemas.microsoft.com/office/powerpoint/2010/main" val="4022311746"/>
-      </p:ext>
-    </p:extLst>
   </p:cSld>
   <p:clrMapOvr>
     <a:masterClrMapping/>
@@ -8374,13 +8154,7 @@
   <p:cSld>
     <p:spTree>
       <p:nvGrpSpPr>
-        <p:cNvPr id="1" name="">
-          <a:extLst>
-            <a:ext uri="{FF2B5EF4-FFF2-40B4-BE49-F238E27FC236}">
-              <a16:creationId xmlns:a16="http://schemas.microsoft.com/office/drawing/2014/main" id="{861EE568-4D8F-5F01-17E9-DB65C7EEDA3E}"/>
-            </a:ext>
-          </a:extLst>
-        </p:cNvPr>
+        <p:cNvPr id="1" name=""/>
         <p:cNvGrpSpPr/>
         <p:nvPr/>
       </p:nvGrpSpPr>
@@ -8394,13 +8168,7 @@
       </p:grpSpPr>
       <p:sp>
         <p:nvSpPr>
-          <p:cNvPr id="2" name="Título 1">
-            <a:extLst>
-              <a:ext uri="{FF2B5EF4-FFF2-40B4-BE49-F238E27FC236}">
-                <a16:creationId xmlns:a16="http://schemas.microsoft.com/office/drawing/2014/main" id="{A1419854-91CD-FA80-DEB4-670E153CEC43}"/>
-              </a:ext>
-            </a:extLst>
-          </p:cNvPr>
+          <p:cNvPr id="2" name="Título 1"/>
           <p:cNvSpPr>
             <a:spLocks noGrp="1"/>
           </p:cNvSpPr>
@@ -8417,18 +8185,13 @@
               <a:rPr lang="es-ES" dirty="0"/>
               <a:t>SVM</a:t>
             </a:r>
+            <a:endParaRPr lang="es-ES" dirty="0"/>
           </a:p>
         </p:txBody>
       </p:sp>
       <p:sp>
         <p:nvSpPr>
-          <p:cNvPr id="3" name="CuadroTexto 3">
-            <a:extLst>
-              <a:ext uri="{FF2B5EF4-FFF2-40B4-BE49-F238E27FC236}">
-                <a16:creationId xmlns:a16="http://schemas.microsoft.com/office/drawing/2014/main" id="{0A72E87C-E95F-280D-799C-C7E838830171}"/>
-              </a:ext>
-            </a:extLst>
-          </p:cNvPr>
+          <p:cNvPr id="3" name="CuadroTexto 3"/>
           <p:cNvSpPr txBox="1"/>
           <p:nvPr/>
         </p:nvSpPr>
@@ -8495,6 +8258,7 @@
               <a:rPr lang="es-ES" dirty="0"/>
               <a:t>Data reducido                 Mejores resultados.</a:t>
             </a:r>
+            <a:endParaRPr lang="es-ES" dirty="0"/>
           </a:p>
           <a:p>
             <a:pPr marL="285750" indent="-285750">
@@ -8513,6 +8277,7 @@
               <a:rPr lang="es-ES" dirty="0"/>
               <a:t>               1:3      </a:t>
             </a:r>
+            <a:endParaRPr lang="es-ES" dirty="0"/>
           </a:p>
           <a:p>
             <a:pPr>
@@ -8534,6 +8299,7 @@
               <a:rPr lang="es-ES" dirty="0"/>
               <a:t>Características: </a:t>
             </a:r>
+            <a:endParaRPr lang="es-ES" dirty="0"/>
           </a:p>
           <a:p>
             <a:pPr>
@@ -8569,6 +8335,7 @@
               <a:rPr lang="es-ES" dirty="0"/>
               <a:t> de las variables categóricas.</a:t>
             </a:r>
+            <a:endParaRPr lang="es-ES" dirty="0"/>
           </a:p>
           <a:p>
             <a:pPr marL="285750" indent="-285750">
@@ -8632,6 +8399,7 @@
               <a:rPr lang="es-ES" dirty="0"/>
               <a:t>El punto de corte óptimo es p=0.2071429.</a:t>
             </a:r>
+            <a:endParaRPr lang="es-ES" dirty="0"/>
           </a:p>
           <a:p>
             <a:pPr marL="285750" indent="-285750">
@@ -8652,13 +8420,7 @@
       </p:sp>
       <p:sp>
         <p:nvSpPr>
-          <p:cNvPr id="5" name="Flecha: a la derecha 6">
-            <a:extLst>
-              <a:ext uri="{FF2B5EF4-FFF2-40B4-BE49-F238E27FC236}">
-                <a16:creationId xmlns:a16="http://schemas.microsoft.com/office/drawing/2014/main" id="{483E60BC-F27B-9604-330D-EFD1AD852F19}"/>
-              </a:ext>
-            </a:extLst>
-          </p:cNvPr>
+          <p:cNvPr id="5" name="Flecha: a la derecha 6"/>
           <p:cNvSpPr/>
           <p:nvPr/>
         </p:nvSpPr>
@@ -8698,13 +8460,7 @@
       </p:sp>
       <p:sp>
         <p:nvSpPr>
-          <p:cNvPr id="6" name="Flecha: a la derecha 6">
-            <a:extLst>
-              <a:ext uri="{FF2B5EF4-FFF2-40B4-BE49-F238E27FC236}">
-                <a16:creationId xmlns:a16="http://schemas.microsoft.com/office/drawing/2014/main" id="{968B50FB-7201-DE78-F12C-CFAC35129BF2}"/>
-              </a:ext>
-            </a:extLst>
-          </p:cNvPr>
+          <p:cNvPr id="6" name="Flecha: a la derecha 6"/>
           <p:cNvSpPr/>
           <p:nvPr/>
         </p:nvSpPr>
@@ -8744,13 +8500,7 @@
       </p:sp>
       <p:sp>
         <p:nvSpPr>
-          <p:cNvPr id="4" name="CuadroTexto 10">
-            <a:extLst>
-              <a:ext uri="{FF2B5EF4-FFF2-40B4-BE49-F238E27FC236}">
-                <a16:creationId xmlns:a16="http://schemas.microsoft.com/office/drawing/2014/main" id="{099739FD-993F-909D-805D-35A4AF98297B}"/>
-              </a:ext>
-            </a:extLst>
-          </p:cNvPr>
+          <p:cNvPr id="4" name="CuadroTexto 10"/>
           <p:cNvSpPr txBox="1"/>
           <p:nvPr/>
         </p:nvSpPr>
@@ -8804,6 +8554,7 @@
               <a:rPr lang="en-US" dirty="0"/>
               <a:t> Specificity  F1_Score</a:t>
             </a:r>
+            <a:endParaRPr lang="en-US" dirty="0"/>
           </a:p>
           <a:p>
             <a:pPr latinLnBrk="1"/>
@@ -8811,6 +8562,7 @@
               <a:rPr lang="en-US" dirty="0"/>
               <a:t>1  Train2  0.2793878 0.7206122 0.3940120          0.6482759   0.7395109 0.4901304</a:t>
             </a:r>
+            <a:endParaRPr lang="en-US" dirty="0"/>
           </a:p>
           <a:p>
             <a:pPr latinLnBrk="1"/>
@@ -8818,18 +8570,13 @@
               <a:rPr lang="en-US" dirty="0"/>
               <a:t>2   Test2  0.2900000 0.7100000 0.3788301          0.6252874   0.7321321 0.4718127</a:t>
             </a:r>
+            <a:endParaRPr lang="en-US" dirty="0"/>
           </a:p>
         </p:txBody>
       </p:sp>
       <p:sp>
         <p:nvSpPr>
-          <p:cNvPr id="7" name="Flecha: a la derecha 6">
-            <a:extLst>
-              <a:ext uri="{FF2B5EF4-FFF2-40B4-BE49-F238E27FC236}">
-                <a16:creationId xmlns:a16="http://schemas.microsoft.com/office/drawing/2014/main" id="{89E59608-3FB8-D724-9251-1E4B2D836C96}"/>
-              </a:ext>
-            </a:extLst>
-          </p:cNvPr>
+          <p:cNvPr id="7" name="Flecha: a la derecha 6"/>
           <p:cNvSpPr/>
           <p:nvPr/>
         </p:nvSpPr>
@@ -8868,11 +8615,6 @@
         </p:txBody>
       </p:sp>
     </p:spTree>
-    <p:extLst>
-      <p:ext uri="{BB962C8B-B14F-4D97-AF65-F5344CB8AC3E}">
-        <p14:creationId xmlns:p14="http://schemas.microsoft.com/office/powerpoint/2010/main" val="1970186667"/>
-      </p:ext>
-    </p:extLst>
   </p:cSld>
   <p:clrMapOvr>
     <a:masterClrMapping/>
@@ -8885,13 +8627,7 @@
   <p:cSld>
     <p:spTree>
       <p:nvGrpSpPr>
-        <p:cNvPr id="1" name="">
-          <a:extLst>
-            <a:ext uri="{FF2B5EF4-FFF2-40B4-BE49-F238E27FC236}">
-              <a16:creationId xmlns:a16="http://schemas.microsoft.com/office/drawing/2014/main" id="{342F75E8-11BA-7674-DE3A-BF9C2C98ED8B}"/>
-            </a:ext>
-          </a:extLst>
-        </p:cNvPr>
+        <p:cNvPr id="1" name=""/>
         <p:cNvGrpSpPr/>
         <p:nvPr/>
       </p:nvGrpSpPr>
@@ -8905,13 +8641,7 @@
       </p:grpSpPr>
       <p:sp>
         <p:nvSpPr>
-          <p:cNvPr id="2" name="Título 1">
-            <a:extLst>
-              <a:ext uri="{FF2B5EF4-FFF2-40B4-BE49-F238E27FC236}">
-                <a16:creationId xmlns:a16="http://schemas.microsoft.com/office/drawing/2014/main" id="{1E313715-5039-9E86-CD00-62B5394BE6E6}"/>
-              </a:ext>
-            </a:extLst>
-          </p:cNvPr>
+          <p:cNvPr id="2" name="Título 1"/>
           <p:cNvSpPr>
             <a:spLocks noGrp="1"/>
           </p:cNvSpPr>
@@ -8928,18 +8658,13 @@
               <a:rPr lang="es-ES" dirty="0"/>
               <a:t>Asignaciones del AR</a:t>
             </a:r>
+            <a:endParaRPr lang="es-ES" dirty="0"/>
           </a:p>
         </p:txBody>
       </p:sp>
       <p:sp>
         <p:nvSpPr>
-          <p:cNvPr id="4" name="CuadroTexto 3">
-            <a:extLst>
-              <a:ext uri="{FF2B5EF4-FFF2-40B4-BE49-F238E27FC236}">
-                <a16:creationId xmlns:a16="http://schemas.microsoft.com/office/drawing/2014/main" id="{35AAD5D2-DF63-EE2F-79C1-F0CAB2917DB1}"/>
-              </a:ext>
-            </a:extLst>
-          </p:cNvPr>
+          <p:cNvPr id="4" name="CuadroTexto 3"/>
           <p:cNvSpPr txBox="1"/>
           <p:nvPr/>
         </p:nvSpPr>
@@ -9052,6 +8777,13 @@
               </a:rPr>
               <a:t> minima de 0.5</a:t>
             </a:r>
+            <a:endParaRPr lang="en-US" b="0" i="0" dirty="0">
+              <a:solidFill>
+                <a:srgbClr val="000000"/>
+              </a:solidFill>
+              <a:effectLst/>
+              <a:latin typeface="Lucida Console" panose="020B0609040504020204" pitchFamily="49" charset="0"/>
+            </a:endParaRPr>
           </a:p>
           <a:p>
             <a:pPr algn="l" latinLnBrk="1">
@@ -9185,6 +8917,9 @@
               </a:rPr>
               <a:t> de 1</a:t>
             </a:r>
+            <a:endParaRPr lang="en-US" dirty="0">
+              <a:latin typeface="Lucida Console" panose="020B0609040504020204" pitchFamily="49" charset="0"/>
+            </a:endParaRPr>
           </a:p>
           <a:p>
             <a:pPr latinLnBrk="1"/>
@@ -9292,6 +9027,13 @@
               </a:rPr>
               <a:t> a la vez</a:t>
             </a:r>
+            <a:endParaRPr lang="es-ES" b="0" i="0" dirty="0">
+              <a:solidFill>
+                <a:srgbClr val="000000"/>
+              </a:solidFill>
+              <a:effectLst/>
+              <a:latin typeface="Lucida Console" panose="020B0609040504020204" pitchFamily="49" charset="0"/>
+            </a:endParaRPr>
           </a:p>
           <a:p>
             <a:pPr latinLnBrk="1"/>
@@ -9318,11 +9060,6 @@
         </p:txBody>
       </p:sp>
     </p:spTree>
-    <p:extLst>
-      <p:ext uri="{BB962C8B-B14F-4D97-AF65-F5344CB8AC3E}">
-        <p14:creationId xmlns:p14="http://schemas.microsoft.com/office/powerpoint/2010/main" val="193844949"/>
-      </p:ext>
-    </p:extLst>
   </p:cSld>
   <p:clrMapOvr>
     <a:masterClrMapping/>
@@ -9335,13 +9072,7 @@
   <p:cSld>
     <p:spTree>
       <p:nvGrpSpPr>
-        <p:cNvPr id="1" name="">
-          <a:extLst>
-            <a:ext uri="{FF2B5EF4-FFF2-40B4-BE49-F238E27FC236}">
-              <a16:creationId xmlns:a16="http://schemas.microsoft.com/office/drawing/2014/main" id="{AA99CF6E-112B-D9C4-F76D-9DBE2EFB2277}"/>
-            </a:ext>
-          </a:extLst>
-        </p:cNvPr>
+        <p:cNvPr id="1" name=""/>
         <p:cNvGrpSpPr/>
         <p:nvPr/>
       </p:nvGrpSpPr>
@@ -9355,13 +9086,7 @@
       </p:grpSpPr>
       <p:sp>
         <p:nvSpPr>
-          <p:cNvPr id="2" name="Título 1">
-            <a:extLst>
-              <a:ext uri="{FF2B5EF4-FFF2-40B4-BE49-F238E27FC236}">
-                <a16:creationId xmlns:a16="http://schemas.microsoft.com/office/drawing/2014/main" id="{5B861A1F-D8C8-E3EE-FB99-A420783A8454}"/>
-              </a:ext>
-            </a:extLst>
-          </p:cNvPr>
+          <p:cNvPr id="2" name="Título 1"/>
           <p:cNvSpPr>
             <a:spLocks noGrp="1"/>
           </p:cNvSpPr>
@@ -9378,18 +9103,13 @@
               <a:rPr lang="es-ES" dirty="0"/>
               <a:t>Mejores modelos i métodos</a:t>
             </a:r>
+            <a:endParaRPr lang="es-ES" dirty="0"/>
           </a:p>
         </p:txBody>
       </p:sp>
       <p:sp>
         <p:nvSpPr>
-          <p:cNvPr id="4" name="CuadroTexto 3">
-            <a:extLst>
-              <a:ext uri="{FF2B5EF4-FFF2-40B4-BE49-F238E27FC236}">
-                <a16:creationId xmlns:a16="http://schemas.microsoft.com/office/drawing/2014/main" id="{CFC550B3-19E2-B999-88E4-FAA56B2062BA}"/>
-              </a:ext>
-            </a:extLst>
-          </p:cNvPr>
+          <p:cNvPr id="4" name="CuadroTexto 3"/>
           <p:cNvSpPr txBox="1"/>
           <p:nvPr/>
         </p:nvSpPr>
@@ -9413,6 +9133,7 @@
               <a:rPr lang="es-ES" dirty="0"/>
               <a:t>Tabla comparativa</a:t>
             </a:r>
+            <a:endParaRPr lang="es-ES" dirty="0"/>
           </a:p>
           <a:p>
             <a:r>
@@ -9455,6 +9176,7 @@
               <a:rPr lang="es-ES" b="1" dirty="0"/>
               <a:t>computacionalmente menos costoso.</a:t>
             </a:r>
+            <a:endParaRPr lang="es-ES" b="1" dirty="0"/>
           </a:p>
           <a:p>
             <a:r>
@@ -9477,15 +9199,11 @@
               <a:rPr lang="es-ES" b="1" dirty="0"/>
               <a:t> i mas estable</a:t>
             </a:r>
+            <a:endParaRPr lang="es-ES" b="1" dirty="0"/>
           </a:p>
         </p:txBody>
       </p:sp>
     </p:spTree>
-    <p:extLst>
-      <p:ext uri="{BB962C8B-B14F-4D97-AF65-F5344CB8AC3E}">
-        <p14:creationId xmlns:p14="http://schemas.microsoft.com/office/powerpoint/2010/main" val="1303636660"/>
-      </p:ext>
-    </p:extLst>
   </p:cSld>
   <p:clrMapOvr>
     <a:masterClrMapping/>
@@ -9769,8 +9487,6 @@
       </a:bgFillStyleLst>
     </a:fmtScheme>
   </a:themeElements>
-  <a:objectDefaults/>
-  <a:extraClrSchemeLst/>
   <a:extLst>
     <a:ext uri="{05A4C25C-085E-4340-85A3-A5531E510DB2}">
       <thm15:themeFamily xmlns:thm15="http://schemas.microsoft.com/office/thememl/2012/main" name="Office Theme" id="{62F939B6-93AF-4DB8-9C6B-D6C7DFDC589F}" vid="{4A3C46E8-61CC-4603-A589-7422A47A8E4A}"/>
@@ -10055,8 +9771,6 @@
       </a:bgFillStyleLst>
     </a:fmtScheme>
   </a:themeElements>
-  <a:objectDefaults/>
-  <a:extraClrSchemeLst/>
   <a:extLst>
     <a:ext uri="{05A4C25C-085E-4340-85A3-A5531E510DB2}">
       <thm15:themeFamily xmlns:thm15="http://schemas.microsoft.com/office/thememl/2012/main" name="Office Theme" id="{62F939B6-93AF-4DB8-9C6B-D6C7DFDC589F}" vid="{4A3C46E8-61CC-4603-A589-7422A47A8E4A}"/>

--- a/Entrega_2/00.REPORTE/Reporte_Grupo5_new.pptx
+++ b/Entrega_2/00.REPORTE/Reporte_Grupo5_new.pptx
@@ -5,7 +5,7 @@
     <p:sldMasterId id="2147483648" r:id="rId1"/>
   </p:sldMasterIdLst>
   <p:notesMasterIdLst>
-    <p:notesMasterId r:id="rId16"/>
+    <p:notesMasterId r:id="rId17"/>
   </p:notesMasterIdLst>
   <p:sldIdLst>
     <p:sldId id="285" r:id="rId2"/>
@@ -18,41 +18,47 @@
     <p:sldId id="299" r:id="rId9"/>
     <p:sldId id="301" r:id="rId10"/>
     <p:sldId id="296" r:id="rId11"/>
-    <p:sldId id="302" r:id="rId12"/>
-    <p:sldId id="303" r:id="rId13"/>
+    <p:sldId id="309" r:id="rId12"/>
+    <p:sldId id="308" r:id="rId13"/>
     <p:sldId id="304" r:id="rId14"/>
     <p:sldId id="305" r:id="rId15"/>
+    <p:sldId id="310" r:id="rId16"/>
   </p:sldIdLst>
   <p:sldSz cx="9144000" cy="5143500" type="screen16x9"/>
   <p:notesSz cx="6858000" cy="9144000"/>
   <p:embeddedFontLst>
     <p:embeddedFont>
       <p:font typeface="Arial Black" panose="020B0A04020102020204" pitchFamily="34" charset="0"/>
-      <p:bold r:id="rId17"/>
+      <p:bold r:id="rId18"/>
     </p:embeddedFont>
     <p:embeddedFont>
       <p:font typeface="Didact Gothic" panose="00000500000000000000" pitchFamily="2" charset="0"/>
-      <p:regular r:id="rId18"/>
+      <p:regular r:id="rId19"/>
     </p:embeddedFont>
     <p:embeddedFont>
       <p:font typeface="Libre Franklin" pitchFamily="2" charset="0"/>
-      <p:regular r:id="rId19"/>
-      <p:bold r:id="rId20"/>
-      <p:italic r:id="rId21"/>
-      <p:boldItalic r:id="rId22"/>
+      <p:regular r:id="rId20"/>
+      <p:bold r:id="rId21"/>
+      <p:italic r:id="rId22"/>
+      <p:boldItalic r:id="rId23"/>
     </p:embeddedFont>
     <p:embeddedFont>
       <p:font typeface="Lucida Console" panose="020B0609040504020204" pitchFamily="49" charset="0"/>
-      <p:regular r:id="rId23"/>
+      <p:regular r:id="rId24"/>
     </p:embeddedFont>
     <p:embeddedFont>
       <p:font typeface="Poppins" panose="00000500000000000000" pitchFamily="2" charset="0"/>
-      <p:regular r:id="rId24"/>
-      <p:bold r:id="rId25"/>
+      <p:regular r:id="rId25"/>
+      <p:bold r:id="rId26"/>
+      <p:italic r:id="rId27"/>
+      <p:boldItalic r:id="rId28"/>
     </p:embeddedFont>
     <p:embeddedFont>
       <p:font typeface="Roboto" panose="02000000000000000000" pitchFamily="2" charset="0"/>
-      <p:regular r:id="rId26"/>
+      <p:regular r:id="rId29"/>
+      <p:bold r:id="rId30"/>
+      <p:italic r:id="rId31"/>
+      <p:boldItalic r:id="rId32"/>
     </p:embeddedFont>
   </p:embeddedFontLst>
   <p:defaultTextStyle>
@@ -13469,7 +13475,7 @@
         <p:spPr>
           <a:xfrm>
             <a:off x="857693" y="1112200"/>
-            <a:ext cx="7896445" cy="2462213"/>
+            <a:ext cx="7896445" cy="2893100"/>
           </a:xfrm>
           <a:prstGeom prst="rect">
             <a:avLst/>
@@ -13609,6 +13615,44 @@
           <a:p>
             <a:pPr marL="285750" indent="-285750">
               <a:buClr>
+                <a:srgbClr val="00B050"/>
+              </a:buClr>
+              <a:buSzPct val="150000"/>
+              <a:buFont typeface="Wingdings" panose="05000000000000000000" pitchFamily="2" charset="2"/>
+              <a:buChar char="ü"/>
+            </a:pPr>
+            <a:r>
+              <a:rPr lang="es-ES" dirty="0"/>
+              <a:t>Bootstrap i CV                 No </a:t>
+            </a:r>
+            <a:r>
+              <a:rPr lang="es-ES" dirty="0" err="1"/>
+              <a:t>difference</a:t>
+            </a:r>
+            <a:endParaRPr lang="es-ES" dirty="0"/>
+          </a:p>
+          <a:p>
+            <a:pPr marL="285750" indent="-285750">
+              <a:buClr>
+                <a:srgbClr val="00B050"/>
+              </a:buClr>
+              <a:buSzPct val="150000"/>
+              <a:buFont typeface="Wingdings" panose="05000000000000000000" pitchFamily="2" charset="2"/>
+              <a:buChar char="ü"/>
+            </a:pPr>
+            <a:r>
+              <a:rPr lang="es-ES" dirty="0"/>
+              <a:t>Variable Age^2 &amp; interacción entre </a:t>
+            </a:r>
+            <a:r>
+              <a:rPr lang="es-ES" dirty="0" err="1"/>
+              <a:t>Geography:Gender</a:t>
+            </a:r>
+            <a:endParaRPr lang="es-ES" dirty="0"/>
+          </a:p>
+          <a:p>
+            <a:pPr marL="285750" indent="-285750">
+              <a:buClr>
                 <a:srgbClr val="FF0000"/>
               </a:buClr>
               <a:buSzPct val="150000"/>
@@ -13717,7 +13761,7 @@
         </p:nvSpPr>
         <p:spPr>
           <a:xfrm>
-            <a:off x="1040573" y="3661968"/>
+            <a:off x="857693" y="4005300"/>
             <a:ext cx="7234747" cy="738664"/>
           </a:xfrm>
           <a:prstGeom prst="rect">
@@ -13910,7 +13954,7 @@
         </p:nvSpPr>
         <p:spPr>
           <a:xfrm>
-            <a:off x="2005360" y="2032764"/>
+            <a:off x="2005359" y="2447804"/>
             <a:ext cx="511795" cy="207028"/>
           </a:xfrm>
           <a:prstGeom prst="rightArrow">
@@ -13950,7 +13994,7 @@
         </p:nvSpPr>
         <p:spPr>
           <a:xfrm>
-            <a:off x="4902244" y="2239792"/>
+            <a:off x="4867953" y="2654832"/>
             <a:ext cx="511795" cy="207028"/>
           </a:xfrm>
           <a:prstGeom prst="rightArrow">
@@ -14022,7 +14066,58 @@
           </a:p>
         </p:txBody>
       </p:sp>
+      <p:sp>
+        <p:nvSpPr>
+          <p:cNvPr id="11" name="Flecha: a la derecha 6">
+            <a:extLst>
+              <a:ext uri="{FF2B5EF4-FFF2-40B4-BE49-F238E27FC236}">
+                <a16:creationId xmlns:a16="http://schemas.microsoft.com/office/drawing/2014/main" id="{EDD7197B-0227-EE64-7382-CDDD688710A3}"/>
+              </a:ext>
+            </a:extLst>
+          </p:cNvPr>
+          <p:cNvSpPr/>
+          <p:nvPr/>
+        </p:nvSpPr>
+        <p:spPr>
+          <a:xfrm>
+            <a:off x="2517154" y="2014987"/>
+            <a:ext cx="511795" cy="207028"/>
+          </a:xfrm>
+          <a:prstGeom prst="rightArrow">
+            <a:avLst/>
+          </a:prstGeom>
+        </p:spPr>
+        <p:style>
+          <a:lnRef idx="2">
+            <a:schemeClr val="accent1">
+              <a:shade val="15000"/>
+            </a:schemeClr>
+          </a:lnRef>
+          <a:fillRef idx="1">
+            <a:schemeClr val="accent1"/>
+          </a:fillRef>
+          <a:effectRef idx="0">
+            <a:schemeClr val="accent1"/>
+          </a:effectRef>
+          <a:fontRef idx="minor">
+            <a:schemeClr val="lt1"/>
+          </a:fontRef>
+        </p:style>
+        <p:txBody>
+          <a:bodyPr rtlCol="0" anchor="ctr"/>
+          <a:lstStyle/>
+          <a:p>
+            <a:pPr algn="ctr"/>
+            <a:endParaRPr lang="es-ES"/>
+          </a:p>
+        </p:txBody>
+      </p:sp>
     </p:spTree>
+    <p:extLst>
+      <p:ext uri="{BB962C8B-B14F-4D97-AF65-F5344CB8AC3E}">
+        <p14:creationId xmlns:p14="http://schemas.microsoft.com/office/powerpoint/2010/main" val="2309209517"/>
+      </p:ext>
+    </p:extLst>
   </p:cSld>
   <p:clrMapOvr>
     <a:masterClrMapping/>
@@ -14078,7 +14173,7 @@
         <p:spPr>
           <a:xfrm>
             <a:off x="1214863" y="1112200"/>
-            <a:ext cx="7343995" cy="2246769"/>
+            <a:ext cx="7343995" cy="2677656"/>
           </a:xfrm>
           <a:prstGeom prst="rect">
             <a:avLst/>
@@ -14086,7 +14181,7 @@
           <a:noFill/>
         </p:spPr>
         <p:txBody>
-          <a:bodyPr wrap="square">
+          <a:bodyPr wrap="square" lIns="91440" tIns="45720" rIns="91440" bIns="45720" anchor="t">
             <a:spAutoFit/>
           </a:bodyPr>
           <a:lstStyle/>
@@ -14117,7 +14212,7 @@
             </a:r>
             <a:r>
               <a:rPr lang="es-ES" dirty="0"/>
-              <a:t>.               </a:t>
+              <a:t>.               </a:t>
             </a:r>
             <a:r>
               <a:rPr lang="es-ES" dirty="0" err="1"/>
@@ -14136,7 +14231,7 @@
             </a:pPr>
             <a:r>
               <a:rPr lang="es-ES" dirty="0"/>
-              <a:t>Data reducido                 Mejores resultados.</a:t>
+              <a:t>Data reducido               Mejores resultados.</a:t>
             </a:r>
           </a:p>
           <a:p>
@@ -14154,7 +14249,35 @@
             </a:r>
             <a:r>
               <a:rPr lang="es-ES" dirty="0"/>
-              <a:t>               1:3      </a:t>
+              <a:t>              1:3     </a:t>
+            </a:r>
+          </a:p>
+          <a:p>
+            <a:pPr marL="285750" indent="-285750">
+              <a:buClr>
+                <a:srgbClr val="00B050"/>
+              </a:buClr>
+              <a:buSzPct val="150000"/>
+              <a:buFont typeface="Wingdings" panose="05000000000000000000" pitchFamily="2" charset="2"/>
+              <a:buChar char="ü"/>
+            </a:pPr>
+            <a:r>
+              <a:rPr lang="es-ES" dirty="0"/>
+              <a:t>Radial</a:t>
+            </a:r>
+          </a:p>
+          <a:p>
+            <a:pPr marL="285750" indent="-285750">
+              <a:buClr>
+                <a:srgbClr val="FF0000"/>
+              </a:buClr>
+              <a:buSzPct val="150000"/>
+              <a:buFont typeface="Arial" panose="020B0604020202020204" pitchFamily="34" charset="0"/>
+              <a:buChar char="×"/>
+            </a:pPr>
+            <a:r>
+              <a:rPr lang="es-ES" dirty="0"/>
+              <a:t>Lineal i polinomial</a:t>
             </a:r>
           </a:p>
           <a:p>
@@ -14232,19 +14355,7 @@
               <a:rPr lang="en-US" dirty="0">
                 <a:latin typeface="+mn-lt"/>
               </a:rPr>
-              <a:t> </a:t>
-            </a:r>
-            <a:r>
-              <a:rPr lang="en-US" dirty="0" err="1">
-                <a:latin typeface="+mn-lt"/>
-              </a:rPr>
-              <a:t>tunig</a:t>
-            </a:r>
-            <a:r>
-              <a:rPr lang="en-US" dirty="0">
-                <a:latin typeface="+mn-lt"/>
-              </a:rPr>
-              <a:t>: Best gamma 0.02 </a:t>
+              <a:t> tuning: Best gamma 0.02 </a:t>
             </a:r>
             <a:r>
               <a:rPr lang="en-US" dirty="0" err="1">
@@ -14381,7 +14492,7 @@
         </p:nvSpPr>
         <p:spPr>
           <a:xfrm>
-            <a:off x="992551" y="3476730"/>
+            <a:off x="992551" y="3820133"/>
             <a:ext cx="7566307" cy="738664"/>
           </a:xfrm>
           <a:prstGeom prst="rect">
@@ -14487,6 +14598,11 @@
         </p:txBody>
       </p:sp>
     </p:spTree>
+    <p:extLst>
+      <p:ext uri="{BB962C8B-B14F-4D97-AF65-F5344CB8AC3E}">
+        <p14:creationId xmlns:p14="http://schemas.microsoft.com/office/powerpoint/2010/main" val="3322791335"/>
+      </p:ext>
+    </p:extLst>
   </p:cSld>
   <p:clrMapOvr>
     <a:masterClrMapping/>
@@ -15054,6 +15170,70 @@
         </p:txBody>
       </p:sp>
     </p:spTree>
+  </p:cSld>
+  <p:clrMapOvr>
+    <a:masterClrMapping/>
+  </p:clrMapOvr>
+</p:sld>
+</file>
+
+<file path=ppt/slides/slide15.xml><?xml version="1.0" encoding="utf-8"?>
+<p:sld xmlns:a="http://schemas.openxmlformats.org/drawingml/2006/main" xmlns:r="http://schemas.openxmlformats.org/officeDocument/2006/relationships" xmlns:p="http://schemas.openxmlformats.org/presentationml/2006/main">
+  <p:cSld>
+    <p:spTree>
+      <p:nvGrpSpPr>
+        <p:cNvPr id="1" name="">
+          <a:extLst>
+            <a:ext uri="{FF2B5EF4-FFF2-40B4-BE49-F238E27FC236}">
+              <a16:creationId xmlns:a16="http://schemas.microsoft.com/office/drawing/2014/main" id="{D31050E9-5105-6D2F-6947-50C6CF01F9A1}"/>
+            </a:ext>
+          </a:extLst>
+        </p:cNvPr>
+        <p:cNvGrpSpPr/>
+        <p:nvPr/>
+      </p:nvGrpSpPr>
+      <p:grpSpPr>
+        <a:xfrm>
+          <a:off x="0" y="0"/>
+          <a:ext cx="0" cy="0"/>
+          <a:chOff x="0" y="0"/>
+          <a:chExt cx="0" cy="0"/>
+        </a:xfrm>
+      </p:grpSpPr>
+      <p:sp>
+        <p:nvSpPr>
+          <p:cNvPr id="2" name="Título 1">
+            <a:extLst>
+              <a:ext uri="{FF2B5EF4-FFF2-40B4-BE49-F238E27FC236}">
+                <a16:creationId xmlns:a16="http://schemas.microsoft.com/office/drawing/2014/main" id="{744E8F24-AF72-DFA5-9CAE-072E2FD20465}"/>
+              </a:ext>
+            </a:extLst>
+          </p:cNvPr>
+          <p:cNvSpPr>
+            <a:spLocks noGrp="1"/>
+          </p:cNvSpPr>
+          <p:nvPr>
+            <p:ph type="title"/>
+          </p:nvPr>
+        </p:nvSpPr>
+        <p:spPr/>
+        <p:txBody>
+          <a:bodyPr/>
+          <a:lstStyle/>
+          <a:p>
+            <a:r>
+              <a:rPr lang="es-ES" dirty="0" err="1"/>
+              <a:t>Concluciones</a:t>
+            </a:r>
+          </a:p>
+        </p:txBody>
+      </p:sp>
+    </p:spTree>
+    <p:extLst>
+      <p:ext uri="{BB962C8B-B14F-4D97-AF65-F5344CB8AC3E}">
+        <p14:creationId xmlns:p14="http://schemas.microsoft.com/office/powerpoint/2010/main" val="3373186615"/>
+      </p:ext>
+    </p:extLst>
   </p:cSld>
   <p:clrMapOvr>
     <a:masterClrMapping/>

--- a/Entrega_2/00.REPORTE/Reporte_Grupo5_new.pptx
+++ b/Entrega_2/00.REPORTE/Reporte_Grupo5_new.pptx
@@ -10,7 +10,7 @@
   <p:sldIdLst>
     <p:sldId id="285" r:id="rId2"/>
     <p:sldId id="270" r:id="rId3"/>
-    <p:sldId id="272" r:id="rId4"/>
+    <p:sldId id="311" r:id="rId4"/>
     <p:sldId id="306" r:id="rId5"/>
     <p:sldId id="307" r:id="rId6"/>
     <p:sldId id="269" r:id="rId7"/>
@@ -3016,17 +3016,53 @@
                 <a:srgbClr val="002060"/>
               </a:solidFill>
             </a:rPr>
-            <a:t>	GLM – </a:t>
+            <a:t>	</a:t>
           </a:r>
           <a:r>
-            <a:rPr lang="es-ES" sz="1000" dirty="0"/>
-            <a:t>Mario, Melissa, </a:t>
+            <a:rPr lang="es-ES" sz="1000" b="1" dirty="0" err="1">
+              <a:solidFill>
+                <a:srgbClr val="002060"/>
+              </a:solidFill>
+            </a:rPr>
+            <a:t>Classification</a:t>
           </a:r>
           <a:r>
-            <a:rPr lang="es-ES" sz="1000" dirty="0" err="1"/>
-            <a:t>Wenjia</a:t>
+            <a:rPr lang="es-ES" sz="1000" b="1" dirty="0">
+              <a:solidFill>
+                <a:srgbClr val="002060"/>
+              </a:solidFill>
+            </a:rPr>
+            <a:t> </a:t>
           </a:r>
-          <a:endParaRPr lang="es-ES" sz="1000" dirty="0"/>
+          <a:r>
+            <a:rPr lang="es-ES" sz="1000" b="1" dirty="0" err="1">
+              <a:solidFill>
+                <a:srgbClr val="002060"/>
+              </a:solidFill>
+            </a:rPr>
+            <a:t>tree</a:t>
+          </a:r>
+          <a:r>
+            <a:rPr lang="es-ES" sz="1000" b="1" dirty="0">
+              <a:solidFill>
+                <a:srgbClr val="002060"/>
+              </a:solidFill>
+            </a:rPr>
+            <a:t>– </a:t>
+          </a:r>
+          <a:r>
+            <a:rPr lang="es-ES" sz="1000" b="1" dirty="0">
+              <a:solidFill>
+                <a:schemeClr val="bg1"/>
+              </a:solidFill>
+            </a:rPr>
+            <a:t>Laura, Mario</a:t>
+          </a:r>
+          <a:endParaRPr lang="es-ES" sz="1000" dirty="0">
+            <a:solidFill>
+              <a:schemeClr val="bg1"/>
+            </a:solidFill>
+          </a:endParaRPr>
         </a:p>
       </dgm:t>
     </dgm:pt>
@@ -3249,6 +3285,63 @@
         </a:p>
       </dgm:t>
     </dgm:pt>
+    <dgm:pt modelId="{C7839787-4F91-4052-A165-9BFBC71086A6}">
+      <dgm:prSet phldrT="[Texto]" phldr="0" custT="1"/>
+      <dgm:spPr/>
+      <dgm:t>
+        <a:bodyPr/>
+        <a:lstStyle/>
+        <a:p>
+          <a:r>
+            <a:rPr lang="es-ES" sz="1400" b="1" dirty="0">
+              <a:solidFill>
+                <a:srgbClr val="002060"/>
+              </a:solidFill>
+            </a:rPr>
+            <a:t>	</a:t>
+          </a:r>
+          <a:r>
+            <a:rPr lang="es-ES" sz="1200" b="1" dirty="0">
+              <a:solidFill>
+                <a:srgbClr val="002060"/>
+              </a:solidFill>
+            </a:rPr>
+            <a:t>GLM – </a:t>
+          </a:r>
+          <a:r>
+            <a:rPr lang="es-ES" sz="1200" dirty="0"/>
+            <a:t>Mario, Melissa, </a:t>
+          </a:r>
+          <a:r>
+            <a:rPr lang="es-ES" sz="1200" dirty="0" err="1"/>
+            <a:t>Wenjia</a:t>
+          </a:r>
+          <a:endParaRPr lang="es-ES" sz="1400" dirty="0"/>
+        </a:p>
+      </dgm:t>
+    </dgm:pt>
+    <dgm:pt modelId="{BB8A1210-98FC-449F-A56F-90903D089B54}" type="parTrans" cxnId="{0F4F906D-2621-45DA-8351-139722A96ABD}">
+      <dgm:prSet/>
+      <dgm:spPr/>
+      <dgm:t>
+        <a:bodyPr/>
+        <a:lstStyle/>
+        <a:p>
+          <a:endParaRPr lang="es-ES"/>
+        </a:p>
+      </dgm:t>
+    </dgm:pt>
+    <dgm:pt modelId="{48E186E5-4DC2-451A-9507-431E86797E29}" type="sibTrans" cxnId="{0F4F906D-2621-45DA-8351-139722A96ABD}">
+      <dgm:prSet/>
+      <dgm:spPr/>
+      <dgm:t>
+        <a:bodyPr/>
+        <a:lstStyle/>
+        <a:p>
+          <a:endParaRPr lang="es-ES"/>
+        </a:p>
+      </dgm:t>
+    </dgm:pt>
     <dgm:pt modelId="{2D5738C4-EC9E-4779-B540-31D33BE25B70}" type="pres">
       <dgm:prSet presAssocID="{E0DBD592-C900-4D5D-A79A-93A58E8DA172}" presName="linear" presStyleCnt="0">
         <dgm:presLayoutVars>
@@ -3263,11 +3356,11 @@
       <dgm:spPr/>
     </dgm:pt>
     <dgm:pt modelId="{DC08CE2B-3BA2-48DB-B768-70EF00B4488D}" type="pres">
-      <dgm:prSet presAssocID="{C9F99139-B66D-4219-861A-3EA127D493C0}" presName="box" presStyleLbl="node1" presStyleIdx="0" presStyleCnt="4" custScaleY="71211"/>
+      <dgm:prSet presAssocID="{C9F99139-B66D-4219-861A-3EA127D493C0}" presName="box" presStyleLbl="node1" presStyleIdx="0" presStyleCnt="5" custScaleY="71211"/>
       <dgm:spPr/>
     </dgm:pt>
     <dgm:pt modelId="{EF2D8EC3-8FE2-4E7C-B86A-83EDAF07162F}" type="pres">
-      <dgm:prSet presAssocID="{C9F99139-B66D-4219-861A-3EA127D493C0}" presName="img" presStyleLbl="fgImgPlace1" presStyleIdx="0" presStyleCnt="4" custScaleY="69563"/>
+      <dgm:prSet presAssocID="{C9F99139-B66D-4219-861A-3EA127D493C0}" presName="img" presStyleLbl="fgImgPlace1" presStyleIdx="0" presStyleCnt="5" custScaleY="69563"/>
       <dgm:spPr>
         <a:blipFill>
           <a:blip xmlns:r="http://schemas.openxmlformats.org/officeDocument/2006/relationships" r:embed="rId1"/>
@@ -3279,7 +3372,7 @@
       </dgm:spPr>
     </dgm:pt>
     <dgm:pt modelId="{51F715FF-4B49-486A-B461-C35D3C55EEB6}" type="pres">
-      <dgm:prSet presAssocID="{C9F99139-B66D-4219-861A-3EA127D493C0}" presName="text" presStyleLbl="node1" presStyleIdx="0" presStyleCnt="4">
+      <dgm:prSet presAssocID="{C9F99139-B66D-4219-861A-3EA127D493C0}" presName="text" presStyleLbl="node1" presStyleIdx="0" presStyleCnt="5">
         <dgm:presLayoutVars>
           <dgm:bulletEnabled val="1"/>
         </dgm:presLayoutVars>
@@ -3290,16 +3383,48 @@
       <dgm:prSet presAssocID="{2ABCB300-CCE9-44E7-999D-3B03628596E1}" presName="spacer" presStyleCnt="0"/>
       <dgm:spPr/>
     </dgm:pt>
+    <dgm:pt modelId="{BDEF38AD-6A9B-41D5-87CE-A67B7DA36350}" type="pres">
+      <dgm:prSet presAssocID="{C7839787-4F91-4052-A165-9BFBC71086A6}" presName="comp" presStyleCnt="0"/>
+      <dgm:spPr/>
+    </dgm:pt>
+    <dgm:pt modelId="{264E0976-0840-4190-A8BA-ACD257002388}" type="pres">
+      <dgm:prSet presAssocID="{C7839787-4F91-4052-A165-9BFBC71086A6}" presName="box" presStyleLbl="node1" presStyleIdx="1" presStyleCnt="5" custScaleY="71211"/>
+      <dgm:spPr/>
+    </dgm:pt>
+    <dgm:pt modelId="{A485EABC-8582-4C36-84BB-91900236DAC0}" type="pres">
+      <dgm:prSet presAssocID="{C7839787-4F91-4052-A165-9BFBC71086A6}" presName="img" presStyleLbl="fgImgPlace1" presStyleIdx="1" presStyleCnt="5"/>
+      <dgm:spPr>
+        <a:blipFill>
+          <a:blip xmlns:r="http://schemas.openxmlformats.org/officeDocument/2006/relationships" r:embed="rId1"/>
+          <a:srcRect/>
+          <a:stretch>
+            <a:fillRect t="-30000" b="-30000"/>
+          </a:stretch>
+        </a:blipFill>
+      </dgm:spPr>
+    </dgm:pt>
+    <dgm:pt modelId="{C16B902E-DCF9-4E9F-949B-436AC0FD1FFA}" type="pres">
+      <dgm:prSet presAssocID="{C7839787-4F91-4052-A165-9BFBC71086A6}" presName="text" presStyleLbl="node1" presStyleIdx="1" presStyleCnt="5">
+        <dgm:presLayoutVars>
+          <dgm:bulletEnabled val="1"/>
+        </dgm:presLayoutVars>
+      </dgm:prSet>
+      <dgm:spPr/>
+    </dgm:pt>
+    <dgm:pt modelId="{28DA00DD-78AB-43DC-9B62-39CBF2CB7015}" type="pres">
+      <dgm:prSet presAssocID="{48E186E5-4DC2-451A-9507-431E86797E29}" presName="spacer" presStyleCnt="0"/>
+      <dgm:spPr/>
+    </dgm:pt>
     <dgm:pt modelId="{9C15E9F4-CE56-4E8D-9AC4-025934C7C1D4}" type="pres">
       <dgm:prSet presAssocID="{B0A54B65-E829-4553-8B45-B4EBDAF3C233}" presName="comp" presStyleCnt="0"/>
       <dgm:spPr/>
     </dgm:pt>
     <dgm:pt modelId="{B12AE6C0-B4ED-4A08-98AA-6732B6DC385E}" type="pres">
-      <dgm:prSet presAssocID="{B0A54B65-E829-4553-8B45-B4EBDAF3C233}" presName="box" presStyleLbl="node1" presStyleIdx="1" presStyleCnt="4" custScaleY="72558"/>
+      <dgm:prSet presAssocID="{B0A54B65-E829-4553-8B45-B4EBDAF3C233}" presName="box" presStyleLbl="node1" presStyleIdx="2" presStyleCnt="5" custScaleY="72558"/>
       <dgm:spPr/>
     </dgm:pt>
     <dgm:pt modelId="{C9E8AD8B-B134-4129-BD9A-C060E9DACAFC}" type="pres">
-      <dgm:prSet presAssocID="{B0A54B65-E829-4553-8B45-B4EBDAF3C233}" presName="img" presStyleLbl="fgImgPlace1" presStyleIdx="1" presStyleCnt="4" custScaleY="89187"/>
+      <dgm:prSet presAssocID="{B0A54B65-E829-4553-8B45-B4EBDAF3C233}" presName="img" presStyleLbl="fgImgPlace1" presStyleIdx="2" presStyleCnt="5" custScaleY="89187"/>
       <dgm:spPr>
         <a:blipFill>
           <a:blip xmlns:r="http://schemas.openxmlformats.org/officeDocument/2006/relationships" r:embed="rId2"/>
@@ -3311,7 +3436,7 @@
       </dgm:spPr>
     </dgm:pt>
     <dgm:pt modelId="{3D1FE89A-8ADF-4C10-94D7-ABA6570F8C42}" type="pres">
-      <dgm:prSet presAssocID="{B0A54B65-E829-4553-8B45-B4EBDAF3C233}" presName="text" presStyleLbl="node1" presStyleIdx="1" presStyleCnt="4">
+      <dgm:prSet presAssocID="{B0A54B65-E829-4553-8B45-B4EBDAF3C233}" presName="text" presStyleLbl="node1" presStyleIdx="2" presStyleCnt="5">
         <dgm:presLayoutVars>
           <dgm:bulletEnabled val="1"/>
         </dgm:presLayoutVars>
@@ -3327,11 +3452,11 @@
       <dgm:spPr/>
     </dgm:pt>
     <dgm:pt modelId="{C6452C4A-60F5-47BC-8505-428BC48A03CB}" type="pres">
-      <dgm:prSet presAssocID="{EBF196C3-A6DB-42DE-B168-0612EDF03693}" presName="box" presStyleLbl="node1" presStyleIdx="2" presStyleCnt="4" custScaleY="130909"/>
+      <dgm:prSet presAssocID="{EBF196C3-A6DB-42DE-B168-0612EDF03693}" presName="box" presStyleLbl="node1" presStyleIdx="3" presStyleCnt="5" custScaleY="130909"/>
       <dgm:spPr/>
     </dgm:pt>
     <dgm:pt modelId="{D306C488-315E-46F7-B989-FFF5212BF6E2}" type="pres">
-      <dgm:prSet presAssocID="{EBF196C3-A6DB-42DE-B168-0612EDF03693}" presName="img" presStyleLbl="fgImgPlace1" presStyleIdx="2" presStyleCnt="4" custScaleY="91348"/>
+      <dgm:prSet presAssocID="{EBF196C3-A6DB-42DE-B168-0612EDF03693}" presName="img" presStyleLbl="fgImgPlace1" presStyleIdx="3" presStyleCnt="5" custScaleY="91348"/>
       <dgm:spPr>
         <a:blipFill>
           <a:blip xmlns:r="http://schemas.openxmlformats.org/officeDocument/2006/relationships" r:embed="rId3"/>
@@ -3343,7 +3468,7 @@
       </dgm:spPr>
     </dgm:pt>
     <dgm:pt modelId="{E67E17D0-D90F-49C4-814B-C75905BED48F}" type="pres">
-      <dgm:prSet presAssocID="{EBF196C3-A6DB-42DE-B168-0612EDF03693}" presName="text" presStyleLbl="node1" presStyleIdx="2" presStyleCnt="4">
+      <dgm:prSet presAssocID="{EBF196C3-A6DB-42DE-B168-0612EDF03693}" presName="text" presStyleLbl="node1" presStyleIdx="3" presStyleCnt="5">
         <dgm:presLayoutVars>
           <dgm:bulletEnabled val="1"/>
         </dgm:presLayoutVars>
@@ -3359,11 +3484,11 @@
       <dgm:spPr/>
     </dgm:pt>
     <dgm:pt modelId="{9368D843-76C1-42B0-834B-2DA28FCB0771}" type="pres">
-      <dgm:prSet presAssocID="{D3DB2985-286F-4E1B-A3EF-B67DCD1C08F6}" presName="box" presStyleLbl="node1" presStyleIdx="3" presStyleCnt="4"/>
+      <dgm:prSet presAssocID="{D3DB2985-286F-4E1B-A3EF-B67DCD1C08F6}" presName="box" presStyleLbl="node1" presStyleIdx="4" presStyleCnt="5"/>
       <dgm:spPr/>
     </dgm:pt>
     <dgm:pt modelId="{D58F51A8-C9AC-49A7-BF07-49E56398E46B}" type="pres">
-      <dgm:prSet presAssocID="{D3DB2985-286F-4E1B-A3EF-B67DCD1C08F6}" presName="img" presStyleLbl="fgImgPlace1" presStyleIdx="3" presStyleCnt="4"/>
+      <dgm:prSet presAssocID="{D3DB2985-286F-4E1B-A3EF-B67DCD1C08F6}" presName="img" presStyleLbl="fgImgPlace1" presStyleIdx="4" presStyleCnt="5"/>
       <dgm:spPr>
         <a:blipFill>
           <a:blip xmlns:r="http://schemas.openxmlformats.org/officeDocument/2006/relationships" r:embed="rId4"/>
@@ -3375,7 +3500,7 @@
       </dgm:spPr>
     </dgm:pt>
     <dgm:pt modelId="{CCCE771C-F880-4686-A4B6-89572DC603BC}" type="pres">
-      <dgm:prSet presAssocID="{D3DB2985-286F-4E1B-A3EF-B67DCD1C08F6}" presName="text" presStyleLbl="node1" presStyleIdx="3" presStyleCnt="4">
+      <dgm:prSet presAssocID="{D3DB2985-286F-4E1B-A3EF-B67DCD1C08F6}" presName="text" presStyleLbl="node1" presStyleIdx="4" presStyleCnt="5">
         <dgm:presLayoutVars>
           <dgm:bulletEnabled val="1"/>
         </dgm:presLayoutVars>
@@ -3386,33 +3511,41 @@
   <dgm:cxnLst>
     <dgm:cxn modelId="{D7771514-C386-46C1-946B-E4D34C195D50}" type="presOf" srcId="{E0DBD592-C900-4D5D-A79A-93A58E8DA172}" destId="{2D5738C4-EC9E-4779-B540-31D33BE25B70}" srcOrd="0" destOrd="0" presId="urn:microsoft.com/office/officeart/2005/8/layout/vList4"/>
     <dgm:cxn modelId="{441FA015-EE80-4570-970B-A56A475256EF}" type="presOf" srcId="{C9F99139-B66D-4219-861A-3EA127D493C0}" destId="{DC08CE2B-3BA2-48DB-B768-70EF00B4488D}" srcOrd="0" destOrd="0" presId="urn:microsoft.com/office/officeart/2005/8/layout/vList4"/>
+    <dgm:cxn modelId="{BF153B5F-A3A6-4875-B32B-A4D761CFC104}" type="presOf" srcId="{C7839787-4F91-4052-A165-9BFBC71086A6}" destId="{264E0976-0840-4190-A8BA-ACD257002388}" srcOrd="0" destOrd="0" presId="urn:microsoft.com/office/officeart/2005/8/layout/vList4"/>
+    <dgm:cxn modelId="{0F4F906D-2621-45DA-8351-139722A96ABD}" srcId="{E0DBD592-C900-4D5D-A79A-93A58E8DA172}" destId="{C7839787-4F91-4052-A165-9BFBC71086A6}" srcOrd="1" destOrd="0" parTransId="{BB8A1210-98FC-449F-A56F-90903D089B54}" sibTransId="{48E186E5-4DC2-451A-9507-431E86797E29}"/>
     <dgm:cxn modelId="{DF5B256E-1BCA-468C-AF06-39814118FCEF}" type="presOf" srcId="{B0A54B65-E829-4553-8B45-B4EBDAF3C233}" destId="{B12AE6C0-B4ED-4A08-98AA-6732B6DC385E}" srcOrd="0" destOrd="0" presId="urn:microsoft.com/office/officeart/2005/8/layout/vList4"/>
     <dgm:cxn modelId="{2FF3EB71-C7F5-4619-AB74-5943DE39CC10}" srcId="{E0DBD592-C900-4D5D-A79A-93A58E8DA172}" destId="{C9F99139-B66D-4219-861A-3EA127D493C0}" srcOrd="0" destOrd="0" parTransId="{1C880A37-22BC-4FD9-8955-F47618D81BCC}" sibTransId="{2ABCB300-CCE9-44E7-999D-3B03628596E1}"/>
-    <dgm:cxn modelId="{D2E0ED84-53E3-49A1-A292-3EA003DD3B1F}" srcId="{E0DBD592-C900-4D5D-A79A-93A58E8DA172}" destId="{D3DB2985-286F-4E1B-A3EF-B67DCD1C08F6}" srcOrd="3" destOrd="0" parTransId="{3A914AC6-6594-4B0A-A5A2-C491F53EF95C}" sibTransId="{F982C1E6-BEEF-456A-A8F1-006AD67EDC6F}"/>
+    <dgm:cxn modelId="{D2E0ED84-53E3-49A1-A292-3EA003DD3B1F}" srcId="{E0DBD592-C900-4D5D-A79A-93A58E8DA172}" destId="{D3DB2985-286F-4E1B-A3EF-B67DCD1C08F6}" srcOrd="4" destOrd="0" parTransId="{3A914AC6-6594-4B0A-A5A2-C491F53EF95C}" sibTransId="{F982C1E6-BEEF-456A-A8F1-006AD67EDC6F}"/>
     <dgm:cxn modelId="{712DF1A2-9649-4A26-A0DA-529186D8E53F}" type="presOf" srcId="{D3DB2985-286F-4E1B-A3EF-B67DCD1C08F6}" destId="{9368D843-76C1-42B0-834B-2DA28FCB0771}" srcOrd="0" destOrd="0" presId="urn:microsoft.com/office/officeart/2005/8/layout/vList4"/>
     <dgm:cxn modelId="{CADC53CB-EC25-4D6E-882B-972A19677F10}" type="presOf" srcId="{D3DB2985-286F-4E1B-A3EF-B67DCD1C08F6}" destId="{CCCE771C-F880-4686-A4B6-89572DC603BC}" srcOrd="1" destOrd="0" presId="urn:microsoft.com/office/officeart/2005/8/layout/vList4"/>
-    <dgm:cxn modelId="{62EFD2D3-AE51-4D7B-AC9A-B557C95CFE85}" srcId="{E0DBD592-C900-4D5D-A79A-93A58E8DA172}" destId="{B0A54B65-E829-4553-8B45-B4EBDAF3C233}" srcOrd="1" destOrd="0" parTransId="{58D673D6-CE1A-45C9-8DE0-8248CFA91FFF}" sibTransId="{F068E20D-9182-40E9-81D3-3D2119E9E208}"/>
+    <dgm:cxn modelId="{62EFD2D3-AE51-4D7B-AC9A-B557C95CFE85}" srcId="{E0DBD592-C900-4D5D-A79A-93A58E8DA172}" destId="{B0A54B65-E829-4553-8B45-B4EBDAF3C233}" srcOrd="2" destOrd="0" parTransId="{58D673D6-CE1A-45C9-8DE0-8248CFA91FFF}" sibTransId="{F068E20D-9182-40E9-81D3-3D2119E9E208}"/>
     <dgm:cxn modelId="{A4BF16E6-FAE2-49A6-8E9A-22FE4B1019A9}" type="presOf" srcId="{EBF196C3-A6DB-42DE-B168-0612EDF03693}" destId="{C6452C4A-60F5-47BC-8505-428BC48A03CB}" srcOrd="0" destOrd="0" presId="urn:microsoft.com/office/officeart/2005/8/layout/vList4"/>
     <dgm:cxn modelId="{F31FFAE6-B3DF-4875-8480-C0F41B21D4B2}" type="presOf" srcId="{B0A54B65-E829-4553-8B45-B4EBDAF3C233}" destId="{3D1FE89A-8ADF-4C10-94D7-ABA6570F8C42}" srcOrd="1" destOrd="0" presId="urn:microsoft.com/office/officeart/2005/8/layout/vList4"/>
+    <dgm:cxn modelId="{A28110ED-BE55-4E38-A2A5-0F6D516E08EB}" type="presOf" srcId="{C7839787-4F91-4052-A165-9BFBC71086A6}" destId="{C16B902E-DCF9-4E9F-949B-436AC0FD1FFA}" srcOrd="1" destOrd="0" presId="urn:microsoft.com/office/officeart/2005/8/layout/vList4"/>
     <dgm:cxn modelId="{983B2CED-E271-4C8A-9468-B16025433270}" type="presOf" srcId="{C9F99139-B66D-4219-861A-3EA127D493C0}" destId="{51F715FF-4B49-486A-B461-C35D3C55EEB6}" srcOrd="1" destOrd="0" presId="urn:microsoft.com/office/officeart/2005/8/layout/vList4"/>
-    <dgm:cxn modelId="{09CD5CFB-F57C-4EA7-9B86-AED2343EDF67}" srcId="{E0DBD592-C900-4D5D-A79A-93A58E8DA172}" destId="{EBF196C3-A6DB-42DE-B168-0612EDF03693}" srcOrd="2" destOrd="0" parTransId="{9BCB12AF-3FDE-4ECC-9F8F-CED83AED7CCB}" sibTransId="{C16B64A7-40EB-4C86-BE64-8EBACDE653C3}"/>
+    <dgm:cxn modelId="{09CD5CFB-F57C-4EA7-9B86-AED2343EDF67}" srcId="{E0DBD592-C900-4D5D-A79A-93A58E8DA172}" destId="{EBF196C3-A6DB-42DE-B168-0612EDF03693}" srcOrd="3" destOrd="0" parTransId="{9BCB12AF-3FDE-4ECC-9F8F-CED83AED7CCB}" sibTransId="{C16B64A7-40EB-4C86-BE64-8EBACDE653C3}"/>
     <dgm:cxn modelId="{4D52D9FF-8814-4832-AAFD-6DD4FA592C36}" type="presOf" srcId="{EBF196C3-A6DB-42DE-B168-0612EDF03693}" destId="{E67E17D0-D90F-49C4-814B-C75905BED48F}" srcOrd="1" destOrd="0" presId="urn:microsoft.com/office/officeart/2005/8/layout/vList4"/>
     <dgm:cxn modelId="{EF6542DF-4537-4DC2-B1D9-B78444899BEC}" type="presParOf" srcId="{2D5738C4-EC9E-4779-B540-31D33BE25B70}" destId="{3495E656-1F14-4307-80DE-ABD969E4FEFA}" srcOrd="0" destOrd="0" presId="urn:microsoft.com/office/officeart/2005/8/layout/vList4"/>
     <dgm:cxn modelId="{E754B661-2C85-40F8-9635-1E3B84D8F76E}" type="presParOf" srcId="{3495E656-1F14-4307-80DE-ABD969E4FEFA}" destId="{DC08CE2B-3BA2-48DB-B768-70EF00B4488D}" srcOrd="0" destOrd="0" presId="urn:microsoft.com/office/officeart/2005/8/layout/vList4"/>
     <dgm:cxn modelId="{DDC0104C-69C6-4C22-8DDA-37422DD457EB}" type="presParOf" srcId="{3495E656-1F14-4307-80DE-ABD969E4FEFA}" destId="{EF2D8EC3-8FE2-4E7C-B86A-83EDAF07162F}" srcOrd="1" destOrd="0" presId="urn:microsoft.com/office/officeart/2005/8/layout/vList4"/>
     <dgm:cxn modelId="{712E3B41-46F6-4BB0-8C90-5002339AB84F}" type="presParOf" srcId="{3495E656-1F14-4307-80DE-ABD969E4FEFA}" destId="{51F715FF-4B49-486A-B461-C35D3C55EEB6}" srcOrd="2" destOrd="0" presId="urn:microsoft.com/office/officeart/2005/8/layout/vList4"/>
     <dgm:cxn modelId="{DFC7B6B5-59F6-4A57-A84F-0850103975EA}" type="presParOf" srcId="{2D5738C4-EC9E-4779-B540-31D33BE25B70}" destId="{A85E9522-9A51-4F9B-825C-5AAE997BCC79}" srcOrd="1" destOrd="0" presId="urn:microsoft.com/office/officeart/2005/8/layout/vList4"/>
-    <dgm:cxn modelId="{DD6A45F7-31A4-4567-9B0C-DAB37FAA4FDB}" type="presParOf" srcId="{2D5738C4-EC9E-4779-B540-31D33BE25B70}" destId="{9C15E9F4-CE56-4E8D-9AC4-025934C7C1D4}" srcOrd="2" destOrd="0" presId="urn:microsoft.com/office/officeart/2005/8/layout/vList4"/>
+    <dgm:cxn modelId="{C69BB7C3-0BA3-4098-B544-DAD944C77B68}" type="presParOf" srcId="{2D5738C4-EC9E-4779-B540-31D33BE25B70}" destId="{BDEF38AD-6A9B-41D5-87CE-A67B7DA36350}" srcOrd="2" destOrd="0" presId="urn:microsoft.com/office/officeart/2005/8/layout/vList4"/>
+    <dgm:cxn modelId="{A79DA48E-7561-4843-887B-2E15F9F2476D}" type="presParOf" srcId="{BDEF38AD-6A9B-41D5-87CE-A67B7DA36350}" destId="{264E0976-0840-4190-A8BA-ACD257002388}" srcOrd="0" destOrd="0" presId="urn:microsoft.com/office/officeart/2005/8/layout/vList4"/>
+    <dgm:cxn modelId="{04BD68BC-AC75-4E17-B506-7482E732F5F0}" type="presParOf" srcId="{BDEF38AD-6A9B-41D5-87CE-A67B7DA36350}" destId="{A485EABC-8582-4C36-84BB-91900236DAC0}" srcOrd="1" destOrd="0" presId="urn:microsoft.com/office/officeart/2005/8/layout/vList4"/>
+    <dgm:cxn modelId="{79040A07-DFA9-44B0-9961-6901D4FF8C06}" type="presParOf" srcId="{BDEF38AD-6A9B-41D5-87CE-A67B7DA36350}" destId="{C16B902E-DCF9-4E9F-949B-436AC0FD1FFA}" srcOrd="2" destOrd="0" presId="urn:microsoft.com/office/officeart/2005/8/layout/vList4"/>
+    <dgm:cxn modelId="{23E70C1B-EB67-4A40-934E-852FFDBA0698}" type="presParOf" srcId="{2D5738C4-EC9E-4779-B540-31D33BE25B70}" destId="{28DA00DD-78AB-43DC-9B62-39CBF2CB7015}" srcOrd="3" destOrd="0" presId="urn:microsoft.com/office/officeart/2005/8/layout/vList4"/>
+    <dgm:cxn modelId="{DD6A45F7-31A4-4567-9B0C-DAB37FAA4FDB}" type="presParOf" srcId="{2D5738C4-EC9E-4779-B540-31D33BE25B70}" destId="{9C15E9F4-CE56-4E8D-9AC4-025934C7C1D4}" srcOrd="4" destOrd="0" presId="urn:microsoft.com/office/officeart/2005/8/layout/vList4"/>
     <dgm:cxn modelId="{F8DAF924-F73D-41DC-B2E9-9682829D2561}" type="presParOf" srcId="{9C15E9F4-CE56-4E8D-9AC4-025934C7C1D4}" destId="{B12AE6C0-B4ED-4A08-98AA-6732B6DC385E}" srcOrd="0" destOrd="0" presId="urn:microsoft.com/office/officeart/2005/8/layout/vList4"/>
     <dgm:cxn modelId="{41611BF0-B5B2-4B8C-9E68-B8B35264280D}" type="presParOf" srcId="{9C15E9F4-CE56-4E8D-9AC4-025934C7C1D4}" destId="{C9E8AD8B-B134-4129-BD9A-C060E9DACAFC}" srcOrd="1" destOrd="0" presId="urn:microsoft.com/office/officeart/2005/8/layout/vList4"/>
     <dgm:cxn modelId="{A70DB30D-F7C5-4C01-9738-E0DE48D12509}" type="presParOf" srcId="{9C15E9F4-CE56-4E8D-9AC4-025934C7C1D4}" destId="{3D1FE89A-8ADF-4C10-94D7-ABA6570F8C42}" srcOrd="2" destOrd="0" presId="urn:microsoft.com/office/officeart/2005/8/layout/vList4"/>
-    <dgm:cxn modelId="{72A817E0-9F11-4CE9-9F3E-F26DF95F0CBA}" type="presParOf" srcId="{2D5738C4-EC9E-4779-B540-31D33BE25B70}" destId="{3ADE5778-2B09-4D2C-BFA0-9E09D3AB850F}" srcOrd="3" destOrd="0" presId="urn:microsoft.com/office/officeart/2005/8/layout/vList4"/>
-    <dgm:cxn modelId="{21D79D85-6A79-4C95-AB05-4B9FBCEEFB38}" type="presParOf" srcId="{2D5738C4-EC9E-4779-B540-31D33BE25B70}" destId="{394CAA2C-B39A-45C2-8692-4F108831F697}" srcOrd="4" destOrd="0" presId="urn:microsoft.com/office/officeart/2005/8/layout/vList4"/>
+    <dgm:cxn modelId="{72A817E0-9F11-4CE9-9F3E-F26DF95F0CBA}" type="presParOf" srcId="{2D5738C4-EC9E-4779-B540-31D33BE25B70}" destId="{3ADE5778-2B09-4D2C-BFA0-9E09D3AB850F}" srcOrd="5" destOrd="0" presId="urn:microsoft.com/office/officeart/2005/8/layout/vList4"/>
+    <dgm:cxn modelId="{21D79D85-6A79-4C95-AB05-4B9FBCEEFB38}" type="presParOf" srcId="{2D5738C4-EC9E-4779-B540-31D33BE25B70}" destId="{394CAA2C-B39A-45C2-8692-4F108831F697}" srcOrd="6" destOrd="0" presId="urn:microsoft.com/office/officeart/2005/8/layout/vList4"/>
     <dgm:cxn modelId="{1B5F7425-81F1-4E75-BE49-07209D8A9C92}" type="presParOf" srcId="{394CAA2C-B39A-45C2-8692-4F108831F697}" destId="{C6452C4A-60F5-47BC-8505-428BC48A03CB}" srcOrd="0" destOrd="0" presId="urn:microsoft.com/office/officeart/2005/8/layout/vList4"/>
     <dgm:cxn modelId="{9D32D5E8-902D-4D45-8002-75E51E6E0EAC}" type="presParOf" srcId="{394CAA2C-B39A-45C2-8692-4F108831F697}" destId="{D306C488-315E-46F7-B989-FFF5212BF6E2}" srcOrd="1" destOrd="0" presId="urn:microsoft.com/office/officeart/2005/8/layout/vList4"/>
     <dgm:cxn modelId="{39D6149B-BA07-4DFB-A0E9-B769847AEDE3}" type="presParOf" srcId="{394CAA2C-B39A-45C2-8692-4F108831F697}" destId="{E67E17D0-D90F-49C4-814B-C75905BED48F}" srcOrd="2" destOrd="0" presId="urn:microsoft.com/office/officeart/2005/8/layout/vList4"/>
-    <dgm:cxn modelId="{AB430D4A-F663-4F65-90FB-5EBB31C3C10E}" type="presParOf" srcId="{2D5738C4-EC9E-4779-B540-31D33BE25B70}" destId="{A4B9FD97-CD6C-45E6-BB2C-BADD153BE16D}" srcOrd="5" destOrd="0" presId="urn:microsoft.com/office/officeart/2005/8/layout/vList4"/>
-    <dgm:cxn modelId="{E0AEF6AC-2CA9-42C1-80DA-C45C252413C0}" type="presParOf" srcId="{2D5738C4-EC9E-4779-B540-31D33BE25B70}" destId="{FA11953F-C793-41F3-944C-F9C478C0015E}" srcOrd="6" destOrd="0" presId="urn:microsoft.com/office/officeart/2005/8/layout/vList4"/>
+    <dgm:cxn modelId="{AB430D4A-F663-4F65-90FB-5EBB31C3C10E}" type="presParOf" srcId="{2D5738C4-EC9E-4779-B540-31D33BE25B70}" destId="{A4B9FD97-CD6C-45E6-BB2C-BADD153BE16D}" srcOrd="7" destOrd="0" presId="urn:microsoft.com/office/officeart/2005/8/layout/vList4"/>
+    <dgm:cxn modelId="{E0AEF6AC-2CA9-42C1-80DA-C45C252413C0}" type="presParOf" srcId="{2D5738C4-EC9E-4779-B540-31D33BE25B70}" destId="{FA11953F-C793-41F3-944C-F9C478C0015E}" srcOrd="8" destOrd="0" presId="urn:microsoft.com/office/officeart/2005/8/layout/vList4"/>
     <dgm:cxn modelId="{3E3E90B7-E7F4-4098-86CE-456FD145D474}" type="presParOf" srcId="{FA11953F-C793-41F3-944C-F9C478C0015E}" destId="{9368D843-76C1-42B0-834B-2DA28FCB0771}" srcOrd="0" destOrd="0" presId="urn:microsoft.com/office/officeart/2005/8/layout/vList4"/>
     <dgm:cxn modelId="{4583DEA2-C6B9-4321-9D84-F35A1237B997}" type="presParOf" srcId="{FA11953F-C793-41F3-944C-F9C478C0015E}" destId="{D58F51A8-C9AC-49A7-BF07-49E56398E46B}" srcOrd="1" destOrd="0" presId="urn:microsoft.com/office/officeart/2005/8/layout/vList4"/>
     <dgm:cxn modelId="{A3F62817-40C2-4A24-9118-2F626F64F4D0}" type="presParOf" srcId="{FA11953F-C793-41F3-944C-F9C478C0015E}" destId="{CCCE771C-F880-4686-A4B6-89572DC603BC}" srcOrd="2" destOrd="0" presId="urn:microsoft.com/office/officeart/2005/8/layout/vList4"/>
@@ -4568,7 +4701,7 @@
       <dsp:spPr bwMode="white">
         <a:xfrm>
           <a:off x="0" y="0"/>
-          <a:ext cx="4001844" cy="512616"/>
+          <a:ext cx="4001844" cy="419413"/>
         </a:xfrm>
         <a:prstGeom prst="roundRect">
           <a:avLst>
@@ -4634,22 +4767,58 @@
                 <a:srgbClr val="002060"/>
               </a:solidFill>
             </a:rPr>
-            <a:t>	GLM – </a:t>
+            <a:t>	</a:t>
           </a:r>
           <a:r>
-            <a:rPr lang="es-ES" sz="1000" kern="1200" dirty="0"/>
-            <a:t>Mario, Melissa, </a:t>
+            <a:rPr lang="es-ES" sz="1000" b="1" kern="1200" dirty="0" err="1">
+              <a:solidFill>
+                <a:srgbClr val="002060"/>
+              </a:solidFill>
+            </a:rPr>
+            <a:t>Classification</a:t>
           </a:r>
           <a:r>
-            <a:rPr lang="es-ES" sz="1000" kern="1200" dirty="0" err="1"/>
-            <a:t>Wenjia</a:t>
+            <a:rPr lang="es-ES" sz="1000" b="1" kern="1200" dirty="0">
+              <a:solidFill>
+                <a:srgbClr val="002060"/>
+              </a:solidFill>
+            </a:rPr>
+            <a:t> </a:t>
           </a:r>
-          <a:endParaRPr lang="es-ES" sz="1000" kern="1200" dirty="0"/>
+          <a:r>
+            <a:rPr lang="es-ES" sz="1000" b="1" kern="1200" dirty="0" err="1">
+              <a:solidFill>
+                <a:srgbClr val="002060"/>
+              </a:solidFill>
+            </a:rPr>
+            <a:t>tree</a:t>
+          </a:r>
+          <a:r>
+            <a:rPr lang="es-ES" sz="1000" b="1" kern="1200" dirty="0">
+              <a:solidFill>
+                <a:srgbClr val="002060"/>
+              </a:solidFill>
+            </a:rPr>
+            <a:t>– </a:t>
+          </a:r>
+          <a:r>
+            <a:rPr lang="es-ES" sz="1000" b="1" kern="1200" dirty="0">
+              <a:solidFill>
+                <a:schemeClr val="bg1"/>
+              </a:solidFill>
+            </a:rPr>
+            <a:t>Laura, Mario</a:t>
+          </a:r>
+          <a:endParaRPr lang="es-ES" sz="1000" kern="1200" dirty="0">
+            <a:solidFill>
+              <a:schemeClr val="bg1"/>
+            </a:solidFill>
+          </a:endParaRPr>
         </a:p>
       </dsp:txBody>
       <dsp:txXfrm>
-        <a:off x="872354" y="0"/>
-        <a:ext cx="3129489" cy="512616"/>
+        <a:off x="859266" y="0"/>
+        <a:ext cx="3142577" cy="419413"/>
       </dsp:txXfrm>
     </dsp:sp>
     <dsp:sp modelId="{EF2D8EC3-8FE2-4E7C-B86A-83EDAF07162F}">
@@ -4659,8 +4828,156 @@
       </dsp:nvSpPr>
       <dsp:spPr>
         <a:xfrm>
-          <a:off x="71985" y="56006"/>
-          <a:ext cx="800368" cy="400602"/>
+          <a:off x="58897" y="45823"/>
+          <a:ext cx="800368" cy="327766"/>
+        </a:xfrm>
+        <a:prstGeom prst="roundRect">
+          <a:avLst>
+            <a:gd name="adj" fmla="val 10000"/>
+          </a:avLst>
+        </a:prstGeom>
+        <a:blipFill>
+          <a:blip xmlns:r="http://schemas.openxmlformats.org/officeDocument/2006/relationships" r:embed="rId1"/>
+          <a:srcRect/>
+          <a:stretch>
+            <a:fillRect t="-30000" b="-30000"/>
+          </a:stretch>
+        </a:blipFill>
+        <a:ln w="25400" cap="flat" cmpd="sng" algn="ctr">
+          <a:solidFill>
+            <a:schemeClr val="lt1">
+              <a:hueOff val="0"/>
+              <a:satOff val="0"/>
+              <a:lumOff val="0"/>
+              <a:alphaOff val="0"/>
+            </a:schemeClr>
+          </a:solidFill>
+          <a:prstDash val="solid"/>
+        </a:ln>
+        <a:effectLst/>
+      </dsp:spPr>
+      <dsp:style>
+        <a:lnRef idx="2">
+          <a:scrgbClr r="0" g="0" b="0"/>
+        </a:lnRef>
+        <a:fillRef idx="1">
+          <a:scrgbClr r="0" g="0" b="0"/>
+        </a:fillRef>
+        <a:effectRef idx="0">
+          <a:scrgbClr r="0" g="0" b="0"/>
+        </a:effectRef>
+        <a:fontRef idx="minor"/>
+      </dsp:style>
+    </dsp:sp>
+    <dsp:sp modelId="{264E0976-0840-4190-A8BA-ACD257002388}">
+      <dsp:nvSpPr>
+        <dsp:cNvPr id="0" name=""/>
+        <dsp:cNvSpPr/>
+      </dsp:nvSpPr>
+      <dsp:spPr>
+        <a:xfrm>
+          <a:off x="0" y="504193"/>
+          <a:ext cx="4001844" cy="419413"/>
+        </a:xfrm>
+        <a:prstGeom prst="roundRect">
+          <a:avLst>
+            <a:gd name="adj" fmla="val 10000"/>
+          </a:avLst>
+        </a:prstGeom>
+        <a:solidFill>
+          <a:schemeClr val="accent1">
+            <a:hueOff val="0"/>
+            <a:satOff val="0"/>
+            <a:lumOff val="0"/>
+            <a:alphaOff val="0"/>
+          </a:schemeClr>
+        </a:solidFill>
+        <a:ln w="25400" cap="flat" cmpd="sng" algn="ctr">
+          <a:solidFill>
+            <a:schemeClr val="lt1">
+              <a:hueOff val="0"/>
+              <a:satOff val="0"/>
+              <a:lumOff val="0"/>
+              <a:alphaOff val="0"/>
+            </a:schemeClr>
+          </a:solidFill>
+          <a:prstDash val="solid"/>
+        </a:ln>
+        <a:effectLst/>
+      </dsp:spPr>
+      <dsp:style>
+        <a:lnRef idx="2">
+          <a:scrgbClr r="0" g="0" b="0"/>
+        </a:lnRef>
+        <a:fillRef idx="1">
+          <a:scrgbClr r="0" g="0" b="0"/>
+        </a:fillRef>
+        <a:effectRef idx="0">
+          <a:scrgbClr r="0" g="0" b="0"/>
+        </a:effectRef>
+        <a:fontRef idx="minor">
+          <a:schemeClr val="lt1"/>
+        </a:fontRef>
+      </dsp:style>
+      <dsp:txBody>
+        <a:bodyPr spcFirstLastPara="0" vert="horz" wrap="square" lIns="53340" tIns="53340" rIns="53340" bIns="53340" numCol="1" spcCol="1270" anchor="ctr" anchorCtr="0">
+          <a:noAutofit/>
+        </a:bodyPr>
+        <a:lstStyle/>
+        <a:p>
+          <a:pPr marL="0" lvl="0" indent="0" algn="l" defTabSz="622300">
+            <a:lnSpc>
+              <a:spcPct val="90000"/>
+            </a:lnSpc>
+            <a:spcBef>
+              <a:spcPct val="0"/>
+            </a:spcBef>
+            <a:spcAft>
+              <a:spcPct val="35000"/>
+            </a:spcAft>
+            <a:buNone/>
+          </a:pPr>
+          <a:r>
+            <a:rPr lang="es-ES" sz="1400" b="1" kern="1200" dirty="0">
+              <a:solidFill>
+                <a:srgbClr val="002060"/>
+              </a:solidFill>
+            </a:rPr>
+            <a:t>	</a:t>
+          </a:r>
+          <a:r>
+            <a:rPr lang="es-ES" sz="1200" b="1" kern="1200" dirty="0">
+              <a:solidFill>
+                <a:srgbClr val="002060"/>
+              </a:solidFill>
+            </a:rPr>
+            <a:t>GLM – </a:t>
+          </a:r>
+          <a:r>
+            <a:rPr lang="es-ES" sz="1200" kern="1200" dirty="0"/>
+            <a:t>Mario, Melissa, </a:t>
+          </a:r>
+          <a:r>
+            <a:rPr lang="es-ES" sz="1200" kern="1200" dirty="0" err="1"/>
+            <a:t>Wenjia</a:t>
+          </a:r>
+          <a:endParaRPr lang="es-ES" sz="1400" kern="1200" dirty="0"/>
+        </a:p>
+      </dsp:txBody>
+      <dsp:txXfrm>
+        <a:off x="859266" y="504193"/>
+        <a:ext cx="3142577" cy="419413"/>
+      </dsp:txXfrm>
+    </dsp:sp>
+    <dsp:sp modelId="{A485EABC-8582-4C36-84BB-91900236DAC0}">
+      <dsp:nvSpPr>
+        <dsp:cNvPr id="0" name=""/>
+        <dsp:cNvSpPr/>
+      </dsp:nvSpPr>
+      <dsp:spPr>
+        <a:xfrm>
+          <a:off x="58897" y="478311"/>
+          <a:ext cx="800368" cy="471178"/>
         </a:xfrm>
         <a:prstGeom prst="roundRect">
           <a:avLst>
@@ -4707,8 +5024,8 @@
       </dsp:nvSpPr>
       <dsp:spPr bwMode="white">
         <a:xfrm>
-          <a:off x="0" y="584602"/>
-          <a:ext cx="4001844" cy="522313"/>
+          <a:off x="0" y="1008387"/>
+          <a:ext cx="4001844" cy="427347"/>
         </a:xfrm>
         <a:prstGeom prst="roundRect">
           <a:avLst>
@@ -4808,8 +5125,8 @@
         </a:p>
       </dsp:txBody>
       <dsp:txXfrm>
-        <a:off x="872354" y="584602"/>
-        <a:ext cx="3129489" cy="522313"/>
+        <a:off x="859266" y="1008387"/>
+        <a:ext cx="3142577" cy="427347"/>
       </dsp:txXfrm>
     </dsp:sp>
     <dsp:sp modelId="{C9E8AD8B-B134-4129-BD9A-C060E9DACAFC}">
@@ -4819,8 +5136,8 @@
       </dsp:nvSpPr>
       <dsp:spPr>
         <a:xfrm>
-          <a:off x="71985" y="588951"/>
-          <a:ext cx="800368" cy="513614"/>
+          <a:off x="58897" y="1011945"/>
+          <a:ext cx="800368" cy="420230"/>
         </a:xfrm>
         <a:prstGeom prst="roundRect">
           <a:avLst>
@@ -4867,8 +5184,8 @@
       </dsp:nvSpPr>
       <dsp:spPr bwMode="white">
         <a:xfrm>
-          <a:off x="0" y="1178901"/>
-          <a:ext cx="4001844" cy="942356"/>
+          <a:off x="0" y="1494631"/>
+          <a:ext cx="4001844" cy="771019"/>
         </a:xfrm>
         <a:prstGeom prst="roundRect">
           <a:avLst>
@@ -4987,8 +5304,8 @@
         </a:p>
       </dsp:txBody>
       <dsp:txXfrm>
-        <a:off x="872354" y="1178901"/>
-        <a:ext cx="3129489" cy="942356"/>
+        <a:off x="859266" y="1494631"/>
+        <a:ext cx="3142577" cy="771019"/>
       </dsp:txXfrm>
     </dsp:sp>
     <dsp:sp modelId="{D306C488-315E-46F7-B989-FFF5212BF6E2}">
@@ -4998,8 +5315,8 @@
       </dsp:nvSpPr>
       <dsp:spPr>
         <a:xfrm>
-          <a:off x="71985" y="1387050"/>
-          <a:ext cx="800368" cy="526059"/>
+          <a:off x="58897" y="1664935"/>
+          <a:ext cx="800368" cy="430412"/>
         </a:xfrm>
         <a:prstGeom prst="roundRect">
           <a:avLst>
@@ -5046,8 +5363,8 @@
       </dsp:nvSpPr>
       <dsp:spPr bwMode="white">
         <a:xfrm>
-          <a:off x="0" y="2193244"/>
-          <a:ext cx="4001844" cy="719856"/>
+          <a:off x="0" y="2324548"/>
+          <a:ext cx="4001844" cy="588973"/>
         </a:xfrm>
         <a:prstGeom prst="roundRect">
           <a:avLst>
@@ -5118,8 +5435,8 @@
         </a:p>
       </dsp:txBody>
       <dsp:txXfrm>
-        <a:off x="872354" y="2193244"/>
-        <a:ext cx="3129489" cy="719856"/>
+        <a:off x="859266" y="2324548"/>
+        <a:ext cx="3142577" cy="588973"/>
       </dsp:txXfrm>
     </dsp:sp>
     <dsp:sp modelId="{D58F51A8-C9AC-49A7-BF07-49E56398E46B}">
@@ -5129,8 +5446,8 @@
       </dsp:nvSpPr>
       <dsp:spPr>
         <a:xfrm>
-          <a:off x="71985" y="2265229"/>
-          <a:ext cx="800368" cy="575885"/>
+          <a:off x="58897" y="2383445"/>
+          <a:ext cx="800368" cy="471178"/>
         </a:xfrm>
         <a:prstGeom prst="roundRect">
           <a:avLst>
@@ -13411,9 +13728,11 @@
             </a:r>
           </a:p>
           <a:p>
-            <a:pPr marL="285750" indent="-285750">
-              <a:buFont typeface="Wingdings" panose="05000000000000000000" pitchFamily="2" charset="2"/>
-              <a:buChar char="ü"/>
+            <a:pPr>
+              <a:buClr>
+                <a:srgbClr val="00B050"/>
+              </a:buClr>
+              <a:buSzPct val="150000"/>
             </a:pPr>
             <a:endParaRPr lang="es-ES" dirty="0"/>
           </a:p>
@@ -13629,7 +13948,10 @@
               <a:rPr lang="es-ES" dirty="0" err="1"/>
               <a:t>difference</a:t>
             </a:r>
-            <a:endParaRPr lang="es-ES" dirty="0"/>
+            <a:r>
+              <a:rPr lang="es-ES" dirty="0"/>
+              <a:t>.</a:t>
+            </a:r>
           </a:p>
           <a:p>
             <a:pPr marL="285750" indent="-285750">
@@ -14657,7 +14979,7 @@
         </p:nvSpPr>
         <p:spPr>
           <a:xfrm>
-            <a:off x="629675" y="1456445"/>
+            <a:off x="1097508" y="1442268"/>
             <a:ext cx="7704000" cy="2031325"/>
           </a:xfrm>
           <a:prstGeom prst="rect">
@@ -14672,7 +14994,10 @@
           <a:lstStyle/>
           <a:p>
             <a:pPr algn="l" latinLnBrk="1">
-              <a:buNone/>
+              <a:buClr>
+                <a:srgbClr val="FF0000"/>
+              </a:buClr>
+              <a:buSzPct val="150000"/>
             </a:pPr>
             <a:r>
               <a:rPr lang="en-US" b="0" i="0" dirty="0">
@@ -14680,7 +15005,7 @@
                   <a:srgbClr val="000000"/>
                 </a:solidFill>
                 <a:effectLst/>
-                <a:latin typeface="Lucida Console" panose="020B0609040504020204" pitchFamily="49" charset="0"/>
+                <a:latin typeface="+mj-lt"/>
               </a:rPr>
               <a:t>Se </a:t>
             </a:r>
@@ -14690,7 +15015,7 @@
                   <a:srgbClr val="000000"/>
                 </a:solidFill>
                 <a:effectLst/>
-                <a:latin typeface="Lucida Console" panose="020B0609040504020204" pitchFamily="49" charset="0"/>
+                <a:latin typeface="+mj-lt"/>
               </a:rPr>
               <a:t>intentó</a:t>
             </a:r>
@@ -14700,7 +15025,7 @@
                   <a:srgbClr val="000000"/>
                 </a:solidFill>
                 <a:effectLst/>
-                <a:latin typeface="Lucida Console" panose="020B0609040504020204" pitchFamily="49" charset="0"/>
+                <a:latin typeface="+mj-lt"/>
               </a:rPr>
               <a:t> </a:t>
             </a:r>
@@ -14710,7 +15035,7 @@
                   <a:srgbClr val="000000"/>
                 </a:solidFill>
                 <a:effectLst/>
-                <a:latin typeface="Lucida Console" panose="020B0609040504020204" pitchFamily="49" charset="0"/>
+                <a:latin typeface="+mj-lt"/>
               </a:rPr>
               <a:t>forzar</a:t>
             </a:r>
@@ -14720,7 +15045,7 @@
                   <a:srgbClr val="000000"/>
                 </a:solidFill>
                 <a:effectLst/>
-                <a:latin typeface="Lucida Console" panose="020B0609040504020204" pitchFamily="49" charset="0"/>
+                <a:latin typeface="+mj-lt"/>
               </a:rPr>
               <a:t> las </a:t>
             </a:r>
@@ -14730,7 +15055,7 @@
                   <a:srgbClr val="000000"/>
                 </a:solidFill>
                 <a:effectLst/>
-                <a:latin typeface="Lucida Console" panose="020B0609040504020204" pitchFamily="49" charset="0"/>
+                <a:latin typeface="+mj-lt"/>
               </a:rPr>
               <a:t>reglas</a:t>
             </a:r>
@@ -14740,7 +15065,7 @@
                   <a:srgbClr val="000000"/>
                 </a:solidFill>
                 <a:effectLst/>
-                <a:latin typeface="Lucida Console" panose="020B0609040504020204" pitchFamily="49" charset="0"/>
+                <a:latin typeface="+mj-lt"/>
               </a:rPr>
               <a:t> para Exited=1 con </a:t>
             </a:r>
@@ -14750,7 +15075,7 @@
                   <a:srgbClr val="000000"/>
                 </a:solidFill>
                 <a:effectLst/>
-                <a:latin typeface="Lucida Console" panose="020B0609040504020204" pitchFamily="49" charset="0"/>
+                <a:latin typeface="+mj-lt"/>
               </a:rPr>
               <a:t>confianza</a:t>
             </a:r>
@@ -14760,227 +15085,259 @@
                   <a:srgbClr val="000000"/>
                 </a:solidFill>
                 <a:effectLst/>
-                <a:latin typeface="Lucida Console" panose="020B0609040504020204" pitchFamily="49" charset="0"/>
+                <a:latin typeface="+mj-lt"/>
               </a:rPr>
               <a:t> minima de 0.5</a:t>
             </a:r>
           </a:p>
           <a:p>
-            <a:pPr algn="l" latinLnBrk="1">
-              <a:buNone/>
+            <a:pPr marL="285750" indent="-285750" algn="l" latinLnBrk="1">
+              <a:buClr>
+                <a:srgbClr val="FF0000"/>
+              </a:buClr>
+              <a:buSzPct val="150000"/>
+              <a:buFont typeface="Arial" panose="020B0604020202020204" pitchFamily="34" charset="0"/>
+              <a:buChar char="×"/>
             </a:pPr>
             <a:r>
               <a:rPr lang="en-US" dirty="0">
-                <a:latin typeface="Lucida Console" panose="020B0609040504020204" pitchFamily="49" charset="0"/>
+                <a:latin typeface="+mj-lt"/>
               </a:rPr>
               <a:t>Los </a:t>
             </a:r>
             <a:r>
               <a:rPr lang="en-US" dirty="0" err="1">
-                <a:latin typeface="Lucida Console" panose="020B0609040504020204" pitchFamily="49" charset="0"/>
+                <a:latin typeface="+mj-lt"/>
               </a:rPr>
               <a:t>resultados</a:t>
             </a:r>
             <a:r>
               <a:rPr lang="en-US" dirty="0">
-                <a:latin typeface="Lucida Console" panose="020B0609040504020204" pitchFamily="49" charset="0"/>
+                <a:latin typeface="+mj-lt"/>
               </a:rPr>
               <a:t> no </a:t>
             </a:r>
             <a:r>
               <a:rPr lang="en-US" dirty="0" err="1">
-                <a:latin typeface="Lucida Console" panose="020B0609040504020204" pitchFamily="49" charset="0"/>
+                <a:latin typeface="+mj-lt"/>
               </a:rPr>
               <a:t>mejoraban</a:t>
             </a:r>
             <a:r>
               <a:rPr lang="en-US" dirty="0">
-                <a:latin typeface="Lucida Console" panose="020B0609040504020204" pitchFamily="49" charset="0"/>
+                <a:latin typeface="+mj-lt"/>
               </a:rPr>
               <a:t> </a:t>
             </a:r>
             <a:r>
               <a:rPr lang="en-US" dirty="0" err="1">
-                <a:latin typeface="Lucida Console" panose="020B0609040504020204" pitchFamily="49" charset="0"/>
+                <a:latin typeface="+mj-lt"/>
               </a:rPr>
               <a:t>el</a:t>
             </a:r>
             <a:r>
               <a:rPr lang="en-US" dirty="0">
-                <a:latin typeface="Lucida Console" panose="020B0609040504020204" pitchFamily="49" charset="0"/>
+                <a:latin typeface="+mj-lt"/>
               </a:rPr>
               <a:t> </a:t>
             </a:r>
             <a:r>
               <a:rPr lang="en-US" dirty="0" err="1">
-                <a:latin typeface="Lucida Console" panose="020B0609040504020204" pitchFamily="49" charset="0"/>
+                <a:latin typeface="+mj-lt"/>
               </a:rPr>
               <a:t>modelo</a:t>
             </a:r>
             <a:r>
               <a:rPr lang="en-US" dirty="0">
-                <a:latin typeface="Lucida Console" panose="020B0609040504020204" pitchFamily="49" charset="0"/>
+                <a:latin typeface="+mj-lt"/>
               </a:rPr>
               <a:t> sin </a:t>
             </a:r>
             <a:r>
               <a:rPr lang="en-US" dirty="0" err="1">
-                <a:latin typeface="Lucida Console" panose="020B0609040504020204" pitchFamily="49" charset="0"/>
+                <a:latin typeface="+mj-lt"/>
               </a:rPr>
               <a:t>forzar</a:t>
             </a:r>
             <a:endParaRPr lang="en-US" dirty="0">
-              <a:latin typeface="Lucida Console" panose="020B0609040504020204" pitchFamily="49" charset="0"/>
+              <a:latin typeface="+mj-lt"/>
             </a:endParaRPr>
           </a:p>
           <a:p>
-            <a:pPr algn="l" latinLnBrk="1">
-              <a:buNone/>
+            <a:pPr marL="285750" indent="-285750" algn="l" latinLnBrk="1">
+              <a:buClr>
+                <a:srgbClr val="FF0000"/>
+              </a:buClr>
+              <a:buSzPct val="150000"/>
+              <a:buFont typeface="Arial" panose="020B0604020202020204" pitchFamily="34" charset="0"/>
+              <a:buChar char="×"/>
             </a:pPr>
             <a:endParaRPr lang="en-US" dirty="0">
-              <a:latin typeface="Lucida Console" panose="020B0609040504020204" pitchFamily="49" charset="0"/>
+              <a:latin typeface="+mj-lt"/>
             </a:endParaRPr>
           </a:p>
           <a:p>
-            <a:pPr latinLnBrk="1"/>
+            <a:pPr latinLnBrk="1">
+              <a:buClr>
+                <a:srgbClr val="FF0000"/>
+              </a:buClr>
+              <a:buSzPct val="150000"/>
+            </a:pPr>
             <a:r>
               <a:rPr lang="en-US" dirty="0">
-                <a:latin typeface="Lucida Console" panose="020B0609040504020204" pitchFamily="49" charset="0"/>
+                <a:latin typeface="+mj-lt"/>
               </a:rPr>
               <a:t>Se </a:t>
             </a:r>
             <a:r>
               <a:rPr lang="en-US" dirty="0" err="1">
-                <a:latin typeface="Lucida Console" panose="020B0609040504020204" pitchFamily="49" charset="0"/>
+                <a:latin typeface="+mj-lt"/>
               </a:rPr>
               <a:t>intentó</a:t>
             </a:r>
             <a:r>
               <a:rPr lang="en-US" dirty="0">
-                <a:latin typeface="Lucida Console" panose="020B0609040504020204" pitchFamily="49" charset="0"/>
+                <a:latin typeface="+mj-lt"/>
               </a:rPr>
               <a:t> </a:t>
             </a:r>
             <a:r>
               <a:rPr lang="en-US" dirty="0" err="1">
-                <a:latin typeface="Lucida Console" panose="020B0609040504020204" pitchFamily="49" charset="0"/>
+                <a:latin typeface="+mj-lt"/>
               </a:rPr>
               <a:t>forzar</a:t>
             </a:r>
             <a:r>
               <a:rPr lang="en-US" dirty="0">
-                <a:latin typeface="Lucida Console" panose="020B0609040504020204" pitchFamily="49" charset="0"/>
+                <a:latin typeface="+mj-lt"/>
               </a:rPr>
               <a:t> las </a:t>
             </a:r>
             <a:r>
               <a:rPr lang="en-US" dirty="0" err="1">
-                <a:latin typeface="Lucida Console" panose="020B0609040504020204" pitchFamily="49" charset="0"/>
+                <a:latin typeface="+mj-lt"/>
               </a:rPr>
               <a:t>reglas</a:t>
             </a:r>
             <a:r>
               <a:rPr lang="en-US" dirty="0">
-                <a:latin typeface="Lucida Console" panose="020B0609040504020204" pitchFamily="49" charset="0"/>
+                <a:latin typeface="+mj-lt"/>
               </a:rPr>
               <a:t> para Exited=0 con </a:t>
             </a:r>
             <a:r>
               <a:rPr lang="en-US" dirty="0" err="1">
-                <a:latin typeface="Lucida Console" panose="020B0609040504020204" pitchFamily="49" charset="0"/>
+                <a:latin typeface="+mj-lt"/>
               </a:rPr>
               <a:t>confianza</a:t>
             </a:r>
             <a:r>
               <a:rPr lang="en-US" dirty="0">
-                <a:latin typeface="Lucida Console" panose="020B0609040504020204" pitchFamily="49" charset="0"/>
+                <a:latin typeface="+mj-lt"/>
               </a:rPr>
               <a:t> de 1</a:t>
             </a:r>
           </a:p>
           <a:p>
-            <a:pPr latinLnBrk="1"/>
+            <a:pPr marL="285750" indent="-285750" latinLnBrk="1">
+              <a:buClr>
+                <a:srgbClr val="FF0000"/>
+              </a:buClr>
+              <a:buSzPct val="150000"/>
+              <a:buFont typeface="Arial" panose="020B0604020202020204" pitchFamily="34" charset="0"/>
+              <a:buChar char="×"/>
+            </a:pPr>
             <a:r>
               <a:rPr lang="en-US" dirty="0">
-                <a:latin typeface="Lucida Console" panose="020B0609040504020204" pitchFamily="49" charset="0"/>
+                <a:latin typeface="+mj-lt"/>
               </a:rPr>
               <a:t>Los </a:t>
             </a:r>
             <a:r>
               <a:rPr lang="en-US" dirty="0" err="1">
-                <a:latin typeface="Lucida Console" panose="020B0609040504020204" pitchFamily="49" charset="0"/>
+                <a:latin typeface="+mj-lt"/>
               </a:rPr>
               <a:t>resultados</a:t>
             </a:r>
             <a:r>
               <a:rPr lang="en-US" dirty="0">
-                <a:latin typeface="Lucida Console" panose="020B0609040504020204" pitchFamily="49" charset="0"/>
+                <a:latin typeface="+mj-lt"/>
               </a:rPr>
               <a:t> no </a:t>
             </a:r>
             <a:r>
               <a:rPr lang="en-US" dirty="0" err="1">
-                <a:latin typeface="Lucida Console" panose="020B0609040504020204" pitchFamily="49" charset="0"/>
+                <a:latin typeface="+mj-lt"/>
               </a:rPr>
               <a:t>mejoraban</a:t>
             </a:r>
             <a:r>
               <a:rPr lang="en-US" dirty="0">
-                <a:latin typeface="Lucida Console" panose="020B0609040504020204" pitchFamily="49" charset="0"/>
+                <a:latin typeface="+mj-lt"/>
               </a:rPr>
               <a:t> </a:t>
             </a:r>
             <a:r>
               <a:rPr lang="en-US" dirty="0" err="1">
-                <a:latin typeface="Lucida Console" panose="020B0609040504020204" pitchFamily="49" charset="0"/>
+                <a:latin typeface="+mj-lt"/>
               </a:rPr>
               <a:t>el</a:t>
             </a:r>
             <a:r>
               <a:rPr lang="en-US" dirty="0">
-                <a:latin typeface="Lucida Console" panose="020B0609040504020204" pitchFamily="49" charset="0"/>
+                <a:latin typeface="+mj-lt"/>
               </a:rPr>
               <a:t> </a:t>
             </a:r>
             <a:r>
               <a:rPr lang="en-US" dirty="0" err="1">
-                <a:latin typeface="Lucida Console" panose="020B0609040504020204" pitchFamily="49" charset="0"/>
+                <a:latin typeface="+mj-lt"/>
               </a:rPr>
               <a:t>modelo</a:t>
             </a:r>
             <a:r>
               <a:rPr lang="en-US" dirty="0">
-                <a:latin typeface="Lucida Console" panose="020B0609040504020204" pitchFamily="49" charset="0"/>
+                <a:latin typeface="+mj-lt"/>
               </a:rPr>
               <a:t> sin </a:t>
             </a:r>
             <a:r>
               <a:rPr lang="en-US" dirty="0" err="1">
-                <a:latin typeface="Lucida Console" panose="020B0609040504020204" pitchFamily="49" charset="0"/>
+                <a:latin typeface="+mj-lt"/>
               </a:rPr>
               <a:t>forzar</a:t>
             </a:r>
             <a:endParaRPr lang="en-US" dirty="0">
-              <a:latin typeface="Lucida Console" panose="020B0609040504020204" pitchFamily="49" charset="0"/>
+              <a:latin typeface="+mj-lt"/>
             </a:endParaRPr>
           </a:p>
           <a:p>
-            <a:pPr algn="l" latinLnBrk="1">
-              <a:buNone/>
+            <a:pPr marL="285750" indent="-285750" algn="l" latinLnBrk="1">
+              <a:buClr>
+                <a:srgbClr val="FF0000"/>
+              </a:buClr>
+              <a:buSzPct val="150000"/>
+              <a:buFont typeface="Arial" panose="020B0604020202020204" pitchFamily="34" charset="0"/>
+              <a:buChar char="×"/>
             </a:pPr>
             <a:endParaRPr lang="en-US" dirty="0">
-              <a:latin typeface="Lucida Console" panose="020B0609040504020204" pitchFamily="49" charset="0"/>
+              <a:latin typeface="+mj-lt"/>
             </a:endParaRPr>
           </a:p>
           <a:p>
-            <a:pPr latinLnBrk="1"/>
+            <a:pPr latinLnBrk="1">
+              <a:buClr>
+                <a:srgbClr val="FF0000"/>
+              </a:buClr>
+              <a:buSzPct val="150000"/>
+            </a:pPr>
             <a:r>
               <a:rPr lang="es-ES" b="0" i="0" dirty="0">
                 <a:solidFill>
                   <a:srgbClr val="000000"/>
                 </a:solidFill>
                 <a:effectLst/>
-                <a:latin typeface="Lucida Console" panose="020B0609040504020204" pitchFamily="49" charset="0"/>
+                <a:latin typeface="+mj-lt"/>
               </a:rPr>
               <a:t>Se intentó forzar las reglas para ambos </a:t>
             </a:r>
@@ -14990,7 +15347,7 @@
                   <a:srgbClr val="000000"/>
                 </a:solidFill>
                 <a:effectLst/>
-                <a:latin typeface="Lucida Console" panose="020B0609040504020204" pitchFamily="49" charset="0"/>
+                <a:latin typeface="+mj-lt"/>
               </a:rPr>
               <a:t>Exited</a:t>
             </a:r>
@@ -15000,20 +15357,26 @@
                   <a:srgbClr val="000000"/>
                 </a:solidFill>
                 <a:effectLst/>
-                <a:latin typeface="Lucida Console" panose="020B0609040504020204" pitchFamily="49" charset="0"/>
+                <a:latin typeface="+mj-lt"/>
               </a:rPr>
               <a:t> a la vez</a:t>
             </a:r>
           </a:p>
           <a:p>
-            <a:pPr latinLnBrk="1"/>
+            <a:pPr marL="285750" indent="-285750" latinLnBrk="1">
+              <a:buClr>
+                <a:srgbClr val="FF0000"/>
+              </a:buClr>
+              <a:buSzPct val="150000"/>
+              <a:buFont typeface="Arial" panose="020B0604020202020204" pitchFamily="34" charset="0"/>
+              <a:buChar char="×"/>
+            </a:pPr>
             <a:r>
               <a:rPr lang="es-ES" dirty="0">
-                <a:latin typeface="Lucida Console" panose="020B0609040504020204" pitchFamily="49" charset="0"/>
+                <a:latin typeface="+mj-lt"/>
               </a:rPr>
               <a:t>Los resultados no mejoraban el modelo sin forzar</a:t>
             </a:r>
-            <a:endParaRPr lang="es-ES" dirty="0"/>
           </a:p>
           <a:p>
             <a:pPr algn="l" latinLnBrk="1">
@@ -16091,13 +16454,7 @@
         <p:nvGraphicFramePr>
           <p:cNvPr id="2" name="Diagrama 1"/>
           <p:cNvGraphicFramePr/>
-          <p:nvPr>
-            <p:extLst>
-              <p:ext uri="{D42A27DB-BD31-4B8C-83A1-F6EECF244321}">
-                <p14:modId xmlns:p14="http://schemas.microsoft.com/office/powerpoint/2010/main" val="2777133415"/>
-              </p:ext>
-            </p:extLst>
-          </p:nvPr>
+          <p:nvPr/>
         </p:nvGraphicFramePr>
         <p:xfrm>
           <a:off x="165324" y="1884341"/>
@@ -16119,13 +16476,7 @@
             </a:extLst>
           </p:cNvPr>
           <p:cNvGraphicFramePr/>
-          <p:nvPr>
-            <p:extLst>
-              <p:ext uri="{D42A27DB-BD31-4B8C-83A1-F6EECF244321}">
-                <p14:modId xmlns:p14="http://schemas.microsoft.com/office/powerpoint/2010/main" val="4214673151"/>
-              </p:ext>
-            </p:extLst>
-          </p:nvPr>
+          <p:nvPr/>
         </p:nvGraphicFramePr>
         <p:xfrm>
           <a:off x="4851700" y="1884340"/>

--- a/Entrega_2/00.REPORTE/Reporte_Grupo5_new.pptx
+++ b/Entrega_2/00.REPORTE/Reporte_Grupo5_new.pptx
@@ -5,60 +5,59 @@
     <p:sldMasterId id="2147483648" r:id="rId1"/>
   </p:sldMasterIdLst>
   <p:notesMasterIdLst>
-    <p:notesMasterId r:id="rId17"/>
+    <p:notesMasterId r:id="rId16"/>
   </p:notesMasterIdLst>
   <p:sldIdLst>
     <p:sldId id="285" r:id="rId2"/>
     <p:sldId id="270" r:id="rId3"/>
     <p:sldId id="311" r:id="rId4"/>
     <p:sldId id="306" r:id="rId5"/>
-    <p:sldId id="307" r:id="rId6"/>
-    <p:sldId id="269" r:id="rId7"/>
-    <p:sldId id="293" r:id="rId8"/>
-    <p:sldId id="299" r:id="rId9"/>
-    <p:sldId id="301" r:id="rId10"/>
-    <p:sldId id="296" r:id="rId11"/>
-    <p:sldId id="309" r:id="rId12"/>
-    <p:sldId id="308" r:id="rId13"/>
-    <p:sldId id="304" r:id="rId14"/>
-    <p:sldId id="305" r:id="rId15"/>
-    <p:sldId id="310" r:id="rId16"/>
+    <p:sldId id="269" r:id="rId6"/>
+    <p:sldId id="293" r:id="rId7"/>
+    <p:sldId id="299" r:id="rId8"/>
+    <p:sldId id="301" r:id="rId9"/>
+    <p:sldId id="296" r:id="rId10"/>
+    <p:sldId id="309" r:id="rId11"/>
+    <p:sldId id="308" r:id="rId12"/>
+    <p:sldId id="304" r:id="rId13"/>
+    <p:sldId id="305" r:id="rId14"/>
+    <p:sldId id="310" r:id="rId15"/>
   </p:sldIdLst>
   <p:sldSz cx="9144000" cy="5143500" type="screen16x9"/>
   <p:notesSz cx="6858000" cy="9144000"/>
   <p:embeddedFontLst>
     <p:embeddedFont>
       <p:font typeface="Arial Black" panose="020B0A04020102020204" pitchFamily="34" charset="0"/>
-      <p:bold r:id="rId18"/>
+      <p:bold r:id="rId17"/>
     </p:embeddedFont>
     <p:embeddedFont>
       <p:font typeface="Didact Gothic" panose="00000500000000000000" pitchFamily="2" charset="0"/>
-      <p:regular r:id="rId19"/>
+      <p:regular r:id="rId18"/>
     </p:embeddedFont>
     <p:embeddedFont>
       <p:font typeface="Libre Franklin" pitchFamily="2" charset="0"/>
-      <p:regular r:id="rId20"/>
-      <p:bold r:id="rId21"/>
-      <p:italic r:id="rId22"/>
-      <p:boldItalic r:id="rId23"/>
+      <p:regular r:id="rId19"/>
+      <p:bold r:id="rId20"/>
+      <p:italic r:id="rId21"/>
+      <p:boldItalic r:id="rId22"/>
     </p:embeddedFont>
     <p:embeddedFont>
       <p:font typeface="Lucida Console" panose="020B0609040504020204" pitchFamily="49" charset="0"/>
-      <p:regular r:id="rId24"/>
+      <p:regular r:id="rId23"/>
     </p:embeddedFont>
     <p:embeddedFont>
       <p:font typeface="Poppins" panose="00000500000000000000" pitchFamily="2" charset="0"/>
-      <p:regular r:id="rId25"/>
-      <p:bold r:id="rId26"/>
-      <p:italic r:id="rId27"/>
-      <p:boldItalic r:id="rId28"/>
+      <p:regular r:id="rId24"/>
+      <p:bold r:id="rId25"/>
+      <p:italic r:id="rId26"/>
+      <p:boldItalic r:id="rId27"/>
     </p:embeddedFont>
     <p:embeddedFont>
       <p:font typeface="Roboto" panose="02000000000000000000" pitchFamily="2" charset="0"/>
-      <p:regular r:id="rId29"/>
-      <p:bold r:id="rId30"/>
-      <p:italic r:id="rId31"/>
-      <p:boldItalic r:id="rId32"/>
+      <p:regular r:id="rId28"/>
+      <p:bold r:id="rId29"/>
+      <p:italic r:id="rId30"/>
+      <p:boldItalic r:id="rId31"/>
     </p:embeddedFont>
   </p:embeddedFontLst>
   <p:defaultTextStyle>
@@ -13432,353 +13431,6 @@
           <a:lstStyle/>
           <a:p>
             <a:r>
-              <a:rPr lang="es-ES" dirty="0" err="1"/>
-              <a:t>XGBoost</a:t>
-            </a:r>
-            <a:endParaRPr lang="es-ES" dirty="0"/>
-          </a:p>
-        </p:txBody>
-      </p:sp>
-      <p:sp>
-        <p:nvSpPr>
-          <p:cNvPr id="6" name="CuadroTexto 5"/>
-          <p:cNvSpPr txBox="1"/>
-          <p:nvPr/>
-        </p:nvSpPr>
-        <p:spPr>
-          <a:xfrm>
-            <a:off x="1258229" y="1154252"/>
-            <a:ext cx="6627541" cy="3139321"/>
-          </a:xfrm>
-          <a:prstGeom prst="rect">
-            <a:avLst/>
-          </a:prstGeom>
-          <a:noFill/>
-        </p:spPr>
-        <p:txBody>
-          <a:bodyPr wrap="square">
-            <a:spAutoFit/>
-          </a:bodyPr>
-          <a:lstStyle/>
-          <a:p>
-            <a:pPr marL="285750" lvl="3" indent="-285750">
-              <a:buClr>
-                <a:srgbClr val="FF0000"/>
-              </a:buClr>
-              <a:buSzPct val="150000"/>
-              <a:buFont typeface="Arial" panose="020B0604020202020204" pitchFamily="34" charset="0"/>
-              <a:buChar char="×"/>
-            </a:pPr>
-            <a:r>
-              <a:rPr lang="es-ES" dirty="0"/>
-              <a:t>Data completo.               </a:t>
-            </a:r>
-          </a:p>
-          <a:p>
-            <a:pPr marL="285750" lvl="3" indent="-285750">
-              <a:buClr>
-                <a:srgbClr val="FF0000"/>
-              </a:buClr>
-              <a:buSzPct val="150000"/>
-              <a:buFont typeface="Arial" panose="020B0604020202020204" pitchFamily="34" charset="0"/>
-              <a:buChar char="×"/>
-            </a:pPr>
-            <a:r>
-              <a:rPr lang="en-US" altLang="zh-CN" dirty="0" err="1">
-                <a:sym typeface="+mn-ea"/>
-              </a:rPr>
-              <a:t>Reducción</a:t>
-            </a:r>
-            <a:r>
-              <a:rPr lang="en-US" altLang="zh-CN" dirty="0">
-                <a:sym typeface="+mn-ea"/>
-              </a:rPr>
-              <a:t> 1: </a:t>
-            </a:r>
-            <a:r>
-              <a:rPr lang="en-US" altLang="zh-CN" dirty="0" err="1">
-                <a:sym typeface="+mn-ea"/>
-              </a:rPr>
-              <a:t>varImp</a:t>
-            </a:r>
-            <a:r>
-              <a:rPr lang="en-US" altLang="zh-CN" dirty="0">
-                <a:sym typeface="+mn-ea"/>
-              </a:rPr>
-              <a:t> + variables </a:t>
-            </a:r>
-            <a:r>
-              <a:rPr lang="en-US" altLang="zh-CN" dirty="0" err="1">
-                <a:sym typeface="+mn-ea"/>
-              </a:rPr>
-              <a:t>significativas</a:t>
-            </a:r>
-            <a:r>
-              <a:rPr lang="en-US" altLang="zh-CN" dirty="0">
-                <a:sym typeface="+mn-ea"/>
-              </a:rPr>
-              <a:t> (</a:t>
-            </a:r>
-            <a:r>
-              <a:rPr lang="en-US" altLang="zh-CN" dirty="0" err="1">
-                <a:sym typeface="+mn-ea"/>
-              </a:rPr>
-              <a:t>estadisticamente</a:t>
-            </a:r>
-            <a:r>
-              <a:rPr lang="en-US" altLang="zh-CN" dirty="0">
-                <a:sym typeface="+mn-ea"/>
-              </a:rPr>
-              <a:t>).            </a:t>
-            </a:r>
-          </a:p>
-          <a:p>
-            <a:pPr marL="285750" indent="-285750">
-              <a:buClr>
-                <a:srgbClr val="00B050"/>
-              </a:buClr>
-              <a:buSzPct val="150000"/>
-              <a:buFont typeface="Wingdings" panose="05000000000000000000" pitchFamily="2" charset="2"/>
-              <a:buChar char="ü"/>
-            </a:pPr>
-            <a:r>
-              <a:rPr lang="es-ES" dirty="0" err="1"/>
-              <a:t>Reduccción</a:t>
-            </a:r>
-            <a:r>
-              <a:rPr lang="es-ES" dirty="0"/>
-              <a:t> 2: </a:t>
-            </a:r>
-            <a:r>
-              <a:rPr lang="es-ES" dirty="0" err="1"/>
-              <a:t>Dataset</a:t>
-            </a:r>
-            <a:r>
-              <a:rPr lang="es-ES" dirty="0"/>
-              <a:t> reducido.</a:t>
-            </a:r>
-          </a:p>
-          <a:p>
-            <a:pPr marL="285750" indent="-285750">
-              <a:buClr>
-                <a:srgbClr val="00B050"/>
-              </a:buClr>
-              <a:buSzPct val="150000"/>
-              <a:buFont typeface="Wingdings" panose="05000000000000000000" pitchFamily="2" charset="2"/>
-              <a:buChar char="ü"/>
-            </a:pPr>
-            <a:r>
-              <a:rPr lang="es-ES" dirty="0"/>
-              <a:t>Variable </a:t>
-            </a:r>
-            <a:r>
-              <a:rPr lang="es-ES" dirty="0" err="1"/>
-              <a:t>HasBalace</a:t>
-            </a:r>
-            <a:endParaRPr lang="es-ES" dirty="0"/>
-          </a:p>
-          <a:p>
-            <a:pPr marL="285750" indent="-285750">
-              <a:buClr>
-                <a:srgbClr val="00B050"/>
-              </a:buClr>
-              <a:buSzPct val="150000"/>
-              <a:buFont typeface="Wingdings" panose="05000000000000000000" pitchFamily="2" charset="2"/>
-              <a:buChar char="ü"/>
-            </a:pPr>
-            <a:r>
-              <a:rPr lang="es-ES" dirty="0" err="1"/>
-              <a:t>ClassWeights</a:t>
-            </a:r>
-            <a:endParaRPr lang="es-ES" dirty="0"/>
-          </a:p>
-          <a:p>
-            <a:endParaRPr lang="es-ES" dirty="0"/>
-          </a:p>
-          <a:p>
-            <a:r>
-              <a:rPr lang="es-ES" sz="1600" b="1" dirty="0" err="1"/>
-              <a:t>Caracteristicas</a:t>
-            </a:r>
-            <a:r>
-              <a:rPr lang="es-ES" sz="1600" b="1" dirty="0"/>
-              <a:t> del mejor: </a:t>
-            </a:r>
-          </a:p>
-          <a:p>
-            <a:endParaRPr lang="es-ES" b="1" dirty="0"/>
-          </a:p>
-          <a:p>
-            <a:pPr marL="285750" indent="-285750">
-              <a:buClr>
-                <a:srgbClr val="00B050"/>
-              </a:buClr>
-              <a:buSzPct val="150000"/>
-              <a:buFont typeface="Wingdings" panose="05000000000000000000" pitchFamily="2" charset="2"/>
-              <a:buChar char="ü"/>
-            </a:pPr>
-            <a:r>
-              <a:rPr lang="es-ES" dirty="0"/>
-              <a:t>No hay </a:t>
-            </a:r>
-            <a:r>
-              <a:rPr lang="es-ES" dirty="0" err="1"/>
-              <a:t>overfitting</a:t>
-            </a:r>
-            <a:r>
-              <a:rPr lang="es-ES" dirty="0"/>
-              <a:t> y es estable.</a:t>
-            </a:r>
-          </a:p>
-          <a:p>
-            <a:pPr marL="285750" indent="-285750">
-              <a:buClr>
-                <a:srgbClr val="00B050"/>
-              </a:buClr>
-              <a:buSzPct val="150000"/>
-              <a:buFont typeface="Wingdings" panose="05000000000000000000" pitchFamily="2" charset="2"/>
-              <a:buChar char="ü"/>
-            </a:pPr>
-            <a:r>
-              <a:rPr lang="es-ES" dirty="0" err="1"/>
-              <a:t>Tuning</a:t>
-            </a:r>
-            <a:r>
-              <a:rPr lang="es-ES" dirty="0"/>
-              <a:t> de </a:t>
-            </a:r>
-            <a:r>
-              <a:rPr lang="es-ES" dirty="0" err="1"/>
-              <a:t>hiperparémetros</a:t>
-            </a:r>
-            <a:r>
-              <a:rPr lang="es-ES" dirty="0"/>
-              <a:t>.</a:t>
-            </a:r>
-          </a:p>
-          <a:p>
-            <a:pPr marL="285750" indent="-285750">
-              <a:buClr>
-                <a:srgbClr val="00B050"/>
-              </a:buClr>
-              <a:buSzPct val="150000"/>
-              <a:buFont typeface="Wingdings" panose="05000000000000000000" pitchFamily="2" charset="2"/>
-              <a:buChar char="ü"/>
-            </a:pPr>
-            <a:r>
-              <a:rPr lang="es-ES" dirty="0" err="1"/>
-              <a:t>Hiperparémetros</a:t>
-            </a:r>
-            <a:r>
-              <a:rPr lang="es-ES" dirty="0"/>
-              <a:t>: </a:t>
-            </a:r>
-            <a:r>
-              <a:rPr lang="es-ES" dirty="0" err="1"/>
-              <a:t>maxnode</a:t>
-            </a:r>
-            <a:r>
-              <a:rPr lang="es-ES" dirty="0"/>
-              <a:t>=45 ; nodesize:20 ; </a:t>
-            </a:r>
-            <a:r>
-              <a:rPr lang="es-ES" dirty="0" err="1"/>
-              <a:t>mtry</a:t>
-            </a:r>
-            <a:r>
-              <a:rPr lang="es-ES" dirty="0"/>
-              <a:t>=5.</a:t>
-            </a:r>
-          </a:p>
-          <a:p>
-            <a:pPr marL="285750" indent="-285750">
-              <a:buClr>
-                <a:srgbClr val="00B050"/>
-              </a:buClr>
-              <a:buSzPct val="150000"/>
-              <a:buFont typeface="Wingdings" panose="05000000000000000000" pitchFamily="2" charset="2"/>
-              <a:buChar char="ü"/>
-            </a:pPr>
-            <a:r>
-              <a:rPr lang="en-US" dirty="0"/>
-              <a:t>Number of trees: 500 </a:t>
-            </a:r>
-            <a:r>
-              <a:rPr lang="en-US" dirty="0" err="1"/>
-              <a:t>i</a:t>
-            </a:r>
-            <a:r>
-              <a:rPr lang="en-US" dirty="0"/>
-              <a:t> No. of variables tried at each split: 5.</a:t>
-            </a:r>
-            <a:endParaRPr lang="es-ES" dirty="0"/>
-          </a:p>
-          <a:p>
-            <a:pPr marL="285750" indent="-285750">
-              <a:buClr>
-                <a:srgbClr val="00B050"/>
-              </a:buClr>
-              <a:buSzPct val="150000"/>
-              <a:buFont typeface="Wingdings" panose="05000000000000000000" pitchFamily="2" charset="2"/>
-              <a:buChar char="ü"/>
-            </a:pPr>
-            <a:r>
-              <a:rPr lang="es-ES" dirty="0"/>
-              <a:t>Métricas obtenidas con p=0,06.</a:t>
-            </a:r>
-          </a:p>
-          <a:p>
-            <a:pPr>
-              <a:buClr>
-                <a:srgbClr val="00B050"/>
-              </a:buClr>
-              <a:buSzPct val="150000"/>
-            </a:pPr>
-            <a:endParaRPr lang="es-ES" dirty="0"/>
-          </a:p>
-        </p:txBody>
-      </p:sp>
-    </p:spTree>
-  </p:cSld>
-  <p:clrMapOvr>
-    <a:masterClrMapping/>
-  </p:clrMapOvr>
-</p:sld>
-</file>
-
-<file path=ppt/slides/slide11.xml><?xml version="1.0" encoding="utf-8"?>
-<p:sld xmlns:a="http://schemas.openxmlformats.org/drawingml/2006/main" xmlns:r="http://schemas.openxmlformats.org/officeDocument/2006/relationships" xmlns:p="http://schemas.openxmlformats.org/presentationml/2006/main">
-  <p:cSld>
-    <p:spTree>
-      <p:nvGrpSpPr>
-        <p:cNvPr id="1" name=""/>
-        <p:cNvGrpSpPr/>
-        <p:nvPr/>
-      </p:nvGrpSpPr>
-      <p:grpSpPr>
-        <a:xfrm>
-          <a:off x="0" y="0"/>
-          <a:ext cx="0" cy="0"/>
-          <a:chOff x="0" y="0"/>
-          <a:chExt cx="0" cy="0"/>
-        </a:xfrm>
-      </p:grpSpPr>
-      <p:sp>
-        <p:nvSpPr>
-          <p:cNvPr id="2" name="Título 1"/>
-          <p:cNvSpPr>
-            <a:spLocks noGrp="1"/>
-          </p:cNvSpPr>
-          <p:nvPr>
-            <p:ph type="title"/>
-          </p:nvPr>
-        </p:nvSpPr>
-        <p:spPr/>
-        <p:txBody>
-          <a:bodyPr/>
-          <a:lstStyle/>
-          <a:p>
-            <a:r>
               <a:rPr lang="es-ES" dirty="0"/>
               <a:t>GLM</a:t>
             </a:r>
@@ -14447,7 +14099,7 @@
 </p:sld>
 </file>
 
-<file path=ppt/slides/slide12.xml><?xml version="1.0" encoding="utf-8"?>
+<file path=ppt/slides/slide11.xml><?xml version="1.0" encoding="utf-8"?>
 <p:sld xmlns:a="http://schemas.openxmlformats.org/drawingml/2006/main" xmlns:r="http://schemas.openxmlformats.org/officeDocument/2006/relationships" xmlns:p="http://schemas.openxmlformats.org/presentationml/2006/main">
   <p:cSld>
     <p:spTree>
@@ -14932,6 +14584,474 @@
 </p:sld>
 </file>
 
+<file path=ppt/slides/slide12.xml><?xml version="1.0" encoding="utf-8"?>
+<p:sld xmlns:a="http://schemas.openxmlformats.org/drawingml/2006/main" xmlns:r="http://schemas.openxmlformats.org/officeDocument/2006/relationships" xmlns:p="http://schemas.openxmlformats.org/presentationml/2006/main">
+  <p:cSld>
+    <p:spTree>
+      <p:nvGrpSpPr>
+        <p:cNvPr id="1" name=""/>
+        <p:cNvGrpSpPr/>
+        <p:nvPr/>
+      </p:nvGrpSpPr>
+      <p:grpSpPr>
+        <a:xfrm>
+          <a:off x="0" y="0"/>
+          <a:ext cx="0" cy="0"/>
+          <a:chOff x="0" y="0"/>
+          <a:chExt cx="0" cy="0"/>
+        </a:xfrm>
+      </p:grpSpPr>
+      <p:sp>
+        <p:nvSpPr>
+          <p:cNvPr id="2" name="Título 1"/>
+          <p:cNvSpPr>
+            <a:spLocks noGrp="1"/>
+          </p:cNvSpPr>
+          <p:nvPr>
+            <p:ph type="title"/>
+          </p:nvPr>
+        </p:nvSpPr>
+        <p:spPr/>
+        <p:txBody>
+          <a:bodyPr/>
+          <a:lstStyle/>
+          <a:p>
+            <a:r>
+              <a:rPr lang="es-ES" dirty="0"/>
+              <a:t>Asignaciones del AR</a:t>
+            </a:r>
+          </a:p>
+        </p:txBody>
+      </p:sp>
+      <p:sp>
+        <p:nvSpPr>
+          <p:cNvPr id="4" name="CuadroTexto 3"/>
+          <p:cNvSpPr txBox="1"/>
+          <p:nvPr/>
+        </p:nvSpPr>
+        <p:spPr>
+          <a:xfrm>
+            <a:off x="1097508" y="1442268"/>
+            <a:ext cx="7704000" cy="2031325"/>
+          </a:xfrm>
+          <a:prstGeom prst="rect">
+            <a:avLst/>
+          </a:prstGeom>
+          <a:noFill/>
+        </p:spPr>
+        <p:txBody>
+          <a:bodyPr wrap="square">
+            <a:spAutoFit/>
+          </a:bodyPr>
+          <a:lstStyle/>
+          <a:p>
+            <a:pPr algn="l" latinLnBrk="1">
+              <a:buClr>
+                <a:srgbClr val="FF0000"/>
+              </a:buClr>
+              <a:buSzPct val="150000"/>
+            </a:pPr>
+            <a:r>
+              <a:rPr lang="en-US" b="0" i="0" dirty="0">
+                <a:solidFill>
+                  <a:srgbClr val="000000"/>
+                </a:solidFill>
+                <a:effectLst/>
+                <a:latin typeface="+mj-lt"/>
+              </a:rPr>
+              <a:t>Se </a:t>
+            </a:r>
+            <a:r>
+              <a:rPr lang="en-US" b="0" i="0" dirty="0" err="1">
+                <a:solidFill>
+                  <a:srgbClr val="000000"/>
+                </a:solidFill>
+                <a:effectLst/>
+                <a:latin typeface="+mj-lt"/>
+              </a:rPr>
+              <a:t>intentó</a:t>
+            </a:r>
+            <a:r>
+              <a:rPr lang="en-US" b="0" i="0" dirty="0">
+                <a:solidFill>
+                  <a:srgbClr val="000000"/>
+                </a:solidFill>
+                <a:effectLst/>
+                <a:latin typeface="+mj-lt"/>
+              </a:rPr>
+              <a:t> </a:t>
+            </a:r>
+            <a:r>
+              <a:rPr lang="en-US" b="0" i="0" dirty="0" err="1">
+                <a:solidFill>
+                  <a:srgbClr val="000000"/>
+                </a:solidFill>
+                <a:effectLst/>
+                <a:latin typeface="+mj-lt"/>
+              </a:rPr>
+              <a:t>forzar</a:t>
+            </a:r>
+            <a:r>
+              <a:rPr lang="en-US" b="0" i="0" dirty="0">
+                <a:solidFill>
+                  <a:srgbClr val="000000"/>
+                </a:solidFill>
+                <a:effectLst/>
+                <a:latin typeface="+mj-lt"/>
+              </a:rPr>
+              <a:t> las </a:t>
+            </a:r>
+            <a:r>
+              <a:rPr lang="en-US" b="0" i="0" dirty="0" err="1">
+                <a:solidFill>
+                  <a:srgbClr val="000000"/>
+                </a:solidFill>
+                <a:effectLst/>
+                <a:latin typeface="+mj-lt"/>
+              </a:rPr>
+              <a:t>reglas</a:t>
+            </a:r>
+            <a:r>
+              <a:rPr lang="en-US" b="0" i="0" dirty="0">
+                <a:solidFill>
+                  <a:srgbClr val="000000"/>
+                </a:solidFill>
+                <a:effectLst/>
+                <a:latin typeface="+mj-lt"/>
+              </a:rPr>
+              <a:t> para Exited=1 con </a:t>
+            </a:r>
+            <a:r>
+              <a:rPr lang="en-US" b="0" i="0" dirty="0" err="1">
+                <a:solidFill>
+                  <a:srgbClr val="000000"/>
+                </a:solidFill>
+                <a:effectLst/>
+                <a:latin typeface="+mj-lt"/>
+              </a:rPr>
+              <a:t>confianza</a:t>
+            </a:r>
+            <a:r>
+              <a:rPr lang="en-US" b="0" i="0" dirty="0">
+                <a:solidFill>
+                  <a:srgbClr val="000000"/>
+                </a:solidFill>
+                <a:effectLst/>
+                <a:latin typeface="+mj-lt"/>
+              </a:rPr>
+              <a:t> minima de 0.5</a:t>
+            </a:r>
+          </a:p>
+          <a:p>
+            <a:pPr marL="285750" indent="-285750" algn="l" latinLnBrk="1">
+              <a:buClr>
+                <a:srgbClr val="FF0000"/>
+              </a:buClr>
+              <a:buSzPct val="150000"/>
+              <a:buFont typeface="Arial" panose="020B0604020202020204" pitchFamily="34" charset="0"/>
+              <a:buChar char="×"/>
+            </a:pPr>
+            <a:r>
+              <a:rPr lang="en-US" dirty="0">
+                <a:latin typeface="+mj-lt"/>
+              </a:rPr>
+              <a:t>Los </a:t>
+            </a:r>
+            <a:r>
+              <a:rPr lang="en-US" dirty="0" err="1">
+                <a:latin typeface="+mj-lt"/>
+              </a:rPr>
+              <a:t>resultados</a:t>
+            </a:r>
+            <a:r>
+              <a:rPr lang="en-US" dirty="0">
+                <a:latin typeface="+mj-lt"/>
+              </a:rPr>
+              <a:t> no </a:t>
+            </a:r>
+            <a:r>
+              <a:rPr lang="en-US" dirty="0" err="1">
+                <a:latin typeface="+mj-lt"/>
+              </a:rPr>
+              <a:t>mejoraban</a:t>
+            </a:r>
+            <a:r>
+              <a:rPr lang="en-US" dirty="0">
+                <a:latin typeface="+mj-lt"/>
+              </a:rPr>
+              <a:t> </a:t>
+            </a:r>
+            <a:r>
+              <a:rPr lang="en-US" dirty="0" err="1">
+                <a:latin typeface="+mj-lt"/>
+              </a:rPr>
+              <a:t>el</a:t>
+            </a:r>
+            <a:r>
+              <a:rPr lang="en-US" dirty="0">
+                <a:latin typeface="+mj-lt"/>
+              </a:rPr>
+              <a:t> </a:t>
+            </a:r>
+            <a:r>
+              <a:rPr lang="en-US" dirty="0" err="1">
+                <a:latin typeface="+mj-lt"/>
+              </a:rPr>
+              <a:t>modelo</a:t>
+            </a:r>
+            <a:r>
+              <a:rPr lang="en-US" dirty="0">
+                <a:latin typeface="+mj-lt"/>
+              </a:rPr>
+              <a:t> sin </a:t>
+            </a:r>
+            <a:r>
+              <a:rPr lang="en-US" dirty="0" err="1">
+                <a:latin typeface="+mj-lt"/>
+              </a:rPr>
+              <a:t>forzar</a:t>
+            </a:r>
+            <a:endParaRPr lang="en-US" dirty="0">
+              <a:latin typeface="+mj-lt"/>
+            </a:endParaRPr>
+          </a:p>
+          <a:p>
+            <a:pPr marL="285750" indent="-285750" algn="l" latinLnBrk="1">
+              <a:buClr>
+                <a:srgbClr val="FF0000"/>
+              </a:buClr>
+              <a:buSzPct val="150000"/>
+              <a:buFont typeface="Arial" panose="020B0604020202020204" pitchFamily="34" charset="0"/>
+              <a:buChar char="×"/>
+            </a:pPr>
+            <a:endParaRPr lang="en-US" dirty="0">
+              <a:latin typeface="+mj-lt"/>
+            </a:endParaRPr>
+          </a:p>
+          <a:p>
+            <a:pPr latinLnBrk="1">
+              <a:buClr>
+                <a:srgbClr val="FF0000"/>
+              </a:buClr>
+              <a:buSzPct val="150000"/>
+            </a:pPr>
+            <a:r>
+              <a:rPr lang="en-US" dirty="0">
+                <a:latin typeface="+mj-lt"/>
+              </a:rPr>
+              <a:t>Se </a:t>
+            </a:r>
+            <a:r>
+              <a:rPr lang="en-US" dirty="0" err="1">
+                <a:latin typeface="+mj-lt"/>
+              </a:rPr>
+              <a:t>intentó</a:t>
+            </a:r>
+            <a:r>
+              <a:rPr lang="en-US" dirty="0">
+                <a:latin typeface="+mj-lt"/>
+              </a:rPr>
+              <a:t> </a:t>
+            </a:r>
+            <a:r>
+              <a:rPr lang="en-US" dirty="0" err="1">
+                <a:latin typeface="+mj-lt"/>
+              </a:rPr>
+              <a:t>forzar</a:t>
+            </a:r>
+            <a:r>
+              <a:rPr lang="en-US" dirty="0">
+                <a:latin typeface="+mj-lt"/>
+              </a:rPr>
+              <a:t> las </a:t>
+            </a:r>
+            <a:r>
+              <a:rPr lang="en-US" dirty="0" err="1">
+                <a:latin typeface="+mj-lt"/>
+              </a:rPr>
+              <a:t>reglas</a:t>
+            </a:r>
+            <a:r>
+              <a:rPr lang="en-US" dirty="0">
+                <a:latin typeface="+mj-lt"/>
+              </a:rPr>
+              <a:t> para Exited=0 con </a:t>
+            </a:r>
+            <a:r>
+              <a:rPr lang="en-US" dirty="0" err="1">
+                <a:latin typeface="+mj-lt"/>
+              </a:rPr>
+              <a:t>confianza</a:t>
+            </a:r>
+            <a:r>
+              <a:rPr lang="en-US" dirty="0">
+                <a:latin typeface="+mj-lt"/>
+              </a:rPr>
+              <a:t> de 1</a:t>
+            </a:r>
+          </a:p>
+          <a:p>
+            <a:pPr marL="285750" indent="-285750" latinLnBrk="1">
+              <a:buClr>
+                <a:srgbClr val="FF0000"/>
+              </a:buClr>
+              <a:buSzPct val="150000"/>
+              <a:buFont typeface="Arial" panose="020B0604020202020204" pitchFamily="34" charset="0"/>
+              <a:buChar char="×"/>
+            </a:pPr>
+            <a:r>
+              <a:rPr lang="en-US" dirty="0">
+                <a:latin typeface="+mj-lt"/>
+              </a:rPr>
+              <a:t>Los </a:t>
+            </a:r>
+            <a:r>
+              <a:rPr lang="en-US" dirty="0" err="1">
+                <a:latin typeface="+mj-lt"/>
+              </a:rPr>
+              <a:t>resultados</a:t>
+            </a:r>
+            <a:r>
+              <a:rPr lang="en-US" dirty="0">
+                <a:latin typeface="+mj-lt"/>
+              </a:rPr>
+              <a:t> no </a:t>
+            </a:r>
+            <a:r>
+              <a:rPr lang="en-US" dirty="0" err="1">
+                <a:latin typeface="+mj-lt"/>
+              </a:rPr>
+              <a:t>mejoraban</a:t>
+            </a:r>
+            <a:r>
+              <a:rPr lang="en-US" dirty="0">
+                <a:latin typeface="+mj-lt"/>
+              </a:rPr>
+              <a:t> </a:t>
+            </a:r>
+            <a:r>
+              <a:rPr lang="en-US" dirty="0" err="1">
+                <a:latin typeface="+mj-lt"/>
+              </a:rPr>
+              <a:t>el</a:t>
+            </a:r>
+            <a:r>
+              <a:rPr lang="en-US" dirty="0">
+                <a:latin typeface="+mj-lt"/>
+              </a:rPr>
+              <a:t> </a:t>
+            </a:r>
+            <a:r>
+              <a:rPr lang="en-US" dirty="0" err="1">
+                <a:latin typeface="+mj-lt"/>
+              </a:rPr>
+              <a:t>modelo</a:t>
+            </a:r>
+            <a:r>
+              <a:rPr lang="en-US" dirty="0">
+                <a:latin typeface="+mj-lt"/>
+              </a:rPr>
+              <a:t> sin </a:t>
+            </a:r>
+            <a:r>
+              <a:rPr lang="en-US" dirty="0" err="1">
+                <a:latin typeface="+mj-lt"/>
+              </a:rPr>
+              <a:t>forzar</a:t>
+            </a:r>
+            <a:endParaRPr lang="en-US" dirty="0">
+              <a:latin typeface="+mj-lt"/>
+            </a:endParaRPr>
+          </a:p>
+          <a:p>
+            <a:pPr marL="285750" indent="-285750" algn="l" latinLnBrk="1">
+              <a:buClr>
+                <a:srgbClr val="FF0000"/>
+              </a:buClr>
+              <a:buSzPct val="150000"/>
+              <a:buFont typeface="Arial" panose="020B0604020202020204" pitchFamily="34" charset="0"/>
+              <a:buChar char="×"/>
+            </a:pPr>
+            <a:endParaRPr lang="en-US" dirty="0">
+              <a:latin typeface="+mj-lt"/>
+            </a:endParaRPr>
+          </a:p>
+          <a:p>
+            <a:pPr latinLnBrk="1">
+              <a:buClr>
+                <a:srgbClr val="FF0000"/>
+              </a:buClr>
+              <a:buSzPct val="150000"/>
+            </a:pPr>
+            <a:r>
+              <a:rPr lang="es-ES" b="0" i="0" dirty="0">
+                <a:solidFill>
+                  <a:srgbClr val="000000"/>
+                </a:solidFill>
+                <a:effectLst/>
+                <a:latin typeface="+mj-lt"/>
+              </a:rPr>
+              <a:t>Se intentó forzar las reglas para ambos </a:t>
+            </a:r>
+            <a:r>
+              <a:rPr lang="es-ES" b="0" i="0" dirty="0" err="1">
+                <a:solidFill>
+                  <a:srgbClr val="000000"/>
+                </a:solidFill>
+                <a:effectLst/>
+                <a:latin typeface="+mj-lt"/>
+              </a:rPr>
+              <a:t>Exited</a:t>
+            </a:r>
+            <a:r>
+              <a:rPr lang="es-ES" b="0" i="0" dirty="0">
+                <a:solidFill>
+                  <a:srgbClr val="000000"/>
+                </a:solidFill>
+                <a:effectLst/>
+                <a:latin typeface="+mj-lt"/>
+              </a:rPr>
+              <a:t> a la vez</a:t>
+            </a:r>
+          </a:p>
+          <a:p>
+            <a:pPr marL="285750" indent="-285750" latinLnBrk="1">
+              <a:buClr>
+                <a:srgbClr val="FF0000"/>
+              </a:buClr>
+              <a:buSzPct val="150000"/>
+              <a:buFont typeface="Arial" panose="020B0604020202020204" pitchFamily="34" charset="0"/>
+              <a:buChar char="×"/>
+            </a:pPr>
+            <a:r>
+              <a:rPr lang="es-ES" dirty="0">
+                <a:latin typeface="+mj-lt"/>
+              </a:rPr>
+              <a:t>Los resultados no mejoraban el modelo sin forzar</a:t>
+            </a:r>
+          </a:p>
+          <a:p>
+            <a:pPr algn="l" latinLnBrk="1">
+              <a:buNone/>
+            </a:pPr>
+            <a:endParaRPr lang="en-US" b="0" i="0" dirty="0">
+              <a:solidFill>
+                <a:srgbClr val="000000"/>
+              </a:solidFill>
+              <a:effectLst/>
+              <a:latin typeface="Lucida Console" panose="020B0609040504020204" pitchFamily="49" charset="0"/>
+            </a:endParaRPr>
+          </a:p>
+        </p:txBody>
+      </p:sp>
+    </p:spTree>
+  </p:cSld>
+  <p:clrMapOvr>
+    <a:masterClrMapping/>
+  </p:clrMapOvr>
+</p:sld>
+</file>
+
 <file path=ppt/slides/slide13.xml><?xml version="1.0" encoding="utf-8"?>
 <p:sld xmlns:a="http://schemas.openxmlformats.org/drawingml/2006/main" xmlns:r="http://schemas.openxmlformats.org/officeDocument/2006/relationships" xmlns:p="http://schemas.openxmlformats.org/presentationml/2006/main">
   <p:cSld>
@@ -14966,474 +15086,6 @@
           <a:p>
             <a:r>
               <a:rPr lang="es-ES" dirty="0"/>
-              <a:t>Asignaciones del AR</a:t>
-            </a:r>
-          </a:p>
-        </p:txBody>
-      </p:sp>
-      <p:sp>
-        <p:nvSpPr>
-          <p:cNvPr id="4" name="CuadroTexto 3"/>
-          <p:cNvSpPr txBox="1"/>
-          <p:nvPr/>
-        </p:nvSpPr>
-        <p:spPr>
-          <a:xfrm>
-            <a:off x="1097508" y="1442268"/>
-            <a:ext cx="7704000" cy="2031325"/>
-          </a:xfrm>
-          <a:prstGeom prst="rect">
-            <a:avLst/>
-          </a:prstGeom>
-          <a:noFill/>
-        </p:spPr>
-        <p:txBody>
-          <a:bodyPr wrap="square">
-            <a:spAutoFit/>
-          </a:bodyPr>
-          <a:lstStyle/>
-          <a:p>
-            <a:pPr algn="l" latinLnBrk="1">
-              <a:buClr>
-                <a:srgbClr val="FF0000"/>
-              </a:buClr>
-              <a:buSzPct val="150000"/>
-            </a:pPr>
-            <a:r>
-              <a:rPr lang="en-US" b="0" i="0" dirty="0">
-                <a:solidFill>
-                  <a:srgbClr val="000000"/>
-                </a:solidFill>
-                <a:effectLst/>
-                <a:latin typeface="+mj-lt"/>
-              </a:rPr>
-              <a:t>Se </a:t>
-            </a:r>
-            <a:r>
-              <a:rPr lang="en-US" b="0" i="0" dirty="0" err="1">
-                <a:solidFill>
-                  <a:srgbClr val="000000"/>
-                </a:solidFill>
-                <a:effectLst/>
-                <a:latin typeface="+mj-lt"/>
-              </a:rPr>
-              <a:t>intentó</a:t>
-            </a:r>
-            <a:r>
-              <a:rPr lang="en-US" b="0" i="0" dirty="0">
-                <a:solidFill>
-                  <a:srgbClr val="000000"/>
-                </a:solidFill>
-                <a:effectLst/>
-                <a:latin typeface="+mj-lt"/>
-              </a:rPr>
-              <a:t> </a:t>
-            </a:r>
-            <a:r>
-              <a:rPr lang="en-US" b="0" i="0" dirty="0" err="1">
-                <a:solidFill>
-                  <a:srgbClr val="000000"/>
-                </a:solidFill>
-                <a:effectLst/>
-                <a:latin typeface="+mj-lt"/>
-              </a:rPr>
-              <a:t>forzar</a:t>
-            </a:r>
-            <a:r>
-              <a:rPr lang="en-US" b="0" i="0" dirty="0">
-                <a:solidFill>
-                  <a:srgbClr val="000000"/>
-                </a:solidFill>
-                <a:effectLst/>
-                <a:latin typeface="+mj-lt"/>
-              </a:rPr>
-              <a:t> las </a:t>
-            </a:r>
-            <a:r>
-              <a:rPr lang="en-US" b="0" i="0" dirty="0" err="1">
-                <a:solidFill>
-                  <a:srgbClr val="000000"/>
-                </a:solidFill>
-                <a:effectLst/>
-                <a:latin typeface="+mj-lt"/>
-              </a:rPr>
-              <a:t>reglas</a:t>
-            </a:r>
-            <a:r>
-              <a:rPr lang="en-US" b="0" i="0" dirty="0">
-                <a:solidFill>
-                  <a:srgbClr val="000000"/>
-                </a:solidFill>
-                <a:effectLst/>
-                <a:latin typeface="+mj-lt"/>
-              </a:rPr>
-              <a:t> para Exited=1 con </a:t>
-            </a:r>
-            <a:r>
-              <a:rPr lang="en-US" b="0" i="0" dirty="0" err="1">
-                <a:solidFill>
-                  <a:srgbClr val="000000"/>
-                </a:solidFill>
-                <a:effectLst/>
-                <a:latin typeface="+mj-lt"/>
-              </a:rPr>
-              <a:t>confianza</a:t>
-            </a:r>
-            <a:r>
-              <a:rPr lang="en-US" b="0" i="0" dirty="0">
-                <a:solidFill>
-                  <a:srgbClr val="000000"/>
-                </a:solidFill>
-                <a:effectLst/>
-                <a:latin typeface="+mj-lt"/>
-              </a:rPr>
-              <a:t> minima de 0.5</a:t>
-            </a:r>
-          </a:p>
-          <a:p>
-            <a:pPr marL="285750" indent="-285750" algn="l" latinLnBrk="1">
-              <a:buClr>
-                <a:srgbClr val="FF0000"/>
-              </a:buClr>
-              <a:buSzPct val="150000"/>
-              <a:buFont typeface="Arial" panose="020B0604020202020204" pitchFamily="34" charset="0"/>
-              <a:buChar char="×"/>
-            </a:pPr>
-            <a:r>
-              <a:rPr lang="en-US" dirty="0">
-                <a:latin typeface="+mj-lt"/>
-              </a:rPr>
-              <a:t>Los </a:t>
-            </a:r>
-            <a:r>
-              <a:rPr lang="en-US" dirty="0" err="1">
-                <a:latin typeface="+mj-lt"/>
-              </a:rPr>
-              <a:t>resultados</a:t>
-            </a:r>
-            <a:r>
-              <a:rPr lang="en-US" dirty="0">
-                <a:latin typeface="+mj-lt"/>
-              </a:rPr>
-              <a:t> no </a:t>
-            </a:r>
-            <a:r>
-              <a:rPr lang="en-US" dirty="0" err="1">
-                <a:latin typeface="+mj-lt"/>
-              </a:rPr>
-              <a:t>mejoraban</a:t>
-            </a:r>
-            <a:r>
-              <a:rPr lang="en-US" dirty="0">
-                <a:latin typeface="+mj-lt"/>
-              </a:rPr>
-              <a:t> </a:t>
-            </a:r>
-            <a:r>
-              <a:rPr lang="en-US" dirty="0" err="1">
-                <a:latin typeface="+mj-lt"/>
-              </a:rPr>
-              <a:t>el</a:t>
-            </a:r>
-            <a:r>
-              <a:rPr lang="en-US" dirty="0">
-                <a:latin typeface="+mj-lt"/>
-              </a:rPr>
-              <a:t> </a:t>
-            </a:r>
-            <a:r>
-              <a:rPr lang="en-US" dirty="0" err="1">
-                <a:latin typeface="+mj-lt"/>
-              </a:rPr>
-              <a:t>modelo</a:t>
-            </a:r>
-            <a:r>
-              <a:rPr lang="en-US" dirty="0">
-                <a:latin typeface="+mj-lt"/>
-              </a:rPr>
-              <a:t> sin </a:t>
-            </a:r>
-            <a:r>
-              <a:rPr lang="en-US" dirty="0" err="1">
-                <a:latin typeface="+mj-lt"/>
-              </a:rPr>
-              <a:t>forzar</a:t>
-            </a:r>
-            <a:endParaRPr lang="en-US" dirty="0">
-              <a:latin typeface="+mj-lt"/>
-            </a:endParaRPr>
-          </a:p>
-          <a:p>
-            <a:pPr marL="285750" indent="-285750" algn="l" latinLnBrk="1">
-              <a:buClr>
-                <a:srgbClr val="FF0000"/>
-              </a:buClr>
-              <a:buSzPct val="150000"/>
-              <a:buFont typeface="Arial" panose="020B0604020202020204" pitchFamily="34" charset="0"/>
-              <a:buChar char="×"/>
-            </a:pPr>
-            <a:endParaRPr lang="en-US" dirty="0">
-              <a:latin typeface="+mj-lt"/>
-            </a:endParaRPr>
-          </a:p>
-          <a:p>
-            <a:pPr latinLnBrk="1">
-              <a:buClr>
-                <a:srgbClr val="FF0000"/>
-              </a:buClr>
-              <a:buSzPct val="150000"/>
-            </a:pPr>
-            <a:r>
-              <a:rPr lang="en-US" dirty="0">
-                <a:latin typeface="+mj-lt"/>
-              </a:rPr>
-              <a:t>Se </a:t>
-            </a:r>
-            <a:r>
-              <a:rPr lang="en-US" dirty="0" err="1">
-                <a:latin typeface="+mj-lt"/>
-              </a:rPr>
-              <a:t>intentó</a:t>
-            </a:r>
-            <a:r>
-              <a:rPr lang="en-US" dirty="0">
-                <a:latin typeface="+mj-lt"/>
-              </a:rPr>
-              <a:t> </a:t>
-            </a:r>
-            <a:r>
-              <a:rPr lang="en-US" dirty="0" err="1">
-                <a:latin typeface="+mj-lt"/>
-              </a:rPr>
-              <a:t>forzar</a:t>
-            </a:r>
-            <a:r>
-              <a:rPr lang="en-US" dirty="0">
-                <a:latin typeface="+mj-lt"/>
-              </a:rPr>
-              <a:t> las </a:t>
-            </a:r>
-            <a:r>
-              <a:rPr lang="en-US" dirty="0" err="1">
-                <a:latin typeface="+mj-lt"/>
-              </a:rPr>
-              <a:t>reglas</a:t>
-            </a:r>
-            <a:r>
-              <a:rPr lang="en-US" dirty="0">
-                <a:latin typeface="+mj-lt"/>
-              </a:rPr>
-              <a:t> para Exited=0 con </a:t>
-            </a:r>
-            <a:r>
-              <a:rPr lang="en-US" dirty="0" err="1">
-                <a:latin typeface="+mj-lt"/>
-              </a:rPr>
-              <a:t>confianza</a:t>
-            </a:r>
-            <a:r>
-              <a:rPr lang="en-US" dirty="0">
-                <a:latin typeface="+mj-lt"/>
-              </a:rPr>
-              <a:t> de 1</a:t>
-            </a:r>
-          </a:p>
-          <a:p>
-            <a:pPr marL="285750" indent="-285750" latinLnBrk="1">
-              <a:buClr>
-                <a:srgbClr val="FF0000"/>
-              </a:buClr>
-              <a:buSzPct val="150000"/>
-              <a:buFont typeface="Arial" panose="020B0604020202020204" pitchFamily="34" charset="0"/>
-              <a:buChar char="×"/>
-            </a:pPr>
-            <a:r>
-              <a:rPr lang="en-US" dirty="0">
-                <a:latin typeface="+mj-lt"/>
-              </a:rPr>
-              <a:t>Los </a:t>
-            </a:r>
-            <a:r>
-              <a:rPr lang="en-US" dirty="0" err="1">
-                <a:latin typeface="+mj-lt"/>
-              </a:rPr>
-              <a:t>resultados</a:t>
-            </a:r>
-            <a:r>
-              <a:rPr lang="en-US" dirty="0">
-                <a:latin typeface="+mj-lt"/>
-              </a:rPr>
-              <a:t> no </a:t>
-            </a:r>
-            <a:r>
-              <a:rPr lang="en-US" dirty="0" err="1">
-                <a:latin typeface="+mj-lt"/>
-              </a:rPr>
-              <a:t>mejoraban</a:t>
-            </a:r>
-            <a:r>
-              <a:rPr lang="en-US" dirty="0">
-                <a:latin typeface="+mj-lt"/>
-              </a:rPr>
-              <a:t> </a:t>
-            </a:r>
-            <a:r>
-              <a:rPr lang="en-US" dirty="0" err="1">
-                <a:latin typeface="+mj-lt"/>
-              </a:rPr>
-              <a:t>el</a:t>
-            </a:r>
-            <a:r>
-              <a:rPr lang="en-US" dirty="0">
-                <a:latin typeface="+mj-lt"/>
-              </a:rPr>
-              <a:t> </a:t>
-            </a:r>
-            <a:r>
-              <a:rPr lang="en-US" dirty="0" err="1">
-                <a:latin typeface="+mj-lt"/>
-              </a:rPr>
-              <a:t>modelo</a:t>
-            </a:r>
-            <a:r>
-              <a:rPr lang="en-US" dirty="0">
-                <a:latin typeface="+mj-lt"/>
-              </a:rPr>
-              <a:t> sin </a:t>
-            </a:r>
-            <a:r>
-              <a:rPr lang="en-US" dirty="0" err="1">
-                <a:latin typeface="+mj-lt"/>
-              </a:rPr>
-              <a:t>forzar</a:t>
-            </a:r>
-            <a:endParaRPr lang="en-US" dirty="0">
-              <a:latin typeface="+mj-lt"/>
-            </a:endParaRPr>
-          </a:p>
-          <a:p>
-            <a:pPr marL="285750" indent="-285750" algn="l" latinLnBrk="1">
-              <a:buClr>
-                <a:srgbClr val="FF0000"/>
-              </a:buClr>
-              <a:buSzPct val="150000"/>
-              <a:buFont typeface="Arial" panose="020B0604020202020204" pitchFamily="34" charset="0"/>
-              <a:buChar char="×"/>
-            </a:pPr>
-            <a:endParaRPr lang="en-US" dirty="0">
-              <a:latin typeface="+mj-lt"/>
-            </a:endParaRPr>
-          </a:p>
-          <a:p>
-            <a:pPr latinLnBrk="1">
-              <a:buClr>
-                <a:srgbClr val="FF0000"/>
-              </a:buClr>
-              <a:buSzPct val="150000"/>
-            </a:pPr>
-            <a:r>
-              <a:rPr lang="es-ES" b="0" i="0" dirty="0">
-                <a:solidFill>
-                  <a:srgbClr val="000000"/>
-                </a:solidFill>
-                <a:effectLst/>
-                <a:latin typeface="+mj-lt"/>
-              </a:rPr>
-              <a:t>Se intentó forzar las reglas para ambos </a:t>
-            </a:r>
-            <a:r>
-              <a:rPr lang="es-ES" b="0" i="0" dirty="0" err="1">
-                <a:solidFill>
-                  <a:srgbClr val="000000"/>
-                </a:solidFill>
-                <a:effectLst/>
-                <a:latin typeface="+mj-lt"/>
-              </a:rPr>
-              <a:t>Exited</a:t>
-            </a:r>
-            <a:r>
-              <a:rPr lang="es-ES" b="0" i="0" dirty="0">
-                <a:solidFill>
-                  <a:srgbClr val="000000"/>
-                </a:solidFill>
-                <a:effectLst/>
-                <a:latin typeface="+mj-lt"/>
-              </a:rPr>
-              <a:t> a la vez</a:t>
-            </a:r>
-          </a:p>
-          <a:p>
-            <a:pPr marL="285750" indent="-285750" latinLnBrk="1">
-              <a:buClr>
-                <a:srgbClr val="FF0000"/>
-              </a:buClr>
-              <a:buSzPct val="150000"/>
-              <a:buFont typeface="Arial" panose="020B0604020202020204" pitchFamily="34" charset="0"/>
-              <a:buChar char="×"/>
-            </a:pPr>
-            <a:r>
-              <a:rPr lang="es-ES" dirty="0">
-                <a:latin typeface="+mj-lt"/>
-              </a:rPr>
-              <a:t>Los resultados no mejoraban el modelo sin forzar</a:t>
-            </a:r>
-          </a:p>
-          <a:p>
-            <a:pPr algn="l" latinLnBrk="1">
-              <a:buNone/>
-            </a:pPr>
-            <a:endParaRPr lang="en-US" b="0" i="0" dirty="0">
-              <a:solidFill>
-                <a:srgbClr val="000000"/>
-              </a:solidFill>
-              <a:effectLst/>
-              <a:latin typeface="Lucida Console" panose="020B0609040504020204" pitchFamily="49" charset="0"/>
-            </a:endParaRPr>
-          </a:p>
-        </p:txBody>
-      </p:sp>
-    </p:spTree>
-  </p:cSld>
-  <p:clrMapOvr>
-    <a:masterClrMapping/>
-  </p:clrMapOvr>
-</p:sld>
-</file>
-
-<file path=ppt/slides/slide14.xml><?xml version="1.0" encoding="utf-8"?>
-<p:sld xmlns:a="http://schemas.openxmlformats.org/drawingml/2006/main" xmlns:r="http://schemas.openxmlformats.org/officeDocument/2006/relationships" xmlns:p="http://schemas.openxmlformats.org/presentationml/2006/main">
-  <p:cSld>
-    <p:spTree>
-      <p:nvGrpSpPr>
-        <p:cNvPr id="1" name=""/>
-        <p:cNvGrpSpPr/>
-        <p:nvPr/>
-      </p:nvGrpSpPr>
-      <p:grpSpPr>
-        <a:xfrm>
-          <a:off x="0" y="0"/>
-          <a:ext cx="0" cy="0"/>
-          <a:chOff x="0" y="0"/>
-          <a:chExt cx="0" cy="0"/>
-        </a:xfrm>
-      </p:grpSpPr>
-      <p:sp>
-        <p:nvSpPr>
-          <p:cNvPr id="2" name="Título 1"/>
-          <p:cNvSpPr>
-            <a:spLocks noGrp="1"/>
-          </p:cNvSpPr>
-          <p:nvPr>
-            <p:ph type="title"/>
-          </p:nvPr>
-        </p:nvSpPr>
-        <p:spPr/>
-        <p:txBody>
-          <a:bodyPr/>
-          <a:lstStyle/>
-          <a:p>
-            <a:r>
-              <a:rPr lang="es-ES" dirty="0"/>
               <a:t>Mejores modelos i métodos</a:t>
             </a:r>
           </a:p>
@@ -15540,7 +15192,7 @@
 </p:sld>
 </file>
 
-<file path=ppt/slides/slide15.xml><?xml version="1.0" encoding="utf-8"?>
+<file path=ppt/slides/slide14.xml><?xml version="1.0" encoding="utf-8"?>
 <p:sld xmlns:a="http://schemas.openxmlformats.org/drawingml/2006/main" xmlns:r="http://schemas.openxmlformats.org/officeDocument/2006/relationships" xmlns:p="http://schemas.openxmlformats.org/presentationml/2006/main">
   <p:cSld>
     <p:spTree>
@@ -16808,325 +16460,6 @@
 </file>
 
 <file path=ppt/slides/slide5.xml><?xml version="1.0" encoding="utf-8"?>
-<p:sld xmlns:a="http://schemas.openxmlformats.org/drawingml/2006/main" xmlns:r="http://schemas.openxmlformats.org/officeDocument/2006/relationships" xmlns:p="http://schemas.openxmlformats.org/presentationml/2006/main">
-  <p:cSld>
-    <p:spTree>
-      <p:nvGrpSpPr>
-        <p:cNvPr id="1" name=""/>
-        <p:cNvGrpSpPr/>
-        <p:nvPr/>
-      </p:nvGrpSpPr>
-      <p:grpSpPr>
-        <a:xfrm>
-          <a:off x="0" y="0"/>
-          <a:ext cx="0" cy="0"/>
-          <a:chOff x="0" y="0"/>
-          <a:chExt cx="0" cy="0"/>
-        </a:xfrm>
-      </p:grpSpPr>
-      <p:sp>
-        <p:nvSpPr>
-          <p:cNvPr id="4" name="Título 1">
-            <a:extLst>
-              <a:ext uri="{FF2B5EF4-FFF2-40B4-BE49-F238E27FC236}">
-                <a16:creationId xmlns:a16="http://schemas.microsoft.com/office/drawing/2014/main" id="{14960C36-A145-E406-1CC2-C2B53FBBD01F}"/>
-              </a:ext>
-            </a:extLst>
-          </p:cNvPr>
-          <p:cNvSpPr txBox="1">
-            <a:spLocks noGrp="1"/>
-          </p:cNvSpPr>
-          <p:nvPr>
-            <p:ph type="title"/>
-          </p:nvPr>
-        </p:nvSpPr>
-        <p:spPr>
-          <a:xfrm>
-            <a:off x="720725" y="539750"/>
-            <a:ext cx="7702550" cy="573088"/>
-          </a:xfrm>
-          <a:prstGeom prst="rect">
-            <a:avLst/>
-          </a:prstGeom>
-          <a:noFill/>
-          <a:ln>
-            <a:noFill/>
-          </a:ln>
-        </p:spPr>
-        <p:txBody>
-          <a:bodyPr spcFirstLastPara="1" wrap="square" lIns="91425" tIns="91425" rIns="91425" bIns="91425" anchor="t" anchorCtr="0">
-            <a:noAutofit/>
-          </a:bodyPr>
-          <a:lstStyle>
-            <a:defPPr marR="0" lvl="0" algn="l" rtl="0">
-              <a:lnSpc>
-                <a:spcPct val="100000"/>
-              </a:lnSpc>
-              <a:spcBef>
-                <a:spcPts val="0"/>
-              </a:spcBef>
-              <a:spcAft>
-                <a:spcPts val="0"/>
-              </a:spcAft>
-            </a:defPPr>
-            <a:lvl1pPr marR="0" lvl="0" algn="ctr" rtl="0">
-              <a:lnSpc>
-                <a:spcPct val="100000"/>
-              </a:lnSpc>
-              <a:spcBef>
-                <a:spcPts val="0"/>
-              </a:spcBef>
-              <a:spcAft>
-                <a:spcPts val="0"/>
-              </a:spcAft>
-              <a:buClr>
-                <a:schemeClr val="dk1"/>
-              </a:buClr>
-              <a:buSzPts val="2800"/>
-              <a:buFont typeface="Poppins" panose="00000500000000000000"/>
-              <a:buNone/>
-              <a:defRPr sz="2800" b="1" i="0" u="none" strike="noStrike" cap="none">
-                <a:solidFill>
-                  <a:schemeClr val="dk1"/>
-                </a:solidFill>
-                <a:latin typeface="Poppins" panose="00000500000000000000"/>
-                <a:ea typeface="Poppins" panose="00000500000000000000"/>
-                <a:cs typeface="Poppins" panose="00000500000000000000"/>
-                <a:sym typeface="Poppins" panose="00000500000000000000"/>
-              </a:defRPr>
-            </a:lvl1pPr>
-            <a:lvl2pPr marR="0" lvl="1" algn="l" rtl="0">
-              <a:lnSpc>
-                <a:spcPct val="100000"/>
-              </a:lnSpc>
-              <a:spcBef>
-                <a:spcPts val="0"/>
-              </a:spcBef>
-              <a:spcAft>
-                <a:spcPts val="0"/>
-              </a:spcAft>
-              <a:buClr>
-                <a:schemeClr val="dk1"/>
-              </a:buClr>
-              <a:buSzPts val="2800"/>
-              <a:buFont typeface="Poppins" panose="00000500000000000000"/>
-              <a:buNone/>
-              <a:defRPr sz="2800" b="1" i="0" u="none" strike="noStrike" cap="none">
-                <a:solidFill>
-                  <a:schemeClr val="dk1"/>
-                </a:solidFill>
-                <a:latin typeface="Poppins" panose="00000500000000000000"/>
-                <a:ea typeface="Poppins" panose="00000500000000000000"/>
-                <a:cs typeface="Poppins" panose="00000500000000000000"/>
-                <a:sym typeface="Poppins" panose="00000500000000000000"/>
-              </a:defRPr>
-            </a:lvl2pPr>
-            <a:lvl3pPr marR="0" lvl="2" algn="l" rtl="0">
-              <a:lnSpc>
-                <a:spcPct val="100000"/>
-              </a:lnSpc>
-              <a:spcBef>
-                <a:spcPts val="0"/>
-              </a:spcBef>
-              <a:spcAft>
-                <a:spcPts val="0"/>
-              </a:spcAft>
-              <a:buClr>
-                <a:schemeClr val="dk1"/>
-              </a:buClr>
-              <a:buSzPts val="2800"/>
-              <a:buFont typeface="Poppins" panose="00000500000000000000"/>
-              <a:buNone/>
-              <a:defRPr sz="2800" b="1" i="0" u="none" strike="noStrike" cap="none">
-                <a:solidFill>
-                  <a:schemeClr val="dk1"/>
-                </a:solidFill>
-                <a:latin typeface="Poppins" panose="00000500000000000000"/>
-                <a:ea typeface="Poppins" panose="00000500000000000000"/>
-                <a:cs typeface="Poppins" panose="00000500000000000000"/>
-                <a:sym typeface="Poppins" panose="00000500000000000000"/>
-              </a:defRPr>
-            </a:lvl3pPr>
-            <a:lvl4pPr marR="0" lvl="3" algn="l" rtl="0">
-              <a:lnSpc>
-                <a:spcPct val="100000"/>
-              </a:lnSpc>
-              <a:spcBef>
-                <a:spcPts val="0"/>
-              </a:spcBef>
-              <a:spcAft>
-                <a:spcPts val="0"/>
-              </a:spcAft>
-              <a:buClr>
-                <a:schemeClr val="dk1"/>
-              </a:buClr>
-              <a:buSzPts val="2800"/>
-              <a:buFont typeface="Poppins" panose="00000500000000000000"/>
-              <a:buNone/>
-              <a:defRPr sz="2800" b="1" i="0" u="none" strike="noStrike" cap="none">
-                <a:solidFill>
-                  <a:schemeClr val="dk1"/>
-                </a:solidFill>
-                <a:latin typeface="Poppins" panose="00000500000000000000"/>
-                <a:ea typeface="Poppins" panose="00000500000000000000"/>
-                <a:cs typeface="Poppins" panose="00000500000000000000"/>
-                <a:sym typeface="Poppins" panose="00000500000000000000"/>
-              </a:defRPr>
-            </a:lvl4pPr>
-            <a:lvl5pPr marR="0" lvl="4" algn="l" rtl="0">
-              <a:lnSpc>
-                <a:spcPct val="100000"/>
-              </a:lnSpc>
-              <a:spcBef>
-                <a:spcPts val="0"/>
-              </a:spcBef>
-              <a:spcAft>
-                <a:spcPts val="0"/>
-              </a:spcAft>
-              <a:buClr>
-                <a:schemeClr val="dk1"/>
-              </a:buClr>
-              <a:buSzPts val="2800"/>
-              <a:buFont typeface="Poppins" panose="00000500000000000000"/>
-              <a:buNone/>
-              <a:defRPr sz="2800" b="1" i="0" u="none" strike="noStrike" cap="none">
-                <a:solidFill>
-                  <a:schemeClr val="dk1"/>
-                </a:solidFill>
-                <a:latin typeface="Poppins" panose="00000500000000000000"/>
-                <a:ea typeface="Poppins" panose="00000500000000000000"/>
-                <a:cs typeface="Poppins" panose="00000500000000000000"/>
-                <a:sym typeface="Poppins" panose="00000500000000000000"/>
-              </a:defRPr>
-            </a:lvl5pPr>
-            <a:lvl6pPr marR="0" lvl="5" algn="l" rtl="0">
-              <a:lnSpc>
-                <a:spcPct val="100000"/>
-              </a:lnSpc>
-              <a:spcBef>
-                <a:spcPts val="0"/>
-              </a:spcBef>
-              <a:spcAft>
-                <a:spcPts val="0"/>
-              </a:spcAft>
-              <a:buClr>
-                <a:schemeClr val="dk1"/>
-              </a:buClr>
-              <a:buSzPts val="2800"/>
-              <a:buFont typeface="Poppins" panose="00000500000000000000"/>
-              <a:buNone/>
-              <a:defRPr sz="2800" b="1" i="0" u="none" strike="noStrike" cap="none">
-                <a:solidFill>
-                  <a:schemeClr val="dk1"/>
-                </a:solidFill>
-                <a:latin typeface="Poppins" panose="00000500000000000000"/>
-                <a:ea typeface="Poppins" panose="00000500000000000000"/>
-                <a:cs typeface="Poppins" panose="00000500000000000000"/>
-                <a:sym typeface="Poppins" panose="00000500000000000000"/>
-              </a:defRPr>
-            </a:lvl6pPr>
-            <a:lvl7pPr marR="0" lvl="6" algn="l" rtl="0">
-              <a:lnSpc>
-                <a:spcPct val="100000"/>
-              </a:lnSpc>
-              <a:spcBef>
-                <a:spcPts val="0"/>
-              </a:spcBef>
-              <a:spcAft>
-                <a:spcPts val="0"/>
-              </a:spcAft>
-              <a:buClr>
-                <a:schemeClr val="dk1"/>
-              </a:buClr>
-              <a:buSzPts val="2800"/>
-              <a:buFont typeface="Poppins" panose="00000500000000000000"/>
-              <a:buNone/>
-              <a:defRPr sz="2800" b="1" i="0" u="none" strike="noStrike" cap="none">
-                <a:solidFill>
-                  <a:schemeClr val="dk1"/>
-                </a:solidFill>
-                <a:latin typeface="Poppins" panose="00000500000000000000"/>
-                <a:ea typeface="Poppins" panose="00000500000000000000"/>
-                <a:cs typeface="Poppins" panose="00000500000000000000"/>
-                <a:sym typeface="Poppins" panose="00000500000000000000"/>
-              </a:defRPr>
-            </a:lvl7pPr>
-            <a:lvl8pPr marR="0" lvl="7" algn="l" rtl="0">
-              <a:lnSpc>
-                <a:spcPct val="100000"/>
-              </a:lnSpc>
-              <a:spcBef>
-                <a:spcPts val="0"/>
-              </a:spcBef>
-              <a:spcAft>
-                <a:spcPts val="0"/>
-              </a:spcAft>
-              <a:buClr>
-                <a:schemeClr val="dk1"/>
-              </a:buClr>
-              <a:buSzPts val="2800"/>
-              <a:buFont typeface="Poppins" panose="00000500000000000000"/>
-              <a:buNone/>
-              <a:defRPr sz="2800" b="1" i="0" u="none" strike="noStrike" cap="none">
-                <a:solidFill>
-                  <a:schemeClr val="dk1"/>
-                </a:solidFill>
-                <a:latin typeface="Poppins" panose="00000500000000000000"/>
-                <a:ea typeface="Poppins" panose="00000500000000000000"/>
-                <a:cs typeface="Poppins" panose="00000500000000000000"/>
-                <a:sym typeface="Poppins" panose="00000500000000000000"/>
-              </a:defRPr>
-            </a:lvl8pPr>
-            <a:lvl9pPr marR="0" lvl="8" algn="l" rtl="0">
-              <a:lnSpc>
-                <a:spcPct val="100000"/>
-              </a:lnSpc>
-              <a:spcBef>
-                <a:spcPts val="0"/>
-              </a:spcBef>
-              <a:spcAft>
-                <a:spcPts val="0"/>
-              </a:spcAft>
-              <a:buClr>
-                <a:schemeClr val="dk1"/>
-              </a:buClr>
-              <a:buSzPts val="2800"/>
-              <a:buFont typeface="Poppins" panose="00000500000000000000"/>
-              <a:buNone/>
-              <a:defRPr sz="2800" b="1" i="0" u="none" strike="noStrike" cap="none">
-                <a:solidFill>
-                  <a:schemeClr val="dk1"/>
-                </a:solidFill>
-                <a:latin typeface="Poppins" panose="00000500000000000000"/>
-                <a:ea typeface="Poppins" panose="00000500000000000000"/>
-                <a:cs typeface="Poppins" panose="00000500000000000000"/>
-                <a:sym typeface="Poppins" panose="00000500000000000000"/>
-              </a:defRPr>
-            </a:lvl9pPr>
-          </a:lstStyle>
-          <a:p>
-            <a:r>
-              <a:rPr lang="es-ES" sz="2400" dirty="0"/>
-              <a:t>Ingeniería de variables</a:t>
-            </a:r>
-            <a:endParaRPr lang="ca-ES" sz="2400" dirty="0"/>
-          </a:p>
-        </p:txBody>
-      </p:sp>
-    </p:spTree>
-    <p:extLst>
-      <p:ext uri="{BB962C8B-B14F-4D97-AF65-F5344CB8AC3E}">
-        <p14:creationId xmlns:p14="http://schemas.microsoft.com/office/powerpoint/2010/main" val="533820865"/>
-      </p:ext>
-    </p:extLst>
-  </p:cSld>
-  <p:clrMapOvr>
-    <a:masterClrMapping/>
-  </p:clrMapOvr>
-</p:sld>
-</file>
-
-<file path=ppt/slides/slide6.xml><?xml version="1.0" encoding="utf-8"?>
 <p:sld xmlns:a="http://schemas.openxmlformats.org/drawingml/2006/main" xmlns:r="http://schemas.openxmlformats.org/officeDocument/2006/relationships" xmlns:p="http://schemas.openxmlformats.org/presentationml/2006/main">
   <p:cSld>
     <p:spTree>
@@ -19429,7 +18762,7 @@
 </p:sld>
 </file>
 
-<file path=ppt/slides/slide7.xml><?xml version="1.0" encoding="utf-8"?>
+<file path=ppt/slides/slide6.xml><?xml version="1.0" encoding="utf-8"?>
 <p:sld xmlns:a="http://schemas.openxmlformats.org/drawingml/2006/main" xmlns:r="http://schemas.openxmlformats.org/officeDocument/2006/relationships" xmlns:p="http://schemas.openxmlformats.org/presentationml/2006/main">
   <p:cSld>
     <p:spTree>
@@ -20367,7 +19700,7 @@
 </p:sld>
 </file>
 
-<file path=ppt/slides/slide8.xml><?xml version="1.0" encoding="utf-8"?>
+<file path=ppt/slides/slide7.xml><?xml version="1.0" encoding="utf-8"?>
 <p:sld xmlns:a="http://schemas.openxmlformats.org/drawingml/2006/main" xmlns:r="http://schemas.openxmlformats.org/officeDocument/2006/relationships" xmlns:p="http://schemas.openxmlformats.org/presentationml/2006/main">
   <p:cSld>
     <p:spTree>
@@ -20730,7 +20063,7 @@
 </p:sld>
 </file>
 
-<file path=ppt/slides/slide9.xml><?xml version="1.0" encoding="utf-8"?>
+<file path=ppt/slides/slide8.xml><?xml version="1.0" encoding="utf-8"?>
 <p:sld xmlns:a="http://schemas.openxmlformats.org/drawingml/2006/main" xmlns:r="http://schemas.openxmlformats.org/officeDocument/2006/relationships" xmlns:p="http://schemas.openxmlformats.org/presentationml/2006/main">
   <p:cSld>
     <p:spTree>
@@ -21277,6 +20610,520 @@
               <a:rPr lang="en-US" dirty="0"/>
               <a:t>2   Test2  0.2200000  0.7800000  0.473161          0.5471264      0.8408408 0.5074627</a:t>
             </a:r>
+          </a:p>
+        </p:txBody>
+      </p:sp>
+    </p:spTree>
+  </p:cSld>
+  <p:clrMapOvr>
+    <a:masterClrMapping/>
+  </p:clrMapOvr>
+</p:sld>
+</file>
+
+<file path=ppt/slides/slide9.xml><?xml version="1.0" encoding="utf-8"?>
+<p:sld xmlns:a="http://schemas.openxmlformats.org/drawingml/2006/main" xmlns:r="http://schemas.openxmlformats.org/officeDocument/2006/relationships" xmlns:p="http://schemas.openxmlformats.org/presentationml/2006/main">
+  <p:cSld>
+    <p:spTree>
+      <p:nvGrpSpPr>
+        <p:cNvPr id="1" name=""/>
+        <p:cNvGrpSpPr/>
+        <p:nvPr/>
+      </p:nvGrpSpPr>
+      <p:grpSpPr>
+        <a:xfrm>
+          <a:off x="0" y="0"/>
+          <a:ext cx="0" cy="0"/>
+          <a:chOff x="0" y="0"/>
+          <a:chExt cx="0" cy="0"/>
+        </a:xfrm>
+      </p:grpSpPr>
+      <p:sp>
+        <p:nvSpPr>
+          <p:cNvPr id="2" name="Título 1"/>
+          <p:cNvSpPr>
+            <a:spLocks noGrp="1"/>
+          </p:cNvSpPr>
+          <p:nvPr>
+            <p:ph type="title"/>
+          </p:nvPr>
+        </p:nvSpPr>
+        <p:spPr/>
+        <p:txBody>
+          <a:bodyPr/>
+          <a:lstStyle/>
+          <a:p>
+            <a:r>
+              <a:rPr lang="es-ES" dirty="0" err="1"/>
+              <a:t>XGBoost</a:t>
+            </a:r>
+            <a:endParaRPr lang="es-ES" dirty="0"/>
+          </a:p>
+        </p:txBody>
+      </p:sp>
+      <p:sp>
+        <p:nvSpPr>
+          <p:cNvPr id="6" name="CuadroTexto 5"/>
+          <p:cNvSpPr txBox="1"/>
+          <p:nvPr/>
+        </p:nvSpPr>
+        <p:spPr>
+          <a:xfrm>
+            <a:off x="1258229" y="1154252"/>
+            <a:ext cx="6627541" cy="3139321"/>
+          </a:xfrm>
+          <a:prstGeom prst="rect">
+            <a:avLst/>
+          </a:prstGeom>
+          <a:noFill/>
+        </p:spPr>
+        <p:txBody>
+          <a:bodyPr wrap="square">
+            <a:spAutoFit/>
+          </a:bodyPr>
+          <a:lstStyle/>
+          <a:p>
+            <a:pPr marL="285750" lvl="3" indent="-285750">
+              <a:buClr>
+                <a:srgbClr val="FF0000"/>
+              </a:buClr>
+              <a:buSzPct val="150000"/>
+              <a:buFont typeface="Arial" panose="020B0604020202020204" pitchFamily="34" charset="0"/>
+              <a:buChar char="×"/>
+            </a:pPr>
+            <a:r>
+              <a:rPr lang="es-ES" dirty="0"/>
+              <a:t>Data completo.               </a:t>
+            </a:r>
+          </a:p>
+          <a:p>
+            <a:pPr marL="285750" lvl="3" indent="-285750">
+              <a:buClr>
+                <a:srgbClr val="FF0000"/>
+              </a:buClr>
+              <a:buSzPct val="150000"/>
+              <a:buFont typeface="Arial" panose="020B0604020202020204" pitchFamily="34" charset="0"/>
+              <a:buChar char="×"/>
+            </a:pPr>
+            <a:r>
+              <a:rPr lang="en-US" altLang="zh-CN" dirty="0" err="1">
+                <a:sym typeface="+mn-ea"/>
+              </a:rPr>
+              <a:t>Reducción</a:t>
+            </a:r>
+            <a:r>
+              <a:rPr lang="en-US" altLang="zh-CN" dirty="0">
+                <a:sym typeface="+mn-ea"/>
+              </a:rPr>
+              <a:t> 1: </a:t>
+            </a:r>
+            <a:r>
+              <a:rPr lang="en-US" altLang="zh-CN" dirty="0" err="1">
+                <a:sym typeface="+mn-ea"/>
+              </a:rPr>
+              <a:t>varImp</a:t>
+            </a:r>
+            <a:r>
+              <a:rPr lang="en-US" altLang="zh-CN" dirty="0">
+                <a:sym typeface="+mn-ea"/>
+              </a:rPr>
+              <a:t> + variables </a:t>
+            </a:r>
+            <a:r>
+              <a:rPr lang="en-US" altLang="zh-CN" dirty="0" err="1">
+                <a:sym typeface="+mn-ea"/>
+              </a:rPr>
+              <a:t>significativas</a:t>
+            </a:r>
+            <a:r>
+              <a:rPr lang="en-US" altLang="zh-CN" dirty="0">
+                <a:sym typeface="+mn-ea"/>
+              </a:rPr>
+              <a:t> (</a:t>
+            </a:r>
+            <a:r>
+              <a:rPr lang="en-US" altLang="zh-CN" dirty="0" err="1">
+                <a:sym typeface="+mn-ea"/>
+              </a:rPr>
+              <a:t>estadisticamente</a:t>
+            </a:r>
+            <a:r>
+              <a:rPr lang="en-US" altLang="zh-CN" dirty="0">
+                <a:sym typeface="+mn-ea"/>
+              </a:rPr>
+              <a:t>).            </a:t>
+            </a:r>
+          </a:p>
+          <a:p>
+            <a:pPr marL="285750" indent="-285750">
+              <a:buClr>
+                <a:srgbClr val="00B050"/>
+              </a:buClr>
+              <a:buSzPct val="150000"/>
+              <a:buFont typeface="Wingdings" panose="05000000000000000000" pitchFamily="2" charset="2"/>
+              <a:buChar char="ü"/>
+            </a:pPr>
+            <a:r>
+              <a:rPr lang="es-ES" dirty="0" err="1"/>
+              <a:t>Reduccción</a:t>
+            </a:r>
+            <a:r>
+              <a:rPr lang="es-ES" dirty="0"/>
+              <a:t> 2: </a:t>
+            </a:r>
+            <a:r>
+              <a:rPr lang="es-ES" dirty="0" err="1"/>
+              <a:t>Dataset</a:t>
+            </a:r>
+            <a:r>
+              <a:rPr lang="es-ES" dirty="0"/>
+              <a:t> reducido.</a:t>
+            </a:r>
+          </a:p>
+          <a:p>
+            <a:pPr marL="285750" indent="-285750">
+              <a:buClr>
+                <a:srgbClr val="00B050"/>
+              </a:buClr>
+              <a:buSzPct val="150000"/>
+              <a:buFont typeface="Wingdings" panose="05000000000000000000" pitchFamily="2" charset="2"/>
+              <a:buChar char="ü"/>
+            </a:pPr>
+            <a:r>
+              <a:rPr lang="es-ES" dirty="0"/>
+              <a:t>Variable </a:t>
+            </a:r>
+            <a:r>
+              <a:rPr lang="es-ES" dirty="0" err="1"/>
+              <a:t>HasBalace</a:t>
+            </a:r>
+            <a:endParaRPr lang="es-ES" dirty="0"/>
+          </a:p>
+          <a:p>
+            <a:pPr marL="285750" indent="-285750">
+              <a:buClr>
+                <a:srgbClr val="00B050"/>
+              </a:buClr>
+              <a:buSzPct val="150000"/>
+              <a:buFont typeface="Wingdings" panose="05000000000000000000" pitchFamily="2" charset="2"/>
+              <a:buChar char="ü"/>
+            </a:pPr>
+            <a:r>
+              <a:rPr lang="es-ES" dirty="0" err="1"/>
+              <a:t>ClassWeights</a:t>
+            </a:r>
+            <a:endParaRPr lang="es-ES" dirty="0"/>
+          </a:p>
+          <a:p>
+            <a:endParaRPr lang="es-ES" dirty="0"/>
+          </a:p>
+          <a:p>
+            <a:r>
+              <a:rPr lang="es-ES" sz="1600" b="1" dirty="0" err="1"/>
+              <a:t>Caracteristicas</a:t>
+            </a:r>
+            <a:r>
+              <a:rPr lang="es-ES" sz="1600" b="1" dirty="0"/>
+              <a:t> del mejor: </a:t>
+            </a:r>
+          </a:p>
+          <a:p>
+            <a:endParaRPr lang="es-ES" b="1" dirty="0"/>
+          </a:p>
+          <a:p>
+            <a:pPr marL="285750" indent="-285750">
+              <a:buClr>
+                <a:srgbClr val="00B050"/>
+              </a:buClr>
+              <a:buSzPct val="150000"/>
+              <a:buFont typeface="Wingdings" panose="05000000000000000000" pitchFamily="2" charset="2"/>
+              <a:buChar char="ü"/>
+            </a:pPr>
+            <a:r>
+              <a:rPr lang="es-ES" dirty="0"/>
+              <a:t>No hay </a:t>
+            </a:r>
+            <a:r>
+              <a:rPr lang="es-ES" dirty="0" err="1"/>
+              <a:t>overfitting</a:t>
+            </a:r>
+            <a:r>
+              <a:rPr lang="es-ES" dirty="0"/>
+              <a:t> y es estable.</a:t>
+            </a:r>
+          </a:p>
+          <a:p>
+            <a:pPr marL="285750" indent="-285750">
+              <a:buClr>
+                <a:srgbClr val="00B050"/>
+              </a:buClr>
+              <a:buSzPct val="150000"/>
+              <a:buFont typeface="Wingdings" panose="05000000000000000000" pitchFamily="2" charset="2"/>
+              <a:buChar char="ü"/>
+            </a:pPr>
+            <a:r>
+              <a:rPr lang="es-ES" dirty="0" err="1"/>
+              <a:t>Tuning</a:t>
+            </a:r>
+            <a:r>
+              <a:rPr lang="es-ES" dirty="0"/>
+              <a:t> de </a:t>
+            </a:r>
+            <a:r>
+              <a:rPr lang="es-ES" dirty="0" err="1"/>
+              <a:t>hiperparémetros</a:t>
+            </a:r>
+            <a:r>
+              <a:rPr lang="es-ES" dirty="0"/>
+              <a:t>.</a:t>
+            </a:r>
+          </a:p>
+          <a:p>
+            <a:pPr marL="285750" indent="-285750">
+              <a:buClr>
+                <a:srgbClr val="00B050"/>
+              </a:buClr>
+              <a:buSzPct val="150000"/>
+              <a:buFont typeface="Wingdings" panose="05000000000000000000" pitchFamily="2" charset="2"/>
+              <a:buChar char="ü"/>
+            </a:pPr>
+            <a:r>
+              <a:rPr lang="es-ES" dirty="0" err="1"/>
+              <a:t>Hiperparémetros</a:t>
+            </a:r>
+            <a:r>
+              <a:rPr lang="es-ES" dirty="0"/>
+              <a:t>: </a:t>
+            </a:r>
+            <a:r>
+              <a:rPr lang="es-ES" dirty="0" err="1"/>
+              <a:t>maxnode</a:t>
+            </a:r>
+            <a:r>
+              <a:rPr lang="es-ES" dirty="0"/>
+              <a:t>=45 ; nodesize:20 ; </a:t>
+            </a:r>
+            <a:r>
+              <a:rPr lang="es-ES" dirty="0" err="1"/>
+              <a:t>mtry</a:t>
+            </a:r>
+            <a:r>
+              <a:rPr lang="es-ES" dirty="0"/>
+              <a:t>=5.</a:t>
+            </a:r>
+          </a:p>
+          <a:p>
+            <a:pPr marL="285750" indent="-285750">
+              <a:buClr>
+                <a:srgbClr val="00B050"/>
+              </a:buClr>
+              <a:buSzPct val="150000"/>
+              <a:buFont typeface="Wingdings" panose="05000000000000000000" pitchFamily="2" charset="2"/>
+              <a:buChar char="ü"/>
+            </a:pPr>
+            <a:r>
+              <a:rPr lang="en-US" dirty="0"/>
+              <a:t>Number of trees: 500 </a:t>
+            </a:r>
+            <a:r>
+              <a:rPr lang="en-US" dirty="0" err="1"/>
+              <a:t>i</a:t>
+            </a:r>
+            <a:r>
+              <a:rPr lang="en-US" dirty="0"/>
+              <a:t> No. of variables tried at each split: 5.</a:t>
+            </a:r>
+            <a:endParaRPr lang="es-ES" dirty="0"/>
+          </a:p>
+          <a:p>
+            <a:pPr marL="285750" indent="-285750">
+              <a:buClr>
+                <a:srgbClr val="00B050"/>
+              </a:buClr>
+              <a:buSzPct val="150000"/>
+              <a:buFont typeface="Wingdings" panose="05000000000000000000" pitchFamily="2" charset="2"/>
+              <a:buChar char="ü"/>
+            </a:pPr>
+            <a:r>
+              <a:rPr lang="es-ES" dirty="0"/>
+              <a:t>Métricas obtenidas con p=0.26.</a:t>
+            </a:r>
+          </a:p>
+          <a:p>
+            <a:pPr>
+              <a:buClr>
+                <a:srgbClr val="00B050"/>
+              </a:buClr>
+              <a:buSzPct val="150000"/>
+            </a:pPr>
+            <a:endParaRPr lang="es-ES" dirty="0"/>
+          </a:p>
+        </p:txBody>
+      </p:sp>
+      <p:sp>
+        <p:nvSpPr>
+          <p:cNvPr id="3" name="CuadroTexto 10">
+            <a:extLst>
+              <a:ext uri="{FF2B5EF4-FFF2-40B4-BE49-F238E27FC236}">
+                <a16:creationId xmlns:a16="http://schemas.microsoft.com/office/drawing/2014/main" id="{68CEF5D2-E329-5F80-0120-76BBF56A53B6}"/>
+              </a:ext>
+            </a:extLst>
+          </p:cNvPr>
+          <p:cNvSpPr txBox="1"/>
+          <p:nvPr/>
+        </p:nvSpPr>
+        <p:spPr>
+          <a:xfrm>
+            <a:off x="1077611" y="4082402"/>
+            <a:ext cx="7566307" cy="738664"/>
+          </a:xfrm>
+          <a:prstGeom prst="rect">
+            <a:avLst/>
+          </a:prstGeom>
+        </p:spPr>
+        <p:style>
+          <a:lnRef idx="1">
+            <a:schemeClr val="accent2"/>
+          </a:lnRef>
+          <a:fillRef idx="2">
+            <a:schemeClr val="accent2"/>
+          </a:fillRef>
+          <a:effectRef idx="1">
+            <a:schemeClr val="accent2"/>
+          </a:effectRef>
+          <a:fontRef idx="minor">
+            <a:schemeClr val="dk1"/>
+          </a:fontRef>
+        </p:style>
+        <p:txBody>
+          <a:bodyPr wrap="square" rtlCol="0">
+            <a:spAutoFit/>
+          </a:bodyPr>
+          <a:lstStyle/>
+          <a:p>
+            <a:pPr latinLnBrk="1"/>
+            <a:r>
+              <a:rPr lang="en-US" dirty="0"/>
+              <a:t>  Dataset </a:t>
+            </a:r>
+            <a:r>
+              <a:rPr lang="en-US" dirty="0" err="1"/>
+              <a:t>Error_rate</a:t>
+            </a:r>
+            <a:r>
+              <a:rPr lang="en-US" dirty="0"/>
+              <a:t>  Accuracy Precision </a:t>
+            </a:r>
+            <a:r>
+              <a:rPr lang="en-US" dirty="0" err="1"/>
+              <a:t>Recall_Sensitivity</a:t>
+            </a:r>
+            <a:r>
+              <a:rPr lang="en-US" dirty="0"/>
+              <a:t> Specificity  F1_Score</a:t>
+            </a:r>
+          </a:p>
+          <a:p>
+            <a:pPr latinLnBrk="1"/>
+            <a:r>
+              <a:rPr lang="en-US" dirty="0"/>
+              <a:t>1  Train2  0.2793878 0.7206122 0.3940120          0.6482759   0.7395109 0.4901304</a:t>
+            </a:r>
+          </a:p>
+          <a:p>
+            <a:pPr latinLnBrk="1"/>
+            <a:r>
+              <a:rPr lang="en-US" dirty="0"/>
+              <a:t>2   Test2  0.2900000 0.7100000 0.3788301          0.6252874   0.7321321 0.4718127</a:t>
+            </a:r>
+          </a:p>
+        </p:txBody>
+      </p:sp>
+      <p:sp>
+        <p:nvSpPr>
+          <p:cNvPr id="5" name="Rectángulo: esquinas redondeadas 4">
+            <a:extLst>
+              <a:ext uri="{FF2B5EF4-FFF2-40B4-BE49-F238E27FC236}">
+                <a16:creationId xmlns:a16="http://schemas.microsoft.com/office/drawing/2014/main" id="{7D65A2E3-6B16-5548-48CD-3E21F6FCDFEE}"/>
+              </a:ext>
+            </a:extLst>
+          </p:cNvPr>
+          <p:cNvSpPr/>
+          <p:nvPr/>
+        </p:nvSpPr>
+        <p:spPr>
+          <a:xfrm>
+            <a:off x="6216502" y="1766488"/>
+            <a:ext cx="2647155" cy="1624412"/>
+          </a:xfrm>
+          <a:prstGeom prst="roundRect">
+            <a:avLst/>
+          </a:prstGeom>
+        </p:spPr>
+        <p:style>
+          <a:lnRef idx="2">
+            <a:schemeClr val="accent1">
+              <a:shade val="15000"/>
+            </a:schemeClr>
+          </a:lnRef>
+          <a:fillRef idx="1">
+            <a:schemeClr val="accent1"/>
+          </a:fillRef>
+          <a:effectRef idx="0">
+            <a:schemeClr val="accent1"/>
+          </a:effectRef>
+          <a:fontRef idx="minor">
+            <a:schemeClr val="lt1"/>
+          </a:fontRef>
+        </p:style>
+        <p:txBody>
+          <a:bodyPr rtlCol="0" anchor="ctr"/>
+          <a:lstStyle/>
+          <a:p>
+            <a:pPr algn="ctr"/>
+            <a:r>
+              <a:rPr lang="en-US" dirty="0" err="1"/>
+              <a:t>nrounds</a:t>
+            </a:r>
+            <a:r>
+              <a:rPr lang="en-US" dirty="0"/>
+              <a:t> = 700</a:t>
+            </a:r>
+          </a:p>
+          <a:p>
+            <a:pPr algn="ctr"/>
+            <a:r>
+              <a:rPr lang="en-US" dirty="0" err="1"/>
+              <a:t>max_depth</a:t>
+            </a:r>
+            <a:r>
+              <a:rPr lang="en-US" dirty="0"/>
+              <a:t> = 5</a:t>
+            </a:r>
+          </a:p>
+          <a:p>
+            <a:pPr algn="ctr"/>
+            <a:r>
+              <a:rPr lang="en-US" dirty="0"/>
+              <a:t>eta = 0.1,  gamma = 3              </a:t>
+            </a:r>
+            <a:r>
+              <a:rPr lang="en-US" dirty="0" err="1"/>
+              <a:t>colsample_bytree</a:t>
+            </a:r>
+            <a:r>
+              <a:rPr lang="en-US" dirty="0"/>
+              <a:t> = 0.8 </a:t>
+            </a:r>
+            <a:r>
+              <a:rPr lang="en-US" dirty="0" err="1"/>
+              <a:t>min_child_weight</a:t>
+            </a:r>
+            <a:r>
+              <a:rPr lang="en-US" dirty="0"/>
+              <a:t> = 1 subsample = 0.5</a:t>
+            </a:r>
+            <a:endParaRPr lang="es-ES" dirty="0"/>
           </a:p>
         </p:txBody>
       </p:sp>

--- a/Entrega_2/00.REPORTE/Reporte_Grupo5_new.pptx
+++ b/Entrega_2/00.REPORTE/Reporte_Grupo5_new.pptx
@@ -5,59 +5,58 @@
     <p:sldMasterId id="2147483648" r:id="rId1"/>
   </p:sldMasterIdLst>
   <p:notesMasterIdLst>
-    <p:notesMasterId r:id="rId16"/>
+    <p:notesMasterId r:id="rId15"/>
   </p:notesMasterIdLst>
   <p:sldIdLst>
     <p:sldId id="285" r:id="rId2"/>
     <p:sldId id="270" r:id="rId3"/>
     <p:sldId id="311" r:id="rId4"/>
-    <p:sldId id="306" r:id="rId5"/>
-    <p:sldId id="269" r:id="rId6"/>
-    <p:sldId id="293" r:id="rId7"/>
-    <p:sldId id="299" r:id="rId8"/>
-    <p:sldId id="301" r:id="rId9"/>
-    <p:sldId id="296" r:id="rId10"/>
-    <p:sldId id="309" r:id="rId11"/>
-    <p:sldId id="308" r:id="rId12"/>
-    <p:sldId id="304" r:id="rId13"/>
-    <p:sldId id="305" r:id="rId14"/>
-    <p:sldId id="310" r:id="rId15"/>
+    <p:sldId id="269" r:id="rId5"/>
+    <p:sldId id="293" r:id="rId6"/>
+    <p:sldId id="299" r:id="rId7"/>
+    <p:sldId id="301" r:id="rId8"/>
+    <p:sldId id="296" r:id="rId9"/>
+    <p:sldId id="309" r:id="rId10"/>
+    <p:sldId id="308" r:id="rId11"/>
+    <p:sldId id="304" r:id="rId12"/>
+    <p:sldId id="305" r:id="rId13"/>
+    <p:sldId id="310" r:id="rId14"/>
   </p:sldIdLst>
   <p:sldSz cx="9144000" cy="5143500" type="screen16x9"/>
   <p:notesSz cx="6858000" cy="9144000"/>
   <p:embeddedFontLst>
     <p:embeddedFont>
       <p:font typeface="Arial Black" panose="020B0A04020102020204" pitchFamily="34" charset="0"/>
-      <p:bold r:id="rId17"/>
+      <p:bold r:id="rId16"/>
     </p:embeddedFont>
     <p:embeddedFont>
       <p:font typeface="Didact Gothic" panose="00000500000000000000" pitchFamily="2" charset="0"/>
-      <p:regular r:id="rId18"/>
+      <p:regular r:id="rId17"/>
     </p:embeddedFont>
     <p:embeddedFont>
       <p:font typeface="Libre Franklin" pitchFamily="2" charset="0"/>
-      <p:regular r:id="rId19"/>
-      <p:bold r:id="rId20"/>
-      <p:italic r:id="rId21"/>
-      <p:boldItalic r:id="rId22"/>
+      <p:regular r:id="rId18"/>
+      <p:bold r:id="rId19"/>
+      <p:italic r:id="rId20"/>
+      <p:boldItalic r:id="rId21"/>
     </p:embeddedFont>
     <p:embeddedFont>
       <p:font typeface="Lucida Console" panose="020B0609040504020204" pitchFamily="49" charset="0"/>
-      <p:regular r:id="rId23"/>
+      <p:regular r:id="rId22"/>
     </p:embeddedFont>
     <p:embeddedFont>
       <p:font typeface="Poppins" panose="00000500000000000000" pitchFamily="2" charset="0"/>
-      <p:regular r:id="rId24"/>
-      <p:bold r:id="rId25"/>
-      <p:italic r:id="rId26"/>
-      <p:boldItalic r:id="rId27"/>
+      <p:regular r:id="rId23"/>
+      <p:bold r:id="rId24"/>
+      <p:italic r:id="rId25"/>
+      <p:boldItalic r:id="rId26"/>
     </p:embeddedFont>
     <p:embeddedFont>
       <p:font typeface="Roboto" panose="02000000000000000000" pitchFamily="2" charset="0"/>
-      <p:regular r:id="rId28"/>
-      <p:bold r:id="rId29"/>
-      <p:italic r:id="rId30"/>
-      <p:boldItalic r:id="rId31"/>
+      <p:regular r:id="rId27"/>
+      <p:bold r:id="rId28"/>
+      <p:italic r:id="rId29"/>
+      <p:boldItalic r:id="rId30"/>
     </p:embeddedFont>
   </p:embeddedFontLst>
   <p:defaultTextStyle>
@@ -308,12 +307,12 @@
   <pc:docChgLst>
     <pc:chgData name="Mario Aragón Valderrama" userId="ab42593c9091a3c7" providerId="LiveId" clId="{A94EC9C8-FC2E-45B4-829C-AEB6B286F687}"/>
     <pc:docChg chg="custSel addSld delSld modSld">
-      <pc:chgData name="Mario Aragón Valderrama" userId="ab42593c9091a3c7" providerId="LiveId" clId="{A94EC9C8-FC2E-45B4-829C-AEB6B286F687}" dt="2025-12-17T18:30:30.702" v="1633" actId="404"/>
+      <pc:chgData name="Mario Aragón Valderrama" userId="ab42593c9091a3c7" providerId="LiveId" clId="{A94EC9C8-FC2E-45B4-829C-AEB6B286F687}" dt="2025-12-17T20:56:04.907" v="1640" actId="20577"/>
       <pc:docMkLst>
         <pc:docMk/>
       </pc:docMkLst>
-      <pc:sldChg chg="addSp delSp modSp add mod">
-        <pc:chgData name="Mario Aragón Valderrama" userId="ab42593c9091a3c7" providerId="LiveId" clId="{A94EC9C8-FC2E-45B4-829C-AEB6B286F687}" dt="2025-12-17T18:30:30.702" v="1633" actId="404"/>
+      <pc:sldChg chg="addSp delSp modSp add del mod">
+        <pc:chgData name="Mario Aragón Valderrama" userId="ab42593c9091a3c7" providerId="LiveId" clId="{A94EC9C8-FC2E-45B4-829C-AEB6B286F687}" dt="2025-12-17T20:55:32.260" v="1636"/>
         <pc:sldMkLst>
           <pc:docMk/>
           <pc:sldMk cId="0" sldId="269"/>
@@ -661,8 +660,15 @@
           </ac:picMkLst>
         </pc:picChg>
       </pc:sldChg>
-      <pc:sldChg chg="addSp delSp modSp new mod">
-        <pc:chgData name="Mario Aragón Valderrama" userId="ab42593c9091a3c7" providerId="LiveId" clId="{A94EC9C8-FC2E-45B4-829C-AEB6B286F687}" dt="2025-12-17T18:03:32.484" v="556" actId="21"/>
+      <pc:sldChg chg="add del">
+        <pc:chgData name="Mario Aragón Valderrama" userId="ab42593c9091a3c7" providerId="LiveId" clId="{A94EC9C8-FC2E-45B4-829C-AEB6B286F687}" dt="2025-12-17T20:55:56.964" v="1638"/>
+        <pc:sldMkLst>
+          <pc:docMk/>
+          <pc:sldMk cId="0" sldId="304"/>
+        </pc:sldMkLst>
+      </pc:sldChg>
+      <pc:sldChg chg="addSp delSp modSp new del mod">
+        <pc:chgData name="Mario Aragón Valderrama" userId="ab42593c9091a3c7" providerId="LiveId" clId="{A94EC9C8-FC2E-45B4-829C-AEB6B286F687}" dt="2025-12-17T20:55:03.859" v="1634" actId="47"/>
         <pc:sldMkLst>
           <pc:docMk/>
           <pc:sldMk cId="2064685130" sldId="306"/>
@@ -727,6 +733,21 @@
             <pc:docMk/>
             <pc:sldMk cId="2801438337" sldId="308"/>
             <ac:spMk id="2" creationId="{BAFE5815-9901-BFBE-F77F-98F480841E5B}"/>
+          </ac:spMkLst>
+        </pc:spChg>
+      </pc:sldChg>
+      <pc:sldChg chg="modSp mod">
+        <pc:chgData name="Mario Aragón Valderrama" userId="ab42593c9091a3c7" providerId="LiveId" clId="{A94EC9C8-FC2E-45B4-829C-AEB6B286F687}" dt="2025-12-17T20:56:04.907" v="1640" actId="20577"/>
+        <pc:sldMkLst>
+          <pc:docMk/>
+          <pc:sldMk cId="3373186615" sldId="310"/>
+        </pc:sldMkLst>
+        <pc:spChg chg="mod">
+          <ac:chgData name="Mario Aragón Valderrama" userId="ab42593c9091a3c7" providerId="LiveId" clId="{A94EC9C8-FC2E-45B4-829C-AEB6B286F687}" dt="2025-12-17T20:56:04.907" v="1640" actId="20577"/>
+          <ac:spMkLst>
+            <pc:docMk/>
+            <pc:sldMk cId="3373186615" sldId="310"/>
+            <ac:spMk id="2" creationId="{744E8F24-AF72-DFA5-9CAE-072E2FD20465}"/>
           </ac:spMkLst>
         </pc:spChg>
       </pc:sldChg>
@@ -13432,707 +13453,6 @@
           <a:p>
             <a:r>
               <a:rPr lang="es-ES" dirty="0"/>
-              <a:t>GLM</a:t>
-            </a:r>
-          </a:p>
-        </p:txBody>
-      </p:sp>
-      <p:sp>
-        <p:nvSpPr>
-          <p:cNvPr id="4" name="CuadroTexto 3"/>
-          <p:cNvSpPr txBox="1"/>
-          <p:nvPr/>
-        </p:nvSpPr>
-        <p:spPr>
-          <a:xfrm>
-            <a:off x="857693" y="1112200"/>
-            <a:ext cx="7896445" cy="2893100"/>
-          </a:xfrm>
-          <a:prstGeom prst="rect">
-            <a:avLst/>
-          </a:prstGeom>
-          <a:noFill/>
-        </p:spPr>
-        <p:txBody>
-          <a:bodyPr wrap="square">
-            <a:spAutoFit/>
-          </a:bodyPr>
-          <a:lstStyle/>
-          <a:p>
-            <a:pPr marL="285750" indent="-285750">
-              <a:buClr>
-                <a:srgbClr val="00B050"/>
-              </a:buClr>
-              <a:buSzPct val="150000"/>
-              <a:buFont typeface="Wingdings" panose="05000000000000000000" pitchFamily="2" charset="2"/>
-              <a:buChar char="ü"/>
-            </a:pPr>
-            <a:r>
-              <a:rPr lang="es-ES" dirty="0"/>
-              <a:t>Se ha probado 4 enlaces: </a:t>
-            </a:r>
-            <a:r>
-              <a:rPr lang="es-ES" dirty="0" err="1"/>
-              <a:t>logit</a:t>
-            </a:r>
-            <a:r>
-              <a:rPr lang="es-ES" dirty="0"/>
-              <a:t>, </a:t>
-            </a:r>
-            <a:r>
-              <a:rPr lang="es-ES" dirty="0" err="1"/>
-              <a:t>probit</a:t>
-            </a:r>
-            <a:r>
-              <a:rPr lang="es-ES" dirty="0"/>
-              <a:t>, </a:t>
-            </a:r>
-            <a:r>
-              <a:rPr lang="es-ES" dirty="0" err="1"/>
-              <a:t>cloglog</a:t>
-            </a:r>
-            <a:r>
-              <a:rPr lang="es-ES" dirty="0"/>
-              <a:t> y </a:t>
-            </a:r>
-            <a:r>
-              <a:rPr lang="es-ES" dirty="0" err="1"/>
-              <a:t>cauchy</a:t>
-            </a:r>
-            <a:r>
-              <a:rPr lang="es-ES" dirty="0"/>
-              <a:t>.              No </a:t>
-            </a:r>
-            <a:r>
-              <a:rPr lang="es-ES" dirty="0" err="1"/>
-              <a:t>much</a:t>
-            </a:r>
-            <a:r>
-              <a:rPr lang="es-ES" dirty="0"/>
-              <a:t> </a:t>
-            </a:r>
-            <a:r>
-              <a:rPr lang="es-ES" dirty="0" err="1"/>
-              <a:t>difference</a:t>
-            </a:r>
-            <a:endParaRPr lang="es-ES" dirty="0"/>
-          </a:p>
-          <a:p>
-            <a:pPr marL="285750" indent="-285750">
-              <a:buClr>
-                <a:srgbClr val="00B050"/>
-              </a:buClr>
-              <a:buSzPct val="150000"/>
-              <a:buFont typeface="Wingdings" panose="05000000000000000000" pitchFamily="2" charset="2"/>
-              <a:buChar char="ü"/>
-            </a:pPr>
-            <a:r>
-              <a:rPr lang="es-ES" dirty="0"/>
-              <a:t>Se decidió quedarse con el </a:t>
-            </a:r>
-            <a:r>
-              <a:rPr lang="es-ES" b="1" dirty="0" err="1"/>
-              <a:t>probit</a:t>
-            </a:r>
-            <a:r>
-              <a:rPr lang="es-ES" b="1" dirty="0"/>
-              <a:t>.              Ligero aumento en </a:t>
-            </a:r>
-            <a:r>
-              <a:rPr lang="es-ES" b="1" dirty="0" err="1"/>
-              <a:t>recall</a:t>
-            </a:r>
-            <a:r>
-              <a:rPr lang="es-ES" b="1" dirty="0"/>
-              <a:t>.</a:t>
-            </a:r>
-          </a:p>
-          <a:p>
-            <a:pPr marL="285750" indent="-285750">
-              <a:buClr>
-                <a:srgbClr val="FF0000"/>
-              </a:buClr>
-              <a:buSzPct val="150000"/>
-              <a:buFont typeface="Arial" panose="020B0604020202020204" pitchFamily="34" charset="0"/>
-              <a:buChar char="×"/>
-            </a:pPr>
-            <a:r>
-              <a:rPr lang="es-ES" dirty="0"/>
-              <a:t>Data </a:t>
-            </a:r>
-            <a:r>
-              <a:rPr lang="es-ES" dirty="0" err="1"/>
-              <a:t>reducido_plus</a:t>
-            </a:r>
-            <a:r>
-              <a:rPr lang="es-ES" dirty="0"/>
-              <a:t>               Peor</a:t>
-            </a:r>
-          </a:p>
-          <a:p>
-            <a:pPr marL="285750" indent="-285750">
-              <a:buClr>
-                <a:srgbClr val="00B050"/>
-              </a:buClr>
-              <a:buSzPct val="150000"/>
-              <a:buFont typeface="Wingdings" panose="05000000000000000000" pitchFamily="2" charset="2"/>
-              <a:buChar char="ü"/>
-            </a:pPr>
-            <a:r>
-              <a:rPr lang="es-ES" dirty="0"/>
-              <a:t>Data reducido                 Mejores resultados.</a:t>
-            </a:r>
-          </a:p>
-          <a:p>
-            <a:pPr marL="285750" indent="-285750">
-              <a:buClr>
-                <a:srgbClr val="00B050"/>
-              </a:buClr>
-              <a:buSzPct val="150000"/>
-              <a:buFont typeface="Wingdings" panose="05000000000000000000" pitchFamily="2" charset="2"/>
-              <a:buChar char="ü"/>
-            </a:pPr>
-            <a:r>
-              <a:rPr lang="es-ES" dirty="0"/>
-              <a:t>Bootstrap i CV                 No </a:t>
-            </a:r>
-            <a:r>
-              <a:rPr lang="es-ES" dirty="0" err="1"/>
-              <a:t>difference</a:t>
-            </a:r>
-            <a:r>
-              <a:rPr lang="es-ES" dirty="0"/>
-              <a:t>.</a:t>
-            </a:r>
-          </a:p>
-          <a:p>
-            <a:pPr marL="285750" indent="-285750">
-              <a:buClr>
-                <a:srgbClr val="00B050"/>
-              </a:buClr>
-              <a:buSzPct val="150000"/>
-              <a:buFont typeface="Wingdings" panose="05000000000000000000" pitchFamily="2" charset="2"/>
-              <a:buChar char="ü"/>
-            </a:pPr>
-            <a:r>
-              <a:rPr lang="es-ES" dirty="0"/>
-              <a:t>Variable Age^2 &amp; interacción entre </a:t>
-            </a:r>
-            <a:r>
-              <a:rPr lang="es-ES" dirty="0" err="1"/>
-              <a:t>Geography:Gender</a:t>
-            </a:r>
-            <a:endParaRPr lang="es-ES" dirty="0"/>
-          </a:p>
-          <a:p>
-            <a:pPr marL="285750" indent="-285750">
-              <a:buClr>
-                <a:srgbClr val="FF0000"/>
-              </a:buClr>
-              <a:buSzPct val="150000"/>
-              <a:buFont typeface="Arial" panose="020B0604020202020204" pitchFamily="34" charset="0"/>
-              <a:buChar char="×"/>
-            </a:pPr>
-            <a:r>
-              <a:rPr lang="es-ES" dirty="0"/>
-              <a:t>Balance               F1 MUUUUUY bajo</a:t>
-            </a:r>
-          </a:p>
-          <a:p>
-            <a:pPr marL="285750" indent="-285750">
-              <a:buClr>
-                <a:srgbClr val="FF0000"/>
-              </a:buClr>
-              <a:buSzPct val="150000"/>
-              <a:buFont typeface="Arial" panose="020B0604020202020204" pitchFamily="34" charset="0"/>
-              <a:buChar char="×"/>
-            </a:pPr>
-            <a:r>
-              <a:rPr lang="es-ES" dirty="0" err="1"/>
-              <a:t>Scale</a:t>
-            </a:r>
-            <a:r>
-              <a:rPr lang="es-ES" dirty="0"/>
-              <a:t>, </a:t>
-            </a:r>
-            <a:r>
-              <a:rPr lang="es-ES" dirty="0" err="1"/>
-              <a:t>Dummys</a:t>
-            </a:r>
-            <a:r>
-              <a:rPr lang="es-ES" dirty="0"/>
-              <a:t> de las variables categóricas.               No afecta en las métricas.</a:t>
-            </a:r>
-          </a:p>
-          <a:p>
-            <a:pPr marL="285750" indent="-285750">
-              <a:buClr>
-                <a:srgbClr val="00B050"/>
-              </a:buClr>
-              <a:buSzPct val="150000"/>
-              <a:buFont typeface="Wingdings" panose="05000000000000000000" pitchFamily="2" charset="2"/>
-              <a:buChar char="ü"/>
-            </a:pPr>
-            <a:endParaRPr lang="es-ES" dirty="0"/>
-          </a:p>
-          <a:p>
-            <a:pPr>
-              <a:buClr>
-                <a:srgbClr val="00B050"/>
-              </a:buClr>
-              <a:buSzPct val="150000"/>
-            </a:pPr>
-            <a:r>
-              <a:rPr lang="es-ES" dirty="0"/>
-              <a:t>Características: </a:t>
-            </a:r>
-          </a:p>
-          <a:p>
-            <a:pPr>
-              <a:buClr>
-                <a:srgbClr val="00B050"/>
-              </a:buClr>
-              <a:buSzPct val="150000"/>
-            </a:pPr>
-            <a:endParaRPr lang="es-ES" dirty="0"/>
-          </a:p>
-          <a:p>
-            <a:pPr marL="285750" indent="-285750">
-              <a:buClr>
-                <a:srgbClr val="00B050"/>
-              </a:buClr>
-              <a:buSzPct val="150000"/>
-              <a:buFont typeface="Wingdings" panose="05000000000000000000" pitchFamily="2" charset="2"/>
-              <a:buChar char="ü"/>
-            </a:pPr>
-            <a:r>
-              <a:rPr lang="es-ES" dirty="0"/>
-              <a:t>El punto de corte óptimo es: p=0.2071429.</a:t>
-            </a:r>
-          </a:p>
-          <a:p>
-            <a:pPr marL="285750" indent="-285750">
-              <a:buClr>
-                <a:srgbClr val="00B050"/>
-              </a:buClr>
-              <a:buSzPct val="150000"/>
-              <a:buFont typeface="Wingdings" panose="05000000000000000000" pitchFamily="2" charset="2"/>
-              <a:buChar char="ü"/>
-            </a:pPr>
-            <a:r>
-              <a:rPr lang="es-ES" dirty="0"/>
-              <a:t>Métricas obtenidas: </a:t>
-            </a:r>
-            <a:endParaRPr lang="en-US" dirty="0"/>
-          </a:p>
-        </p:txBody>
-      </p:sp>
-      <p:sp>
-        <p:nvSpPr>
-          <p:cNvPr id="3" name="CuadroTexto 2"/>
-          <p:cNvSpPr txBox="1"/>
-          <p:nvPr/>
-        </p:nvSpPr>
-        <p:spPr>
-          <a:xfrm>
-            <a:off x="857693" y="4005300"/>
-            <a:ext cx="7234747" cy="738664"/>
-          </a:xfrm>
-          <a:prstGeom prst="rect">
-            <a:avLst/>
-          </a:prstGeom>
-        </p:spPr>
-        <p:style>
-          <a:lnRef idx="1">
-            <a:schemeClr val="accent2"/>
-          </a:lnRef>
-          <a:fillRef idx="2">
-            <a:schemeClr val="accent2"/>
-          </a:fillRef>
-          <a:effectRef idx="1">
-            <a:schemeClr val="accent2"/>
-          </a:effectRef>
-          <a:fontRef idx="minor">
-            <a:schemeClr val="dk1"/>
-          </a:fontRef>
-        </p:style>
-        <p:txBody>
-          <a:bodyPr wrap="square" rtlCol="0">
-            <a:spAutoFit/>
-          </a:bodyPr>
-          <a:lstStyle/>
-          <a:p>
-            <a:pPr latinLnBrk="1"/>
-            <a:r>
-              <a:rPr lang="en-US" dirty="0"/>
-              <a:t>   Dataset </a:t>
-            </a:r>
-            <a:r>
-              <a:rPr lang="en-US" dirty="0" err="1"/>
-              <a:t>Error_rate</a:t>
-            </a:r>
-            <a:r>
-              <a:rPr lang="en-US" dirty="0"/>
-              <a:t>  Accuracy    Precision   </a:t>
-            </a:r>
-            <a:r>
-              <a:rPr lang="en-US" dirty="0" err="1"/>
-              <a:t>Recall_Sensitivity</a:t>
-            </a:r>
-            <a:r>
-              <a:rPr lang="en-US" dirty="0"/>
-              <a:t>  Specificity   F1_Score</a:t>
-            </a:r>
-          </a:p>
-          <a:p>
-            <a:pPr latinLnBrk="1"/>
-            <a:r>
-              <a:rPr lang="en-US" dirty="0"/>
-              <a:t>1  Train2  0.3273469  0.6726531 0.3516373       0.6876847       0.6687259   0.4653333</a:t>
-            </a:r>
-          </a:p>
-          <a:p>
-            <a:pPr latinLnBrk="1"/>
-            <a:r>
-              <a:rPr lang="en-US" dirty="0"/>
-              <a:t>2   Test2  0.3261905  0.6738095 0.3549884       0.7034483       0.6660661   0.4718581</a:t>
-            </a:r>
-          </a:p>
-        </p:txBody>
-      </p:sp>
-      <p:sp>
-        <p:nvSpPr>
-          <p:cNvPr id="5" name="Flecha: a la derecha 6"/>
-          <p:cNvSpPr/>
-          <p:nvPr/>
-        </p:nvSpPr>
-        <p:spPr>
-          <a:xfrm>
-            <a:off x="5708030" y="1181100"/>
-            <a:ext cx="511795" cy="207028"/>
-          </a:xfrm>
-          <a:prstGeom prst="rightArrow">
-            <a:avLst/>
-          </a:prstGeom>
-        </p:spPr>
-        <p:style>
-          <a:lnRef idx="2">
-            <a:schemeClr val="accent1">
-              <a:shade val="15000"/>
-            </a:schemeClr>
-          </a:lnRef>
-          <a:fillRef idx="1">
-            <a:schemeClr val="accent1"/>
-          </a:fillRef>
-          <a:effectRef idx="0">
-            <a:schemeClr val="accent1"/>
-          </a:effectRef>
-          <a:fontRef idx="minor">
-            <a:schemeClr val="lt1"/>
-          </a:fontRef>
-        </p:style>
-        <p:txBody>
-          <a:bodyPr rtlCol="0" anchor="ctr"/>
-          <a:lstStyle/>
-          <a:p>
-            <a:pPr algn="ctr"/>
-            <a:endParaRPr lang="es-ES"/>
-          </a:p>
-        </p:txBody>
-      </p:sp>
-      <p:sp>
-        <p:nvSpPr>
-          <p:cNvPr id="6" name="Flecha: a la derecha 6"/>
-          <p:cNvSpPr/>
-          <p:nvPr/>
-        </p:nvSpPr>
-        <p:spPr>
-          <a:xfrm>
-            <a:off x="2517155" y="1813113"/>
-            <a:ext cx="511795" cy="207028"/>
-          </a:xfrm>
-          <a:prstGeom prst="rightArrow">
-            <a:avLst/>
-          </a:prstGeom>
-        </p:spPr>
-        <p:style>
-          <a:lnRef idx="2">
-            <a:schemeClr val="accent1">
-              <a:shade val="15000"/>
-            </a:schemeClr>
-          </a:lnRef>
-          <a:fillRef idx="1">
-            <a:schemeClr val="accent1"/>
-          </a:fillRef>
-          <a:effectRef idx="0">
-            <a:schemeClr val="accent1"/>
-          </a:effectRef>
-          <a:fontRef idx="minor">
-            <a:schemeClr val="lt1"/>
-          </a:fontRef>
-        </p:style>
-        <p:txBody>
-          <a:bodyPr rtlCol="0" anchor="ctr"/>
-          <a:lstStyle/>
-          <a:p>
-            <a:pPr algn="ctr"/>
-            <a:endParaRPr lang="es-ES"/>
-          </a:p>
-        </p:txBody>
-      </p:sp>
-      <p:sp>
-        <p:nvSpPr>
-          <p:cNvPr id="7" name="Flecha: a la derecha 6"/>
-          <p:cNvSpPr/>
-          <p:nvPr/>
-        </p:nvSpPr>
-        <p:spPr>
-          <a:xfrm>
-            <a:off x="4060205" y="1388128"/>
-            <a:ext cx="511795" cy="207028"/>
-          </a:xfrm>
-          <a:prstGeom prst="rightArrow">
-            <a:avLst/>
-          </a:prstGeom>
-        </p:spPr>
-        <p:style>
-          <a:lnRef idx="2">
-            <a:schemeClr val="accent1">
-              <a:shade val="15000"/>
-            </a:schemeClr>
-          </a:lnRef>
-          <a:fillRef idx="1">
-            <a:schemeClr val="accent1"/>
-          </a:fillRef>
-          <a:effectRef idx="0">
-            <a:schemeClr val="accent1"/>
-          </a:effectRef>
-          <a:fontRef idx="minor">
-            <a:schemeClr val="lt1"/>
-          </a:fontRef>
-        </p:style>
-        <p:txBody>
-          <a:bodyPr rtlCol="0" anchor="ctr"/>
-          <a:lstStyle/>
-          <a:p>
-            <a:pPr algn="ctr"/>
-            <a:endParaRPr lang="es-ES"/>
-          </a:p>
-        </p:txBody>
-      </p:sp>
-      <p:sp>
-        <p:nvSpPr>
-          <p:cNvPr id="8" name="Flecha: a la derecha 6"/>
-          <p:cNvSpPr/>
-          <p:nvPr/>
-        </p:nvSpPr>
-        <p:spPr>
-          <a:xfrm>
-            <a:off x="2005359" y="2447804"/>
-            <a:ext cx="511795" cy="207028"/>
-          </a:xfrm>
-          <a:prstGeom prst="rightArrow">
-            <a:avLst/>
-          </a:prstGeom>
-        </p:spPr>
-        <p:style>
-          <a:lnRef idx="2">
-            <a:schemeClr val="accent1">
-              <a:shade val="15000"/>
-            </a:schemeClr>
-          </a:lnRef>
-          <a:fillRef idx="1">
-            <a:schemeClr val="accent1"/>
-          </a:fillRef>
-          <a:effectRef idx="0">
-            <a:schemeClr val="accent1"/>
-          </a:effectRef>
-          <a:fontRef idx="minor">
-            <a:schemeClr val="lt1"/>
-          </a:fontRef>
-        </p:style>
-        <p:txBody>
-          <a:bodyPr rtlCol="0" anchor="ctr"/>
-          <a:lstStyle/>
-          <a:p>
-            <a:pPr algn="ctr"/>
-            <a:endParaRPr lang="es-ES"/>
-          </a:p>
-        </p:txBody>
-      </p:sp>
-      <p:sp>
-        <p:nvSpPr>
-          <p:cNvPr id="9" name="Flecha: a la derecha 6"/>
-          <p:cNvSpPr/>
-          <p:nvPr/>
-        </p:nvSpPr>
-        <p:spPr>
-          <a:xfrm>
-            <a:off x="4867953" y="2654832"/>
-            <a:ext cx="511795" cy="207028"/>
-          </a:xfrm>
-          <a:prstGeom prst="rightArrow">
-            <a:avLst/>
-          </a:prstGeom>
-        </p:spPr>
-        <p:style>
-          <a:lnRef idx="2">
-            <a:schemeClr val="accent1">
-              <a:shade val="15000"/>
-            </a:schemeClr>
-          </a:lnRef>
-          <a:fillRef idx="1">
-            <a:schemeClr val="accent1"/>
-          </a:fillRef>
-          <a:effectRef idx="0">
-            <a:schemeClr val="accent1"/>
-          </a:effectRef>
-          <a:fontRef idx="minor">
-            <a:schemeClr val="lt1"/>
-          </a:fontRef>
-        </p:style>
-        <p:txBody>
-          <a:bodyPr rtlCol="0" anchor="ctr"/>
-          <a:lstStyle/>
-          <a:p>
-            <a:pPr algn="ctr"/>
-            <a:endParaRPr lang="es-ES"/>
-          </a:p>
-        </p:txBody>
-      </p:sp>
-      <p:sp>
-        <p:nvSpPr>
-          <p:cNvPr id="10" name="Flecha: a la derecha 9"/>
-          <p:cNvSpPr/>
-          <p:nvPr/>
-        </p:nvSpPr>
-        <p:spPr>
-          <a:xfrm>
-            <a:off x="2910745" y="1606085"/>
-            <a:ext cx="511795" cy="207028"/>
-          </a:xfrm>
-          <a:prstGeom prst="rightArrow">
-            <a:avLst/>
-          </a:prstGeom>
-        </p:spPr>
-        <p:style>
-          <a:lnRef idx="2">
-            <a:schemeClr val="accent1">
-              <a:shade val="15000"/>
-            </a:schemeClr>
-          </a:lnRef>
-          <a:fillRef idx="1">
-            <a:schemeClr val="accent1"/>
-          </a:fillRef>
-          <a:effectRef idx="0">
-            <a:schemeClr val="accent1"/>
-          </a:effectRef>
-          <a:fontRef idx="minor">
-            <a:schemeClr val="lt1"/>
-          </a:fontRef>
-        </p:style>
-        <p:txBody>
-          <a:bodyPr rtlCol="0" anchor="ctr"/>
-          <a:lstStyle/>
-          <a:p>
-            <a:pPr algn="ctr"/>
-            <a:endParaRPr lang="es-ES"/>
-          </a:p>
-        </p:txBody>
-      </p:sp>
-      <p:sp>
-        <p:nvSpPr>
-          <p:cNvPr id="11" name="Flecha: a la derecha 6">
-            <a:extLst>
-              <a:ext uri="{FF2B5EF4-FFF2-40B4-BE49-F238E27FC236}">
-                <a16:creationId xmlns:a16="http://schemas.microsoft.com/office/drawing/2014/main" id="{EDD7197B-0227-EE64-7382-CDDD688710A3}"/>
-              </a:ext>
-            </a:extLst>
-          </p:cNvPr>
-          <p:cNvSpPr/>
-          <p:nvPr/>
-        </p:nvSpPr>
-        <p:spPr>
-          <a:xfrm>
-            <a:off x="2517154" y="2014987"/>
-            <a:ext cx="511795" cy="207028"/>
-          </a:xfrm>
-          <a:prstGeom prst="rightArrow">
-            <a:avLst/>
-          </a:prstGeom>
-        </p:spPr>
-        <p:style>
-          <a:lnRef idx="2">
-            <a:schemeClr val="accent1">
-              <a:shade val="15000"/>
-            </a:schemeClr>
-          </a:lnRef>
-          <a:fillRef idx="1">
-            <a:schemeClr val="accent1"/>
-          </a:fillRef>
-          <a:effectRef idx="0">
-            <a:schemeClr val="accent1"/>
-          </a:effectRef>
-          <a:fontRef idx="minor">
-            <a:schemeClr val="lt1"/>
-          </a:fontRef>
-        </p:style>
-        <p:txBody>
-          <a:bodyPr rtlCol="0" anchor="ctr"/>
-          <a:lstStyle/>
-          <a:p>
-            <a:pPr algn="ctr"/>
-            <a:endParaRPr lang="es-ES"/>
-          </a:p>
-        </p:txBody>
-      </p:sp>
-    </p:spTree>
-    <p:extLst>
-      <p:ext uri="{BB962C8B-B14F-4D97-AF65-F5344CB8AC3E}">
-        <p14:creationId xmlns:p14="http://schemas.microsoft.com/office/powerpoint/2010/main" val="2309209517"/>
-      </p:ext>
-    </p:extLst>
-  </p:cSld>
-  <p:clrMapOvr>
-    <a:masterClrMapping/>
-  </p:clrMapOvr>
-</p:sld>
-</file>
-
-<file path=ppt/slides/slide11.xml><?xml version="1.0" encoding="utf-8"?>
-<p:sld xmlns:a="http://schemas.openxmlformats.org/drawingml/2006/main" xmlns:r="http://schemas.openxmlformats.org/officeDocument/2006/relationships" xmlns:p="http://schemas.openxmlformats.org/presentationml/2006/main">
-  <p:cSld>
-    <p:spTree>
-      <p:nvGrpSpPr>
-        <p:cNvPr id="1" name=""/>
-        <p:cNvGrpSpPr/>
-        <p:nvPr/>
-      </p:nvGrpSpPr>
-      <p:grpSpPr>
-        <a:xfrm>
-          <a:off x="0" y="0"/>
-          <a:ext cx="0" cy="0"/>
-          <a:chOff x="0" y="0"/>
-          <a:chExt cx="0" cy="0"/>
-        </a:xfrm>
-      </p:grpSpPr>
-      <p:sp>
-        <p:nvSpPr>
-          <p:cNvPr id="2" name="Título 1"/>
-          <p:cNvSpPr>
-            <a:spLocks noGrp="1"/>
-          </p:cNvSpPr>
-          <p:nvPr>
-            <p:ph type="title"/>
-          </p:nvPr>
-        </p:nvSpPr>
-        <p:spPr/>
-        <p:txBody>
-          <a:bodyPr/>
-          <a:lstStyle/>
-          <a:p>
-            <a:r>
-              <a:rPr lang="es-ES" dirty="0"/>
               <a:t>SVM</a:t>
             </a:r>
           </a:p>
@@ -14584,6 +13904,706 @@
 </p:sld>
 </file>
 
+<file path=ppt/slides/slide11.xml><?xml version="1.0" encoding="utf-8"?>
+<p:sld xmlns:a="http://schemas.openxmlformats.org/drawingml/2006/main" xmlns:r="http://schemas.openxmlformats.org/officeDocument/2006/relationships" xmlns:p="http://schemas.openxmlformats.org/presentationml/2006/main">
+  <p:cSld>
+    <p:spTree>
+      <p:nvGrpSpPr>
+        <p:cNvPr id="1" name=""/>
+        <p:cNvGrpSpPr/>
+        <p:nvPr/>
+      </p:nvGrpSpPr>
+      <p:grpSpPr>
+        <a:xfrm>
+          <a:off x="0" y="0"/>
+          <a:ext cx="0" cy="0"/>
+          <a:chOff x="0" y="0"/>
+          <a:chExt cx="0" cy="0"/>
+        </a:xfrm>
+      </p:grpSpPr>
+      <p:sp>
+        <p:nvSpPr>
+          <p:cNvPr id="2" name="Título 1"/>
+          <p:cNvSpPr>
+            <a:spLocks noGrp="1"/>
+          </p:cNvSpPr>
+          <p:nvPr>
+            <p:ph type="title"/>
+          </p:nvPr>
+        </p:nvSpPr>
+        <p:spPr/>
+        <p:txBody>
+          <a:bodyPr/>
+          <a:lstStyle/>
+          <a:p>
+            <a:r>
+              <a:rPr lang="es-ES" dirty="0"/>
+              <a:t>Asignaciones del AR</a:t>
+            </a:r>
+          </a:p>
+        </p:txBody>
+      </p:sp>
+      <p:sp>
+        <p:nvSpPr>
+          <p:cNvPr id="4" name="CuadroTexto 3"/>
+          <p:cNvSpPr txBox="1"/>
+          <p:nvPr/>
+        </p:nvSpPr>
+        <p:spPr>
+          <a:xfrm>
+            <a:off x="570155" y="1308516"/>
+            <a:ext cx="8003689" cy="2031325"/>
+          </a:xfrm>
+          <a:prstGeom prst="rect">
+            <a:avLst/>
+          </a:prstGeom>
+          <a:noFill/>
+        </p:spPr>
+        <p:txBody>
+          <a:bodyPr wrap="square">
+            <a:spAutoFit/>
+          </a:bodyPr>
+          <a:lstStyle/>
+          <a:p>
+            <a:pPr latinLnBrk="1"/>
+            <a:r>
+              <a:rPr lang="en-US" dirty="0">
+                <a:latin typeface="Lucida Console" panose="020B0609040504020204" pitchFamily="49" charset="0"/>
+              </a:rPr>
+              <a:t>🤔</a:t>
+            </a:r>
+            <a:r>
+              <a:rPr lang="en-US" dirty="0">
+                <a:latin typeface="+mn-lt"/>
+              </a:rPr>
+              <a:t>​</a:t>
+            </a:r>
+            <a:r>
+              <a:rPr lang="en-US" b="0" i="0" dirty="0">
+                <a:solidFill>
+                  <a:srgbClr val="000000"/>
+                </a:solidFill>
+                <a:effectLst/>
+                <a:latin typeface="+mn-lt"/>
+              </a:rPr>
+              <a:t>Se </a:t>
+            </a:r>
+            <a:r>
+              <a:rPr lang="en-US" b="0" i="0" dirty="0" err="1">
+                <a:solidFill>
+                  <a:srgbClr val="000000"/>
+                </a:solidFill>
+                <a:effectLst/>
+                <a:latin typeface="+mn-lt"/>
+              </a:rPr>
+              <a:t>intentó</a:t>
+            </a:r>
+            <a:r>
+              <a:rPr lang="en-US" b="0" i="0" dirty="0">
+                <a:solidFill>
+                  <a:srgbClr val="000000"/>
+                </a:solidFill>
+                <a:effectLst/>
+                <a:latin typeface="+mn-lt"/>
+              </a:rPr>
+              <a:t> </a:t>
+            </a:r>
+            <a:r>
+              <a:rPr lang="en-US" b="0" i="0" dirty="0" err="1">
+                <a:solidFill>
+                  <a:srgbClr val="000000"/>
+                </a:solidFill>
+                <a:effectLst/>
+                <a:latin typeface="+mn-lt"/>
+              </a:rPr>
+              <a:t>forzar</a:t>
+            </a:r>
+            <a:r>
+              <a:rPr lang="en-US" b="0" i="0" dirty="0">
+                <a:solidFill>
+                  <a:srgbClr val="000000"/>
+                </a:solidFill>
+                <a:effectLst/>
+                <a:latin typeface="+mn-lt"/>
+              </a:rPr>
+              <a:t> las </a:t>
+            </a:r>
+            <a:r>
+              <a:rPr lang="en-US" b="0" i="0" dirty="0" err="1">
+                <a:solidFill>
+                  <a:srgbClr val="000000"/>
+                </a:solidFill>
+                <a:effectLst/>
+                <a:latin typeface="+mn-lt"/>
+              </a:rPr>
+              <a:t>reglas</a:t>
+            </a:r>
+            <a:r>
+              <a:rPr lang="en-US" b="0" i="0" dirty="0">
+                <a:solidFill>
+                  <a:srgbClr val="000000"/>
+                </a:solidFill>
+                <a:effectLst/>
+                <a:latin typeface="+mn-lt"/>
+              </a:rPr>
+              <a:t> para Exited=1 con </a:t>
+            </a:r>
+            <a:r>
+              <a:rPr lang="en-US" b="0" i="0" dirty="0" err="1">
+                <a:solidFill>
+                  <a:srgbClr val="000000"/>
+                </a:solidFill>
+                <a:effectLst/>
+                <a:latin typeface="+mn-lt"/>
+              </a:rPr>
+              <a:t>confianza</a:t>
+            </a:r>
+            <a:r>
+              <a:rPr lang="en-US" b="0" i="0" dirty="0">
+                <a:solidFill>
+                  <a:srgbClr val="000000"/>
+                </a:solidFill>
+                <a:effectLst/>
+                <a:latin typeface="+mn-lt"/>
+              </a:rPr>
+              <a:t> minima de 0.5</a:t>
+            </a:r>
+          </a:p>
+          <a:p>
+            <a:pPr latinLnBrk="1"/>
+            <a:r>
+              <a:rPr lang="es-ES" dirty="0"/>
+              <a:t>❌​</a:t>
+            </a:r>
+            <a:r>
+              <a:rPr lang="en-US" dirty="0">
+                <a:latin typeface="+mn-lt"/>
+              </a:rPr>
+              <a:t>Los </a:t>
+            </a:r>
+            <a:r>
+              <a:rPr lang="en-US" dirty="0" err="1">
+                <a:latin typeface="+mn-lt"/>
+              </a:rPr>
+              <a:t>resultados</a:t>
+            </a:r>
+            <a:r>
+              <a:rPr lang="en-US" dirty="0">
+                <a:latin typeface="+mn-lt"/>
+              </a:rPr>
+              <a:t> no </a:t>
+            </a:r>
+            <a:r>
+              <a:rPr lang="en-US" dirty="0" err="1">
+                <a:latin typeface="+mn-lt"/>
+              </a:rPr>
+              <a:t>mejoraban</a:t>
+            </a:r>
+            <a:r>
+              <a:rPr lang="en-US" dirty="0">
+                <a:latin typeface="+mn-lt"/>
+              </a:rPr>
+              <a:t> </a:t>
+            </a:r>
+            <a:r>
+              <a:rPr lang="en-US" dirty="0" err="1">
+                <a:latin typeface="+mn-lt"/>
+              </a:rPr>
+              <a:t>el</a:t>
+            </a:r>
+            <a:r>
+              <a:rPr lang="en-US" dirty="0">
+                <a:latin typeface="+mn-lt"/>
+              </a:rPr>
+              <a:t> </a:t>
+            </a:r>
+            <a:r>
+              <a:rPr lang="en-US" dirty="0" err="1">
+                <a:latin typeface="+mn-lt"/>
+              </a:rPr>
+              <a:t>modelo</a:t>
+            </a:r>
+            <a:r>
+              <a:rPr lang="en-US" dirty="0">
+                <a:latin typeface="+mn-lt"/>
+              </a:rPr>
+              <a:t> sin </a:t>
+            </a:r>
+            <a:r>
+              <a:rPr lang="en-US" dirty="0" err="1">
+                <a:latin typeface="+mn-lt"/>
+              </a:rPr>
+              <a:t>forzar</a:t>
+            </a:r>
+            <a:r>
+              <a:rPr lang="en-US" dirty="0">
+                <a:latin typeface="+mn-lt"/>
+              </a:rPr>
+              <a:t>.</a:t>
+            </a:r>
+          </a:p>
+          <a:p>
+            <a:pPr algn="l" latinLnBrk="1">
+              <a:buNone/>
+            </a:pPr>
+            <a:endParaRPr lang="en-US" dirty="0">
+              <a:latin typeface="+mn-lt"/>
+            </a:endParaRPr>
+          </a:p>
+          <a:p>
+            <a:pPr latinLnBrk="1"/>
+            <a:r>
+              <a:rPr lang="en-US" dirty="0">
+                <a:latin typeface="+mn-lt"/>
+              </a:rPr>
+              <a:t>🤔​Se </a:t>
+            </a:r>
+            <a:r>
+              <a:rPr lang="en-US" dirty="0" err="1">
+                <a:latin typeface="+mn-lt"/>
+              </a:rPr>
+              <a:t>intentó</a:t>
+            </a:r>
+            <a:r>
+              <a:rPr lang="en-US" dirty="0">
+                <a:latin typeface="+mn-lt"/>
+              </a:rPr>
+              <a:t> </a:t>
+            </a:r>
+            <a:r>
+              <a:rPr lang="en-US" dirty="0" err="1">
+                <a:latin typeface="+mn-lt"/>
+              </a:rPr>
+              <a:t>forzar</a:t>
+            </a:r>
+            <a:r>
+              <a:rPr lang="en-US" dirty="0">
+                <a:latin typeface="+mn-lt"/>
+              </a:rPr>
+              <a:t> las </a:t>
+            </a:r>
+            <a:r>
+              <a:rPr lang="en-US" dirty="0" err="1">
+                <a:latin typeface="+mn-lt"/>
+              </a:rPr>
+              <a:t>reglas</a:t>
+            </a:r>
+            <a:r>
+              <a:rPr lang="en-US" dirty="0">
+                <a:latin typeface="+mn-lt"/>
+              </a:rPr>
+              <a:t> para Exited=0 con </a:t>
+            </a:r>
+            <a:r>
+              <a:rPr lang="en-US" dirty="0" err="1">
+                <a:latin typeface="+mn-lt"/>
+              </a:rPr>
+              <a:t>confianza</a:t>
+            </a:r>
+            <a:r>
+              <a:rPr lang="en-US" dirty="0">
+                <a:latin typeface="+mn-lt"/>
+              </a:rPr>
+              <a:t> de 1</a:t>
+            </a:r>
+          </a:p>
+          <a:p>
+            <a:pPr latinLnBrk="1"/>
+            <a:r>
+              <a:rPr lang="es-ES" dirty="0"/>
+              <a:t>❌​</a:t>
+            </a:r>
+            <a:r>
+              <a:rPr lang="en-US" dirty="0">
+                <a:latin typeface="+mn-lt"/>
+              </a:rPr>
+              <a:t>Los </a:t>
+            </a:r>
+            <a:r>
+              <a:rPr lang="en-US" dirty="0" err="1">
+                <a:latin typeface="+mn-lt"/>
+              </a:rPr>
+              <a:t>resultados</a:t>
+            </a:r>
+            <a:r>
+              <a:rPr lang="en-US" dirty="0">
+                <a:latin typeface="+mn-lt"/>
+              </a:rPr>
+              <a:t> no </a:t>
+            </a:r>
+            <a:r>
+              <a:rPr lang="en-US" dirty="0" err="1">
+                <a:latin typeface="+mn-lt"/>
+              </a:rPr>
+              <a:t>mejoraban</a:t>
+            </a:r>
+            <a:r>
+              <a:rPr lang="en-US" dirty="0">
+                <a:latin typeface="+mn-lt"/>
+              </a:rPr>
+              <a:t> </a:t>
+            </a:r>
+            <a:r>
+              <a:rPr lang="en-US" dirty="0" err="1">
+                <a:latin typeface="+mn-lt"/>
+              </a:rPr>
+              <a:t>el</a:t>
+            </a:r>
+            <a:r>
+              <a:rPr lang="en-US" dirty="0">
+                <a:latin typeface="+mn-lt"/>
+              </a:rPr>
+              <a:t> </a:t>
+            </a:r>
+            <a:r>
+              <a:rPr lang="en-US" dirty="0" err="1">
+                <a:latin typeface="+mn-lt"/>
+              </a:rPr>
+              <a:t>modelo</a:t>
+            </a:r>
+            <a:r>
+              <a:rPr lang="en-US" dirty="0">
+                <a:latin typeface="+mn-lt"/>
+              </a:rPr>
+              <a:t> sin </a:t>
+            </a:r>
+            <a:r>
+              <a:rPr lang="en-US" dirty="0" err="1">
+                <a:latin typeface="+mn-lt"/>
+              </a:rPr>
+              <a:t>forzar</a:t>
+            </a:r>
+            <a:r>
+              <a:rPr lang="en-US" dirty="0">
+                <a:latin typeface="+mn-lt"/>
+              </a:rPr>
+              <a:t>.</a:t>
+            </a:r>
+          </a:p>
+          <a:p>
+            <a:pPr algn="l" latinLnBrk="1">
+              <a:buNone/>
+            </a:pPr>
+            <a:endParaRPr lang="en-US" dirty="0">
+              <a:latin typeface="+mn-lt"/>
+            </a:endParaRPr>
+          </a:p>
+          <a:p>
+            <a:pPr latinLnBrk="1"/>
+            <a:r>
+              <a:rPr lang="es-ES" dirty="0">
+                <a:latin typeface="+mn-lt"/>
+              </a:rPr>
+              <a:t>​</a:t>
+            </a:r>
+            <a:r>
+              <a:rPr lang="en-US" dirty="0">
+                <a:latin typeface="Lucida Console" panose="020B0609040504020204" pitchFamily="49" charset="0"/>
+              </a:rPr>
+              <a:t>🤔 </a:t>
+            </a:r>
+            <a:r>
+              <a:rPr lang="es-ES" b="0" i="0" dirty="0">
+                <a:solidFill>
+                  <a:srgbClr val="000000"/>
+                </a:solidFill>
+                <a:effectLst/>
+                <a:latin typeface="+mn-lt"/>
+              </a:rPr>
+              <a:t>Se intentó forzar las reglas para ambos </a:t>
+            </a:r>
+            <a:r>
+              <a:rPr lang="es-ES" b="0" i="0" dirty="0" err="1">
+                <a:solidFill>
+                  <a:srgbClr val="000000"/>
+                </a:solidFill>
+                <a:effectLst/>
+                <a:latin typeface="+mn-lt"/>
+              </a:rPr>
+              <a:t>Exited</a:t>
+            </a:r>
+            <a:r>
+              <a:rPr lang="es-ES" b="0" i="0" dirty="0">
+                <a:solidFill>
+                  <a:srgbClr val="000000"/>
+                </a:solidFill>
+                <a:effectLst/>
+                <a:latin typeface="+mn-lt"/>
+              </a:rPr>
+              <a:t> a la vez</a:t>
+            </a:r>
+          </a:p>
+          <a:p>
+            <a:pPr latinLnBrk="1"/>
+            <a:r>
+              <a:rPr lang="es-ES" dirty="0"/>
+              <a:t>❌​</a:t>
+            </a:r>
+            <a:r>
+              <a:rPr lang="es-ES" dirty="0">
+                <a:latin typeface="+mn-lt"/>
+              </a:rPr>
+              <a:t>Los resultados no mejoraban el modelo sin forzar.</a:t>
+            </a:r>
+          </a:p>
+          <a:p>
+            <a:pPr algn="l" latinLnBrk="1">
+              <a:buNone/>
+            </a:pPr>
+            <a:endParaRPr lang="en-US" b="0" i="0" dirty="0">
+              <a:solidFill>
+                <a:srgbClr val="000000"/>
+              </a:solidFill>
+              <a:effectLst/>
+              <a:latin typeface="Lucida Console" panose="020B0609040504020204" pitchFamily="49" charset="0"/>
+            </a:endParaRPr>
+          </a:p>
+        </p:txBody>
+      </p:sp>
+      <p:pic>
+        <p:nvPicPr>
+          <p:cNvPr id="5" name="Imagen 4" descr="Texto&#10;&#10;El contenido generado por IA puede ser incorrecto.">
+            <a:extLst>
+              <a:ext uri="{FF2B5EF4-FFF2-40B4-BE49-F238E27FC236}">
+                <a16:creationId xmlns:a16="http://schemas.microsoft.com/office/drawing/2014/main" id="{5B1A6E1F-205A-7C02-8B53-9529FF9DA9FC}"/>
+              </a:ext>
+            </a:extLst>
+          </p:cNvPr>
+          <p:cNvPicPr>
+            <a:picLocks noChangeAspect="1"/>
+          </p:cNvPicPr>
+          <p:nvPr/>
+        </p:nvPicPr>
+        <p:blipFill>
+          <a:blip r:embed="rId2"/>
+          <a:stretch>
+            <a:fillRect/>
+          </a:stretch>
+        </p:blipFill>
+        <p:spPr>
+          <a:xfrm>
+            <a:off x="570155" y="3734549"/>
+            <a:ext cx="2314898" cy="514422"/>
+          </a:xfrm>
+          <a:prstGeom prst="rect">
+            <a:avLst/>
+          </a:prstGeom>
+        </p:spPr>
+      </p:pic>
+      <p:sp>
+        <p:nvSpPr>
+          <p:cNvPr id="7" name="Flecha: en U 6">
+            <a:extLst>
+              <a:ext uri="{FF2B5EF4-FFF2-40B4-BE49-F238E27FC236}">
+                <a16:creationId xmlns:a16="http://schemas.microsoft.com/office/drawing/2014/main" id="{F5F935F0-4E2A-B9DC-3C3D-B616D5858440}"/>
+              </a:ext>
+            </a:extLst>
+          </p:cNvPr>
+          <p:cNvSpPr/>
+          <p:nvPr/>
+        </p:nvSpPr>
+        <p:spPr>
+          <a:xfrm rot="16200000" flipH="1">
+            <a:off x="-290280" y="3238229"/>
+            <a:ext cx="1291327" cy="429543"/>
+          </a:xfrm>
+          <a:prstGeom prst="uturnArrow">
+            <a:avLst/>
+          </a:prstGeom>
+        </p:spPr>
+        <p:style>
+          <a:lnRef idx="2">
+            <a:schemeClr val="accent1">
+              <a:shade val="15000"/>
+            </a:schemeClr>
+          </a:lnRef>
+          <a:fillRef idx="1">
+            <a:schemeClr val="accent1"/>
+          </a:fillRef>
+          <a:effectRef idx="0">
+            <a:schemeClr val="accent1"/>
+          </a:effectRef>
+          <a:fontRef idx="minor">
+            <a:schemeClr val="lt1"/>
+          </a:fontRef>
+        </p:style>
+        <p:txBody>
+          <a:bodyPr rtlCol="0" anchor="ctr"/>
+          <a:lstStyle/>
+          <a:p>
+            <a:pPr algn="ctr"/>
+            <a:endParaRPr lang="es-ES">
+              <a:solidFill>
+                <a:schemeClr val="tx1"/>
+              </a:solidFill>
+            </a:endParaRPr>
+          </a:p>
+        </p:txBody>
+      </p:sp>
+      <p:sp>
+        <p:nvSpPr>
+          <p:cNvPr id="8" name="Flecha: doblada 7">
+            <a:extLst>
+              <a:ext uri="{FF2B5EF4-FFF2-40B4-BE49-F238E27FC236}">
+                <a16:creationId xmlns:a16="http://schemas.microsoft.com/office/drawing/2014/main" id="{DD0179D1-4BE4-1C16-5DF2-A33E3F1CA8B0}"/>
+              </a:ext>
+            </a:extLst>
+          </p:cNvPr>
+          <p:cNvSpPr/>
+          <p:nvPr/>
+        </p:nvSpPr>
+        <p:spPr>
+          <a:xfrm rot="5400000">
+            <a:off x="5900773" y="2113674"/>
+            <a:ext cx="698840" cy="688489"/>
+          </a:xfrm>
+          <a:prstGeom prst="bentArrow">
+            <a:avLst/>
+          </a:prstGeom>
+        </p:spPr>
+        <p:style>
+          <a:lnRef idx="2">
+            <a:schemeClr val="accent1">
+              <a:shade val="15000"/>
+            </a:schemeClr>
+          </a:lnRef>
+          <a:fillRef idx="1">
+            <a:schemeClr val="accent1"/>
+          </a:fillRef>
+          <a:effectRef idx="0">
+            <a:schemeClr val="accent1"/>
+          </a:effectRef>
+          <a:fontRef idx="minor">
+            <a:schemeClr val="lt1"/>
+          </a:fontRef>
+        </p:style>
+        <p:txBody>
+          <a:bodyPr rtlCol="0" anchor="ctr"/>
+          <a:lstStyle/>
+          <a:p>
+            <a:pPr algn="ctr"/>
+            <a:endParaRPr lang="es-ES" dirty="0">
+              <a:solidFill>
+                <a:schemeClr val="tx1"/>
+              </a:solidFill>
+            </a:endParaRPr>
+          </a:p>
+        </p:txBody>
+      </p:sp>
+      <p:pic>
+        <p:nvPicPr>
+          <p:cNvPr id="12" name="Imagen 11">
+            <a:extLst>
+              <a:ext uri="{FF2B5EF4-FFF2-40B4-BE49-F238E27FC236}">
+                <a16:creationId xmlns:a16="http://schemas.microsoft.com/office/drawing/2014/main" id="{679F0633-3CE4-ABF2-A4A9-A1B8440369AC}"/>
+              </a:ext>
+            </a:extLst>
+          </p:cNvPr>
+          <p:cNvPicPr>
+            <a:picLocks noChangeAspect="1"/>
+          </p:cNvPicPr>
+          <p:nvPr/>
+        </p:nvPicPr>
+        <p:blipFill>
+          <a:blip r:embed="rId3"/>
+          <a:stretch>
+            <a:fillRect/>
+          </a:stretch>
+        </p:blipFill>
+        <p:spPr>
+          <a:xfrm>
+            <a:off x="5147914" y="4118269"/>
+            <a:ext cx="3855473" cy="657317"/>
+          </a:xfrm>
+          <a:prstGeom prst="rect">
+            <a:avLst/>
+          </a:prstGeom>
+        </p:spPr>
+      </p:pic>
+      <p:pic>
+        <p:nvPicPr>
+          <p:cNvPr id="14" name="Imagen 13">
+            <a:extLst>
+              <a:ext uri="{FF2B5EF4-FFF2-40B4-BE49-F238E27FC236}">
+                <a16:creationId xmlns:a16="http://schemas.microsoft.com/office/drawing/2014/main" id="{6A9DE666-AD88-7D6F-9EC7-8D174610DD8B}"/>
+              </a:ext>
+            </a:extLst>
+          </p:cNvPr>
+          <p:cNvPicPr>
+            <a:picLocks noChangeAspect="1"/>
+          </p:cNvPicPr>
+          <p:nvPr/>
+        </p:nvPicPr>
+        <p:blipFill>
+          <a:blip r:embed="rId4"/>
+          <a:stretch>
+            <a:fillRect/>
+          </a:stretch>
+        </p:blipFill>
+        <p:spPr>
+          <a:xfrm>
+            <a:off x="5147914" y="2948105"/>
+            <a:ext cx="3855473" cy="504895"/>
+          </a:xfrm>
+          <a:prstGeom prst="rect">
+            <a:avLst/>
+          </a:prstGeom>
+        </p:spPr>
+      </p:pic>
+      <p:sp>
+        <p:nvSpPr>
+          <p:cNvPr id="15" name="Flecha: hacia abajo 14">
+            <a:extLst>
+              <a:ext uri="{FF2B5EF4-FFF2-40B4-BE49-F238E27FC236}">
+                <a16:creationId xmlns:a16="http://schemas.microsoft.com/office/drawing/2014/main" id="{B7DA6751-9CEB-3BDA-6CF7-743678CB396A}"/>
+              </a:ext>
+            </a:extLst>
+          </p:cNvPr>
+          <p:cNvSpPr/>
+          <p:nvPr/>
+        </p:nvSpPr>
+        <p:spPr>
+          <a:xfrm>
+            <a:off x="6258949" y="3499284"/>
+            <a:ext cx="429543" cy="572700"/>
+          </a:xfrm>
+          <a:prstGeom prst="downArrow">
+            <a:avLst/>
+          </a:prstGeom>
+        </p:spPr>
+        <p:style>
+          <a:lnRef idx="2">
+            <a:schemeClr val="accent1">
+              <a:shade val="15000"/>
+            </a:schemeClr>
+          </a:lnRef>
+          <a:fillRef idx="1">
+            <a:schemeClr val="accent1"/>
+          </a:fillRef>
+          <a:effectRef idx="0">
+            <a:schemeClr val="accent1"/>
+          </a:effectRef>
+          <a:fontRef idx="minor">
+            <a:schemeClr val="lt1"/>
+          </a:fontRef>
+        </p:style>
+        <p:txBody>
+          <a:bodyPr rtlCol="0" anchor="ctr"/>
+          <a:lstStyle/>
+          <a:p>
+            <a:pPr algn="ctr"/>
+            <a:endParaRPr lang="es-ES"/>
+          </a:p>
+        </p:txBody>
+      </p:sp>
+    </p:spTree>
+  </p:cSld>
+  <p:clrMapOvr>
+    <a:masterClrMapping/>
+  </p:clrMapOvr>
+</p:sld>
+</file>
+
 <file path=ppt/slides/slide12.xml><?xml version="1.0" encoding="utf-8"?>
 <p:sld xmlns:a="http://schemas.openxmlformats.org/drawingml/2006/main" xmlns:r="http://schemas.openxmlformats.org/officeDocument/2006/relationships" xmlns:p="http://schemas.openxmlformats.org/presentationml/2006/main">
   <p:cSld>
@@ -14618,474 +14638,6 @@
           <a:p>
             <a:r>
               <a:rPr lang="es-ES" dirty="0"/>
-              <a:t>Asignaciones del AR</a:t>
-            </a:r>
-          </a:p>
-        </p:txBody>
-      </p:sp>
-      <p:sp>
-        <p:nvSpPr>
-          <p:cNvPr id="4" name="CuadroTexto 3"/>
-          <p:cNvSpPr txBox="1"/>
-          <p:nvPr/>
-        </p:nvSpPr>
-        <p:spPr>
-          <a:xfrm>
-            <a:off x="1097508" y="1442268"/>
-            <a:ext cx="7704000" cy="2031325"/>
-          </a:xfrm>
-          <a:prstGeom prst="rect">
-            <a:avLst/>
-          </a:prstGeom>
-          <a:noFill/>
-        </p:spPr>
-        <p:txBody>
-          <a:bodyPr wrap="square">
-            <a:spAutoFit/>
-          </a:bodyPr>
-          <a:lstStyle/>
-          <a:p>
-            <a:pPr algn="l" latinLnBrk="1">
-              <a:buClr>
-                <a:srgbClr val="FF0000"/>
-              </a:buClr>
-              <a:buSzPct val="150000"/>
-            </a:pPr>
-            <a:r>
-              <a:rPr lang="en-US" b="0" i="0" dirty="0">
-                <a:solidFill>
-                  <a:srgbClr val="000000"/>
-                </a:solidFill>
-                <a:effectLst/>
-                <a:latin typeface="+mj-lt"/>
-              </a:rPr>
-              <a:t>Se </a:t>
-            </a:r>
-            <a:r>
-              <a:rPr lang="en-US" b="0" i="0" dirty="0" err="1">
-                <a:solidFill>
-                  <a:srgbClr val="000000"/>
-                </a:solidFill>
-                <a:effectLst/>
-                <a:latin typeface="+mj-lt"/>
-              </a:rPr>
-              <a:t>intentó</a:t>
-            </a:r>
-            <a:r>
-              <a:rPr lang="en-US" b="0" i="0" dirty="0">
-                <a:solidFill>
-                  <a:srgbClr val="000000"/>
-                </a:solidFill>
-                <a:effectLst/>
-                <a:latin typeface="+mj-lt"/>
-              </a:rPr>
-              <a:t> </a:t>
-            </a:r>
-            <a:r>
-              <a:rPr lang="en-US" b="0" i="0" dirty="0" err="1">
-                <a:solidFill>
-                  <a:srgbClr val="000000"/>
-                </a:solidFill>
-                <a:effectLst/>
-                <a:latin typeface="+mj-lt"/>
-              </a:rPr>
-              <a:t>forzar</a:t>
-            </a:r>
-            <a:r>
-              <a:rPr lang="en-US" b="0" i="0" dirty="0">
-                <a:solidFill>
-                  <a:srgbClr val="000000"/>
-                </a:solidFill>
-                <a:effectLst/>
-                <a:latin typeface="+mj-lt"/>
-              </a:rPr>
-              <a:t> las </a:t>
-            </a:r>
-            <a:r>
-              <a:rPr lang="en-US" b="0" i="0" dirty="0" err="1">
-                <a:solidFill>
-                  <a:srgbClr val="000000"/>
-                </a:solidFill>
-                <a:effectLst/>
-                <a:latin typeface="+mj-lt"/>
-              </a:rPr>
-              <a:t>reglas</a:t>
-            </a:r>
-            <a:r>
-              <a:rPr lang="en-US" b="0" i="0" dirty="0">
-                <a:solidFill>
-                  <a:srgbClr val="000000"/>
-                </a:solidFill>
-                <a:effectLst/>
-                <a:latin typeface="+mj-lt"/>
-              </a:rPr>
-              <a:t> para Exited=1 con </a:t>
-            </a:r>
-            <a:r>
-              <a:rPr lang="en-US" b="0" i="0" dirty="0" err="1">
-                <a:solidFill>
-                  <a:srgbClr val="000000"/>
-                </a:solidFill>
-                <a:effectLst/>
-                <a:latin typeface="+mj-lt"/>
-              </a:rPr>
-              <a:t>confianza</a:t>
-            </a:r>
-            <a:r>
-              <a:rPr lang="en-US" b="0" i="0" dirty="0">
-                <a:solidFill>
-                  <a:srgbClr val="000000"/>
-                </a:solidFill>
-                <a:effectLst/>
-                <a:latin typeface="+mj-lt"/>
-              </a:rPr>
-              <a:t> minima de 0.5</a:t>
-            </a:r>
-          </a:p>
-          <a:p>
-            <a:pPr marL="285750" indent="-285750" algn="l" latinLnBrk="1">
-              <a:buClr>
-                <a:srgbClr val="FF0000"/>
-              </a:buClr>
-              <a:buSzPct val="150000"/>
-              <a:buFont typeface="Arial" panose="020B0604020202020204" pitchFamily="34" charset="0"/>
-              <a:buChar char="×"/>
-            </a:pPr>
-            <a:r>
-              <a:rPr lang="en-US" dirty="0">
-                <a:latin typeface="+mj-lt"/>
-              </a:rPr>
-              <a:t>Los </a:t>
-            </a:r>
-            <a:r>
-              <a:rPr lang="en-US" dirty="0" err="1">
-                <a:latin typeface="+mj-lt"/>
-              </a:rPr>
-              <a:t>resultados</a:t>
-            </a:r>
-            <a:r>
-              <a:rPr lang="en-US" dirty="0">
-                <a:latin typeface="+mj-lt"/>
-              </a:rPr>
-              <a:t> no </a:t>
-            </a:r>
-            <a:r>
-              <a:rPr lang="en-US" dirty="0" err="1">
-                <a:latin typeface="+mj-lt"/>
-              </a:rPr>
-              <a:t>mejoraban</a:t>
-            </a:r>
-            <a:r>
-              <a:rPr lang="en-US" dirty="0">
-                <a:latin typeface="+mj-lt"/>
-              </a:rPr>
-              <a:t> </a:t>
-            </a:r>
-            <a:r>
-              <a:rPr lang="en-US" dirty="0" err="1">
-                <a:latin typeface="+mj-lt"/>
-              </a:rPr>
-              <a:t>el</a:t>
-            </a:r>
-            <a:r>
-              <a:rPr lang="en-US" dirty="0">
-                <a:latin typeface="+mj-lt"/>
-              </a:rPr>
-              <a:t> </a:t>
-            </a:r>
-            <a:r>
-              <a:rPr lang="en-US" dirty="0" err="1">
-                <a:latin typeface="+mj-lt"/>
-              </a:rPr>
-              <a:t>modelo</a:t>
-            </a:r>
-            <a:r>
-              <a:rPr lang="en-US" dirty="0">
-                <a:latin typeface="+mj-lt"/>
-              </a:rPr>
-              <a:t> sin </a:t>
-            </a:r>
-            <a:r>
-              <a:rPr lang="en-US" dirty="0" err="1">
-                <a:latin typeface="+mj-lt"/>
-              </a:rPr>
-              <a:t>forzar</a:t>
-            </a:r>
-            <a:endParaRPr lang="en-US" dirty="0">
-              <a:latin typeface="+mj-lt"/>
-            </a:endParaRPr>
-          </a:p>
-          <a:p>
-            <a:pPr marL="285750" indent="-285750" algn="l" latinLnBrk="1">
-              <a:buClr>
-                <a:srgbClr val="FF0000"/>
-              </a:buClr>
-              <a:buSzPct val="150000"/>
-              <a:buFont typeface="Arial" panose="020B0604020202020204" pitchFamily="34" charset="0"/>
-              <a:buChar char="×"/>
-            </a:pPr>
-            <a:endParaRPr lang="en-US" dirty="0">
-              <a:latin typeface="+mj-lt"/>
-            </a:endParaRPr>
-          </a:p>
-          <a:p>
-            <a:pPr latinLnBrk="1">
-              <a:buClr>
-                <a:srgbClr val="FF0000"/>
-              </a:buClr>
-              <a:buSzPct val="150000"/>
-            </a:pPr>
-            <a:r>
-              <a:rPr lang="en-US" dirty="0">
-                <a:latin typeface="+mj-lt"/>
-              </a:rPr>
-              <a:t>Se </a:t>
-            </a:r>
-            <a:r>
-              <a:rPr lang="en-US" dirty="0" err="1">
-                <a:latin typeface="+mj-lt"/>
-              </a:rPr>
-              <a:t>intentó</a:t>
-            </a:r>
-            <a:r>
-              <a:rPr lang="en-US" dirty="0">
-                <a:latin typeface="+mj-lt"/>
-              </a:rPr>
-              <a:t> </a:t>
-            </a:r>
-            <a:r>
-              <a:rPr lang="en-US" dirty="0" err="1">
-                <a:latin typeface="+mj-lt"/>
-              </a:rPr>
-              <a:t>forzar</a:t>
-            </a:r>
-            <a:r>
-              <a:rPr lang="en-US" dirty="0">
-                <a:latin typeface="+mj-lt"/>
-              </a:rPr>
-              <a:t> las </a:t>
-            </a:r>
-            <a:r>
-              <a:rPr lang="en-US" dirty="0" err="1">
-                <a:latin typeface="+mj-lt"/>
-              </a:rPr>
-              <a:t>reglas</a:t>
-            </a:r>
-            <a:r>
-              <a:rPr lang="en-US" dirty="0">
-                <a:latin typeface="+mj-lt"/>
-              </a:rPr>
-              <a:t> para Exited=0 con </a:t>
-            </a:r>
-            <a:r>
-              <a:rPr lang="en-US" dirty="0" err="1">
-                <a:latin typeface="+mj-lt"/>
-              </a:rPr>
-              <a:t>confianza</a:t>
-            </a:r>
-            <a:r>
-              <a:rPr lang="en-US" dirty="0">
-                <a:latin typeface="+mj-lt"/>
-              </a:rPr>
-              <a:t> de 1</a:t>
-            </a:r>
-          </a:p>
-          <a:p>
-            <a:pPr marL="285750" indent="-285750" latinLnBrk="1">
-              <a:buClr>
-                <a:srgbClr val="FF0000"/>
-              </a:buClr>
-              <a:buSzPct val="150000"/>
-              <a:buFont typeface="Arial" panose="020B0604020202020204" pitchFamily="34" charset="0"/>
-              <a:buChar char="×"/>
-            </a:pPr>
-            <a:r>
-              <a:rPr lang="en-US" dirty="0">
-                <a:latin typeface="+mj-lt"/>
-              </a:rPr>
-              <a:t>Los </a:t>
-            </a:r>
-            <a:r>
-              <a:rPr lang="en-US" dirty="0" err="1">
-                <a:latin typeface="+mj-lt"/>
-              </a:rPr>
-              <a:t>resultados</a:t>
-            </a:r>
-            <a:r>
-              <a:rPr lang="en-US" dirty="0">
-                <a:latin typeface="+mj-lt"/>
-              </a:rPr>
-              <a:t> no </a:t>
-            </a:r>
-            <a:r>
-              <a:rPr lang="en-US" dirty="0" err="1">
-                <a:latin typeface="+mj-lt"/>
-              </a:rPr>
-              <a:t>mejoraban</a:t>
-            </a:r>
-            <a:r>
-              <a:rPr lang="en-US" dirty="0">
-                <a:latin typeface="+mj-lt"/>
-              </a:rPr>
-              <a:t> </a:t>
-            </a:r>
-            <a:r>
-              <a:rPr lang="en-US" dirty="0" err="1">
-                <a:latin typeface="+mj-lt"/>
-              </a:rPr>
-              <a:t>el</a:t>
-            </a:r>
-            <a:r>
-              <a:rPr lang="en-US" dirty="0">
-                <a:latin typeface="+mj-lt"/>
-              </a:rPr>
-              <a:t> </a:t>
-            </a:r>
-            <a:r>
-              <a:rPr lang="en-US" dirty="0" err="1">
-                <a:latin typeface="+mj-lt"/>
-              </a:rPr>
-              <a:t>modelo</a:t>
-            </a:r>
-            <a:r>
-              <a:rPr lang="en-US" dirty="0">
-                <a:latin typeface="+mj-lt"/>
-              </a:rPr>
-              <a:t> sin </a:t>
-            </a:r>
-            <a:r>
-              <a:rPr lang="en-US" dirty="0" err="1">
-                <a:latin typeface="+mj-lt"/>
-              </a:rPr>
-              <a:t>forzar</a:t>
-            </a:r>
-            <a:endParaRPr lang="en-US" dirty="0">
-              <a:latin typeface="+mj-lt"/>
-            </a:endParaRPr>
-          </a:p>
-          <a:p>
-            <a:pPr marL="285750" indent="-285750" algn="l" latinLnBrk="1">
-              <a:buClr>
-                <a:srgbClr val="FF0000"/>
-              </a:buClr>
-              <a:buSzPct val="150000"/>
-              <a:buFont typeface="Arial" panose="020B0604020202020204" pitchFamily="34" charset="0"/>
-              <a:buChar char="×"/>
-            </a:pPr>
-            <a:endParaRPr lang="en-US" dirty="0">
-              <a:latin typeface="+mj-lt"/>
-            </a:endParaRPr>
-          </a:p>
-          <a:p>
-            <a:pPr latinLnBrk="1">
-              <a:buClr>
-                <a:srgbClr val="FF0000"/>
-              </a:buClr>
-              <a:buSzPct val="150000"/>
-            </a:pPr>
-            <a:r>
-              <a:rPr lang="es-ES" b="0" i="0" dirty="0">
-                <a:solidFill>
-                  <a:srgbClr val="000000"/>
-                </a:solidFill>
-                <a:effectLst/>
-                <a:latin typeface="+mj-lt"/>
-              </a:rPr>
-              <a:t>Se intentó forzar las reglas para ambos </a:t>
-            </a:r>
-            <a:r>
-              <a:rPr lang="es-ES" b="0" i="0" dirty="0" err="1">
-                <a:solidFill>
-                  <a:srgbClr val="000000"/>
-                </a:solidFill>
-                <a:effectLst/>
-                <a:latin typeface="+mj-lt"/>
-              </a:rPr>
-              <a:t>Exited</a:t>
-            </a:r>
-            <a:r>
-              <a:rPr lang="es-ES" b="0" i="0" dirty="0">
-                <a:solidFill>
-                  <a:srgbClr val="000000"/>
-                </a:solidFill>
-                <a:effectLst/>
-                <a:latin typeface="+mj-lt"/>
-              </a:rPr>
-              <a:t> a la vez</a:t>
-            </a:r>
-          </a:p>
-          <a:p>
-            <a:pPr marL="285750" indent="-285750" latinLnBrk="1">
-              <a:buClr>
-                <a:srgbClr val="FF0000"/>
-              </a:buClr>
-              <a:buSzPct val="150000"/>
-              <a:buFont typeface="Arial" panose="020B0604020202020204" pitchFamily="34" charset="0"/>
-              <a:buChar char="×"/>
-            </a:pPr>
-            <a:r>
-              <a:rPr lang="es-ES" dirty="0">
-                <a:latin typeface="+mj-lt"/>
-              </a:rPr>
-              <a:t>Los resultados no mejoraban el modelo sin forzar</a:t>
-            </a:r>
-          </a:p>
-          <a:p>
-            <a:pPr algn="l" latinLnBrk="1">
-              <a:buNone/>
-            </a:pPr>
-            <a:endParaRPr lang="en-US" b="0" i="0" dirty="0">
-              <a:solidFill>
-                <a:srgbClr val="000000"/>
-              </a:solidFill>
-              <a:effectLst/>
-              <a:latin typeface="Lucida Console" panose="020B0609040504020204" pitchFamily="49" charset="0"/>
-            </a:endParaRPr>
-          </a:p>
-        </p:txBody>
-      </p:sp>
-    </p:spTree>
-  </p:cSld>
-  <p:clrMapOvr>
-    <a:masterClrMapping/>
-  </p:clrMapOvr>
-</p:sld>
-</file>
-
-<file path=ppt/slides/slide13.xml><?xml version="1.0" encoding="utf-8"?>
-<p:sld xmlns:a="http://schemas.openxmlformats.org/drawingml/2006/main" xmlns:r="http://schemas.openxmlformats.org/officeDocument/2006/relationships" xmlns:p="http://schemas.openxmlformats.org/presentationml/2006/main">
-  <p:cSld>
-    <p:spTree>
-      <p:nvGrpSpPr>
-        <p:cNvPr id="1" name=""/>
-        <p:cNvGrpSpPr/>
-        <p:nvPr/>
-      </p:nvGrpSpPr>
-      <p:grpSpPr>
-        <a:xfrm>
-          <a:off x="0" y="0"/>
-          <a:ext cx="0" cy="0"/>
-          <a:chOff x="0" y="0"/>
-          <a:chExt cx="0" cy="0"/>
-        </a:xfrm>
-      </p:grpSpPr>
-      <p:sp>
-        <p:nvSpPr>
-          <p:cNvPr id="2" name="Título 1"/>
-          <p:cNvSpPr>
-            <a:spLocks noGrp="1"/>
-          </p:cNvSpPr>
-          <p:nvPr>
-            <p:ph type="title"/>
-          </p:nvPr>
-        </p:nvSpPr>
-        <p:spPr/>
-        <p:txBody>
-          <a:bodyPr/>
-          <a:lstStyle/>
-          <a:p>
-            <a:r>
-              <a:rPr lang="es-ES" dirty="0"/>
               <a:t>Mejores modelos i métodos</a:t>
             </a:r>
           </a:p>
@@ -15192,7 +14744,7 @@
 </p:sld>
 </file>
 
-<file path=ppt/slides/slide14.xml><?xml version="1.0" encoding="utf-8"?>
+<file path=ppt/slides/slide13.xml><?xml version="1.0" encoding="utf-8"?>
 <p:sld xmlns:a="http://schemas.openxmlformats.org/drawingml/2006/main" xmlns:r="http://schemas.openxmlformats.org/officeDocument/2006/relationships" xmlns:p="http://schemas.openxmlformats.org/presentationml/2006/main">
   <p:cSld>
     <p:spTree>
@@ -15237,8 +14789,8 @@
           <a:lstStyle/>
           <a:p>
             <a:r>
-              <a:rPr lang="es-ES" dirty="0" err="1"/>
-              <a:t>Concluciones</a:t>
+              <a:rPr lang="es-ES" dirty="0"/>
+              <a:t>Conclusiones</a:t>
             </a:r>
           </a:p>
         </p:txBody>
@@ -16317,149 +15869,6 @@
 </file>
 
 <file path=ppt/slides/slide4.xml><?xml version="1.0" encoding="utf-8"?>
-<p:sld xmlns:a="http://schemas.openxmlformats.org/drawingml/2006/main" xmlns:r="http://schemas.openxmlformats.org/officeDocument/2006/relationships" xmlns:p="http://schemas.openxmlformats.org/presentationml/2006/main">
-  <p:cSld>
-    <p:spTree>
-      <p:nvGrpSpPr>
-        <p:cNvPr id="1" name=""/>
-        <p:cNvGrpSpPr/>
-        <p:nvPr/>
-      </p:nvGrpSpPr>
-      <p:grpSpPr>
-        <a:xfrm>
-          <a:off x="0" y="0"/>
-          <a:ext cx="0" cy="0"/>
-          <a:chOff x="0" y="0"/>
-          <a:chExt cx="0" cy="0"/>
-        </a:xfrm>
-      </p:grpSpPr>
-      <p:sp>
-        <p:nvSpPr>
-          <p:cNvPr id="2" name="Título 1">
-            <a:extLst>
-              <a:ext uri="{FF2B5EF4-FFF2-40B4-BE49-F238E27FC236}">
-                <a16:creationId xmlns:a16="http://schemas.microsoft.com/office/drawing/2014/main" id="{7664BEB2-C413-4788-F1F1-D853AAD647A2}"/>
-              </a:ext>
-            </a:extLst>
-          </p:cNvPr>
-          <p:cNvSpPr>
-            <a:spLocks noGrp="1"/>
-          </p:cNvSpPr>
-          <p:nvPr>
-            <p:ph type="title"/>
-          </p:nvPr>
-        </p:nvSpPr>
-        <p:spPr>
-          <a:xfrm>
-            <a:off x="-139849" y="539500"/>
-            <a:ext cx="9789457" cy="572700"/>
-          </a:xfrm>
-        </p:spPr>
-        <p:txBody>
-          <a:bodyPr/>
-          <a:lstStyle/>
-          <a:p>
-            <a:r>
-              <a:rPr lang="es-ES" sz="2400" dirty="0"/>
-              <a:t>Actualizaciones en el ADVANCED PREPROCESSING </a:t>
-            </a:r>
-            <a:endParaRPr lang="ca-ES" sz="2400" dirty="0"/>
-          </a:p>
-        </p:txBody>
-      </p:sp>
-      <p:sp>
-        <p:nvSpPr>
-          <p:cNvPr id="3" name="CuadroTexto 2">
-            <a:extLst>
-              <a:ext uri="{FF2B5EF4-FFF2-40B4-BE49-F238E27FC236}">
-                <a16:creationId xmlns:a16="http://schemas.microsoft.com/office/drawing/2014/main" id="{489A5488-CC41-AE3C-B15B-DDD529EAA282}"/>
-              </a:ext>
-            </a:extLst>
-          </p:cNvPr>
-          <p:cNvSpPr txBox="1"/>
-          <p:nvPr/>
-        </p:nvSpPr>
-        <p:spPr>
-          <a:xfrm>
-            <a:off x="666974" y="1204856"/>
-            <a:ext cx="7928386" cy="738664"/>
-          </a:xfrm>
-          <a:prstGeom prst="rect">
-            <a:avLst/>
-          </a:prstGeom>
-          <a:noFill/>
-        </p:spPr>
-        <p:txBody>
-          <a:bodyPr wrap="square" rtlCol="0">
-            <a:spAutoFit/>
-          </a:bodyPr>
-          <a:lstStyle/>
-          <a:p>
-            <a:pPr marL="285750" indent="-285750">
-              <a:buFont typeface="Arial" panose="020B0604020202020204" pitchFamily="34" charset="0"/>
-              <a:buChar char="•"/>
-            </a:pPr>
-            <a:r>
-              <a:rPr lang="ca-ES" dirty="0" err="1"/>
-              <a:t>Revisión</a:t>
-            </a:r>
-            <a:r>
-              <a:rPr lang="ca-ES" dirty="0"/>
-              <a:t> de valores </a:t>
-            </a:r>
-            <a:r>
-              <a:rPr lang="ca-ES" dirty="0" err="1"/>
-              <a:t>duplicados</a:t>
-            </a:r>
-            <a:r>
-              <a:rPr lang="ca-ES" dirty="0"/>
-              <a:t> =&gt; NO HAY</a:t>
-            </a:r>
-          </a:p>
-          <a:p>
-            <a:pPr marL="285750" indent="-285750">
-              <a:buFont typeface="Arial" panose="020B0604020202020204" pitchFamily="34" charset="0"/>
-              <a:buChar char="•"/>
-            </a:pPr>
-            <a:r>
-              <a:rPr lang="ca-ES" dirty="0" err="1"/>
-              <a:t>Outliers</a:t>
-            </a:r>
-            <a:r>
-              <a:rPr lang="ca-ES" dirty="0"/>
-              <a:t>: MISMA ESTRATEGIA</a:t>
-            </a:r>
-          </a:p>
-          <a:p>
-            <a:pPr marL="285750" indent="-285750">
-              <a:buFont typeface="Arial" panose="020B0604020202020204" pitchFamily="34" charset="0"/>
-              <a:buChar char="•"/>
-            </a:pPr>
-            <a:r>
-              <a:rPr lang="ca-ES" dirty="0" err="1"/>
-              <a:t>Missings</a:t>
-            </a:r>
-            <a:r>
-              <a:rPr lang="ca-ES" dirty="0"/>
-              <a:t>: MANTENEMOS MICE</a:t>
-            </a:r>
-          </a:p>
-        </p:txBody>
-      </p:sp>
-    </p:spTree>
-    <p:extLst>
-      <p:ext uri="{BB962C8B-B14F-4D97-AF65-F5344CB8AC3E}">
-        <p14:creationId xmlns:p14="http://schemas.microsoft.com/office/powerpoint/2010/main" val="2064685130"/>
-      </p:ext>
-    </p:extLst>
-  </p:cSld>
-  <p:clrMapOvr>
-    <a:masterClrMapping/>
-  </p:clrMapOvr>
-</p:sld>
-</file>
-
-<file path=ppt/slides/slide5.xml><?xml version="1.0" encoding="utf-8"?>
 <p:sld xmlns:a="http://schemas.openxmlformats.org/drawingml/2006/main" xmlns:r="http://schemas.openxmlformats.org/officeDocument/2006/relationships" xmlns:p="http://schemas.openxmlformats.org/presentationml/2006/main">
   <p:cSld>
     <p:spTree>
@@ -17404,7 +16813,7 @@
         <p:spPr>
           <a:xfrm>
             <a:off x="290456" y="2767951"/>
-            <a:ext cx="2657846" cy="1664200"/>
+            <a:ext cx="2657846" cy="1603205"/>
           </a:xfrm>
           <a:prstGeom prst="rect">
             <a:avLst/>
@@ -18177,7 +17586,7 @@
         <p:spPr>
           <a:xfrm>
             <a:off x="3251101" y="2804444"/>
-            <a:ext cx="2418396" cy="1862342"/>
+            <a:ext cx="2418396" cy="1692725"/>
           </a:xfrm>
           <a:prstGeom prst="rect">
             <a:avLst/>
@@ -18754,6 +18163,61 @@
           </a:p>
         </p:txBody>
       </p:sp>
+      <p:sp>
+        <p:nvSpPr>
+          <p:cNvPr id="3" name="CuadroTexto 2">
+            <a:extLst>
+              <a:ext uri="{FF2B5EF4-FFF2-40B4-BE49-F238E27FC236}">
+                <a16:creationId xmlns:a16="http://schemas.microsoft.com/office/drawing/2014/main" id="{12AFA6A3-0CFF-D941-9D7E-9D3511DEDB45}"/>
+              </a:ext>
+            </a:extLst>
+          </p:cNvPr>
+          <p:cNvSpPr txBox="1"/>
+          <p:nvPr/>
+        </p:nvSpPr>
+        <p:spPr>
+          <a:xfrm>
+            <a:off x="290456" y="4681208"/>
+            <a:ext cx="5379041" cy="307777"/>
+          </a:xfrm>
+          <a:prstGeom prst="rect">
+            <a:avLst/>
+          </a:prstGeom>
+          <a:solidFill>
+            <a:srgbClr val="FFCCCC"/>
+          </a:solidFill>
+        </p:spPr>
+        <p:style>
+          <a:lnRef idx="1">
+            <a:schemeClr val="accent1"/>
+          </a:lnRef>
+          <a:fillRef idx="3">
+            <a:schemeClr val="accent1"/>
+          </a:fillRef>
+          <a:effectRef idx="2">
+            <a:schemeClr val="accent1"/>
+          </a:effectRef>
+          <a:fontRef idx="minor">
+            <a:schemeClr val="lt1"/>
+          </a:fontRef>
+        </p:style>
+        <p:txBody>
+          <a:bodyPr wrap="square" rtlCol="0">
+            <a:spAutoFit/>
+          </a:bodyPr>
+          <a:lstStyle/>
+          <a:p>
+            <a:r>
+              <a:rPr lang="es-ES" b="1" dirty="0">
+                <a:solidFill>
+                  <a:schemeClr val="tx1"/>
+                </a:solidFill>
+              </a:rPr>
+              <a:t>La ingeniería de variables varia dependiendo del modelo</a:t>
+            </a:r>
+          </a:p>
+        </p:txBody>
+      </p:sp>
     </p:spTree>
   </p:cSld>
   <p:clrMapOvr>
@@ -18762,7 +18226,7 @@
 </p:sld>
 </file>
 
-<file path=ppt/slides/slide6.xml><?xml version="1.0" encoding="utf-8"?>
+<file path=ppt/slides/slide5.xml><?xml version="1.0" encoding="utf-8"?>
 <p:sld xmlns:a="http://schemas.openxmlformats.org/drawingml/2006/main" xmlns:r="http://schemas.openxmlformats.org/officeDocument/2006/relationships" xmlns:p="http://schemas.openxmlformats.org/presentationml/2006/main">
   <p:cSld>
     <p:spTree>
@@ -19700,7 +19164,7 @@
 </p:sld>
 </file>
 
-<file path=ppt/slides/slide7.xml><?xml version="1.0" encoding="utf-8"?>
+<file path=ppt/slides/slide6.xml><?xml version="1.0" encoding="utf-8"?>
 <p:sld xmlns:a="http://schemas.openxmlformats.org/drawingml/2006/main" xmlns:r="http://schemas.openxmlformats.org/officeDocument/2006/relationships" xmlns:p="http://schemas.openxmlformats.org/presentationml/2006/main">
   <p:cSld>
     <p:spTree>
@@ -20063,7 +19527,7 @@
 </p:sld>
 </file>
 
-<file path=ppt/slides/slide8.xml><?xml version="1.0" encoding="utf-8"?>
+<file path=ppt/slides/slide7.xml><?xml version="1.0" encoding="utf-8"?>
 <p:sld xmlns:a="http://schemas.openxmlformats.org/drawingml/2006/main" xmlns:r="http://schemas.openxmlformats.org/officeDocument/2006/relationships" xmlns:p="http://schemas.openxmlformats.org/presentationml/2006/main">
   <p:cSld>
     <p:spTree>
@@ -20621,7 +20085,7 @@
 </p:sld>
 </file>
 
-<file path=ppt/slides/slide9.xml><?xml version="1.0" encoding="utf-8"?>
+<file path=ppt/slides/slide8.xml><?xml version="1.0" encoding="utf-8"?>
 <p:sld xmlns:a="http://schemas.openxmlformats.org/drawingml/2006/main" xmlns:r="http://schemas.openxmlformats.org/officeDocument/2006/relationships" xmlns:p="http://schemas.openxmlformats.org/presentationml/2006/main">
   <p:cSld>
     <p:spTree>
@@ -21128,6 +20592,707 @@
         </p:txBody>
       </p:sp>
     </p:spTree>
+  </p:cSld>
+  <p:clrMapOvr>
+    <a:masterClrMapping/>
+  </p:clrMapOvr>
+</p:sld>
+</file>
+
+<file path=ppt/slides/slide9.xml><?xml version="1.0" encoding="utf-8"?>
+<p:sld xmlns:a="http://schemas.openxmlformats.org/drawingml/2006/main" xmlns:r="http://schemas.openxmlformats.org/officeDocument/2006/relationships" xmlns:p="http://schemas.openxmlformats.org/presentationml/2006/main">
+  <p:cSld>
+    <p:spTree>
+      <p:nvGrpSpPr>
+        <p:cNvPr id="1" name=""/>
+        <p:cNvGrpSpPr/>
+        <p:nvPr/>
+      </p:nvGrpSpPr>
+      <p:grpSpPr>
+        <a:xfrm>
+          <a:off x="0" y="0"/>
+          <a:ext cx="0" cy="0"/>
+          <a:chOff x="0" y="0"/>
+          <a:chExt cx="0" cy="0"/>
+        </a:xfrm>
+      </p:grpSpPr>
+      <p:sp>
+        <p:nvSpPr>
+          <p:cNvPr id="2" name="Título 1"/>
+          <p:cNvSpPr>
+            <a:spLocks noGrp="1"/>
+          </p:cNvSpPr>
+          <p:nvPr>
+            <p:ph type="title"/>
+          </p:nvPr>
+        </p:nvSpPr>
+        <p:spPr/>
+        <p:txBody>
+          <a:bodyPr/>
+          <a:lstStyle/>
+          <a:p>
+            <a:r>
+              <a:rPr lang="es-ES" dirty="0"/>
+              <a:t>GLM</a:t>
+            </a:r>
+          </a:p>
+        </p:txBody>
+      </p:sp>
+      <p:sp>
+        <p:nvSpPr>
+          <p:cNvPr id="4" name="CuadroTexto 3"/>
+          <p:cNvSpPr txBox="1"/>
+          <p:nvPr/>
+        </p:nvSpPr>
+        <p:spPr>
+          <a:xfrm>
+            <a:off x="857693" y="1112200"/>
+            <a:ext cx="7896445" cy="2893100"/>
+          </a:xfrm>
+          <a:prstGeom prst="rect">
+            <a:avLst/>
+          </a:prstGeom>
+          <a:noFill/>
+        </p:spPr>
+        <p:txBody>
+          <a:bodyPr wrap="square">
+            <a:spAutoFit/>
+          </a:bodyPr>
+          <a:lstStyle/>
+          <a:p>
+            <a:pPr marL="285750" indent="-285750">
+              <a:buClr>
+                <a:srgbClr val="00B050"/>
+              </a:buClr>
+              <a:buSzPct val="150000"/>
+              <a:buFont typeface="Wingdings" panose="05000000000000000000" pitchFamily="2" charset="2"/>
+              <a:buChar char="ü"/>
+            </a:pPr>
+            <a:r>
+              <a:rPr lang="es-ES" dirty="0"/>
+              <a:t>Se ha probado 4 enlaces: </a:t>
+            </a:r>
+            <a:r>
+              <a:rPr lang="es-ES" dirty="0" err="1"/>
+              <a:t>logit</a:t>
+            </a:r>
+            <a:r>
+              <a:rPr lang="es-ES" dirty="0"/>
+              <a:t>, </a:t>
+            </a:r>
+            <a:r>
+              <a:rPr lang="es-ES" dirty="0" err="1"/>
+              <a:t>probit</a:t>
+            </a:r>
+            <a:r>
+              <a:rPr lang="es-ES" dirty="0"/>
+              <a:t>, </a:t>
+            </a:r>
+            <a:r>
+              <a:rPr lang="es-ES" dirty="0" err="1"/>
+              <a:t>cloglog</a:t>
+            </a:r>
+            <a:r>
+              <a:rPr lang="es-ES" dirty="0"/>
+              <a:t> y </a:t>
+            </a:r>
+            <a:r>
+              <a:rPr lang="es-ES" dirty="0" err="1"/>
+              <a:t>cauchy</a:t>
+            </a:r>
+            <a:r>
+              <a:rPr lang="es-ES" dirty="0"/>
+              <a:t>.              No </a:t>
+            </a:r>
+            <a:r>
+              <a:rPr lang="es-ES" dirty="0" err="1"/>
+              <a:t>much</a:t>
+            </a:r>
+            <a:r>
+              <a:rPr lang="es-ES" dirty="0"/>
+              <a:t> </a:t>
+            </a:r>
+            <a:r>
+              <a:rPr lang="es-ES" dirty="0" err="1"/>
+              <a:t>difference</a:t>
+            </a:r>
+            <a:endParaRPr lang="es-ES" dirty="0"/>
+          </a:p>
+          <a:p>
+            <a:pPr marL="285750" indent="-285750">
+              <a:buClr>
+                <a:srgbClr val="00B050"/>
+              </a:buClr>
+              <a:buSzPct val="150000"/>
+              <a:buFont typeface="Wingdings" panose="05000000000000000000" pitchFamily="2" charset="2"/>
+              <a:buChar char="ü"/>
+            </a:pPr>
+            <a:r>
+              <a:rPr lang="es-ES" dirty="0"/>
+              <a:t>Se decidió quedarse con el </a:t>
+            </a:r>
+            <a:r>
+              <a:rPr lang="es-ES" b="1" dirty="0" err="1"/>
+              <a:t>probit</a:t>
+            </a:r>
+            <a:r>
+              <a:rPr lang="es-ES" b="1" dirty="0"/>
+              <a:t>.              Ligero aumento en </a:t>
+            </a:r>
+            <a:r>
+              <a:rPr lang="es-ES" b="1" dirty="0" err="1"/>
+              <a:t>recall</a:t>
+            </a:r>
+            <a:r>
+              <a:rPr lang="es-ES" b="1" dirty="0"/>
+              <a:t>.</a:t>
+            </a:r>
+          </a:p>
+          <a:p>
+            <a:pPr marL="285750" indent="-285750">
+              <a:buClr>
+                <a:srgbClr val="FF0000"/>
+              </a:buClr>
+              <a:buSzPct val="150000"/>
+              <a:buFont typeface="Arial" panose="020B0604020202020204" pitchFamily="34" charset="0"/>
+              <a:buChar char="×"/>
+            </a:pPr>
+            <a:r>
+              <a:rPr lang="es-ES" dirty="0"/>
+              <a:t>Data </a:t>
+            </a:r>
+            <a:r>
+              <a:rPr lang="es-ES" dirty="0" err="1"/>
+              <a:t>reducido_plus</a:t>
+            </a:r>
+            <a:r>
+              <a:rPr lang="es-ES" dirty="0"/>
+              <a:t>               Peor</a:t>
+            </a:r>
+          </a:p>
+          <a:p>
+            <a:pPr marL="285750" indent="-285750">
+              <a:buClr>
+                <a:srgbClr val="00B050"/>
+              </a:buClr>
+              <a:buSzPct val="150000"/>
+              <a:buFont typeface="Wingdings" panose="05000000000000000000" pitchFamily="2" charset="2"/>
+              <a:buChar char="ü"/>
+            </a:pPr>
+            <a:r>
+              <a:rPr lang="es-ES" dirty="0"/>
+              <a:t>Data reducido                 Mejores resultados.</a:t>
+            </a:r>
+          </a:p>
+          <a:p>
+            <a:pPr marL="285750" indent="-285750">
+              <a:buClr>
+                <a:srgbClr val="00B050"/>
+              </a:buClr>
+              <a:buSzPct val="150000"/>
+              <a:buFont typeface="Wingdings" panose="05000000000000000000" pitchFamily="2" charset="2"/>
+              <a:buChar char="ü"/>
+            </a:pPr>
+            <a:r>
+              <a:rPr lang="es-ES" dirty="0"/>
+              <a:t>Bootstrap i CV                 No </a:t>
+            </a:r>
+            <a:r>
+              <a:rPr lang="es-ES" dirty="0" err="1"/>
+              <a:t>difference</a:t>
+            </a:r>
+            <a:r>
+              <a:rPr lang="es-ES" dirty="0"/>
+              <a:t>.</a:t>
+            </a:r>
+          </a:p>
+          <a:p>
+            <a:pPr marL="285750" indent="-285750">
+              <a:buClr>
+                <a:srgbClr val="00B050"/>
+              </a:buClr>
+              <a:buSzPct val="150000"/>
+              <a:buFont typeface="Wingdings" panose="05000000000000000000" pitchFamily="2" charset="2"/>
+              <a:buChar char="ü"/>
+            </a:pPr>
+            <a:r>
+              <a:rPr lang="es-ES" dirty="0"/>
+              <a:t>Variable Age^2 &amp; interacción entre </a:t>
+            </a:r>
+            <a:r>
+              <a:rPr lang="es-ES" dirty="0" err="1"/>
+              <a:t>Geography:Gender</a:t>
+            </a:r>
+            <a:endParaRPr lang="es-ES" dirty="0"/>
+          </a:p>
+          <a:p>
+            <a:pPr marL="285750" indent="-285750">
+              <a:buClr>
+                <a:srgbClr val="FF0000"/>
+              </a:buClr>
+              <a:buSzPct val="150000"/>
+              <a:buFont typeface="Arial" panose="020B0604020202020204" pitchFamily="34" charset="0"/>
+              <a:buChar char="×"/>
+            </a:pPr>
+            <a:r>
+              <a:rPr lang="es-ES" dirty="0"/>
+              <a:t>Balance               F1 MUUUUUY bajo</a:t>
+            </a:r>
+          </a:p>
+          <a:p>
+            <a:pPr marL="285750" indent="-285750">
+              <a:buClr>
+                <a:srgbClr val="FF0000"/>
+              </a:buClr>
+              <a:buSzPct val="150000"/>
+              <a:buFont typeface="Arial" panose="020B0604020202020204" pitchFamily="34" charset="0"/>
+              <a:buChar char="×"/>
+            </a:pPr>
+            <a:r>
+              <a:rPr lang="es-ES" dirty="0" err="1"/>
+              <a:t>Scale</a:t>
+            </a:r>
+            <a:r>
+              <a:rPr lang="es-ES" dirty="0"/>
+              <a:t>, </a:t>
+            </a:r>
+            <a:r>
+              <a:rPr lang="es-ES" dirty="0" err="1"/>
+              <a:t>Dummys</a:t>
+            </a:r>
+            <a:r>
+              <a:rPr lang="es-ES" dirty="0"/>
+              <a:t> de las variables categóricas.               No afecta en las métricas.</a:t>
+            </a:r>
+          </a:p>
+          <a:p>
+            <a:pPr marL="285750" indent="-285750">
+              <a:buClr>
+                <a:srgbClr val="00B050"/>
+              </a:buClr>
+              <a:buSzPct val="150000"/>
+              <a:buFont typeface="Wingdings" panose="05000000000000000000" pitchFamily="2" charset="2"/>
+              <a:buChar char="ü"/>
+            </a:pPr>
+            <a:endParaRPr lang="es-ES" dirty="0"/>
+          </a:p>
+          <a:p>
+            <a:pPr>
+              <a:buClr>
+                <a:srgbClr val="00B050"/>
+              </a:buClr>
+              <a:buSzPct val="150000"/>
+            </a:pPr>
+            <a:r>
+              <a:rPr lang="es-ES" dirty="0"/>
+              <a:t>Características: </a:t>
+            </a:r>
+          </a:p>
+          <a:p>
+            <a:pPr>
+              <a:buClr>
+                <a:srgbClr val="00B050"/>
+              </a:buClr>
+              <a:buSzPct val="150000"/>
+            </a:pPr>
+            <a:endParaRPr lang="es-ES" dirty="0"/>
+          </a:p>
+          <a:p>
+            <a:pPr marL="285750" indent="-285750">
+              <a:buClr>
+                <a:srgbClr val="00B050"/>
+              </a:buClr>
+              <a:buSzPct val="150000"/>
+              <a:buFont typeface="Wingdings" panose="05000000000000000000" pitchFamily="2" charset="2"/>
+              <a:buChar char="ü"/>
+            </a:pPr>
+            <a:r>
+              <a:rPr lang="es-ES" dirty="0"/>
+              <a:t>El punto de corte óptimo es: p=0.2071429.</a:t>
+            </a:r>
+          </a:p>
+          <a:p>
+            <a:pPr marL="285750" indent="-285750">
+              <a:buClr>
+                <a:srgbClr val="00B050"/>
+              </a:buClr>
+              <a:buSzPct val="150000"/>
+              <a:buFont typeface="Wingdings" panose="05000000000000000000" pitchFamily="2" charset="2"/>
+              <a:buChar char="ü"/>
+            </a:pPr>
+            <a:r>
+              <a:rPr lang="es-ES" dirty="0"/>
+              <a:t>Métricas obtenidas: </a:t>
+            </a:r>
+            <a:endParaRPr lang="en-US" dirty="0"/>
+          </a:p>
+        </p:txBody>
+      </p:sp>
+      <p:sp>
+        <p:nvSpPr>
+          <p:cNvPr id="3" name="CuadroTexto 2"/>
+          <p:cNvSpPr txBox="1"/>
+          <p:nvPr/>
+        </p:nvSpPr>
+        <p:spPr>
+          <a:xfrm>
+            <a:off x="857693" y="4005300"/>
+            <a:ext cx="7234747" cy="738664"/>
+          </a:xfrm>
+          <a:prstGeom prst="rect">
+            <a:avLst/>
+          </a:prstGeom>
+        </p:spPr>
+        <p:style>
+          <a:lnRef idx="1">
+            <a:schemeClr val="accent2"/>
+          </a:lnRef>
+          <a:fillRef idx="2">
+            <a:schemeClr val="accent2"/>
+          </a:fillRef>
+          <a:effectRef idx="1">
+            <a:schemeClr val="accent2"/>
+          </a:effectRef>
+          <a:fontRef idx="minor">
+            <a:schemeClr val="dk1"/>
+          </a:fontRef>
+        </p:style>
+        <p:txBody>
+          <a:bodyPr wrap="square" rtlCol="0">
+            <a:spAutoFit/>
+          </a:bodyPr>
+          <a:lstStyle/>
+          <a:p>
+            <a:pPr latinLnBrk="1"/>
+            <a:r>
+              <a:rPr lang="en-US" dirty="0"/>
+              <a:t>   Dataset </a:t>
+            </a:r>
+            <a:r>
+              <a:rPr lang="en-US" dirty="0" err="1"/>
+              <a:t>Error_rate</a:t>
+            </a:r>
+            <a:r>
+              <a:rPr lang="en-US" dirty="0"/>
+              <a:t>  Accuracy    Precision   </a:t>
+            </a:r>
+            <a:r>
+              <a:rPr lang="en-US" dirty="0" err="1"/>
+              <a:t>Recall_Sensitivity</a:t>
+            </a:r>
+            <a:r>
+              <a:rPr lang="en-US" dirty="0"/>
+              <a:t>  Specificity   F1_Score</a:t>
+            </a:r>
+          </a:p>
+          <a:p>
+            <a:pPr latinLnBrk="1"/>
+            <a:r>
+              <a:rPr lang="en-US" dirty="0"/>
+              <a:t>1  Train2  0.3273469  0.6726531 0.3516373       0.6876847       0.6687259   0.4653333</a:t>
+            </a:r>
+          </a:p>
+          <a:p>
+            <a:pPr latinLnBrk="1"/>
+            <a:r>
+              <a:rPr lang="en-US" dirty="0"/>
+              <a:t>2   Test2  0.3261905  0.6738095 0.3549884       0.7034483       0.6660661   0.4718581</a:t>
+            </a:r>
+          </a:p>
+        </p:txBody>
+      </p:sp>
+      <p:sp>
+        <p:nvSpPr>
+          <p:cNvPr id="5" name="Flecha: a la derecha 6"/>
+          <p:cNvSpPr/>
+          <p:nvPr/>
+        </p:nvSpPr>
+        <p:spPr>
+          <a:xfrm>
+            <a:off x="5708030" y="1181100"/>
+            <a:ext cx="511795" cy="207028"/>
+          </a:xfrm>
+          <a:prstGeom prst="rightArrow">
+            <a:avLst/>
+          </a:prstGeom>
+        </p:spPr>
+        <p:style>
+          <a:lnRef idx="2">
+            <a:schemeClr val="accent1">
+              <a:shade val="15000"/>
+            </a:schemeClr>
+          </a:lnRef>
+          <a:fillRef idx="1">
+            <a:schemeClr val="accent1"/>
+          </a:fillRef>
+          <a:effectRef idx="0">
+            <a:schemeClr val="accent1"/>
+          </a:effectRef>
+          <a:fontRef idx="minor">
+            <a:schemeClr val="lt1"/>
+          </a:fontRef>
+        </p:style>
+        <p:txBody>
+          <a:bodyPr rtlCol="0" anchor="ctr"/>
+          <a:lstStyle/>
+          <a:p>
+            <a:pPr algn="ctr"/>
+            <a:endParaRPr lang="es-ES"/>
+          </a:p>
+        </p:txBody>
+      </p:sp>
+      <p:sp>
+        <p:nvSpPr>
+          <p:cNvPr id="6" name="Flecha: a la derecha 6"/>
+          <p:cNvSpPr/>
+          <p:nvPr/>
+        </p:nvSpPr>
+        <p:spPr>
+          <a:xfrm>
+            <a:off x="2517155" y="1813113"/>
+            <a:ext cx="511795" cy="207028"/>
+          </a:xfrm>
+          <a:prstGeom prst="rightArrow">
+            <a:avLst/>
+          </a:prstGeom>
+        </p:spPr>
+        <p:style>
+          <a:lnRef idx="2">
+            <a:schemeClr val="accent1">
+              <a:shade val="15000"/>
+            </a:schemeClr>
+          </a:lnRef>
+          <a:fillRef idx="1">
+            <a:schemeClr val="accent1"/>
+          </a:fillRef>
+          <a:effectRef idx="0">
+            <a:schemeClr val="accent1"/>
+          </a:effectRef>
+          <a:fontRef idx="minor">
+            <a:schemeClr val="lt1"/>
+          </a:fontRef>
+        </p:style>
+        <p:txBody>
+          <a:bodyPr rtlCol="0" anchor="ctr"/>
+          <a:lstStyle/>
+          <a:p>
+            <a:pPr algn="ctr"/>
+            <a:endParaRPr lang="es-ES"/>
+          </a:p>
+        </p:txBody>
+      </p:sp>
+      <p:sp>
+        <p:nvSpPr>
+          <p:cNvPr id="7" name="Flecha: a la derecha 6"/>
+          <p:cNvSpPr/>
+          <p:nvPr/>
+        </p:nvSpPr>
+        <p:spPr>
+          <a:xfrm>
+            <a:off x="4060205" y="1388128"/>
+            <a:ext cx="511795" cy="207028"/>
+          </a:xfrm>
+          <a:prstGeom prst="rightArrow">
+            <a:avLst/>
+          </a:prstGeom>
+        </p:spPr>
+        <p:style>
+          <a:lnRef idx="2">
+            <a:schemeClr val="accent1">
+              <a:shade val="15000"/>
+            </a:schemeClr>
+          </a:lnRef>
+          <a:fillRef idx="1">
+            <a:schemeClr val="accent1"/>
+          </a:fillRef>
+          <a:effectRef idx="0">
+            <a:schemeClr val="accent1"/>
+          </a:effectRef>
+          <a:fontRef idx="minor">
+            <a:schemeClr val="lt1"/>
+          </a:fontRef>
+        </p:style>
+        <p:txBody>
+          <a:bodyPr rtlCol="0" anchor="ctr"/>
+          <a:lstStyle/>
+          <a:p>
+            <a:pPr algn="ctr"/>
+            <a:endParaRPr lang="es-ES"/>
+          </a:p>
+        </p:txBody>
+      </p:sp>
+      <p:sp>
+        <p:nvSpPr>
+          <p:cNvPr id="8" name="Flecha: a la derecha 6"/>
+          <p:cNvSpPr/>
+          <p:nvPr/>
+        </p:nvSpPr>
+        <p:spPr>
+          <a:xfrm>
+            <a:off x="2005359" y="2447804"/>
+            <a:ext cx="511795" cy="207028"/>
+          </a:xfrm>
+          <a:prstGeom prst="rightArrow">
+            <a:avLst/>
+          </a:prstGeom>
+        </p:spPr>
+        <p:style>
+          <a:lnRef idx="2">
+            <a:schemeClr val="accent1">
+              <a:shade val="15000"/>
+            </a:schemeClr>
+          </a:lnRef>
+          <a:fillRef idx="1">
+            <a:schemeClr val="accent1"/>
+          </a:fillRef>
+          <a:effectRef idx="0">
+            <a:schemeClr val="accent1"/>
+          </a:effectRef>
+          <a:fontRef idx="minor">
+            <a:schemeClr val="lt1"/>
+          </a:fontRef>
+        </p:style>
+        <p:txBody>
+          <a:bodyPr rtlCol="0" anchor="ctr"/>
+          <a:lstStyle/>
+          <a:p>
+            <a:pPr algn="ctr"/>
+            <a:endParaRPr lang="es-ES"/>
+          </a:p>
+        </p:txBody>
+      </p:sp>
+      <p:sp>
+        <p:nvSpPr>
+          <p:cNvPr id="9" name="Flecha: a la derecha 6"/>
+          <p:cNvSpPr/>
+          <p:nvPr/>
+        </p:nvSpPr>
+        <p:spPr>
+          <a:xfrm>
+            <a:off x="4867953" y="2654832"/>
+            <a:ext cx="511795" cy="207028"/>
+          </a:xfrm>
+          <a:prstGeom prst="rightArrow">
+            <a:avLst/>
+          </a:prstGeom>
+        </p:spPr>
+        <p:style>
+          <a:lnRef idx="2">
+            <a:schemeClr val="accent1">
+              <a:shade val="15000"/>
+            </a:schemeClr>
+          </a:lnRef>
+          <a:fillRef idx="1">
+            <a:schemeClr val="accent1"/>
+          </a:fillRef>
+          <a:effectRef idx="0">
+            <a:schemeClr val="accent1"/>
+          </a:effectRef>
+          <a:fontRef idx="minor">
+            <a:schemeClr val="lt1"/>
+          </a:fontRef>
+        </p:style>
+        <p:txBody>
+          <a:bodyPr rtlCol="0" anchor="ctr"/>
+          <a:lstStyle/>
+          <a:p>
+            <a:pPr algn="ctr"/>
+            <a:endParaRPr lang="es-ES"/>
+          </a:p>
+        </p:txBody>
+      </p:sp>
+      <p:sp>
+        <p:nvSpPr>
+          <p:cNvPr id="10" name="Flecha: a la derecha 9"/>
+          <p:cNvSpPr/>
+          <p:nvPr/>
+        </p:nvSpPr>
+        <p:spPr>
+          <a:xfrm>
+            <a:off x="2910745" y="1606085"/>
+            <a:ext cx="511795" cy="207028"/>
+          </a:xfrm>
+          <a:prstGeom prst="rightArrow">
+            <a:avLst/>
+          </a:prstGeom>
+        </p:spPr>
+        <p:style>
+          <a:lnRef idx="2">
+            <a:schemeClr val="accent1">
+              <a:shade val="15000"/>
+            </a:schemeClr>
+          </a:lnRef>
+          <a:fillRef idx="1">
+            <a:schemeClr val="accent1"/>
+          </a:fillRef>
+          <a:effectRef idx="0">
+            <a:schemeClr val="accent1"/>
+          </a:effectRef>
+          <a:fontRef idx="minor">
+            <a:schemeClr val="lt1"/>
+          </a:fontRef>
+        </p:style>
+        <p:txBody>
+          <a:bodyPr rtlCol="0" anchor="ctr"/>
+          <a:lstStyle/>
+          <a:p>
+            <a:pPr algn="ctr"/>
+            <a:endParaRPr lang="es-ES"/>
+          </a:p>
+        </p:txBody>
+      </p:sp>
+      <p:sp>
+        <p:nvSpPr>
+          <p:cNvPr id="11" name="Flecha: a la derecha 6">
+            <a:extLst>
+              <a:ext uri="{FF2B5EF4-FFF2-40B4-BE49-F238E27FC236}">
+                <a16:creationId xmlns:a16="http://schemas.microsoft.com/office/drawing/2014/main" id="{EDD7197B-0227-EE64-7382-CDDD688710A3}"/>
+              </a:ext>
+            </a:extLst>
+          </p:cNvPr>
+          <p:cNvSpPr/>
+          <p:nvPr/>
+        </p:nvSpPr>
+        <p:spPr>
+          <a:xfrm>
+            <a:off x="2517154" y="2014987"/>
+            <a:ext cx="511795" cy="207028"/>
+          </a:xfrm>
+          <a:prstGeom prst="rightArrow">
+            <a:avLst/>
+          </a:prstGeom>
+        </p:spPr>
+        <p:style>
+          <a:lnRef idx="2">
+            <a:schemeClr val="accent1">
+              <a:shade val="15000"/>
+            </a:schemeClr>
+          </a:lnRef>
+          <a:fillRef idx="1">
+            <a:schemeClr val="accent1"/>
+          </a:fillRef>
+          <a:effectRef idx="0">
+            <a:schemeClr val="accent1"/>
+          </a:effectRef>
+          <a:fontRef idx="minor">
+            <a:schemeClr val="lt1"/>
+          </a:fontRef>
+        </p:style>
+        <p:txBody>
+          <a:bodyPr rtlCol="0" anchor="ctr"/>
+          <a:lstStyle/>
+          <a:p>
+            <a:pPr algn="ctr"/>
+            <a:endParaRPr lang="es-ES"/>
+          </a:p>
+        </p:txBody>
+      </p:sp>
+    </p:spTree>
+    <p:extLst>
+      <p:ext uri="{BB962C8B-B14F-4D97-AF65-F5344CB8AC3E}">
+        <p14:creationId xmlns:p14="http://schemas.microsoft.com/office/powerpoint/2010/main" val="2309209517"/>
+      </p:ext>
+    </p:extLst>
   </p:cSld>
   <p:clrMapOvr>
     <a:masterClrMapping/>

--- a/Entrega_2/00.REPORTE/Reporte_Grupo5_new.pptx
+++ b/Entrega_2/00.REPORTE/Reporte_Grupo5_new.pptx
@@ -307,7 +307,7 @@
   <pc:docChgLst>
     <pc:chgData name="Mario Aragón Valderrama" userId="ab42593c9091a3c7" providerId="LiveId" clId="{A94EC9C8-FC2E-45B4-829C-AEB6B286F687}"/>
     <pc:docChg chg="custSel addSld delSld modSld">
-      <pc:chgData name="Mario Aragón Valderrama" userId="ab42593c9091a3c7" providerId="LiveId" clId="{A94EC9C8-FC2E-45B4-829C-AEB6B286F687}" dt="2025-12-17T20:56:04.907" v="1640" actId="20577"/>
+      <pc:chgData name="Mario Aragón Valderrama" userId="ab42593c9091a3c7" providerId="LiveId" clId="{A94EC9C8-FC2E-45B4-829C-AEB6B286F687}" dt="2025-12-17T21:01:39.326" v="1643" actId="1076"/>
       <pc:docMkLst>
         <pc:docMk/>
       </pc:docMkLst>
@@ -660,12 +660,28 @@
           </ac:picMkLst>
         </pc:picChg>
       </pc:sldChg>
-      <pc:sldChg chg="add del">
-        <pc:chgData name="Mario Aragón Valderrama" userId="ab42593c9091a3c7" providerId="LiveId" clId="{A94EC9C8-FC2E-45B4-829C-AEB6B286F687}" dt="2025-12-17T20:55:56.964" v="1638"/>
+      <pc:sldChg chg="modSp add del mod">
+        <pc:chgData name="Mario Aragón Valderrama" userId="ab42593c9091a3c7" providerId="LiveId" clId="{A94EC9C8-FC2E-45B4-829C-AEB6B286F687}" dt="2025-12-17T21:01:39.326" v="1643" actId="1076"/>
         <pc:sldMkLst>
           <pc:docMk/>
           <pc:sldMk cId="0" sldId="304"/>
         </pc:sldMkLst>
+        <pc:spChg chg="mod">
+          <ac:chgData name="Mario Aragón Valderrama" userId="ab42593c9091a3c7" providerId="LiveId" clId="{A94EC9C8-FC2E-45B4-829C-AEB6B286F687}" dt="2025-12-17T21:01:37.714" v="1642" actId="14100"/>
+          <ac:spMkLst>
+            <pc:docMk/>
+            <pc:sldMk cId="0" sldId="304"/>
+            <ac:spMk id="8" creationId="{DD0179D1-4BE4-1C16-5DF2-A33E3F1CA8B0}"/>
+          </ac:spMkLst>
+        </pc:spChg>
+        <pc:spChg chg="mod">
+          <ac:chgData name="Mario Aragón Valderrama" userId="ab42593c9091a3c7" providerId="LiveId" clId="{A94EC9C8-FC2E-45B4-829C-AEB6B286F687}" dt="2025-12-17T21:01:39.326" v="1643" actId="1076"/>
+          <ac:spMkLst>
+            <pc:docMk/>
+            <pc:sldMk cId="0" sldId="304"/>
+            <ac:spMk id="15" creationId="{B7DA6751-9CEB-3BDA-6CF7-743678CB396A}"/>
+          </ac:spMkLst>
+        </pc:spChg>
       </pc:sldChg>
       <pc:sldChg chg="addSp delSp modSp new del mod">
         <pc:chgData name="Mario Aragón Valderrama" userId="ab42593c9091a3c7" providerId="LiveId" clId="{A94EC9C8-FC2E-45B4-829C-AEB6B286F687}" dt="2025-12-17T20:55:03.859" v="1634" actId="47"/>
@@ -14454,8 +14470,8 @@
         </p:nvSpPr>
         <p:spPr>
           <a:xfrm rot="5400000">
-            <a:off x="5900773" y="2113674"/>
-            <a:ext cx="698840" cy="688489"/>
+            <a:off x="6461854" y="1789263"/>
+            <a:ext cx="1470021" cy="688489"/>
           </a:xfrm>
           <a:prstGeom prst="bentArrow">
             <a:avLst/>
@@ -14564,7 +14580,7 @@
         </p:nvSpPr>
         <p:spPr>
           <a:xfrm>
-            <a:off x="6258949" y="3499284"/>
+            <a:off x="7196864" y="3453000"/>
             <a:ext cx="429543" cy="572700"/>
           </a:xfrm>
           <a:prstGeom prst="downArrow">

--- a/Entrega_2/00.REPORTE/Reporte_Grupo5_new.pptx
+++ b/Entrega_2/00.REPORTE/Reporte_Grupo5_new.pptx
@@ -20,7 +20,7 @@
     <p:sldId id="308" r:id="rId11"/>
     <p:sldId id="304" r:id="rId12"/>
     <p:sldId id="305" r:id="rId13"/>
-    <p:sldId id="310" r:id="rId14"/>
+    <p:sldId id="306" r:id="rId14"/>
   </p:sldIdLst>
   <p:sldSz cx="9144000" cy="5143500" type="screen16x9"/>
   <p:notesSz cx="6858000" cy="9144000"/>
@@ -307,7 +307,7 @@
   <pc:docChgLst>
     <pc:chgData name="Mario Aragón Valderrama" userId="ab42593c9091a3c7" providerId="LiveId" clId="{A94EC9C8-FC2E-45B4-829C-AEB6B286F687}"/>
     <pc:docChg chg="custSel addSld delSld modSld">
-      <pc:chgData name="Mario Aragón Valderrama" userId="ab42593c9091a3c7" providerId="LiveId" clId="{A94EC9C8-FC2E-45B4-829C-AEB6B286F687}" dt="2025-12-17T21:01:39.326" v="1643" actId="1076"/>
+      <pc:chgData name="Mario Aragón Valderrama" userId="ab42593c9091a3c7" providerId="LiveId" clId="{A94EC9C8-FC2E-45B4-829C-AEB6B286F687}" dt="2025-12-17T21:19:36.089" v="1670" actId="20577"/>
       <pc:docMkLst>
         <pc:docMk/>
       </pc:docMkLst>
@@ -714,6 +714,29 @@
           </ac:spMkLst>
         </pc:spChg>
       </pc:sldChg>
+      <pc:sldChg chg="modSp add mod">
+        <pc:chgData name="Mario Aragón Valderrama" userId="ab42593c9091a3c7" providerId="LiveId" clId="{A94EC9C8-FC2E-45B4-829C-AEB6B286F687}" dt="2025-12-17T21:19:36.089" v="1670" actId="20577"/>
+        <pc:sldMkLst>
+          <pc:docMk/>
+          <pc:sldMk cId="3136901332" sldId="306"/>
+        </pc:sldMkLst>
+        <pc:spChg chg="mod">
+          <ac:chgData name="Mario Aragón Valderrama" userId="ab42593c9091a3c7" providerId="LiveId" clId="{A94EC9C8-FC2E-45B4-829C-AEB6B286F687}" dt="2025-12-17T21:19:36.089" v="1670" actId="20577"/>
+          <ac:spMkLst>
+            <pc:docMk/>
+            <pc:sldMk cId="3136901332" sldId="306"/>
+            <ac:spMk id="3" creationId="{73C1DC1A-CA01-DFFD-E4A1-D67322F05FC4}"/>
+          </ac:spMkLst>
+        </pc:spChg>
+        <pc:spChg chg="mod">
+          <ac:chgData name="Mario Aragón Valderrama" userId="ab42593c9091a3c7" providerId="LiveId" clId="{A94EC9C8-FC2E-45B4-829C-AEB6B286F687}" dt="2025-12-17T21:19:34.273" v="1669" actId="20577"/>
+          <ac:spMkLst>
+            <pc:docMk/>
+            <pc:sldMk cId="3136901332" sldId="306"/>
+            <ac:spMk id="7" creationId="{55E8F95C-A3E1-0BA0-CC97-91F9F0882BF3}"/>
+          </ac:spMkLst>
+        </pc:spChg>
+      </pc:sldChg>
       <pc:sldChg chg="addSp delSp modSp new">
         <pc:chgData name="Mario Aragón Valderrama" userId="ab42593c9091a3c7" providerId="LiveId" clId="{A94EC9C8-FC2E-45B4-829C-AEB6B286F687}" dt="2025-12-17T18:03:35.578" v="558"/>
         <pc:sldMkLst>
@@ -752,8 +775,8 @@
           </ac:spMkLst>
         </pc:spChg>
       </pc:sldChg>
-      <pc:sldChg chg="modSp mod">
-        <pc:chgData name="Mario Aragón Valderrama" userId="ab42593c9091a3c7" providerId="LiveId" clId="{A94EC9C8-FC2E-45B4-829C-AEB6B286F687}" dt="2025-12-17T20:56:04.907" v="1640" actId="20577"/>
+      <pc:sldChg chg="modSp del mod">
+        <pc:chgData name="Mario Aragón Valderrama" userId="ab42593c9091a3c7" providerId="LiveId" clId="{A94EC9C8-FC2E-45B4-829C-AEB6B286F687}" dt="2025-12-17T21:18:53.027" v="1644" actId="47"/>
         <pc:sldMkLst>
           <pc:docMk/>
           <pc:sldMk cId="3373186615" sldId="310"/>
@@ -14765,13 +14788,7 @@
   <p:cSld>
     <p:spTree>
       <p:nvGrpSpPr>
-        <p:cNvPr id="1" name="">
-          <a:extLst>
-            <a:ext uri="{FF2B5EF4-FFF2-40B4-BE49-F238E27FC236}">
-              <a16:creationId xmlns:a16="http://schemas.microsoft.com/office/drawing/2014/main" id="{D31050E9-5105-6D2F-6947-50C6CF01F9A1}"/>
-            </a:ext>
-          </a:extLst>
-        </p:cNvPr>
+        <p:cNvPr id="1" name=""/>
         <p:cNvGrpSpPr/>
         <p:nvPr/>
       </p:nvGrpSpPr>
@@ -14788,7 +14805,7 @@
           <p:cNvPr id="2" name="Título 1">
             <a:extLst>
               <a:ext uri="{FF2B5EF4-FFF2-40B4-BE49-F238E27FC236}">
-                <a16:creationId xmlns:a16="http://schemas.microsoft.com/office/drawing/2014/main" id="{744E8F24-AF72-DFA5-9CAE-072E2FD20465}"/>
+                <a16:creationId xmlns:a16="http://schemas.microsoft.com/office/drawing/2014/main" id="{57F4DF86-6000-FDC7-D70B-EAA48E26012D}"/>
               </a:ext>
             </a:extLst>
           </p:cNvPr>
@@ -14806,15 +14823,207 @@
           <a:p>
             <a:r>
               <a:rPr lang="es-ES" dirty="0"/>
-              <a:t>Conclusiones</a:t>
+              <a:t>Valoraciones de los resultados</a:t>
             </a:r>
           </a:p>
         </p:txBody>
       </p:sp>
+      <p:sp>
+        <p:nvSpPr>
+          <p:cNvPr id="3" name="CuadroTexto 2">
+            <a:extLst>
+              <a:ext uri="{FF2B5EF4-FFF2-40B4-BE49-F238E27FC236}">
+                <a16:creationId xmlns:a16="http://schemas.microsoft.com/office/drawing/2014/main" id="{73C1DC1A-CA01-DFFD-E4A1-D67322F05FC4}"/>
+              </a:ext>
+            </a:extLst>
+          </p:cNvPr>
+          <p:cNvSpPr txBox="1"/>
+          <p:nvPr/>
+        </p:nvSpPr>
+        <p:spPr>
+          <a:xfrm>
+            <a:off x="504243" y="1780894"/>
+            <a:ext cx="3271087" cy="1169551"/>
+          </a:xfrm>
+          <a:prstGeom prst="rect">
+            <a:avLst/>
+          </a:prstGeom>
+          <a:noFill/>
+        </p:spPr>
+        <p:txBody>
+          <a:bodyPr wrap="square" rtlCol="0">
+            <a:spAutoFit/>
+          </a:bodyPr>
+          <a:lstStyle/>
+          <a:p>
+            <a:pPr marL="285750" indent="-285750">
+              <a:buFont typeface="Wingdings" panose="05000000000000000000" pitchFamily="2" charset="2"/>
+              <a:buChar char="q"/>
+            </a:pPr>
+            <a:r>
+              <a:rPr lang="es-ES" b="1" dirty="0"/>
+              <a:t>Elevada proporción de NA</a:t>
+            </a:r>
+            <a:r>
+              <a:rPr lang="es-ES" dirty="0"/>
+              <a:t>: Pérdida de información y relaciones en los datos imputados artificialmente.</a:t>
+            </a:r>
+          </a:p>
+          <a:p>
+            <a:endParaRPr lang="es-ES" dirty="0"/>
+          </a:p>
+        </p:txBody>
+      </p:sp>
+      <p:pic>
+        <p:nvPicPr>
+          <p:cNvPr id="5" name="Imagen 4" descr="Imagen que contiene Patrón de fondo&#10;&#10;El contenido generado por IA puede ser incorrecto.">
+            <a:extLst>
+              <a:ext uri="{FF2B5EF4-FFF2-40B4-BE49-F238E27FC236}">
+                <a16:creationId xmlns:a16="http://schemas.microsoft.com/office/drawing/2014/main" id="{4E1AE188-DE4D-73B3-6B68-9F611E35CE12}"/>
+              </a:ext>
+            </a:extLst>
+          </p:cNvPr>
+          <p:cNvPicPr>
+            <a:picLocks noChangeAspect="1"/>
+          </p:cNvPicPr>
+          <p:nvPr/>
+        </p:nvPicPr>
+        <p:blipFill>
+          <a:blip r:embed="rId2"/>
+          <a:stretch>
+            <a:fillRect/>
+          </a:stretch>
+        </p:blipFill>
+        <p:spPr>
+          <a:xfrm>
+            <a:off x="461212" y="2777830"/>
+            <a:ext cx="3788661" cy="1985325"/>
+          </a:xfrm>
+          <a:prstGeom prst="rect">
+            <a:avLst/>
+          </a:prstGeom>
+        </p:spPr>
+      </p:pic>
+      <p:sp>
+        <p:nvSpPr>
+          <p:cNvPr id="6" name="CuadroTexto 5">
+            <a:extLst>
+              <a:ext uri="{FF2B5EF4-FFF2-40B4-BE49-F238E27FC236}">
+                <a16:creationId xmlns:a16="http://schemas.microsoft.com/office/drawing/2014/main" id="{65CDA51E-AC67-F955-3D46-A20A2B75B91D}"/>
+              </a:ext>
+            </a:extLst>
+          </p:cNvPr>
+          <p:cNvSpPr txBox="1"/>
+          <p:nvPr/>
+        </p:nvSpPr>
+        <p:spPr>
+          <a:xfrm>
+            <a:off x="2807063" y="1020816"/>
+            <a:ext cx="3529873" cy="523220"/>
+          </a:xfrm>
+          <a:prstGeom prst="rect">
+            <a:avLst/>
+          </a:prstGeom>
+          <a:noFill/>
+        </p:spPr>
+        <p:txBody>
+          <a:bodyPr wrap="square" rtlCol="0">
+            <a:spAutoFit/>
+          </a:bodyPr>
+          <a:lstStyle/>
+          <a:p>
+            <a:r>
+              <a:rPr lang="es-ES" b="1" dirty="0"/>
+              <a:t>Obstáculos en la modelización:</a:t>
+            </a:r>
+          </a:p>
+          <a:p>
+            <a:endParaRPr lang="es-ES" dirty="0"/>
+          </a:p>
+        </p:txBody>
+      </p:sp>
+      <p:sp>
+        <p:nvSpPr>
+          <p:cNvPr id="7" name="CuadroTexto 6">
+            <a:extLst>
+              <a:ext uri="{FF2B5EF4-FFF2-40B4-BE49-F238E27FC236}">
+                <a16:creationId xmlns:a16="http://schemas.microsoft.com/office/drawing/2014/main" id="{55E8F95C-A3E1-0BA0-CC97-91F9F0882BF3}"/>
+              </a:ext>
+            </a:extLst>
+          </p:cNvPr>
+          <p:cNvSpPr txBox="1"/>
+          <p:nvPr/>
+        </p:nvSpPr>
+        <p:spPr>
+          <a:xfrm>
+            <a:off x="4776695" y="1780894"/>
+            <a:ext cx="4270486" cy="1169551"/>
+          </a:xfrm>
+          <a:prstGeom prst="rect">
+            <a:avLst/>
+          </a:prstGeom>
+          <a:noFill/>
+        </p:spPr>
+        <p:txBody>
+          <a:bodyPr wrap="square" rtlCol="0">
+            <a:spAutoFit/>
+          </a:bodyPr>
+          <a:lstStyle/>
+          <a:p>
+            <a:pPr marL="285750" indent="-285750">
+              <a:buFont typeface="Wingdings" panose="05000000000000000000" pitchFamily="2" charset="2"/>
+              <a:buChar char="q"/>
+            </a:pPr>
+            <a:r>
+              <a:rPr lang="es-ES" b="1" dirty="0"/>
+              <a:t>Muestra muy limitada:</a:t>
+            </a:r>
+          </a:p>
+          <a:p>
+            <a:r>
+              <a:rPr lang="es-ES" dirty="0"/>
+              <a:t>Únicamente 7000 datos para entrenar y validar. Entrenamiento con el 70% de los datos (4900 filas). Posible vía de mejora: aumentar muestra.</a:t>
+            </a:r>
+          </a:p>
+          <a:p>
+            <a:endParaRPr lang="es-ES" dirty="0"/>
+          </a:p>
+        </p:txBody>
+      </p:sp>
+      <p:pic>
+        <p:nvPicPr>
+          <p:cNvPr id="11" name="Imagen 10">
+            <a:extLst>
+              <a:ext uri="{FF2B5EF4-FFF2-40B4-BE49-F238E27FC236}">
+                <a16:creationId xmlns:a16="http://schemas.microsoft.com/office/drawing/2014/main" id="{60C7804D-A7E1-6ACF-8E4B-6D2B35F3C95A}"/>
+              </a:ext>
+            </a:extLst>
+          </p:cNvPr>
+          <p:cNvPicPr>
+            <a:picLocks noChangeAspect="1"/>
+          </p:cNvPicPr>
+          <p:nvPr/>
+        </p:nvPicPr>
+        <p:blipFill>
+          <a:blip r:embed="rId3"/>
+          <a:stretch>
+            <a:fillRect/>
+          </a:stretch>
+        </p:blipFill>
+        <p:spPr>
+          <a:xfrm>
+            <a:off x="4894129" y="2777830"/>
+            <a:ext cx="3238652" cy="1985325"/>
+          </a:xfrm>
+          <a:prstGeom prst="rect">
+            <a:avLst/>
+          </a:prstGeom>
+        </p:spPr>
+      </p:pic>
     </p:spTree>
     <p:extLst>
       <p:ext uri="{BB962C8B-B14F-4D97-AF65-F5344CB8AC3E}">
-        <p14:creationId xmlns:p14="http://schemas.microsoft.com/office/powerpoint/2010/main" val="3373186615"/>
+        <p14:creationId xmlns:p14="http://schemas.microsoft.com/office/powerpoint/2010/main" val="3136901332"/>
       </p:ext>
     </p:extLst>
   </p:cSld>

--- a/Entrega_2/00.REPORTE/Reporte_Grupo5_new.pptx
+++ b/Entrega_2/00.REPORTE/Reporte_Grupo5_new.pptx
@@ -307,7 +307,7 @@
   <pc:docChgLst>
     <pc:chgData name="Mario Aragón Valderrama" userId="ab42593c9091a3c7" providerId="LiveId" clId="{A94EC9C8-FC2E-45B4-829C-AEB6B286F687}"/>
     <pc:docChg chg="custSel addSld delSld modSld">
-      <pc:chgData name="Mario Aragón Valderrama" userId="ab42593c9091a3c7" providerId="LiveId" clId="{A94EC9C8-FC2E-45B4-829C-AEB6B286F687}" dt="2025-12-17T21:19:36.089" v="1670" actId="20577"/>
+      <pc:chgData name="Mario Aragón Valderrama" userId="ab42593c9091a3c7" providerId="LiveId" clId="{A94EC9C8-FC2E-45B4-829C-AEB6B286F687}" dt="2025-12-17T21:32:57.547" v="1674"/>
       <pc:docMkLst>
         <pc:docMk/>
       </pc:docMkLst>
@@ -789,6 +789,21 @@
             <ac:spMk id="2" creationId="{744E8F24-AF72-DFA5-9CAE-072E2FD20465}"/>
           </ac:spMkLst>
         </pc:spChg>
+      </pc:sldChg>
+      <pc:sldChg chg="modSp">
+        <pc:chgData name="Mario Aragón Valderrama" userId="ab42593c9091a3c7" providerId="LiveId" clId="{A94EC9C8-FC2E-45B4-829C-AEB6B286F687}" dt="2025-12-17T21:32:57.547" v="1674"/>
+        <pc:sldMkLst>
+          <pc:docMk/>
+          <pc:sldMk cId="0" sldId="311"/>
+        </pc:sldMkLst>
+        <pc:graphicFrameChg chg="mod">
+          <ac:chgData name="Mario Aragón Valderrama" userId="ab42593c9091a3c7" providerId="LiveId" clId="{A94EC9C8-FC2E-45B4-829C-AEB6B286F687}" dt="2025-12-17T21:32:57.547" v="1674"/>
+          <ac:graphicFrameMkLst>
+            <pc:docMk/>
+            <pc:sldMk cId="0" sldId="311"/>
+            <ac:graphicFrameMk id="3" creationId="{82F91AD5-889D-682F-0188-17811BDC62E6}"/>
+          </ac:graphicFrameMkLst>
+        </pc:graphicFrameChg>
       </pc:sldChg>
     </pc:docChg>
   </pc:docChgLst>
@@ -3425,7 +3440,7 @@
           <a:blip xmlns:r="http://schemas.openxmlformats.org/officeDocument/2006/relationships" r:embed="rId1"/>
           <a:srcRect/>
           <a:stretch>
-            <a:fillRect t="-30000" b="-30000"/>
+            <a:fillRect t="-48000" b="-48000"/>
           </a:stretch>
         </a:blipFill>
       </dgm:spPr>
@@ -3454,7 +3469,7 @@
       <dgm:prSet presAssocID="{C7839787-4F91-4052-A165-9BFBC71086A6}" presName="img" presStyleLbl="fgImgPlace1" presStyleIdx="1" presStyleCnt="5"/>
       <dgm:spPr>
         <a:blipFill>
-          <a:blip xmlns:r="http://schemas.openxmlformats.org/officeDocument/2006/relationships" r:embed="rId1"/>
+          <a:blip xmlns:r="http://schemas.openxmlformats.org/officeDocument/2006/relationships" r:embed="rId2"/>
           <a:srcRect/>
           <a:stretch>
             <a:fillRect t="-30000" b="-30000"/>
@@ -3486,7 +3501,7 @@
       <dgm:prSet presAssocID="{B0A54B65-E829-4553-8B45-B4EBDAF3C233}" presName="img" presStyleLbl="fgImgPlace1" presStyleIdx="2" presStyleCnt="5" custScaleY="89187"/>
       <dgm:spPr>
         <a:blipFill>
-          <a:blip xmlns:r="http://schemas.openxmlformats.org/officeDocument/2006/relationships" r:embed="rId2"/>
+          <a:blip xmlns:r="http://schemas.openxmlformats.org/officeDocument/2006/relationships" r:embed="rId3"/>
           <a:srcRect/>
           <a:stretch>
             <a:fillRect l="-19000" r="-19000"/>
@@ -3518,7 +3533,7 @@
       <dgm:prSet presAssocID="{EBF196C3-A6DB-42DE-B168-0612EDF03693}" presName="img" presStyleLbl="fgImgPlace1" presStyleIdx="3" presStyleCnt="5" custScaleY="91348"/>
       <dgm:spPr>
         <a:blipFill>
-          <a:blip xmlns:r="http://schemas.openxmlformats.org/officeDocument/2006/relationships" r:embed="rId3"/>
+          <a:blip xmlns:r="http://schemas.openxmlformats.org/officeDocument/2006/relationships" r:embed="rId4"/>
           <a:srcRect/>
           <a:stretch>
             <a:fillRect l="-79000" r="-79000"/>
@@ -3550,7 +3565,7 @@
       <dgm:prSet presAssocID="{D3DB2985-286F-4E1B-A3EF-B67DCD1C08F6}" presName="img" presStyleLbl="fgImgPlace1" presStyleIdx="4" presStyleCnt="5"/>
       <dgm:spPr>
         <a:blipFill>
-          <a:blip xmlns:r="http://schemas.openxmlformats.org/officeDocument/2006/relationships" r:embed="rId4"/>
+          <a:blip xmlns:r="http://schemas.openxmlformats.org/officeDocument/2006/relationships" r:embed="rId5"/>
           <a:srcRect/>
           <a:stretch>
             <a:fillRect t="-11000" b="-11000"/>
@@ -4899,7 +4914,7 @@
           <a:blip xmlns:r="http://schemas.openxmlformats.org/officeDocument/2006/relationships" r:embed="rId1"/>
           <a:srcRect/>
           <a:stretch>
-            <a:fillRect t="-30000" b="-30000"/>
+            <a:fillRect t="-48000" b="-48000"/>
           </a:stretch>
         </a:blipFill>
         <a:ln w="25400" cap="flat" cmpd="sng" algn="ctr">
@@ -5044,7 +5059,7 @@
           </a:avLst>
         </a:prstGeom>
         <a:blipFill>
-          <a:blip xmlns:r="http://schemas.openxmlformats.org/officeDocument/2006/relationships" r:embed="rId1"/>
+          <a:blip xmlns:r="http://schemas.openxmlformats.org/officeDocument/2006/relationships" r:embed="rId2"/>
           <a:srcRect/>
           <a:stretch>
             <a:fillRect t="-30000" b="-30000"/>
@@ -5204,7 +5219,7 @@
           </a:avLst>
         </a:prstGeom>
         <a:blipFill>
-          <a:blip xmlns:r="http://schemas.openxmlformats.org/officeDocument/2006/relationships" r:embed="rId2"/>
+          <a:blip xmlns:r="http://schemas.openxmlformats.org/officeDocument/2006/relationships" r:embed="rId3"/>
           <a:srcRect/>
           <a:stretch>
             <a:fillRect l="-19000" r="-19000"/>
@@ -5383,7 +5398,7 @@
           </a:avLst>
         </a:prstGeom>
         <a:blipFill>
-          <a:blip xmlns:r="http://schemas.openxmlformats.org/officeDocument/2006/relationships" r:embed="rId3"/>
+          <a:blip xmlns:r="http://schemas.openxmlformats.org/officeDocument/2006/relationships" r:embed="rId4"/>
           <a:srcRect/>
           <a:stretch>
             <a:fillRect l="-79000" r="-79000"/>
@@ -5514,7 +5529,7 @@
           </a:avLst>
         </a:prstGeom>
         <a:blipFill>
-          <a:blip xmlns:r="http://schemas.openxmlformats.org/officeDocument/2006/relationships" r:embed="rId4"/>
+          <a:blip xmlns:r="http://schemas.openxmlformats.org/officeDocument/2006/relationships" r:embed="rId5"/>
           <a:srcRect/>
           <a:stretch>
             <a:fillRect t="-11000" b="-11000"/>
@@ -15905,7 +15920,13 @@
             </a:extLst>
           </p:cNvPr>
           <p:cNvGraphicFramePr/>
-          <p:nvPr/>
+          <p:nvPr>
+            <p:extLst>
+              <p:ext uri="{D42A27DB-BD31-4B8C-83A1-F6EECF244321}">
+                <p14:modId xmlns:p14="http://schemas.microsoft.com/office/powerpoint/2010/main" val="354692616"/>
+              </p:ext>
+            </p:extLst>
+          </p:nvPr>
         </p:nvGraphicFramePr>
         <p:xfrm>
           <a:off x="4851700" y="1884340"/>

--- a/Entrega_2/00.REPORTE/Reporte_Grupo5_new.pptx
+++ b/Entrega_2/00.REPORTE/Reporte_Grupo5_new.pptx
@@ -307,7 +307,7 @@
   <pc:docChgLst>
     <pc:chgData name="Mario Aragón Valderrama" userId="ab42593c9091a3c7" providerId="LiveId" clId="{A94EC9C8-FC2E-45B4-829C-AEB6B286F687}"/>
     <pc:docChg chg="custSel addSld delSld modSld">
-      <pc:chgData name="Mario Aragón Valderrama" userId="ab42593c9091a3c7" providerId="LiveId" clId="{A94EC9C8-FC2E-45B4-829C-AEB6B286F687}" dt="2025-12-17T21:32:57.547" v="1674"/>
+      <pc:chgData name="Mario Aragón Valderrama" userId="ab42593c9091a3c7" providerId="LiveId" clId="{A94EC9C8-FC2E-45B4-829C-AEB6B286F687}" dt="2025-12-17T21:44:14.807" v="1685" actId="1076"/>
       <pc:docMkLst>
         <pc:docMk/>
       </pc:docMkLst>
@@ -659,6 +659,29 @@
             <ac:picMk id="9" creationId="{00000000-0000-0000-0000-000000000000}"/>
           </ac:picMkLst>
         </pc:picChg>
+      </pc:sldChg>
+      <pc:sldChg chg="delSp modSp mod">
+        <pc:chgData name="Mario Aragón Valderrama" userId="ab42593c9091a3c7" providerId="LiveId" clId="{A94EC9C8-FC2E-45B4-829C-AEB6B286F687}" dt="2025-12-17T21:44:14.807" v="1685" actId="1076"/>
+        <pc:sldMkLst>
+          <pc:docMk/>
+          <pc:sldMk cId="0" sldId="296"/>
+        </pc:sldMkLst>
+        <pc:spChg chg="mod">
+          <ac:chgData name="Mario Aragón Valderrama" userId="ab42593c9091a3c7" providerId="LiveId" clId="{A94EC9C8-FC2E-45B4-829C-AEB6B286F687}" dt="2025-12-17T21:44:14.807" v="1685" actId="1076"/>
+          <ac:spMkLst>
+            <pc:docMk/>
+            <pc:sldMk cId="0" sldId="296"/>
+            <ac:spMk id="3" creationId="{68CEF5D2-E329-5F80-0120-76BBF56A53B6}"/>
+          </ac:spMkLst>
+        </pc:spChg>
+        <pc:spChg chg="del">
+          <ac:chgData name="Mario Aragón Valderrama" userId="ab42593c9091a3c7" providerId="LiveId" clId="{A94EC9C8-FC2E-45B4-829C-AEB6B286F687}" dt="2025-12-17T21:43:44.274" v="1683" actId="478"/>
+          <ac:spMkLst>
+            <pc:docMk/>
+            <pc:sldMk cId="0" sldId="296"/>
+            <ac:spMk id="5" creationId="{7D65A2E3-6B16-5548-48CD-3E21F6FCDFEE}"/>
+          </ac:spMkLst>
+        </pc:spChg>
       </pc:sldChg>
       <pc:sldChg chg="modSp add del mod">
         <pc:chgData name="Mario Aragón Valderrama" userId="ab42593c9091a3c7" providerId="LiveId" clId="{A94EC9C8-FC2E-45B4-829C-AEB6B286F687}" dt="2025-12-17T21:01:39.326" v="1643" actId="1076"/>
@@ -20684,8 +20707,8 @@
         </p:nvSpPr>
         <p:spPr>
           <a:xfrm>
-            <a:off x="1077611" y="4082402"/>
-            <a:ext cx="7566307" cy="738664"/>
+            <a:off x="2329952" y="4071645"/>
+            <a:ext cx="4484093" cy="738664"/>
           </a:xfrm>
           <a:prstGeom prst="rect">
             <a:avLst/>
@@ -20714,126 +20737,22 @@
             <a:pPr latinLnBrk="1"/>
             <a:r>
               <a:rPr lang="en-US" dirty="0"/>
-              <a:t>  Dataset </a:t>
-            </a:r>
-            <a:r>
-              <a:rPr lang="en-US" dirty="0" err="1"/>
-              <a:t>Error_rate</a:t>
-            </a:r>
-            <a:r>
-              <a:rPr lang="en-US" dirty="0"/>
-              <a:t>  Accuracy Precision </a:t>
-            </a:r>
-            <a:r>
-              <a:rPr lang="en-US" dirty="0" err="1"/>
-              <a:t>Recall_Sensitivity</a:t>
-            </a:r>
-            <a:r>
-              <a:rPr lang="en-US" dirty="0"/>
-              <a:t> Specificity  F1_Score</a:t>
+              <a:t>   Dataset  Accuracy Precision    Recall  F1_Score</a:t>
             </a:r>
           </a:p>
           <a:p>
             <a:pPr latinLnBrk="1"/>
             <a:r>
               <a:rPr lang="en-US" dirty="0"/>
-              <a:t>1  Train2  0.2793878 0.7206122 0.3940120          0.6482759   0.7395109 0.4901304</a:t>
+              <a:t>   Train2 0.7224490 0.3984632 0.7333333 0.5163585</a:t>
             </a:r>
           </a:p>
           <a:p>
             <a:pPr latinLnBrk="1"/>
             <a:r>
               <a:rPr lang="en-US" dirty="0"/>
-              <a:t>2   Test2  0.2900000 0.7100000 0.3788301          0.6252874   0.7321321 0.4718127</a:t>
-            </a:r>
-          </a:p>
-        </p:txBody>
-      </p:sp>
-      <p:sp>
-        <p:nvSpPr>
-          <p:cNvPr id="5" name="Rectángulo: esquinas redondeadas 4">
-            <a:extLst>
-              <a:ext uri="{FF2B5EF4-FFF2-40B4-BE49-F238E27FC236}">
-                <a16:creationId xmlns:a16="http://schemas.microsoft.com/office/drawing/2014/main" id="{7D65A2E3-6B16-5548-48CD-3E21F6FCDFEE}"/>
-              </a:ext>
-            </a:extLst>
-          </p:cNvPr>
-          <p:cNvSpPr/>
-          <p:nvPr/>
-        </p:nvSpPr>
-        <p:spPr>
-          <a:xfrm>
-            <a:off x="6216502" y="1766488"/>
-            <a:ext cx="2647155" cy="1624412"/>
-          </a:xfrm>
-          <a:prstGeom prst="roundRect">
-            <a:avLst/>
-          </a:prstGeom>
-        </p:spPr>
-        <p:style>
-          <a:lnRef idx="2">
-            <a:schemeClr val="accent1">
-              <a:shade val="15000"/>
-            </a:schemeClr>
-          </a:lnRef>
-          <a:fillRef idx="1">
-            <a:schemeClr val="accent1"/>
-          </a:fillRef>
-          <a:effectRef idx="0">
-            <a:schemeClr val="accent1"/>
-          </a:effectRef>
-          <a:fontRef idx="minor">
-            <a:schemeClr val="lt1"/>
-          </a:fontRef>
-        </p:style>
-        <p:txBody>
-          <a:bodyPr rtlCol="0" anchor="ctr"/>
-          <a:lstStyle/>
-          <a:p>
-            <a:pPr algn="ctr"/>
-            <a:r>
-              <a:rPr lang="en-US" dirty="0" err="1"/>
-              <a:t>nrounds</a:t>
-            </a:r>
-            <a:r>
-              <a:rPr lang="en-US" dirty="0"/>
-              <a:t> = 700</a:t>
-            </a:r>
-          </a:p>
-          <a:p>
-            <a:pPr algn="ctr"/>
-            <a:r>
-              <a:rPr lang="en-US" dirty="0" err="1"/>
-              <a:t>max_depth</a:t>
-            </a:r>
-            <a:r>
-              <a:rPr lang="en-US" dirty="0"/>
-              <a:t> = 5</a:t>
-            </a:r>
-          </a:p>
-          <a:p>
-            <a:pPr algn="ctr"/>
-            <a:r>
-              <a:rPr lang="en-US" dirty="0"/>
-              <a:t>eta = 0.1,  gamma = 3              </a:t>
-            </a:r>
-            <a:r>
-              <a:rPr lang="en-US" dirty="0" err="1"/>
-              <a:t>colsample_bytree</a:t>
-            </a:r>
-            <a:r>
-              <a:rPr lang="en-US" dirty="0"/>
-              <a:t> = 0.8 </a:t>
-            </a:r>
-            <a:r>
-              <a:rPr lang="en-US" dirty="0" err="1"/>
-              <a:t>min_child_weight</a:t>
-            </a:r>
-            <a:r>
-              <a:rPr lang="en-US" dirty="0"/>
-              <a:t> = 1 subsample = 0.5</a:t>
-            </a:r>
-            <a:endParaRPr lang="es-ES" dirty="0"/>
+              <a:t>   Test2 0.7085714 0.4025641 0.6826087 0.5064516</a:t>
+            </a:r>
           </a:p>
         </p:txBody>
       </p:sp>

--- a/Entrega_2/00.REPORTE/Reporte_Grupo5_new.pptx
+++ b/Entrega_2/00.REPORTE/Reporte_Grupo5_new.pptx
@@ -5,54 +5,53 @@
     <p:sldMasterId id="2147483648" r:id="rId1"/>
   </p:sldMasterIdLst>
   <p:notesMasterIdLst>
-    <p:notesMasterId r:id="rId16"/>
+    <p:notesMasterId r:id="rId15"/>
   </p:notesMasterIdLst>
   <p:sldIdLst>
     <p:sldId id="285" r:id="rId2"/>
     <p:sldId id="270" r:id="rId3"/>
     <p:sldId id="272" r:id="rId4"/>
-    <p:sldId id="306" r:id="rId5"/>
-    <p:sldId id="307" r:id="rId6"/>
-    <p:sldId id="269" r:id="rId7"/>
-    <p:sldId id="293" r:id="rId8"/>
-    <p:sldId id="299" r:id="rId9"/>
-    <p:sldId id="301" r:id="rId10"/>
-    <p:sldId id="296" r:id="rId11"/>
-    <p:sldId id="302" r:id="rId12"/>
-    <p:sldId id="303" r:id="rId13"/>
-    <p:sldId id="304" r:id="rId14"/>
-    <p:sldId id="305" r:id="rId15"/>
+    <p:sldId id="269" r:id="rId5"/>
+    <p:sldId id="293" r:id="rId6"/>
+    <p:sldId id="299" r:id="rId7"/>
+    <p:sldId id="301" r:id="rId8"/>
+    <p:sldId id="296" r:id="rId9"/>
+    <p:sldId id="302" r:id="rId10"/>
+    <p:sldId id="303" r:id="rId11"/>
+    <p:sldId id="308" r:id="rId12"/>
+    <p:sldId id="305" r:id="rId13"/>
+    <p:sldId id="309" r:id="rId14"/>
   </p:sldIdLst>
   <p:sldSz cx="9144000" cy="5143500" type="screen16x9"/>
   <p:notesSz cx="6858000" cy="9144000"/>
   <p:embeddedFontLst>
     <p:embeddedFont>
       <p:font typeface="Arial Black" panose="020B0A04020102020204" pitchFamily="34" charset="0"/>
-      <p:bold r:id="rId17"/>
+      <p:bold r:id="rId16"/>
     </p:embeddedFont>
     <p:embeddedFont>
       <p:font typeface="Didact Gothic" panose="00000500000000000000" pitchFamily="2" charset="0"/>
-      <p:regular r:id="rId18"/>
+      <p:regular r:id="rId17"/>
     </p:embeddedFont>
     <p:embeddedFont>
       <p:font typeface="Libre Franklin" pitchFamily="2" charset="0"/>
-      <p:regular r:id="rId19"/>
-      <p:bold r:id="rId20"/>
-      <p:italic r:id="rId21"/>
-      <p:boldItalic r:id="rId22"/>
+      <p:regular r:id="rId18"/>
+      <p:bold r:id="rId19"/>
+      <p:italic r:id="rId20"/>
+      <p:boldItalic r:id="rId21"/>
     </p:embeddedFont>
     <p:embeddedFont>
       <p:font typeface="Lucida Console" panose="020B0609040504020204" pitchFamily="49" charset="0"/>
-      <p:regular r:id="rId23"/>
+      <p:regular r:id="rId22"/>
     </p:embeddedFont>
     <p:embeddedFont>
       <p:font typeface="Poppins" panose="00000500000000000000" pitchFamily="2" charset="0"/>
-      <p:regular r:id="rId24"/>
-      <p:bold r:id="rId25"/>
+      <p:regular r:id="rId23"/>
+      <p:bold r:id="rId24"/>
     </p:embeddedFont>
     <p:embeddedFont>
       <p:font typeface="Roboto" panose="02000000000000000000" pitchFamily="2" charset="0"/>
-      <p:regular r:id="rId26"/>
+      <p:regular r:id="rId25"/>
     </p:embeddedFont>
   </p:embeddedFontLst>
   <p:defaultTextStyle>
@@ -303,7 +302,7 @@
   <pc:docChgLst>
     <pc:chgData name="Mario Aragón Valderrama" userId="ab42593c9091a3c7" providerId="LiveId" clId="{A94EC9C8-FC2E-45B4-829C-AEB6B286F687}"/>
     <pc:docChg chg="custSel addSld delSld modSld">
-      <pc:chgData name="Mario Aragón Valderrama" userId="ab42593c9091a3c7" providerId="LiveId" clId="{A94EC9C8-FC2E-45B4-829C-AEB6B286F687}" dt="2025-12-17T18:30:30.702" v="1633" actId="404"/>
+      <pc:chgData name="Mario Aragón Valderrama" userId="ab42593c9091a3c7" providerId="LiveId" clId="{A94EC9C8-FC2E-45B4-829C-AEB6B286F687}" dt="2025-12-17T21:55:30.187" v="1684" actId="1076"/>
       <pc:docMkLst>
         <pc:docMk/>
       </pc:docMkLst>
@@ -586,7 +585,7 @@
         </pc:sldMkLst>
       </pc:sldChg>
       <pc:sldChg chg="addSp delSp modSp add mod">
-        <pc:chgData name="Mario Aragón Valderrama" userId="ab42593c9091a3c7" providerId="LiveId" clId="{A94EC9C8-FC2E-45B4-829C-AEB6B286F687}" dt="2025-12-17T18:00:22.320" v="391"/>
+        <pc:chgData name="Mario Aragón Valderrama" userId="ab42593c9091a3c7" providerId="LiveId" clId="{A94EC9C8-FC2E-45B4-829C-AEB6B286F687}" dt="2025-12-17T21:54:26.079" v="1676"/>
         <pc:sldMkLst>
           <pc:docMk/>
           <pc:sldMk cId="0" sldId="272"/>
@@ -632,11 +631,19 @@
           </ac:graphicFrameMkLst>
         </pc:graphicFrameChg>
         <pc:graphicFrameChg chg="add mod modGraphic">
-          <ac:chgData name="Mario Aragón Valderrama" userId="ab42593c9091a3c7" providerId="LiveId" clId="{A94EC9C8-FC2E-45B4-829C-AEB6B286F687}" dt="2025-12-17T18:00:22.320" v="391"/>
+          <ac:chgData name="Mario Aragón Valderrama" userId="ab42593c9091a3c7" providerId="LiveId" clId="{A94EC9C8-FC2E-45B4-829C-AEB6B286F687}" dt="2025-12-17T21:54:26.079" v="1676"/>
           <ac:graphicFrameMkLst>
             <pc:docMk/>
             <pc:sldMk cId="0" sldId="272"/>
             <ac:graphicFrameMk id="3" creationId="{82F91AD5-889D-682F-0188-17811BDC62E6}"/>
+          </ac:graphicFrameMkLst>
+        </pc:graphicFrameChg>
+        <pc:graphicFrameChg chg="add del mod">
+          <ac:chgData name="Mario Aragón Valderrama" userId="ab42593c9091a3c7" providerId="LiveId" clId="{A94EC9C8-FC2E-45B4-829C-AEB6B286F687}" dt="2025-12-17T21:53:48.515" v="1638" actId="478"/>
+          <ac:graphicFrameMkLst>
+            <pc:docMk/>
+            <pc:sldMk cId="0" sldId="272"/>
+            <ac:graphicFrameMk id="4" creationId="{4D662621-A338-7D20-AA1E-BFD4B8B7DAA0}"/>
           </ac:graphicFrameMkLst>
         </pc:graphicFrameChg>
         <pc:picChg chg="add del mod">
@@ -656,8 +663,30 @@
           </ac:picMkLst>
         </pc:picChg>
       </pc:sldChg>
-      <pc:sldChg chg="addSp delSp modSp new mod">
-        <pc:chgData name="Mario Aragón Valderrama" userId="ab42593c9091a3c7" providerId="LiveId" clId="{A94EC9C8-FC2E-45B4-829C-AEB6B286F687}" dt="2025-12-17T18:03:32.484" v="556" actId="21"/>
+      <pc:sldChg chg="addSp modSp mod">
+        <pc:chgData name="Mario Aragón Valderrama" userId="ab42593c9091a3c7" providerId="LiveId" clId="{A94EC9C8-FC2E-45B4-829C-AEB6B286F687}" dt="2025-12-17T21:55:30.187" v="1684" actId="1076"/>
+        <pc:sldMkLst>
+          <pc:docMk/>
+          <pc:sldMk cId="0" sldId="296"/>
+        </pc:sldMkLst>
+        <pc:spChg chg="add mod">
+          <ac:chgData name="Mario Aragón Valderrama" userId="ab42593c9091a3c7" providerId="LiveId" clId="{A94EC9C8-FC2E-45B4-829C-AEB6B286F687}" dt="2025-12-17T21:55:30.187" v="1684" actId="1076"/>
+          <ac:spMkLst>
+            <pc:docMk/>
+            <pc:sldMk cId="0" sldId="296"/>
+            <ac:spMk id="3" creationId="{70E38204-24A2-51F6-9008-1CAD6727006D}"/>
+          </ac:spMkLst>
+        </pc:spChg>
+      </pc:sldChg>
+      <pc:sldChg chg="del">
+        <pc:chgData name="Mario Aragón Valderrama" userId="ab42593c9091a3c7" providerId="LiveId" clId="{A94EC9C8-FC2E-45B4-829C-AEB6B286F687}" dt="2025-12-17T21:53:02.878" v="1635" actId="47"/>
+        <pc:sldMkLst>
+          <pc:docMk/>
+          <pc:sldMk cId="0" sldId="304"/>
+        </pc:sldMkLst>
+      </pc:sldChg>
+      <pc:sldChg chg="addSp delSp modSp new del mod">
+        <pc:chgData name="Mario Aragón Valderrama" userId="ab42593c9091a3c7" providerId="LiveId" clId="{A94EC9C8-FC2E-45B4-829C-AEB6B286F687}" dt="2025-12-17T21:54:41.921" v="1678" actId="47"/>
         <pc:sldMkLst>
           <pc:docMk/>
           <pc:sldMk cId="2064685130" sldId="306"/>
@@ -687,8 +716,8 @@
           </ac:spMkLst>
         </pc:spChg>
       </pc:sldChg>
-      <pc:sldChg chg="addSp delSp modSp new">
-        <pc:chgData name="Mario Aragón Valderrama" userId="ab42593c9091a3c7" providerId="LiveId" clId="{A94EC9C8-FC2E-45B4-829C-AEB6B286F687}" dt="2025-12-17T18:03:35.578" v="558"/>
+      <pc:sldChg chg="addSp delSp modSp new del">
+        <pc:chgData name="Mario Aragón Valderrama" userId="ab42593c9091a3c7" providerId="LiveId" clId="{A94EC9C8-FC2E-45B4-829C-AEB6B286F687}" dt="2025-12-17T21:54:37.485" v="1677" actId="47"/>
         <pc:sldMkLst>
           <pc:docMk/>
           <pc:sldMk cId="533820865" sldId="307"/>
@@ -710,6 +739,13 @@
           </ac:spMkLst>
         </pc:spChg>
       </pc:sldChg>
+      <pc:sldChg chg="add">
+        <pc:chgData name="Mario Aragón Valderrama" userId="ab42593c9091a3c7" providerId="LiveId" clId="{A94EC9C8-FC2E-45B4-829C-AEB6B286F687}" dt="2025-12-17T21:52:57.376" v="1634"/>
+        <pc:sldMkLst>
+          <pc:docMk/>
+          <pc:sldMk cId="0" sldId="308"/>
+        </pc:sldMkLst>
+      </pc:sldChg>
       <pc:sldChg chg="modSp new del">
         <pc:chgData name="Mario Aragón Valderrama" userId="ab42593c9091a3c7" providerId="LiveId" clId="{A94EC9C8-FC2E-45B4-829C-AEB6B286F687}" dt="2025-12-17T18:07:33.772" v="574" actId="47"/>
         <pc:sldMkLst>
@@ -724,6 +760,13 @@
             <ac:spMk id="2" creationId="{BAFE5815-9901-BFBE-F77F-98F480841E5B}"/>
           </ac:spMkLst>
         </pc:spChg>
+      </pc:sldChg>
+      <pc:sldChg chg="add">
+        <pc:chgData name="Mario Aragón Valderrama" userId="ab42593c9091a3c7" providerId="LiveId" clId="{A94EC9C8-FC2E-45B4-829C-AEB6B286F687}" dt="2025-12-17T21:53:11.533" v="1636"/>
+        <pc:sldMkLst>
+          <pc:docMk/>
+          <pc:sldMk cId="3136901332" sldId="309"/>
+        </pc:sldMkLst>
       </pc:sldChg>
     </pc:docChg>
   </pc:docChgLst>
@@ -3010,17 +3053,44 @@
                 <a:srgbClr val="002060"/>
               </a:solidFill>
             </a:rPr>
-            <a:t>	GLM – </a:t>
+            <a:t>	</a:t>
+          </a:r>
+          <a:r>
+            <a:rPr lang="es-ES" sz="1000" b="1" dirty="0" err="1">
+              <a:solidFill>
+                <a:srgbClr val="002060"/>
+              </a:solidFill>
+            </a:rPr>
+            <a:t>Classification</a:t>
+          </a:r>
+          <a:r>
+            <a:rPr lang="es-ES" sz="1000" b="1" dirty="0">
+              <a:solidFill>
+                <a:srgbClr val="002060"/>
+              </a:solidFill>
+            </a:rPr>
+            <a:t> </a:t>
+          </a:r>
+          <a:r>
+            <a:rPr lang="es-ES" sz="1000" b="1" dirty="0" err="1">
+              <a:solidFill>
+                <a:srgbClr val="002060"/>
+              </a:solidFill>
+            </a:rPr>
+            <a:t>tree</a:t>
+          </a:r>
+          <a:r>
+            <a:rPr lang="es-ES" sz="1000" b="1" dirty="0">
+              <a:solidFill>
+                <a:srgbClr val="002060"/>
+              </a:solidFill>
+            </a:rPr>
+            <a:t> – </a:t>
           </a:r>
           <a:r>
             <a:rPr lang="es-ES" sz="1000" dirty="0"/>
-            <a:t>Mario, Melissa, </a:t>
+            <a:t>Laura, Mario</a:t>
           </a:r>
-          <a:r>
-            <a:rPr lang="es-ES" sz="1000" dirty="0" err="1"/>
-            <a:t>Wenjia</a:t>
-          </a:r>
-          <a:endParaRPr lang="es-ES" sz="1000" dirty="0"/>
         </a:p>
       </dgm:t>
     </dgm:pt>
@@ -3243,6 +3313,63 @@
         </a:p>
       </dgm:t>
     </dgm:pt>
+    <dgm:pt modelId="{CBB8FCE7-42DE-4AB9-8449-1E5F7A7867C3}">
+      <dgm:prSet phldrT="[Texto]" phldr="0" custT="1"/>
+      <dgm:spPr/>
+      <dgm:t>
+        <a:bodyPr/>
+        <a:lstStyle/>
+        <a:p>
+          <a:r>
+            <a:rPr lang="es-ES" sz="1400" b="1" dirty="0">
+              <a:solidFill>
+                <a:srgbClr val="002060"/>
+              </a:solidFill>
+            </a:rPr>
+            <a:t>	</a:t>
+          </a:r>
+          <a:r>
+            <a:rPr lang="es-ES" sz="1100" b="1" dirty="0">
+              <a:solidFill>
+                <a:srgbClr val="002060"/>
+              </a:solidFill>
+            </a:rPr>
+            <a:t>GLM – </a:t>
+          </a:r>
+          <a:r>
+            <a:rPr lang="es-ES" sz="1100" dirty="0"/>
+            <a:t>Mario, Melissa, </a:t>
+          </a:r>
+          <a:r>
+            <a:rPr lang="es-ES" sz="1100" dirty="0" err="1"/>
+            <a:t>Wenjia</a:t>
+          </a:r>
+          <a:endParaRPr lang="es-ES" sz="1400" dirty="0"/>
+        </a:p>
+      </dgm:t>
+    </dgm:pt>
+    <dgm:pt modelId="{A5C5997E-6D94-48F3-B2FA-FEA74E756220}" type="parTrans" cxnId="{1585B7A5-8E86-4AA7-BFD1-25296A8A4518}">
+      <dgm:prSet/>
+      <dgm:spPr/>
+      <dgm:t>
+        <a:bodyPr/>
+        <a:lstStyle/>
+        <a:p>
+          <a:endParaRPr lang="es-ES"/>
+        </a:p>
+      </dgm:t>
+    </dgm:pt>
+    <dgm:pt modelId="{CB1651EC-D3ED-4145-87AA-FCF9FF61BD01}" type="sibTrans" cxnId="{1585B7A5-8E86-4AA7-BFD1-25296A8A4518}">
+      <dgm:prSet/>
+      <dgm:spPr/>
+      <dgm:t>
+        <a:bodyPr/>
+        <a:lstStyle/>
+        <a:p>
+          <a:endParaRPr lang="es-ES"/>
+        </a:p>
+      </dgm:t>
+    </dgm:pt>
     <dgm:pt modelId="{2D5738C4-EC9E-4779-B540-31D33BE25B70}" type="pres">
       <dgm:prSet presAssocID="{E0DBD592-C900-4D5D-A79A-93A58E8DA172}" presName="linear" presStyleCnt="0">
         <dgm:presLayoutVars>
@@ -3257,23 +3384,23 @@
       <dgm:spPr/>
     </dgm:pt>
     <dgm:pt modelId="{DC08CE2B-3BA2-48DB-B768-70EF00B4488D}" type="pres">
-      <dgm:prSet presAssocID="{C9F99139-B66D-4219-861A-3EA127D493C0}" presName="box" presStyleLbl="node1" presStyleIdx="0" presStyleCnt="4" custScaleY="71211"/>
+      <dgm:prSet presAssocID="{C9F99139-B66D-4219-861A-3EA127D493C0}" presName="box" presStyleLbl="node1" presStyleIdx="0" presStyleCnt="5" custScaleY="71211"/>
       <dgm:spPr/>
     </dgm:pt>
     <dgm:pt modelId="{EF2D8EC3-8FE2-4E7C-B86A-83EDAF07162F}" type="pres">
-      <dgm:prSet presAssocID="{C9F99139-B66D-4219-861A-3EA127D493C0}" presName="img" presStyleLbl="fgImgPlace1" presStyleIdx="0" presStyleCnt="4" custScaleY="69563"/>
+      <dgm:prSet presAssocID="{C9F99139-B66D-4219-861A-3EA127D493C0}" presName="img" presStyleLbl="fgImgPlace1" presStyleIdx="0" presStyleCnt="5" custScaleY="69563"/>
       <dgm:spPr>
         <a:blipFill>
           <a:blip xmlns:r="http://schemas.openxmlformats.org/officeDocument/2006/relationships" r:embed="rId1"/>
           <a:srcRect/>
           <a:stretch>
-            <a:fillRect t="-30000" b="-30000"/>
+            <a:fillRect t="-23000" b="-23000"/>
           </a:stretch>
         </a:blipFill>
       </dgm:spPr>
     </dgm:pt>
     <dgm:pt modelId="{51F715FF-4B49-486A-B461-C35D3C55EEB6}" type="pres">
-      <dgm:prSet presAssocID="{C9F99139-B66D-4219-861A-3EA127D493C0}" presName="text" presStyleLbl="node1" presStyleIdx="0" presStyleCnt="4">
+      <dgm:prSet presAssocID="{C9F99139-B66D-4219-861A-3EA127D493C0}" presName="text" presStyleLbl="node1" presStyleIdx="0" presStyleCnt="5">
         <dgm:presLayoutVars>
           <dgm:bulletEnabled val="1"/>
         </dgm:presLayoutVars>
@@ -3284,19 +3411,51 @@
       <dgm:prSet presAssocID="{2ABCB300-CCE9-44E7-999D-3B03628596E1}" presName="spacer" presStyleCnt="0"/>
       <dgm:spPr/>
     </dgm:pt>
+    <dgm:pt modelId="{57B2E380-260B-4D42-9ABF-757D834B7C0E}" type="pres">
+      <dgm:prSet presAssocID="{CBB8FCE7-42DE-4AB9-8449-1E5F7A7867C3}" presName="comp" presStyleCnt="0"/>
+      <dgm:spPr/>
+    </dgm:pt>
+    <dgm:pt modelId="{A8761105-B57E-4142-A234-EC95E6C52F6F}" type="pres">
+      <dgm:prSet presAssocID="{CBB8FCE7-42DE-4AB9-8449-1E5F7A7867C3}" presName="box" presStyleLbl="node1" presStyleIdx="1" presStyleCnt="5" custScaleY="71211"/>
+      <dgm:spPr/>
+    </dgm:pt>
+    <dgm:pt modelId="{459A9BEF-97B9-4E0D-BEF7-43C9AE90C871}" type="pres">
+      <dgm:prSet presAssocID="{CBB8FCE7-42DE-4AB9-8449-1E5F7A7867C3}" presName="img" presStyleLbl="fgImgPlace1" presStyleIdx="1" presStyleCnt="5"/>
+      <dgm:spPr>
+        <a:blipFill>
+          <a:blip xmlns:r="http://schemas.openxmlformats.org/officeDocument/2006/relationships" r:embed="rId2"/>
+          <a:srcRect/>
+          <a:stretch>
+            <a:fillRect t="-30000" b="-30000"/>
+          </a:stretch>
+        </a:blipFill>
+      </dgm:spPr>
+    </dgm:pt>
+    <dgm:pt modelId="{4BD19398-FFB6-4600-83F1-C25120788EDE}" type="pres">
+      <dgm:prSet presAssocID="{CBB8FCE7-42DE-4AB9-8449-1E5F7A7867C3}" presName="text" presStyleLbl="node1" presStyleIdx="1" presStyleCnt="5">
+        <dgm:presLayoutVars>
+          <dgm:bulletEnabled val="1"/>
+        </dgm:presLayoutVars>
+      </dgm:prSet>
+      <dgm:spPr/>
+    </dgm:pt>
+    <dgm:pt modelId="{55D601DF-6BFB-49E4-A98F-B2DECAFF06BA}" type="pres">
+      <dgm:prSet presAssocID="{CB1651EC-D3ED-4145-87AA-FCF9FF61BD01}" presName="spacer" presStyleCnt="0"/>
+      <dgm:spPr/>
+    </dgm:pt>
     <dgm:pt modelId="{9C15E9F4-CE56-4E8D-9AC4-025934C7C1D4}" type="pres">
       <dgm:prSet presAssocID="{B0A54B65-E829-4553-8B45-B4EBDAF3C233}" presName="comp" presStyleCnt="0"/>
       <dgm:spPr/>
     </dgm:pt>
     <dgm:pt modelId="{B12AE6C0-B4ED-4A08-98AA-6732B6DC385E}" type="pres">
-      <dgm:prSet presAssocID="{B0A54B65-E829-4553-8B45-B4EBDAF3C233}" presName="box" presStyleLbl="node1" presStyleIdx="1" presStyleCnt="4" custScaleY="72558"/>
+      <dgm:prSet presAssocID="{B0A54B65-E829-4553-8B45-B4EBDAF3C233}" presName="box" presStyleLbl="node1" presStyleIdx="2" presStyleCnt="5" custScaleY="72558"/>
       <dgm:spPr/>
     </dgm:pt>
     <dgm:pt modelId="{C9E8AD8B-B134-4129-BD9A-C060E9DACAFC}" type="pres">
-      <dgm:prSet presAssocID="{B0A54B65-E829-4553-8B45-B4EBDAF3C233}" presName="img" presStyleLbl="fgImgPlace1" presStyleIdx="1" presStyleCnt="4" custScaleY="89187"/>
+      <dgm:prSet presAssocID="{B0A54B65-E829-4553-8B45-B4EBDAF3C233}" presName="img" presStyleLbl="fgImgPlace1" presStyleIdx="2" presStyleCnt="5" custScaleY="89187"/>
       <dgm:spPr>
         <a:blipFill>
-          <a:blip xmlns:r="http://schemas.openxmlformats.org/officeDocument/2006/relationships" r:embed="rId2"/>
+          <a:blip xmlns:r="http://schemas.openxmlformats.org/officeDocument/2006/relationships" r:embed="rId3"/>
           <a:srcRect/>
           <a:stretch>
             <a:fillRect l="-19000" r="-19000"/>
@@ -3305,7 +3464,7 @@
       </dgm:spPr>
     </dgm:pt>
     <dgm:pt modelId="{3D1FE89A-8ADF-4C10-94D7-ABA6570F8C42}" type="pres">
-      <dgm:prSet presAssocID="{B0A54B65-E829-4553-8B45-B4EBDAF3C233}" presName="text" presStyleLbl="node1" presStyleIdx="1" presStyleCnt="4">
+      <dgm:prSet presAssocID="{B0A54B65-E829-4553-8B45-B4EBDAF3C233}" presName="text" presStyleLbl="node1" presStyleIdx="2" presStyleCnt="5">
         <dgm:presLayoutVars>
           <dgm:bulletEnabled val="1"/>
         </dgm:presLayoutVars>
@@ -3321,14 +3480,14 @@
       <dgm:spPr/>
     </dgm:pt>
     <dgm:pt modelId="{C6452C4A-60F5-47BC-8505-428BC48A03CB}" type="pres">
-      <dgm:prSet presAssocID="{EBF196C3-A6DB-42DE-B168-0612EDF03693}" presName="box" presStyleLbl="node1" presStyleIdx="2" presStyleCnt="4" custScaleY="130909"/>
+      <dgm:prSet presAssocID="{EBF196C3-A6DB-42DE-B168-0612EDF03693}" presName="box" presStyleLbl="node1" presStyleIdx="3" presStyleCnt="5" custScaleY="130909"/>
       <dgm:spPr/>
     </dgm:pt>
     <dgm:pt modelId="{D306C488-315E-46F7-B989-FFF5212BF6E2}" type="pres">
-      <dgm:prSet presAssocID="{EBF196C3-A6DB-42DE-B168-0612EDF03693}" presName="img" presStyleLbl="fgImgPlace1" presStyleIdx="2" presStyleCnt="4" custScaleY="91348"/>
+      <dgm:prSet presAssocID="{EBF196C3-A6DB-42DE-B168-0612EDF03693}" presName="img" presStyleLbl="fgImgPlace1" presStyleIdx="3" presStyleCnt="5" custScaleY="91348"/>
       <dgm:spPr>
         <a:blipFill>
-          <a:blip xmlns:r="http://schemas.openxmlformats.org/officeDocument/2006/relationships" r:embed="rId3"/>
+          <a:blip xmlns:r="http://schemas.openxmlformats.org/officeDocument/2006/relationships" r:embed="rId4"/>
           <a:srcRect/>
           <a:stretch>
             <a:fillRect l="-79000" r="-79000"/>
@@ -3337,7 +3496,7 @@
       </dgm:spPr>
     </dgm:pt>
     <dgm:pt modelId="{E67E17D0-D90F-49C4-814B-C75905BED48F}" type="pres">
-      <dgm:prSet presAssocID="{EBF196C3-A6DB-42DE-B168-0612EDF03693}" presName="text" presStyleLbl="node1" presStyleIdx="2" presStyleCnt="4">
+      <dgm:prSet presAssocID="{EBF196C3-A6DB-42DE-B168-0612EDF03693}" presName="text" presStyleLbl="node1" presStyleIdx="3" presStyleCnt="5">
         <dgm:presLayoutVars>
           <dgm:bulletEnabled val="1"/>
         </dgm:presLayoutVars>
@@ -3353,14 +3512,14 @@
       <dgm:spPr/>
     </dgm:pt>
     <dgm:pt modelId="{9368D843-76C1-42B0-834B-2DA28FCB0771}" type="pres">
-      <dgm:prSet presAssocID="{D3DB2985-286F-4E1B-A3EF-B67DCD1C08F6}" presName="box" presStyleLbl="node1" presStyleIdx="3" presStyleCnt="4"/>
+      <dgm:prSet presAssocID="{D3DB2985-286F-4E1B-A3EF-B67DCD1C08F6}" presName="box" presStyleLbl="node1" presStyleIdx="4" presStyleCnt="5"/>
       <dgm:spPr/>
     </dgm:pt>
     <dgm:pt modelId="{D58F51A8-C9AC-49A7-BF07-49E56398E46B}" type="pres">
-      <dgm:prSet presAssocID="{D3DB2985-286F-4E1B-A3EF-B67DCD1C08F6}" presName="img" presStyleLbl="fgImgPlace1" presStyleIdx="3" presStyleCnt="4"/>
+      <dgm:prSet presAssocID="{D3DB2985-286F-4E1B-A3EF-B67DCD1C08F6}" presName="img" presStyleLbl="fgImgPlace1" presStyleIdx="4" presStyleCnt="5"/>
       <dgm:spPr>
         <a:blipFill>
-          <a:blip xmlns:r="http://schemas.openxmlformats.org/officeDocument/2006/relationships" r:embed="rId4"/>
+          <a:blip xmlns:r="http://schemas.openxmlformats.org/officeDocument/2006/relationships" r:embed="rId5"/>
           <a:srcRect/>
           <a:stretch>
             <a:fillRect t="-11000" b="-11000"/>
@@ -3369,7 +3528,7 @@
       </dgm:spPr>
     </dgm:pt>
     <dgm:pt modelId="{CCCE771C-F880-4686-A4B6-89572DC603BC}" type="pres">
-      <dgm:prSet presAssocID="{D3DB2985-286F-4E1B-A3EF-B67DCD1C08F6}" presName="text" presStyleLbl="node1" presStyleIdx="3" presStyleCnt="4">
+      <dgm:prSet presAssocID="{D3DB2985-286F-4E1B-A3EF-B67DCD1C08F6}" presName="text" presStyleLbl="node1" presStyleIdx="4" presStyleCnt="5">
         <dgm:presLayoutVars>
           <dgm:bulletEnabled val="1"/>
         </dgm:presLayoutVars>
@@ -3380,33 +3539,41 @@
   <dgm:cxnLst>
     <dgm:cxn modelId="{D7771514-C386-46C1-946B-E4D34C195D50}" type="presOf" srcId="{E0DBD592-C900-4D5D-A79A-93A58E8DA172}" destId="{2D5738C4-EC9E-4779-B540-31D33BE25B70}" srcOrd="0" destOrd="0" presId="urn:microsoft.com/office/officeart/2005/8/layout/vList4"/>
     <dgm:cxn modelId="{441FA015-EE80-4570-970B-A56A475256EF}" type="presOf" srcId="{C9F99139-B66D-4219-861A-3EA127D493C0}" destId="{DC08CE2B-3BA2-48DB-B768-70EF00B4488D}" srcOrd="0" destOrd="0" presId="urn:microsoft.com/office/officeart/2005/8/layout/vList4"/>
+    <dgm:cxn modelId="{5D25C235-10BC-4CB9-9646-7F93EB8CFE62}" type="presOf" srcId="{CBB8FCE7-42DE-4AB9-8449-1E5F7A7867C3}" destId="{A8761105-B57E-4142-A234-EC95E6C52F6F}" srcOrd="0" destOrd="0" presId="urn:microsoft.com/office/officeart/2005/8/layout/vList4"/>
+    <dgm:cxn modelId="{D0F4D63A-4371-4A98-88B0-AEC658A575BE}" type="presOf" srcId="{CBB8FCE7-42DE-4AB9-8449-1E5F7A7867C3}" destId="{4BD19398-FFB6-4600-83F1-C25120788EDE}" srcOrd="1" destOrd="0" presId="urn:microsoft.com/office/officeart/2005/8/layout/vList4"/>
     <dgm:cxn modelId="{DF5B256E-1BCA-468C-AF06-39814118FCEF}" type="presOf" srcId="{B0A54B65-E829-4553-8B45-B4EBDAF3C233}" destId="{B12AE6C0-B4ED-4A08-98AA-6732B6DC385E}" srcOrd="0" destOrd="0" presId="urn:microsoft.com/office/officeart/2005/8/layout/vList4"/>
     <dgm:cxn modelId="{2FF3EB71-C7F5-4619-AB74-5943DE39CC10}" srcId="{E0DBD592-C900-4D5D-A79A-93A58E8DA172}" destId="{C9F99139-B66D-4219-861A-3EA127D493C0}" srcOrd="0" destOrd="0" parTransId="{1C880A37-22BC-4FD9-8955-F47618D81BCC}" sibTransId="{2ABCB300-CCE9-44E7-999D-3B03628596E1}"/>
-    <dgm:cxn modelId="{D2E0ED84-53E3-49A1-A292-3EA003DD3B1F}" srcId="{E0DBD592-C900-4D5D-A79A-93A58E8DA172}" destId="{D3DB2985-286F-4E1B-A3EF-B67DCD1C08F6}" srcOrd="3" destOrd="0" parTransId="{3A914AC6-6594-4B0A-A5A2-C491F53EF95C}" sibTransId="{F982C1E6-BEEF-456A-A8F1-006AD67EDC6F}"/>
+    <dgm:cxn modelId="{D2E0ED84-53E3-49A1-A292-3EA003DD3B1F}" srcId="{E0DBD592-C900-4D5D-A79A-93A58E8DA172}" destId="{D3DB2985-286F-4E1B-A3EF-B67DCD1C08F6}" srcOrd="4" destOrd="0" parTransId="{3A914AC6-6594-4B0A-A5A2-C491F53EF95C}" sibTransId="{F982C1E6-BEEF-456A-A8F1-006AD67EDC6F}"/>
     <dgm:cxn modelId="{712DF1A2-9649-4A26-A0DA-529186D8E53F}" type="presOf" srcId="{D3DB2985-286F-4E1B-A3EF-B67DCD1C08F6}" destId="{9368D843-76C1-42B0-834B-2DA28FCB0771}" srcOrd="0" destOrd="0" presId="urn:microsoft.com/office/officeart/2005/8/layout/vList4"/>
+    <dgm:cxn modelId="{1585B7A5-8E86-4AA7-BFD1-25296A8A4518}" srcId="{E0DBD592-C900-4D5D-A79A-93A58E8DA172}" destId="{CBB8FCE7-42DE-4AB9-8449-1E5F7A7867C3}" srcOrd="1" destOrd="0" parTransId="{A5C5997E-6D94-48F3-B2FA-FEA74E756220}" sibTransId="{CB1651EC-D3ED-4145-87AA-FCF9FF61BD01}"/>
     <dgm:cxn modelId="{CADC53CB-EC25-4D6E-882B-972A19677F10}" type="presOf" srcId="{D3DB2985-286F-4E1B-A3EF-B67DCD1C08F6}" destId="{CCCE771C-F880-4686-A4B6-89572DC603BC}" srcOrd="1" destOrd="0" presId="urn:microsoft.com/office/officeart/2005/8/layout/vList4"/>
-    <dgm:cxn modelId="{62EFD2D3-AE51-4D7B-AC9A-B557C95CFE85}" srcId="{E0DBD592-C900-4D5D-A79A-93A58E8DA172}" destId="{B0A54B65-E829-4553-8B45-B4EBDAF3C233}" srcOrd="1" destOrd="0" parTransId="{58D673D6-CE1A-45C9-8DE0-8248CFA91FFF}" sibTransId="{F068E20D-9182-40E9-81D3-3D2119E9E208}"/>
+    <dgm:cxn modelId="{62EFD2D3-AE51-4D7B-AC9A-B557C95CFE85}" srcId="{E0DBD592-C900-4D5D-A79A-93A58E8DA172}" destId="{B0A54B65-E829-4553-8B45-B4EBDAF3C233}" srcOrd="2" destOrd="0" parTransId="{58D673D6-CE1A-45C9-8DE0-8248CFA91FFF}" sibTransId="{F068E20D-9182-40E9-81D3-3D2119E9E208}"/>
     <dgm:cxn modelId="{A4BF16E6-FAE2-49A6-8E9A-22FE4B1019A9}" type="presOf" srcId="{EBF196C3-A6DB-42DE-B168-0612EDF03693}" destId="{C6452C4A-60F5-47BC-8505-428BC48A03CB}" srcOrd="0" destOrd="0" presId="urn:microsoft.com/office/officeart/2005/8/layout/vList4"/>
     <dgm:cxn modelId="{F31FFAE6-B3DF-4875-8480-C0F41B21D4B2}" type="presOf" srcId="{B0A54B65-E829-4553-8B45-B4EBDAF3C233}" destId="{3D1FE89A-8ADF-4C10-94D7-ABA6570F8C42}" srcOrd="1" destOrd="0" presId="urn:microsoft.com/office/officeart/2005/8/layout/vList4"/>
     <dgm:cxn modelId="{983B2CED-E271-4C8A-9468-B16025433270}" type="presOf" srcId="{C9F99139-B66D-4219-861A-3EA127D493C0}" destId="{51F715FF-4B49-486A-B461-C35D3C55EEB6}" srcOrd="1" destOrd="0" presId="urn:microsoft.com/office/officeart/2005/8/layout/vList4"/>
-    <dgm:cxn modelId="{09CD5CFB-F57C-4EA7-9B86-AED2343EDF67}" srcId="{E0DBD592-C900-4D5D-A79A-93A58E8DA172}" destId="{EBF196C3-A6DB-42DE-B168-0612EDF03693}" srcOrd="2" destOrd="0" parTransId="{9BCB12AF-3FDE-4ECC-9F8F-CED83AED7CCB}" sibTransId="{C16B64A7-40EB-4C86-BE64-8EBACDE653C3}"/>
+    <dgm:cxn modelId="{09CD5CFB-F57C-4EA7-9B86-AED2343EDF67}" srcId="{E0DBD592-C900-4D5D-A79A-93A58E8DA172}" destId="{EBF196C3-A6DB-42DE-B168-0612EDF03693}" srcOrd="3" destOrd="0" parTransId="{9BCB12AF-3FDE-4ECC-9F8F-CED83AED7CCB}" sibTransId="{C16B64A7-40EB-4C86-BE64-8EBACDE653C3}"/>
     <dgm:cxn modelId="{4D52D9FF-8814-4832-AAFD-6DD4FA592C36}" type="presOf" srcId="{EBF196C3-A6DB-42DE-B168-0612EDF03693}" destId="{E67E17D0-D90F-49C4-814B-C75905BED48F}" srcOrd="1" destOrd="0" presId="urn:microsoft.com/office/officeart/2005/8/layout/vList4"/>
     <dgm:cxn modelId="{EF6542DF-4537-4DC2-B1D9-B78444899BEC}" type="presParOf" srcId="{2D5738C4-EC9E-4779-B540-31D33BE25B70}" destId="{3495E656-1F14-4307-80DE-ABD969E4FEFA}" srcOrd="0" destOrd="0" presId="urn:microsoft.com/office/officeart/2005/8/layout/vList4"/>
     <dgm:cxn modelId="{E754B661-2C85-40F8-9635-1E3B84D8F76E}" type="presParOf" srcId="{3495E656-1F14-4307-80DE-ABD969E4FEFA}" destId="{DC08CE2B-3BA2-48DB-B768-70EF00B4488D}" srcOrd="0" destOrd="0" presId="urn:microsoft.com/office/officeart/2005/8/layout/vList4"/>
     <dgm:cxn modelId="{DDC0104C-69C6-4C22-8DDA-37422DD457EB}" type="presParOf" srcId="{3495E656-1F14-4307-80DE-ABD969E4FEFA}" destId="{EF2D8EC3-8FE2-4E7C-B86A-83EDAF07162F}" srcOrd="1" destOrd="0" presId="urn:microsoft.com/office/officeart/2005/8/layout/vList4"/>
     <dgm:cxn modelId="{712E3B41-46F6-4BB0-8C90-5002339AB84F}" type="presParOf" srcId="{3495E656-1F14-4307-80DE-ABD969E4FEFA}" destId="{51F715FF-4B49-486A-B461-C35D3C55EEB6}" srcOrd="2" destOrd="0" presId="urn:microsoft.com/office/officeart/2005/8/layout/vList4"/>
     <dgm:cxn modelId="{DFC7B6B5-59F6-4A57-A84F-0850103975EA}" type="presParOf" srcId="{2D5738C4-EC9E-4779-B540-31D33BE25B70}" destId="{A85E9522-9A51-4F9B-825C-5AAE997BCC79}" srcOrd="1" destOrd="0" presId="urn:microsoft.com/office/officeart/2005/8/layout/vList4"/>
-    <dgm:cxn modelId="{DD6A45F7-31A4-4567-9B0C-DAB37FAA4FDB}" type="presParOf" srcId="{2D5738C4-EC9E-4779-B540-31D33BE25B70}" destId="{9C15E9F4-CE56-4E8D-9AC4-025934C7C1D4}" srcOrd="2" destOrd="0" presId="urn:microsoft.com/office/officeart/2005/8/layout/vList4"/>
+    <dgm:cxn modelId="{B45A5EC8-4B0D-493B-B22E-C873572AF3AF}" type="presParOf" srcId="{2D5738C4-EC9E-4779-B540-31D33BE25B70}" destId="{57B2E380-260B-4D42-9ABF-757D834B7C0E}" srcOrd="2" destOrd="0" presId="urn:microsoft.com/office/officeart/2005/8/layout/vList4"/>
+    <dgm:cxn modelId="{9E663AA7-664C-4144-A252-F02ADF023C7D}" type="presParOf" srcId="{57B2E380-260B-4D42-9ABF-757D834B7C0E}" destId="{A8761105-B57E-4142-A234-EC95E6C52F6F}" srcOrd="0" destOrd="0" presId="urn:microsoft.com/office/officeart/2005/8/layout/vList4"/>
+    <dgm:cxn modelId="{D3DD89F7-2CD2-4C77-BAC1-72A5AECC0EAD}" type="presParOf" srcId="{57B2E380-260B-4D42-9ABF-757D834B7C0E}" destId="{459A9BEF-97B9-4E0D-BEF7-43C9AE90C871}" srcOrd="1" destOrd="0" presId="urn:microsoft.com/office/officeart/2005/8/layout/vList4"/>
+    <dgm:cxn modelId="{739339CB-224D-4F1E-A3F5-F156EF303FE6}" type="presParOf" srcId="{57B2E380-260B-4D42-9ABF-757D834B7C0E}" destId="{4BD19398-FFB6-4600-83F1-C25120788EDE}" srcOrd="2" destOrd="0" presId="urn:microsoft.com/office/officeart/2005/8/layout/vList4"/>
+    <dgm:cxn modelId="{E5E83EF8-6682-4D07-948B-D12A35D7040B}" type="presParOf" srcId="{2D5738C4-EC9E-4779-B540-31D33BE25B70}" destId="{55D601DF-6BFB-49E4-A98F-B2DECAFF06BA}" srcOrd="3" destOrd="0" presId="urn:microsoft.com/office/officeart/2005/8/layout/vList4"/>
+    <dgm:cxn modelId="{DD6A45F7-31A4-4567-9B0C-DAB37FAA4FDB}" type="presParOf" srcId="{2D5738C4-EC9E-4779-B540-31D33BE25B70}" destId="{9C15E9F4-CE56-4E8D-9AC4-025934C7C1D4}" srcOrd="4" destOrd="0" presId="urn:microsoft.com/office/officeart/2005/8/layout/vList4"/>
     <dgm:cxn modelId="{F8DAF924-F73D-41DC-B2E9-9682829D2561}" type="presParOf" srcId="{9C15E9F4-CE56-4E8D-9AC4-025934C7C1D4}" destId="{B12AE6C0-B4ED-4A08-98AA-6732B6DC385E}" srcOrd="0" destOrd="0" presId="urn:microsoft.com/office/officeart/2005/8/layout/vList4"/>
     <dgm:cxn modelId="{41611BF0-B5B2-4B8C-9E68-B8B35264280D}" type="presParOf" srcId="{9C15E9F4-CE56-4E8D-9AC4-025934C7C1D4}" destId="{C9E8AD8B-B134-4129-BD9A-C060E9DACAFC}" srcOrd="1" destOrd="0" presId="urn:microsoft.com/office/officeart/2005/8/layout/vList4"/>
     <dgm:cxn modelId="{A70DB30D-F7C5-4C01-9738-E0DE48D12509}" type="presParOf" srcId="{9C15E9F4-CE56-4E8D-9AC4-025934C7C1D4}" destId="{3D1FE89A-8ADF-4C10-94D7-ABA6570F8C42}" srcOrd="2" destOrd="0" presId="urn:microsoft.com/office/officeart/2005/8/layout/vList4"/>
-    <dgm:cxn modelId="{72A817E0-9F11-4CE9-9F3E-F26DF95F0CBA}" type="presParOf" srcId="{2D5738C4-EC9E-4779-B540-31D33BE25B70}" destId="{3ADE5778-2B09-4D2C-BFA0-9E09D3AB850F}" srcOrd="3" destOrd="0" presId="urn:microsoft.com/office/officeart/2005/8/layout/vList4"/>
-    <dgm:cxn modelId="{21D79D85-6A79-4C95-AB05-4B9FBCEEFB38}" type="presParOf" srcId="{2D5738C4-EC9E-4779-B540-31D33BE25B70}" destId="{394CAA2C-B39A-45C2-8692-4F108831F697}" srcOrd="4" destOrd="0" presId="urn:microsoft.com/office/officeart/2005/8/layout/vList4"/>
+    <dgm:cxn modelId="{72A817E0-9F11-4CE9-9F3E-F26DF95F0CBA}" type="presParOf" srcId="{2D5738C4-EC9E-4779-B540-31D33BE25B70}" destId="{3ADE5778-2B09-4D2C-BFA0-9E09D3AB850F}" srcOrd="5" destOrd="0" presId="urn:microsoft.com/office/officeart/2005/8/layout/vList4"/>
+    <dgm:cxn modelId="{21D79D85-6A79-4C95-AB05-4B9FBCEEFB38}" type="presParOf" srcId="{2D5738C4-EC9E-4779-B540-31D33BE25B70}" destId="{394CAA2C-B39A-45C2-8692-4F108831F697}" srcOrd="6" destOrd="0" presId="urn:microsoft.com/office/officeart/2005/8/layout/vList4"/>
     <dgm:cxn modelId="{1B5F7425-81F1-4E75-BE49-07209D8A9C92}" type="presParOf" srcId="{394CAA2C-B39A-45C2-8692-4F108831F697}" destId="{C6452C4A-60F5-47BC-8505-428BC48A03CB}" srcOrd="0" destOrd="0" presId="urn:microsoft.com/office/officeart/2005/8/layout/vList4"/>
     <dgm:cxn modelId="{9D32D5E8-902D-4D45-8002-75E51E6E0EAC}" type="presParOf" srcId="{394CAA2C-B39A-45C2-8692-4F108831F697}" destId="{D306C488-315E-46F7-B989-FFF5212BF6E2}" srcOrd="1" destOrd="0" presId="urn:microsoft.com/office/officeart/2005/8/layout/vList4"/>
     <dgm:cxn modelId="{39D6149B-BA07-4DFB-A0E9-B769847AEDE3}" type="presParOf" srcId="{394CAA2C-B39A-45C2-8692-4F108831F697}" destId="{E67E17D0-D90F-49C4-814B-C75905BED48F}" srcOrd="2" destOrd="0" presId="urn:microsoft.com/office/officeart/2005/8/layout/vList4"/>
-    <dgm:cxn modelId="{AB430D4A-F663-4F65-90FB-5EBB31C3C10E}" type="presParOf" srcId="{2D5738C4-EC9E-4779-B540-31D33BE25B70}" destId="{A4B9FD97-CD6C-45E6-BB2C-BADD153BE16D}" srcOrd="5" destOrd="0" presId="urn:microsoft.com/office/officeart/2005/8/layout/vList4"/>
-    <dgm:cxn modelId="{E0AEF6AC-2CA9-42C1-80DA-C45C252413C0}" type="presParOf" srcId="{2D5738C4-EC9E-4779-B540-31D33BE25B70}" destId="{FA11953F-C793-41F3-944C-F9C478C0015E}" srcOrd="6" destOrd="0" presId="urn:microsoft.com/office/officeart/2005/8/layout/vList4"/>
+    <dgm:cxn modelId="{AB430D4A-F663-4F65-90FB-5EBB31C3C10E}" type="presParOf" srcId="{2D5738C4-EC9E-4779-B540-31D33BE25B70}" destId="{A4B9FD97-CD6C-45E6-BB2C-BADD153BE16D}" srcOrd="7" destOrd="0" presId="urn:microsoft.com/office/officeart/2005/8/layout/vList4"/>
+    <dgm:cxn modelId="{E0AEF6AC-2CA9-42C1-80DA-C45C252413C0}" type="presParOf" srcId="{2D5738C4-EC9E-4779-B540-31D33BE25B70}" destId="{FA11953F-C793-41F3-944C-F9C478C0015E}" srcOrd="8" destOrd="0" presId="urn:microsoft.com/office/officeart/2005/8/layout/vList4"/>
     <dgm:cxn modelId="{3E3E90B7-E7F4-4098-86CE-456FD145D474}" type="presParOf" srcId="{FA11953F-C793-41F3-944C-F9C478C0015E}" destId="{9368D843-76C1-42B0-834B-2DA28FCB0771}" srcOrd="0" destOrd="0" presId="urn:microsoft.com/office/officeart/2005/8/layout/vList4"/>
     <dgm:cxn modelId="{4583DEA2-C6B9-4321-9D84-F35A1237B997}" type="presParOf" srcId="{FA11953F-C793-41F3-944C-F9C478C0015E}" destId="{D58F51A8-C9AC-49A7-BF07-49E56398E46B}" srcOrd="1" destOrd="0" presId="urn:microsoft.com/office/officeart/2005/8/layout/vList4"/>
     <dgm:cxn modelId="{A3F62817-40C2-4A24-9118-2F626F64F4D0}" type="presParOf" srcId="{FA11953F-C793-41F3-944C-F9C478C0015E}" destId="{CCCE771C-F880-4686-A4B6-89572DC603BC}" srcOrd="2" destOrd="0" presId="urn:microsoft.com/office/officeart/2005/8/layout/vList4"/>
@@ -4562,7 +4729,7 @@
       <dsp:spPr bwMode="white">
         <a:xfrm>
           <a:off x="0" y="0"/>
-          <a:ext cx="4001844" cy="512616"/>
+          <a:ext cx="4001844" cy="419413"/>
         </a:xfrm>
         <a:prstGeom prst="roundRect">
           <a:avLst>
@@ -4628,22 +4795,49 @@
                 <a:srgbClr val="002060"/>
               </a:solidFill>
             </a:rPr>
-            <a:t>	GLM – </a:t>
+            <a:t>	</a:t>
+          </a:r>
+          <a:r>
+            <a:rPr lang="es-ES" sz="1000" b="1" kern="1200" dirty="0" err="1">
+              <a:solidFill>
+                <a:srgbClr val="002060"/>
+              </a:solidFill>
+            </a:rPr>
+            <a:t>Classification</a:t>
+          </a:r>
+          <a:r>
+            <a:rPr lang="es-ES" sz="1000" b="1" kern="1200" dirty="0">
+              <a:solidFill>
+                <a:srgbClr val="002060"/>
+              </a:solidFill>
+            </a:rPr>
+            <a:t> </a:t>
+          </a:r>
+          <a:r>
+            <a:rPr lang="es-ES" sz="1000" b="1" kern="1200" dirty="0" err="1">
+              <a:solidFill>
+                <a:srgbClr val="002060"/>
+              </a:solidFill>
+            </a:rPr>
+            <a:t>tree</a:t>
+          </a:r>
+          <a:r>
+            <a:rPr lang="es-ES" sz="1000" b="1" kern="1200" dirty="0">
+              <a:solidFill>
+                <a:srgbClr val="002060"/>
+              </a:solidFill>
+            </a:rPr>
+            <a:t> – </a:t>
           </a:r>
           <a:r>
             <a:rPr lang="es-ES" sz="1000" kern="1200" dirty="0"/>
-            <a:t>Mario, Melissa, </a:t>
+            <a:t>Laura, Mario</a:t>
           </a:r>
-          <a:r>
-            <a:rPr lang="es-ES" sz="1000" kern="1200" dirty="0" err="1"/>
-            <a:t>Wenjia</a:t>
-          </a:r>
-          <a:endParaRPr lang="es-ES" sz="1000" kern="1200" dirty="0"/>
         </a:p>
       </dsp:txBody>
       <dsp:txXfrm>
-        <a:off x="872354" y="0"/>
-        <a:ext cx="3129489" cy="512616"/>
+        <a:off x="859266" y="0"/>
+        <a:ext cx="3142577" cy="419413"/>
       </dsp:txXfrm>
     </dsp:sp>
     <dsp:sp modelId="{EF2D8EC3-8FE2-4E7C-B86A-83EDAF07162F}">
@@ -4653,8 +4847,8 @@
       </dsp:nvSpPr>
       <dsp:spPr>
         <a:xfrm>
-          <a:off x="71985" y="56006"/>
-          <a:ext cx="800368" cy="400602"/>
+          <a:off x="58897" y="45823"/>
+          <a:ext cx="800368" cy="327766"/>
         </a:xfrm>
         <a:prstGeom prst="roundRect">
           <a:avLst>
@@ -4663,6 +4857,154 @@
         </a:prstGeom>
         <a:blipFill>
           <a:blip xmlns:r="http://schemas.openxmlformats.org/officeDocument/2006/relationships" r:embed="rId1"/>
+          <a:srcRect/>
+          <a:stretch>
+            <a:fillRect t="-23000" b="-23000"/>
+          </a:stretch>
+        </a:blipFill>
+        <a:ln w="25400" cap="flat" cmpd="sng" algn="ctr">
+          <a:solidFill>
+            <a:schemeClr val="lt1">
+              <a:hueOff val="0"/>
+              <a:satOff val="0"/>
+              <a:lumOff val="0"/>
+              <a:alphaOff val="0"/>
+            </a:schemeClr>
+          </a:solidFill>
+          <a:prstDash val="solid"/>
+        </a:ln>
+        <a:effectLst/>
+      </dsp:spPr>
+      <dsp:style>
+        <a:lnRef idx="2">
+          <a:scrgbClr r="0" g="0" b="0"/>
+        </a:lnRef>
+        <a:fillRef idx="1">
+          <a:scrgbClr r="0" g="0" b="0"/>
+        </a:fillRef>
+        <a:effectRef idx="0">
+          <a:scrgbClr r="0" g="0" b="0"/>
+        </a:effectRef>
+        <a:fontRef idx="minor"/>
+      </dsp:style>
+    </dsp:sp>
+    <dsp:sp modelId="{A8761105-B57E-4142-A234-EC95E6C52F6F}">
+      <dsp:nvSpPr>
+        <dsp:cNvPr id="0" name=""/>
+        <dsp:cNvSpPr/>
+      </dsp:nvSpPr>
+      <dsp:spPr>
+        <a:xfrm>
+          <a:off x="0" y="504193"/>
+          <a:ext cx="4001844" cy="419413"/>
+        </a:xfrm>
+        <a:prstGeom prst="roundRect">
+          <a:avLst>
+            <a:gd name="adj" fmla="val 10000"/>
+          </a:avLst>
+        </a:prstGeom>
+        <a:solidFill>
+          <a:schemeClr val="accent1">
+            <a:hueOff val="0"/>
+            <a:satOff val="0"/>
+            <a:lumOff val="0"/>
+            <a:alphaOff val="0"/>
+          </a:schemeClr>
+        </a:solidFill>
+        <a:ln w="25400" cap="flat" cmpd="sng" algn="ctr">
+          <a:solidFill>
+            <a:schemeClr val="lt1">
+              <a:hueOff val="0"/>
+              <a:satOff val="0"/>
+              <a:lumOff val="0"/>
+              <a:alphaOff val="0"/>
+            </a:schemeClr>
+          </a:solidFill>
+          <a:prstDash val="solid"/>
+        </a:ln>
+        <a:effectLst/>
+      </dsp:spPr>
+      <dsp:style>
+        <a:lnRef idx="2">
+          <a:scrgbClr r="0" g="0" b="0"/>
+        </a:lnRef>
+        <a:fillRef idx="1">
+          <a:scrgbClr r="0" g="0" b="0"/>
+        </a:fillRef>
+        <a:effectRef idx="0">
+          <a:scrgbClr r="0" g="0" b="0"/>
+        </a:effectRef>
+        <a:fontRef idx="minor">
+          <a:schemeClr val="lt1"/>
+        </a:fontRef>
+      </dsp:style>
+      <dsp:txBody>
+        <a:bodyPr spcFirstLastPara="0" vert="horz" wrap="square" lIns="53340" tIns="53340" rIns="53340" bIns="53340" numCol="1" spcCol="1270" anchor="ctr" anchorCtr="0">
+          <a:noAutofit/>
+        </a:bodyPr>
+        <a:lstStyle/>
+        <a:p>
+          <a:pPr marL="0" lvl="0" indent="0" algn="l" defTabSz="622300">
+            <a:lnSpc>
+              <a:spcPct val="90000"/>
+            </a:lnSpc>
+            <a:spcBef>
+              <a:spcPct val="0"/>
+            </a:spcBef>
+            <a:spcAft>
+              <a:spcPct val="35000"/>
+            </a:spcAft>
+            <a:buNone/>
+          </a:pPr>
+          <a:r>
+            <a:rPr lang="es-ES" sz="1400" b="1" kern="1200" dirty="0">
+              <a:solidFill>
+                <a:srgbClr val="002060"/>
+              </a:solidFill>
+            </a:rPr>
+            <a:t>	</a:t>
+          </a:r>
+          <a:r>
+            <a:rPr lang="es-ES" sz="1100" b="1" kern="1200" dirty="0">
+              <a:solidFill>
+                <a:srgbClr val="002060"/>
+              </a:solidFill>
+            </a:rPr>
+            <a:t>GLM – </a:t>
+          </a:r>
+          <a:r>
+            <a:rPr lang="es-ES" sz="1100" kern="1200" dirty="0"/>
+            <a:t>Mario, Melissa, </a:t>
+          </a:r>
+          <a:r>
+            <a:rPr lang="es-ES" sz="1100" kern="1200" dirty="0" err="1"/>
+            <a:t>Wenjia</a:t>
+          </a:r>
+          <a:endParaRPr lang="es-ES" sz="1400" kern="1200" dirty="0"/>
+        </a:p>
+      </dsp:txBody>
+      <dsp:txXfrm>
+        <a:off x="859266" y="504193"/>
+        <a:ext cx="3142577" cy="419413"/>
+      </dsp:txXfrm>
+    </dsp:sp>
+    <dsp:sp modelId="{459A9BEF-97B9-4E0D-BEF7-43C9AE90C871}">
+      <dsp:nvSpPr>
+        <dsp:cNvPr id="0" name=""/>
+        <dsp:cNvSpPr/>
+      </dsp:nvSpPr>
+      <dsp:spPr>
+        <a:xfrm>
+          <a:off x="58897" y="478311"/>
+          <a:ext cx="800368" cy="471178"/>
+        </a:xfrm>
+        <a:prstGeom prst="roundRect">
+          <a:avLst>
+            <a:gd name="adj" fmla="val 10000"/>
+          </a:avLst>
+        </a:prstGeom>
+        <a:blipFill>
+          <a:blip xmlns:r="http://schemas.openxmlformats.org/officeDocument/2006/relationships" r:embed="rId2"/>
           <a:srcRect/>
           <a:stretch>
             <a:fillRect t="-30000" b="-30000"/>
@@ -4701,8 +5043,8 @@
       </dsp:nvSpPr>
       <dsp:spPr bwMode="white">
         <a:xfrm>
-          <a:off x="0" y="584602"/>
-          <a:ext cx="4001844" cy="522313"/>
+          <a:off x="0" y="1008387"/>
+          <a:ext cx="4001844" cy="427347"/>
         </a:xfrm>
         <a:prstGeom prst="roundRect">
           <a:avLst>
@@ -4802,8 +5144,8 @@
         </a:p>
       </dsp:txBody>
       <dsp:txXfrm>
-        <a:off x="872354" y="584602"/>
-        <a:ext cx="3129489" cy="522313"/>
+        <a:off x="859266" y="1008387"/>
+        <a:ext cx="3142577" cy="427347"/>
       </dsp:txXfrm>
     </dsp:sp>
     <dsp:sp modelId="{C9E8AD8B-B134-4129-BD9A-C060E9DACAFC}">
@@ -4813,8 +5155,8 @@
       </dsp:nvSpPr>
       <dsp:spPr>
         <a:xfrm>
-          <a:off x="71985" y="588951"/>
-          <a:ext cx="800368" cy="513614"/>
+          <a:off x="58897" y="1011945"/>
+          <a:ext cx="800368" cy="420230"/>
         </a:xfrm>
         <a:prstGeom prst="roundRect">
           <a:avLst>
@@ -4822,7 +5164,7 @@
           </a:avLst>
         </a:prstGeom>
         <a:blipFill>
-          <a:blip xmlns:r="http://schemas.openxmlformats.org/officeDocument/2006/relationships" r:embed="rId2"/>
+          <a:blip xmlns:r="http://schemas.openxmlformats.org/officeDocument/2006/relationships" r:embed="rId3"/>
           <a:srcRect/>
           <a:stretch>
             <a:fillRect l="-19000" r="-19000"/>
@@ -4861,8 +5203,8 @@
       </dsp:nvSpPr>
       <dsp:spPr bwMode="white">
         <a:xfrm>
-          <a:off x="0" y="1178901"/>
-          <a:ext cx="4001844" cy="942356"/>
+          <a:off x="0" y="1494631"/>
+          <a:ext cx="4001844" cy="771019"/>
         </a:xfrm>
         <a:prstGeom prst="roundRect">
           <a:avLst>
@@ -4981,8 +5323,8 @@
         </a:p>
       </dsp:txBody>
       <dsp:txXfrm>
-        <a:off x="872354" y="1178901"/>
-        <a:ext cx="3129489" cy="942356"/>
+        <a:off x="859266" y="1494631"/>
+        <a:ext cx="3142577" cy="771019"/>
       </dsp:txXfrm>
     </dsp:sp>
     <dsp:sp modelId="{D306C488-315E-46F7-B989-FFF5212BF6E2}">
@@ -4992,8 +5334,8 @@
       </dsp:nvSpPr>
       <dsp:spPr>
         <a:xfrm>
-          <a:off x="71985" y="1387050"/>
-          <a:ext cx="800368" cy="526059"/>
+          <a:off x="58897" y="1664935"/>
+          <a:ext cx="800368" cy="430412"/>
         </a:xfrm>
         <a:prstGeom prst="roundRect">
           <a:avLst>
@@ -5001,7 +5343,7 @@
           </a:avLst>
         </a:prstGeom>
         <a:blipFill>
-          <a:blip xmlns:r="http://schemas.openxmlformats.org/officeDocument/2006/relationships" r:embed="rId3"/>
+          <a:blip xmlns:r="http://schemas.openxmlformats.org/officeDocument/2006/relationships" r:embed="rId4"/>
           <a:srcRect/>
           <a:stretch>
             <a:fillRect l="-79000" r="-79000"/>
@@ -5040,8 +5382,8 @@
       </dsp:nvSpPr>
       <dsp:spPr bwMode="white">
         <a:xfrm>
-          <a:off x="0" y="2193244"/>
-          <a:ext cx="4001844" cy="719856"/>
+          <a:off x="0" y="2324548"/>
+          <a:ext cx="4001844" cy="588973"/>
         </a:xfrm>
         <a:prstGeom prst="roundRect">
           <a:avLst>
@@ -5112,8 +5454,8 @@
         </a:p>
       </dsp:txBody>
       <dsp:txXfrm>
-        <a:off x="872354" y="2193244"/>
-        <a:ext cx="3129489" cy="719856"/>
+        <a:off x="859266" y="2324548"/>
+        <a:ext cx="3142577" cy="588973"/>
       </dsp:txXfrm>
     </dsp:sp>
     <dsp:sp modelId="{D58F51A8-C9AC-49A7-BF07-49E56398E46B}">
@@ -5123,8 +5465,8 @@
       </dsp:nvSpPr>
       <dsp:spPr>
         <a:xfrm>
-          <a:off x="71985" y="2265229"/>
-          <a:ext cx="800368" cy="575885"/>
+          <a:off x="58897" y="2383445"/>
+          <a:ext cx="800368" cy="471178"/>
         </a:xfrm>
         <a:prstGeom prst="roundRect">
           <a:avLst>
@@ -5132,7 +5474,7 @@
           </a:avLst>
         </a:prstGeom>
         <a:blipFill>
-          <a:blip xmlns:r="http://schemas.openxmlformats.org/officeDocument/2006/relationships" r:embed="rId4"/>
+          <a:blip xmlns:r="http://schemas.openxmlformats.org/officeDocument/2006/relationships" r:embed="rId5"/>
           <a:srcRect/>
           <a:stretch>
             <a:fillRect t="-11000" b="-11000"/>
@@ -13109,960 +13451,6 @@
           <a:lstStyle/>
           <a:p>
             <a:r>
-              <a:rPr lang="es-ES" dirty="0" err="1"/>
-              <a:t>XGBoost</a:t>
-            </a:r>
-            <a:endParaRPr lang="es-ES" dirty="0"/>
-          </a:p>
-        </p:txBody>
-      </p:sp>
-      <p:sp>
-        <p:nvSpPr>
-          <p:cNvPr id="6" name="CuadroTexto 5"/>
-          <p:cNvSpPr txBox="1"/>
-          <p:nvPr/>
-        </p:nvSpPr>
-        <p:spPr>
-          <a:xfrm>
-            <a:off x="1258229" y="1154252"/>
-            <a:ext cx="6627541" cy="3139321"/>
-          </a:xfrm>
-          <a:prstGeom prst="rect">
-            <a:avLst/>
-          </a:prstGeom>
-          <a:noFill/>
-        </p:spPr>
-        <p:txBody>
-          <a:bodyPr wrap="square">
-            <a:spAutoFit/>
-          </a:bodyPr>
-          <a:lstStyle/>
-          <a:p>
-            <a:pPr marL="285750" lvl="3" indent="-285750">
-              <a:buClr>
-                <a:srgbClr val="FF0000"/>
-              </a:buClr>
-              <a:buSzPct val="150000"/>
-              <a:buFont typeface="Arial" panose="020B0604020202020204" pitchFamily="34" charset="0"/>
-              <a:buChar char="×"/>
-            </a:pPr>
-            <a:r>
-              <a:rPr lang="es-ES" dirty="0"/>
-              <a:t>Data completo.               </a:t>
-            </a:r>
-          </a:p>
-          <a:p>
-            <a:pPr marL="285750" lvl="3" indent="-285750">
-              <a:buClr>
-                <a:srgbClr val="FF0000"/>
-              </a:buClr>
-              <a:buSzPct val="150000"/>
-              <a:buFont typeface="Arial" panose="020B0604020202020204" pitchFamily="34" charset="0"/>
-              <a:buChar char="×"/>
-            </a:pPr>
-            <a:r>
-              <a:rPr lang="en-US" altLang="zh-CN" dirty="0" err="1">
-                <a:sym typeface="+mn-ea"/>
-              </a:rPr>
-              <a:t>Reducción</a:t>
-            </a:r>
-            <a:r>
-              <a:rPr lang="en-US" altLang="zh-CN" dirty="0">
-                <a:sym typeface="+mn-ea"/>
-              </a:rPr>
-              <a:t> 1: </a:t>
-            </a:r>
-            <a:r>
-              <a:rPr lang="en-US" altLang="zh-CN" dirty="0" err="1">
-                <a:sym typeface="+mn-ea"/>
-              </a:rPr>
-              <a:t>varImp</a:t>
-            </a:r>
-            <a:r>
-              <a:rPr lang="en-US" altLang="zh-CN" dirty="0">
-                <a:sym typeface="+mn-ea"/>
-              </a:rPr>
-              <a:t> + variables </a:t>
-            </a:r>
-            <a:r>
-              <a:rPr lang="en-US" altLang="zh-CN" dirty="0" err="1">
-                <a:sym typeface="+mn-ea"/>
-              </a:rPr>
-              <a:t>significativas</a:t>
-            </a:r>
-            <a:r>
-              <a:rPr lang="en-US" altLang="zh-CN" dirty="0">
-                <a:sym typeface="+mn-ea"/>
-              </a:rPr>
-              <a:t> (</a:t>
-            </a:r>
-            <a:r>
-              <a:rPr lang="en-US" altLang="zh-CN" dirty="0" err="1">
-                <a:sym typeface="+mn-ea"/>
-              </a:rPr>
-              <a:t>estadisticamente</a:t>
-            </a:r>
-            <a:r>
-              <a:rPr lang="en-US" altLang="zh-CN" dirty="0">
-                <a:sym typeface="+mn-ea"/>
-              </a:rPr>
-              <a:t>).            </a:t>
-            </a:r>
-          </a:p>
-          <a:p>
-            <a:pPr marL="285750" indent="-285750">
-              <a:buClr>
-                <a:srgbClr val="00B050"/>
-              </a:buClr>
-              <a:buSzPct val="150000"/>
-              <a:buFont typeface="Wingdings" panose="05000000000000000000" pitchFamily="2" charset="2"/>
-              <a:buChar char="ü"/>
-            </a:pPr>
-            <a:r>
-              <a:rPr lang="es-ES" dirty="0" err="1"/>
-              <a:t>Reduccción</a:t>
-            </a:r>
-            <a:r>
-              <a:rPr lang="es-ES" dirty="0"/>
-              <a:t> 2: </a:t>
-            </a:r>
-            <a:r>
-              <a:rPr lang="es-ES" dirty="0" err="1"/>
-              <a:t>Dataset</a:t>
-            </a:r>
-            <a:r>
-              <a:rPr lang="es-ES" dirty="0"/>
-              <a:t> reducido.</a:t>
-            </a:r>
-          </a:p>
-          <a:p>
-            <a:pPr marL="285750" indent="-285750">
-              <a:buClr>
-                <a:srgbClr val="00B050"/>
-              </a:buClr>
-              <a:buSzPct val="150000"/>
-              <a:buFont typeface="Wingdings" panose="05000000000000000000" pitchFamily="2" charset="2"/>
-              <a:buChar char="ü"/>
-            </a:pPr>
-            <a:r>
-              <a:rPr lang="es-ES" dirty="0"/>
-              <a:t>Variable </a:t>
-            </a:r>
-            <a:r>
-              <a:rPr lang="es-ES" dirty="0" err="1"/>
-              <a:t>HasBalace</a:t>
-            </a:r>
-            <a:endParaRPr lang="es-ES" dirty="0"/>
-          </a:p>
-          <a:p>
-            <a:pPr marL="285750" indent="-285750">
-              <a:buClr>
-                <a:srgbClr val="00B050"/>
-              </a:buClr>
-              <a:buSzPct val="150000"/>
-              <a:buFont typeface="Wingdings" panose="05000000000000000000" pitchFamily="2" charset="2"/>
-              <a:buChar char="ü"/>
-            </a:pPr>
-            <a:r>
-              <a:rPr lang="es-ES" dirty="0" err="1"/>
-              <a:t>ClassWeights</a:t>
-            </a:r>
-            <a:endParaRPr lang="es-ES" dirty="0"/>
-          </a:p>
-          <a:p>
-            <a:endParaRPr lang="es-ES" dirty="0"/>
-          </a:p>
-          <a:p>
-            <a:r>
-              <a:rPr lang="es-ES" sz="1600" b="1" dirty="0" err="1"/>
-              <a:t>Caracteristicas</a:t>
-            </a:r>
-            <a:r>
-              <a:rPr lang="es-ES" sz="1600" b="1" dirty="0"/>
-              <a:t> del mejor: </a:t>
-            </a:r>
-          </a:p>
-          <a:p>
-            <a:endParaRPr lang="es-ES" b="1" dirty="0"/>
-          </a:p>
-          <a:p>
-            <a:pPr marL="285750" indent="-285750">
-              <a:buClr>
-                <a:srgbClr val="00B050"/>
-              </a:buClr>
-              <a:buSzPct val="150000"/>
-              <a:buFont typeface="Wingdings" panose="05000000000000000000" pitchFamily="2" charset="2"/>
-              <a:buChar char="ü"/>
-            </a:pPr>
-            <a:r>
-              <a:rPr lang="es-ES" dirty="0"/>
-              <a:t>No hay </a:t>
-            </a:r>
-            <a:r>
-              <a:rPr lang="es-ES" dirty="0" err="1"/>
-              <a:t>overfitting</a:t>
-            </a:r>
-            <a:r>
-              <a:rPr lang="es-ES" dirty="0"/>
-              <a:t> y es estable.</a:t>
-            </a:r>
-          </a:p>
-          <a:p>
-            <a:pPr marL="285750" indent="-285750">
-              <a:buClr>
-                <a:srgbClr val="00B050"/>
-              </a:buClr>
-              <a:buSzPct val="150000"/>
-              <a:buFont typeface="Wingdings" panose="05000000000000000000" pitchFamily="2" charset="2"/>
-              <a:buChar char="ü"/>
-            </a:pPr>
-            <a:r>
-              <a:rPr lang="es-ES" dirty="0" err="1"/>
-              <a:t>Tuning</a:t>
-            </a:r>
-            <a:r>
-              <a:rPr lang="es-ES" dirty="0"/>
-              <a:t> de </a:t>
-            </a:r>
-            <a:r>
-              <a:rPr lang="es-ES" dirty="0" err="1"/>
-              <a:t>hiperparémetros</a:t>
-            </a:r>
-            <a:r>
-              <a:rPr lang="es-ES" dirty="0"/>
-              <a:t>.</a:t>
-            </a:r>
-          </a:p>
-          <a:p>
-            <a:pPr marL="285750" indent="-285750">
-              <a:buClr>
-                <a:srgbClr val="00B050"/>
-              </a:buClr>
-              <a:buSzPct val="150000"/>
-              <a:buFont typeface="Wingdings" panose="05000000000000000000" pitchFamily="2" charset="2"/>
-              <a:buChar char="ü"/>
-            </a:pPr>
-            <a:r>
-              <a:rPr lang="es-ES" dirty="0" err="1"/>
-              <a:t>Hiperparémetros</a:t>
-            </a:r>
-            <a:r>
-              <a:rPr lang="es-ES" dirty="0"/>
-              <a:t>: </a:t>
-            </a:r>
-            <a:r>
-              <a:rPr lang="es-ES" dirty="0" err="1"/>
-              <a:t>maxnode</a:t>
-            </a:r>
-            <a:r>
-              <a:rPr lang="es-ES" dirty="0"/>
-              <a:t>=45 ; nodesize:20 ; </a:t>
-            </a:r>
-            <a:r>
-              <a:rPr lang="es-ES" dirty="0" err="1"/>
-              <a:t>mtry</a:t>
-            </a:r>
-            <a:r>
-              <a:rPr lang="es-ES" dirty="0"/>
-              <a:t>=5.</a:t>
-            </a:r>
-          </a:p>
-          <a:p>
-            <a:pPr marL="285750" indent="-285750">
-              <a:buClr>
-                <a:srgbClr val="00B050"/>
-              </a:buClr>
-              <a:buSzPct val="150000"/>
-              <a:buFont typeface="Wingdings" panose="05000000000000000000" pitchFamily="2" charset="2"/>
-              <a:buChar char="ü"/>
-            </a:pPr>
-            <a:r>
-              <a:rPr lang="en-US" dirty="0"/>
-              <a:t>Number of trees: 500 </a:t>
-            </a:r>
-            <a:r>
-              <a:rPr lang="en-US" dirty="0" err="1"/>
-              <a:t>i</a:t>
-            </a:r>
-            <a:r>
-              <a:rPr lang="en-US" dirty="0"/>
-              <a:t> No. of variables tried at each split: 5.</a:t>
-            </a:r>
-            <a:endParaRPr lang="es-ES" dirty="0"/>
-          </a:p>
-          <a:p>
-            <a:pPr marL="285750" indent="-285750">
-              <a:buClr>
-                <a:srgbClr val="00B050"/>
-              </a:buClr>
-              <a:buSzPct val="150000"/>
-              <a:buFont typeface="Wingdings" panose="05000000000000000000" pitchFamily="2" charset="2"/>
-              <a:buChar char="ü"/>
-            </a:pPr>
-            <a:r>
-              <a:rPr lang="es-ES" dirty="0"/>
-              <a:t>Métricas obtenidas con p=0,06.</a:t>
-            </a:r>
-          </a:p>
-          <a:p>
-            <a:pPr marL="285750" indent="-285750">
-              <a:buFont typeface="Wingdings" panose="05000000000000000000" pitchFamily="2" charset="2"/>
-              <a:buChar char="ü"/>
-            </a:pPr>
-            <a:endParaRPr lang="es-ES" dirty="0"/>
-          </a:p>
-        </p:txBody>
-      </p:sp>
-    </p:spTree>
-  </p:cSld>
-  <p:clrMapOvr>
-    <a:masterClrMapping/>
-  </p:clrMapOvr>
-</p:sld>
-</file>
-
-<file path=ppt/slides/slide11.xml><?xml version="1.0" encoding="utf-8"?>
-<p:sld xmlns:a="http://schemas.openxmlformats.org/drawingml/2006/main" xmlns:r="http://schemas.openxmlformats.org/officeDocument/2006/relationships" xmlns:p="http://schemas.openxmlformats.org/presentationml/2006/main">
-  <p:cSld>
-    <p:spTree>
-      <p:nvGrpSpPr>
-        <p:cNvPr id="1" name=""/>
-        <p:cNvGrpSpPr/>
-        <p:nvPr/>
-      </p:nvGrpSpPr>
-      <p:grpSpPr>
-        <a:xfrm>
-          <a:off x="0" y="0"/>
-          <a:ext cx="0" cy="0"/>
-          <a:chOff x="0" y="0"/>
-          <a:chExt cx="0" cy="0"/>
-        </a:xfrm>
-      </p:grpSpPr>
-      <p:sp>
-        <p:nvSpPr>
-          <p:cNvPr id="2" name="Título 1"/>
-          <p:cNvSpPr>
-            <a:spLocks noGrp="1"/>
-          </p:cNvSpPr>
-          <p:nvPr>
-            <p:ph type="title"/>
-          </p:nvPr>
-        </p:nvSpPr>
-        <p:spPr/>
-        <p:txBody>
-          <a:bodyPr/>
-          <a:lstStyle/>
-          <a:p>
-            <a:r>
-              <a:rPr lang="es-ES" dirty="0"/>
-              <a:t>GLM</a:t>
-            </a:r>
-          </a:p>
-        </p:txBody>
-      </p:sp>
-      <p:sp>
-        <p:nvSpPr>
-          <p:cNvPr id="4" name="CuadroTexto 3"/>
-          <p:cNvSpPr txBox="1"/>
-          <p:nvPr/>
-        </p:nvSpPr>
-        <p:spPr>
-          <a:xfrm>
-            <a:off x="857693" y="1112200"/>
-            <a:ext cx="7896445" cy="2462213"/>
-          </a:xfrm>
-          <a:prstGeom prst="rect">
-            <a:avLst/>
-          </a:prstGeom>
-          <a:noFill/>
-        </p:spPr>
-        <p:txBody>
-          <a:bodyPr wrap="square">
-            <a:spAutoFit/>
-          </a:bodyPr>
-          <a:lstStyle/>
-          <a:p>
-            <a:pPr marL="285750" indent="-285750">
-              <a:buClr>
-                <a:srgbClr val="00B050"/>
-              </a:buClr>
-              <a:buSzPct val="150000"/>
-              <a:buFont typeface="Wingdings" panose="05000000000000000000" pitchFamily="2" charset="2"/>
-              <a:buChar char="ü"/>
-            </a:pPr>
-            <a:r>
-              <a:rPr lang="es-ES" dirty="0"/>
-              <a:t>Se ha probado 4 enlaces: </a:t>
-            </a:r>
-            <a:r>
-              <a:rPr lang="es-ES" dirty="0" err="1"/>
-              <a:t>logit</a:t>
-            </a:r>
-            <a:r>
-              <a:rPr lang="es-ES" dirty="0"/>
-              <a:t>, </a:t>
-            </a:r>
-            <a:r>
-              <a:rPr lang="es-ES" dirty="0" err="1"/>
-              <a:t>probit</a:t>
-            </a:r>
-            <a:r>
-              <a:rPr lang="es-ES" dirty="0"/>
-              <a:t>, </a:t>
-            </a:r>
-            <a:r>
-              <a:rPr lang="es-ES" dirty="0" err="1"/>
-              <a:t>cloglog</a:t>
-            </a:r>
-            <a:r>
-              <a:rPr lang="es-ES" dirty="0"/>
-              <a:t> y </a:t>
-            </a:r>
-            <a:r>
-              <a:rPr lang="es-ES" dirty="0" err="1"/>
-              <a:t>cauchy</a:t>
-            </a:r>
-            <a:r>
-              <a:rPr lang="es-ES" dirty="0"/>
-              <a:t>.              No </a:t>
-            </a:r>
-            <a:r>
-              <a:rPr lang="es-ES" dirty="0" err="1"/>
-              <a:t>much</a:t>
-            </a:r>
-            <a:r>
-              <a:rPr lang="es-ES" dirty="0"/>
-              <a:t> </a:t>
-            </a:r>
-            <a:r>
-              <a:rPr lang="es-ES" dirty="0" err="1"/>
-              <a:t>difference</a:t>
-            </a:r>
-            <a:endParaRPr lang="es-ES" dirty="0"/>
-          </a:p>
-          <a:p>
-            <a:pPr marL="285750" indent="-285750">
-              <a:buClr>
-                <a:srgbClr val="00B050"/>
-              </a:buClr>
-              <a:buSzPct val="150000"/>
-              <a:buFont typeface="Wingdings" panose="05000000000000000000" pitchFamily="2" charset="2"/>
-              <a:buChar char="ü"/>
-            </a:pPr>
-            <a:r>
-              <a:rPr lang="es-ES" dirty="0"/>
-              <a:t>Se decidió quedarse con el </a:t>
-            </a:r>
-            <a:r>
-              <a:rPr lang="es-ES" b="1" dirty="0" err="1"/>
-              <a:t>probit</a:t>
-            </a:r>
-            <a:r>
-              <a:rPr lang="es-ES" b="1" dirty="0"/>
-              <a:t>.              Ligero aumento en </a:t>
-            </a:r>
-            <a:r>
-              <a:rPr lang="es-ES" b="1" dirty="0" err="1"/>
-              <a:t>recall</a:t>
-            </a:r>
-            <a:r>
-              <a:rPr lang="es-ES" b="1" dirty="0"/>
-              <a:t>.</a:t>
-            </a:r>
-          </a:p>
-          <a:p>
-            <a:pPr marL="285750" indent="-285750">
-              <a:buClr>
-                <a:srgbClr val="FF0000"/>
-              </a:buClr>
-              <a:buSzPct val="150000"/>
-              <a:buFont typeface="Arial" panose="020B0604020202020204" pitchFamily="34" charset="0"/>
-              <a:buChar char="×"/>
-            </a:pPr>
-            <a:r>
-              <a:rPr lang="es-ES" dirty="0"/>
-              <a:t>Data </a:t>
-            </a:r>
-            <a:r>
-              <a:rPr lang="es-ES" dirty="0" err="1"/>
-              <a:t>reducido_plus</a:t>
-            </a:r>
-            <a:r>
-              <a:rPr lang="es-ES" dirty="0"/>
-              <a:t>               Peor</a:t>
-            </a:r>
-          </a:p>
-          <a:p>
-            <a:pPr marL="285750" indent="-285750">
-              <a:buClr>
-                <a:srgbClr val="00B050"/>
-              </a:buClr>
-              <a:buSzPct val="150000"/>
-              <a:buFont typeface="Wingdings" panose="05000000000000000000" pitchFamily="2" charset="2"/>
-              <a:buChar char="ü"/>
-            </a:pPr>
-            <a:r>
-              <a:rPr lang="es-ES" dirty="0"/>
-              <a:t>Data reducido                 Mejores resultados.</a:t>
-            </a:r>
-          </a:p>
-          <a:p>
-            <a:pPr marL="285750" indent="-285750">
-              <a:buClr>
-                <a:srgbClr val="FF0000"/>
-              </a:buClr>
-              <a:buSzPct val="150000"/>
-              <a:buFont typeface="Arial" panose="020B0604020202020204" pitchFamily="34" charset="0"/>
-              <a:buChar char="×"/>
-            </a:pPr>
-            <a:r>
-              <a:rPr lang="es-ES" dirty="0"/>
-              <a:t>Balance               F1 MUUUUUY bajo</a:t>
-            </a:r>
-          </a:p>
-          <a:p>
-            <a:pPr marL="285750" indent="-285750">
-              <a:buClr>
-                <a:srgbClr val="FF0000"/>
-              </a:buClr>
-              <a:buSzPct val="150000"/>
-              <a:buFont typeface="Arial" panose="020B0604020202020204" pitchFamily="34" charset="0"/>
-              <a:buChar char="×"/>
-            </a:pPr>
-            <a:r>
-              <a:rPr lang="es-ES" dirty="0" err="1"/>
-              <a:t>Scale</a:t>
-            </a:r>
-            <a:r>
-              <a:rPr lang="es-ES" dirty="0"/>
-              <a:t>, </a:t>
-            </a:r>
-            <a:r>
-              <a:rPr lang="es-ES" dirty="0" err="1"/>
-              <a:t>Dummys</a:t>
-            </a:r>
-            <a:r>
-              <a:rPr lang="es-ES" dirty="0"/>
-              <a:t> de las variables categóricas.               No afecta en las métricas.</a:t>
-            </a:r>
-          </a:p>
-          <a:p>
-            <a:pPr marL="285750" indent="-285750">
-              <a:buClr>
-                <a:srgbClr val="00B050"/>
-              </a:buClr>
-              <a:buSzPct val="150000"/>
-              <a:buFont typeface="Wingdings" panose="05000000000000000000" pitchFamily="2" charset="2"/>
-              <a:buChar char="ü"/>
-            </a:pPr>
-            <a:endParaRPr lang="es-ES" dirty="0"/>
-          </a:p>
-          <a:p>
-            <a:pPr>
-              <a:buClr>
-                <a:srgbClr val="00B050"/>
-              </a:buClr>
-              <a:buSzPct val="150000"/>
-            </a:pPr>
-            <a:r>
-              <a:rPr lang="es-ES" dirty="0"/>
-              <a:t>Características: </a:t>
-            </a:r>
-          </a:p>
-          <a:p>
-            <a:pPr>
-              <a:buClr>
-                <a:srgbClr val="00B050"/>
-              </a:buClr>
-              <a:buSzPct val="150000"/>
-            </a:pPr>
-            <a:endParaRPr lang="es-ES" dirty="0"/>
-          </a:p>
-          <a:p>
-            <a:pPr marL="285750" indent="-285750">
-              <a:buClr>
-                <a:srgbClr val="00B050"/>
-              </a:buClr>
-              <a:buSzPct val="150000"/>
-              <a:buFont typeface="Wingdings" panose="05000000000000000000" pitchFamily="2" charset="2"/>
-              <a:buChar char="ü"/>
-            </a:pPr>
-            <a:r>
-              <a:rPr lang="es-ES" dirty="0"/>
-              <a:t>El punto de corte óptimo es: p=0.2071429.</a:t>
-            </a:r>
-          </a:p>
-          <a:p>
-            <a:pPr marL="285750" indent="-285750">
-              <a:buClr>
-                <a:srgbClr val="00B050"/>
-              </a:buClr>
-              <a:buSzPct val="150000"/>
-              <a:buFont typeface="Wingdings" panose="05000000000000000000" pitchFamily="2" charset="2"/>
-              <a:buChar char="ü"/>
-            </a:pPr>
-            <a:r>
-              <a:rPr lang="es-ES" dirty="0"/>
-              <a:t>Métricas obtenidas: </a:t>
-            </a:r>
-            <a:endParaRPr lang="en-US" dirty="0"/>
-          </a:p>
-        </p:txBody>
-      </p:sp>
-      <p:sp>
-        <p:nvSpPr>
-          <p:cNvPr id="3" name="CuadroTexto 2"/>
-          <p:cNvSpPr txBox="1"/>
-          <p:nvPr/>
-        </p:nvSpPr>
-        <p:spPr>
-          <a:xfrm>
-            <a:off x="1040573" y="3661968"/>
-            <a:ext cx="7234747" cy="738664"/>
-          </a:xfrm>
-          <a:prstGeom prst="rect">
-            <a:avLst/>
-          </a:prstGeom>
-        </p:spPr>
-        <p:style>
-          <a:lnRef idx="1">
-            <a:schemeClr val="accent2"/>
-          </a:lnRef>
-          <a:fillRef idx="2">
-            <a:schemeClr val="accent2"/>
-          </a:fillRef>
-          <a:effectRef idx="1">
-            <a:schemeClr val="accent2"/>
-          </a:effectRef>
-          <a:fontRef idx="minor">
-            <a:schemeClr val="dk1"/>
-          </a:fontRef>
-        </p:style>
-        <p:txBody>
-          <a:bodyPr wrap="square" rtlCol="0">
-            <a:spAutoFit/>
-          </a:bodyPr>
-          <a:lstStyle/>
-          <a:p>
-            <a:pPr latinLnBrk="1"/>
-            <a:r>
-              <a:rPr lang="en-US" dirty="0"/>
-              <a:t>   Dataset </a:t>
-            </a:r>
-            <a:r>
-              <a:rPr lang="en-US" dirty="0" err="1"/>
-              <a:t>Error_rate</a:t>
-            </a:r>
-            <a:r>
-              <a:rPr lang="en-US" dirty="0"/>
-              <a:t>  Accuracy    Precision   </a:t>
-            </a:r>
-            <a:r>
-              <a:rPr lang="en-US" dirty="0" err="1"/>
-              <a:t>Recall_Sensitivity</a:t>
-            </a:r>
-            <a:r>
-              <a:rPr lang="en-US" dirty="0"/>
-              <a:t>  Specificity   F1_Score</a:t>
-            </a:r>
-          </a:p>
-          <a:p>
-            <a:pPr latinLnBrk="1"/>
-            <a:r>
-              <a:rPr lang="en-US" dirty="0"/>
-              <a:t>1  Train2  0.3273469  0.6726531 0.3516373       0.6876847       0.6687259   0.4653333</a:t>
-            </a:r>
-          </a:p>
-          <a:p>
-            <a:pPr latinLnBrk="1"/>
-            <a:r>
-              <a:rPr lang="en-US" dirty="0"/>
-              <a:t>2   Test2  0.3261905  0.6738095 0.3549884       0.7034483       0.6660661   0.4718581</a:t>
-            </a:r>
-          </a:p>
-        </p:txBody>
-      </p:sp>
-      <p:sp>
-        <p:nvSpPr>
-          <p:cNvPr id="5" name="Flecha: a la derecha 6"/>
-          <p:cNvSpPr/>
-          <p:nvPr/>
-        </p:nvSpPr>
-        <p:spPr>
-          <a:xfrm>
-            <a:off x="5708030" y="1181100"/>
-            <a:ext cx="511795" cy="207028"/>
-          </a:xfrm>
-          <a:prstGeom prst="rightArrow">
-            <a:avLst/>
-          </a:prstGeom>
-        </p:spPr>
-        <p:style>
-          <a:lnRef idx="2">
-            <a:schemeClr val="accent1">
-              <a:shade val="15000"/>
-            </a:schemeClr>
-          </a:lnRef>
-          <a:fillRef idx="1">
-            <a:schemeClr val="accent1"/>
-          </a:fillRef>
-          <a:effectRef idx="0">
-            <a:schemeClr val="accent1"/>
-          </a:effectRef>
-          <a:fontRef idx="minor">
-            <a:schemeClr val="lt1"/>
-          </a:fontRef>
-        </p:style>
-        <p:txBody>
-          <a:bodyPr rtlCol="0" anchor="ctr"/>
-          <a:lstStyle/>
-          <a:p>
-            <a:pPr algn="ctr"/>
-            <a:endParaRPr lang="es-ES"/>
-          </a:p>
-        </p:txBody>
-      </p:sp>
-      <p:sp>
-        <p:nvSpPr>
-          <p:cNvPr id="6" name="Flecha: a la derecha 6"/>
-          <p:cNvSpPr/>
-          <p:nvPr/>
-        </p:nvSpPr>
-        <p:spPr>
-          <a:xfrm>
-            <a:off x="2517155" y="1813113"/>
-            <a:ext cx="511795" cy="207028"/>
-          </a:xfrm>
-          <a:prstGeom prst="rightArrow">
-            <a:avLst/>
-          </a:prstGeom>
-        </p:spPr>
-        <p:style>
-          <a:lnRef idx="2">
-            <a:schemeClr val="accent1">
-              <a:shade val="15000"/>
-            </a:schemeClr>
-          </a:lnRef>
-          <a:fillRef idx="1">
-            <a:schemeClr val="accent1"/>
-          </a:fillRef>
-          <a:effectRef idx="0">
-            <a:schemeClr val="accent1"/>
-          </a:effectRef>
-          <a:fontRef idx="minor">
-            <a:schemeClr val="lt1"/>
-          </a:fontRef>
-        </p:style>
-        <p:txBody>
-          <a:bodyPr rtlCol="0" anchor="ctr"/>
-          <a:lstStyle/>
-          <a:p>
-            <a:pPr algn="ctr"/>
-            <a:endParaRPr lang="es-ES"/>
-          </a:p>
-        </p:txBody>
-      </p:sp>
-      <p:sp>
-        <p:nvSpPr>
-          <p:cNvPr id="7" name="Flecha: a la derecha 6"/>
-          <p:cNvSpPr/>
-          <p:nvPr/>
-        </p:nvSpPr>
-        <p:spPr>
-          <a:xfrm>
-            <a:off x="4060205" y="1388128"/>
-            <a:ext cx="511795" cy="207028"/>
-          </a:xfrm>
-          <a:prstGeom prst="rightArrow">
-            <a:avLst/>
-          </a:prstGeom>
-        </p:spPr>
-        <p:style>
-          <a:lnRef idx="2">
-            <a:schemeClr val="accent1">
-              <a:shade val="15000"/>
-            </a:schemeClr>
-          </a:lnRef>
-          <a:fillRef idx="1">
-            <a:schemeClr val="accent1"/>
-          </a:fillRef>
-          <a:effectRef idx="0">
-            <a:schemeClr val="accent1"/>
-          </a:effectRef>
-          <a:fontRef idx="minor">
-            <a:schemeClr val="lt1"/>
-          </a:fontRef>
-        </p:style>
-        <p:txBody>
-          <a:bodyPr rtlCol="0" anchor="ctr"/>
-          <a:lstStyle/>
-          <a:p>
-            <a:pPr algn="ctr"/>
-            <a:endParaRPr lang="es-ES"/>
-          </a:p>
-        </p:txBody>
-      </p:sp>
-      <p:sp>
-        <p:nvSpPr>
-          <p:cNvPr id="8" name="Flecha: a la derecha 6"/>
-          <p:cNvSpPr/>
-          <p:nvPr/>
-        </p:nvSpPr>
-        <p:spPr>
-          <a:xfrm>
-            <a:off x="2005360" y="2032764"/>
-            <a:ext cx="511795" cy="207028"/>
-          </a:xfrm>
-          <a:prstGeom prst="rightArrow">
-            <a:avLst/>
-          </a:prstGeom>
-        </p:spPr>
-        <p:style>
-          <a:lnRef idx="2">
-            <a:schemeClr val="accent1">
-              <a:shade val="15000"/>
-            </a:schemeClr>
-          </a:lnRef>
-          <a:fillRef idx="1">
-            <a:schemeClr val="accent1"/>
-          </a:fillRef>
-          <a:effectRef idx="0">
-            <a:schemeClr val="accent1"/>
-          </a:effectRef>
-          <a:fontRef idx="minor">
-            <a:schemeClr val="lt1"/>
-          </a:fontRef>
-        </p:style>
-        <p:txBody>
-          <a:bodyPr rtlCol="0" anchor="ctr"/>
-          <a:lstStyle/>
-          <a:p>
-            <a:pPr algn="ctr"/>
-            <a:endParaRPr lang="es-ES"/>
-          </a:p>
-        </p:txBody>
-      </p:sp>
-      <p:sp>
-        <p:nvSpPr>
-          <p:cNvPr id="9" name="Flecha: a la derecha 6"/>
-          <p:cNvSpPr/>
-          <p:nvPr/>
-        </p:nvSpPr>
-        <p:spPr>
-          <a:xfrm>
-            <a:off x="4902244" y="2239792"/>
-            <a:ext cx="511795" cy="207028"/>
-          </a:xfrm>
-          <a:prstGeom prst="rightArrow">
-            <a:avLst/>
-          </a:prstGeom>
-        </p:spPr>
-        <p:style>
-          <a:lnRef idx="2">
-            <a:schemeClr val="accent1">
-              <a:shade val="15000"/>
-            </a:schemeClr>
-          </a:lnRef>
-          <a:fillRef idx="1">
-            <a:schemeClr val="accent1"/>
-          </a:fillRef>
-          <a:effectRef idx="0">
-            <a:schemeClr val="accent1"/>
-          </a:effectRef>
-          <a:fontRef idx="minor">
-            <a:schemeClr val="lt1"/>
-          </a:fontRef>
-        </p:style>
-        <p:txBody>
-          <a:bodyPr rtlCol="0" anchor="ctr"/>
-          <a:lstStyle/>
-          <a:p>
-            <a:pPr algn="ctr"/>
-            <a:endParaRPr lang="es-ES"/>
-          </a:p>
-        </p:txBody>
-      </p:sp>
-      <p:sp>
-        <p:nvSpPr>
-          <p:cNvPr id="10" name="Flecha: a la derecha 9"/>
-          <p:cNvSpPr/>
-          <p:nvPr/>
-        </p:nvSpPr>
-        <p:spPr>
-          <a:xfrm>
-            <a:off x="2910745" y="1606085"/>
-            <a:ext cx="511795" cy="207028"/>
-          </a:xfrm>
-          <a:prstGeom prst="rightArrow">
-            <a:avLst/>
-          </a:prstGeom>
-        </p:spPr>
-        <p:style>
-          <a:lnRef idx="2">
-            <a:schemeClr val="accent1">
-              <a:shade val="15000"/>
-            </a:schemeClr>
-          </a:lnRef>
-          <a:fillRef idx="1">
-            <a:schemeClr val="accent1"/>
-          </a:fillRef>
-          <a:effectRef idx="0">
-            <a:schemeClr val="accent1"/>
-          </a:effectRef>
-          <a:fontRef idx="minor">
-            <a:schemeClr val="lt1"/>
-          </a:fontRef>
-        </p:style>
-        <p:txBody>
-          <a:bodyPr rtlCol="0" anchor="ctr"/>
-          <a:lstStyle/>
-          <a:p>
-            <a:pPr algn="ctr"/>
-            <a:endParaRPr lang="es-ES"/>
-          </a:p>
-        </p:txBody>
-      </p:sp>
-    </p:spTree>
-  </p:cSld>
-  <p:clrMapOvr>
-    <a:masterClrMapping/>
-  </p:clrMapOvr>
-</p:sld>
-</file>
-
-<file path=ppt/slides/slide12.xml><?xml version="1.0" encoding="utf-8"?>
-<p:sld xmlns:a="http://schemas.openxmlformats.org/drawingml/2006/main" xmlns:r="http://schemas.openxmlformats.org/officeDocument/2006/relationships" xmlns:p="http://schemas.openxmlformats.org/presentationml/2006/main">
-  <p:cSld>
-    <p:spTree>
-      <p:nvGrpSpPr>
-        <p:cNvPr id="1" name=""/>
-        <p:cNvGrpSpPr/>
-        <p:nvPr/>
-      </p:nvGrpSpPr>
-      <p:grpSpPr>
-        <a:xfrm>
-          <a:off x="0" y="0"/>
-          <a:ext cx="0" cy="0"/>
-          <a:chOff x="0" y="0"/>
-          <a:chExt cx="0" cy="0"/>
-        </a:xfrm>
-      </p:grpSpPr>
-      <p:sp>
-        <p:nvSpPr>
-          <p:cNvPr id="2" name="Título 1"/>
-          <p:cNvSpPr>
-            <a:spLocks noGrp="1"/>
-          </p:cNvSpPr>
-          <p:nvPr>
-            <p:ph type="title"/>
-          </p:nvPr>
-        </p:nvSpPr>
-        <p:spPr/>
-        <p:txBody>
-          <a:bodyPr/>
-          <a:lstStyle/>
-          <a:p>
-            <a:r>
               <a:rPr lang="es-ES" dirty="0"/>
               <a:t>SVM</a:t>
             </a:r>
@@ -14494,7 +13882,7 @@
 </p:sld>
 </file>
 
-<file path=ppt/slides/slide13.xml><?xml version="1.0" encoding="utf-8"?>
+<file path=ppt/slides/slide11.xml><?xml version="1.0" encoding="utf-8"?>
 <p:sld xmlns:a="http://schemas.openxmlformats.org/drawingml/2006/main" xmlns:r="http://schemas.openxmlformats.org/officeDocument/2006/relationships" xmlns:p="http://schemas.openxmlformats.org/presentationml/2006/main">
   <p:cSld>
     <p:spTree>
@@ -14541,8 +13929,8 @@
         </p:nvSpPr>
         <p:spPr>
           <a:xfrm>
-            <a:off x="629675" y="1456445"/>
-            <a:ext cx="7704000" cy="2031325"/>
+            <a:off x="570155" y="1308516"/>
+            <a:ext cx="8003689" cy="2031325"/>
           </a:xfrm>
           <a:prstGeom prst="rect">
             <a:avLst/>
@@ -14555,16 +13943,26 @@
           </a:bodyPr>
           <a:lstStyle/>
           <a:p>
-            <a:pPr algn="l" latinLnBrk="1">
-              <a:buNone/>
-            </a:pPr>
+            <a:pPr latinLnBrk="1"/>
+            <a:r>
+              <a:rPr lang="en-US" dirty="0">
+                <a:latin typeface="Lucida Console" panose="020B0609040504020204" pitchFamily="49" charset="0"/>
+              </a:rPr>
+              <a:t>🤔</a:t>
+            </a:r>
+            <a:r>
+              <a:rPr lang="en-US" dirty="0">
+                <a:latin typeface="+mn-lt"/>
+              </a:rPr>
+              <a:t>​</a:t>
+            </a:r>
             <a:r>
               <a:rPr lang="en-US" b="0" i="0" dirty="0">
                 <a:solidFill>
                   <a:srgbClr val="000000"/>
                 </a:solidFill>
                 <a:effectLst/>
-                <a:latin typeface="Lucida Console" panose="020B0609040504020204" pitchFamily="49" charset="0"/>
+                <a:latin typeface="+mn-lt"/>
               </a:rPr>
               <a:t>Se </a:t>
             </a:r>
@@ -14574,7 +13972,7 @@
                   <a:srgbClr val="000000"/>
                 </a:solidFill>
                 <a:effectLst/>
-                <a:latin typeface="Lucida Console" panose="020B0609040504020204" pitchFamily="49" charset="0"/>
+                <a:latin typeface="+mn-lt"/>
               </a:rPr>
               <a:t>intentó</a:t>
             </a:r>
@@ -14584,7 +13982,7 @@
                   <a:srgbClr val="000000"/>
                 </a:solidFill>
                 <a:effectLst/>
-                <a:latin typeface="Lucida Console" panose="020B0609040504020204" pitchFamily="49" charset="0"/>
+                <a:latin typeface="+mn-lt"/>
               </a:rPr>
               <a:t> </a:t>
             </a:r>
@@ -14594,7 +13992,7 @@
                   <a:srgbClr val="000000"/>
                 </a:solidFill>
                 <a:effectLst/>
-                <a:latin typeface="Lucida Console" panose="020B0609040504020204" pitchFamily="49" charset="0"/>
+                <a:latin typeface="+mn-lt"/>
               </a:rPr>
               <a:t>forzar</a:t>
             </a:r>
@@ -14604,7 +14002,7 @@
                   <a:srgbClr val="000000"/>
                 </a:solidFill>
                 <a:effectLst/>
-                <a:latin typeface="Lucida Console" panose="020B0609040504020204" pitchFamily="49" charset="0"/>
+                <a:latin typeface="+mn-lt"/>
               </a:rPr>
               <a:t> las </a:t>
             </a:r>
@@ -14614,7 +14012,7 @@
                   <a:srgbClr val="000000"/>
                 </a:solidFill>
                 <a:effectLst/>
-                <a:latin typeface="Lucida Console" panose="020B0609040504020204" pitchFamily="49" charset="0"/>
+                <a:latin typeface="+mn-lt"/>
               </a:rPr>
               <a:t>reglas</a:t>
             </a:r>
@@ -14624,7 +14022,7 @@
                   <a:srgbClr val="000000"/>
                 </a:solidFill>
                 <a:effectLst/>
-                <a:latin typeface="Lucida Console" panose="020B0609040504020204" pitchFamily="49" charset="0"/>
+                <a:latin typeface="+mn-lt"/>
               </a:rPr>
               <a:t> para Exited=1 con </a:t>
             </a:r>
@@ -14634,7 +14032,7 @@
                   <a:srgbClr val="000000"/>
                 </a:solidFill>
                 <a:effectLst/>
-                <a:latin typeface="Lucida Console" panose="020B0609040504020204" pitchFamily="49" charset="0"/>
+                <a:latin typeface="+mn-lt"/>
               </a:rPr>
               <a:t>confianza</a:t>
             </a:r>
@@ -14644,140 +14042,145 @@
                   <a:srgbClr val="000000"/>
                 </a:solidFill>
                 <a:effectLst/>
-                <a:latin typeface="Lucida Console" panose="020B0609040504020204" pitchFamily="49" charset="0"/>
+                <a:latin typeface="+mn-lt"/>
               </a:rPr>
               <a:t> minima de 0.5</a:t>
             </a:r>
           </a:p>
           <a:p>
-            <a:pPr algn="l" latinLnBrk="1">
-              <a:buNone/>
-            </a:pPr>
+            <a:pPr latinLnBrk="1"/>
+            <a:r>
+              <a:rPr lang="es-ES" dirty="0"/>
+              <a:t>❌​</a:t>
+            </a:r>
             <a:r>
               <a:rPr lang="en-US" dirty="0">
-                <a:latin typeface="Lucida Console" panose="020B0609040504020204" pitchFamily="49" charset="0"/>
+                <a:latin typeface="+mn-lt"/>
               </a:rPr>
               <a:t>Los </a:t>
             </a:r>
             <a:r>
               <a:rPr lang="en-US" dirty="0" err="1">
-                <a:latin typeface="Lucida Console" panose="020B0609040504020204" pitchFamily="49" charset="0"/>
+                <a:latin typeface="+mn-lt"/>
               </a:rPr>
               <a:t>resultados</a:t>
             </a:r>
             <a:r>
               <a:rPr lang="en-US" dirty="0">
-                <a:latin typeface="Lucida Console" panose="020B0609040504020204" pitchFamily="49" charset="0"/>
+                <a:latin typeface="+mn-lt"/>
               </a:rPr>
               <a:t> no </a:t>
             </a:r>
             <a:r>
               <a:rPr lang="en-US" dirty="0" err="1">
-                <a:latin typeface="Lucida Console" panose="020B0609040504020204" pitchFamily="49" charset="0"/>
+                <a:latin typeface="+mn-lt"/>
               </a:rPr>
               <a:t>mejoraban</a:t>
             </a:r>
             <a:r>
               <a:rPr lang="en-US" dirty="0">
-                <a:latin typeface="Lucida Console" panose="020B0609040504020204" pitchFamily="49" charset="0"/>
+                <a:latin typeface="+mn-lt"/>
               </a:rPr>
               <a:t> </a:t>
             </a:r>
             <a:r>
               <a:rPr lang="en-US" dirty="0" err="1">
-                <a:latin typeface="Lucida Console" panose="020B0609040504020204" pitchFamily="49" charset="0"/>
+                <a:latin typeface="+mn-lt"/>
               </a:rPr>
               <a:t>el</a:t>
             </a:r>
             <a:r>
               <a:rPr lang="en-US" dirty="0">
-                <a:latin typeface="Lucida Console" panose="020B0609040504020204" pitchFamily="49" charset="0"/>
+                <a:latin typeface="+mn-lt"/>
               </a:rPr>
               <a:t> </a:t>
             </a:r>
             <a:r>
               <a:rPr lang="en-US" dirty="0" err="1">
-                <a:latin typeface="Lucida Console" panose="020B0609040504020204" pitchFamily="49" charset="0"/>
+                <a:latin typeface="+mn-lt"/>
               </a:rPr>
               <a:t>modelo</a:t>
             </a:r>
             <a:r>
               <a:rPr lang="en-US" dirty="0">
-                <a:latin typeface="Lucida Console" panose="020B0609040504020204" pitchFamily="49" charset="0"/>
+                <a:latin typeface="+mn-lt"/>
               </a:rPr>
               <a:t> sin </a:t>
             </a:r>
             <a:r>
               <a:rPr lang="en-US" dirty="0" err="1">
-                <a:latin typeface="Lucida Console" panose="020B0609040504020204" pitchFamily="49" charset="0"/>
+                <a:latin typeface="+mn-lt"/>
               </a:rPr>
               <a:t>forzar</a:t>
             </a:r>
-            <a:endParaRPr lang="en-US" dirty="0">
-              <a:latin typeface="Lucida Console" panose="020B0609040504020204" pitchFamily="49" charset="0"/>
-            </a:endParaRPr>
+            <a:r>
+              <a:rPr lang="en-US" dirty="0">
+                <a:latin typeface="+mn-lt"/>
+              </a:rPr>
+              <a:t>.</a:t>
+            </a:r>
           </a:p>
           <a:p>
             <a:pPr algn="l" latinLnBrk="1">
               <a:buNone/>
             </a:pPr>
             <a:endParaRPr lang="en-US" dirty="0">
-              <a:latin typeface="Lucida Console" panose="020B0609040504020204" pitchFamily="49" charset="0"/>
+              <a:latin typeface="+mn-lt"/>
             </a:endParaRPr>
           </a:p>
           <a:p>
             <a:pPr latinLnBrk="1"/>
             <a:r>
               <a:rPr lang="en-US" dirty="0">
-                <a:latin typeface="Lucida Console" panose="020B0609040504020204" pitchFamily="49" charset="0"/>
+                <a:latin typeface="+mn-lt"/>
               </a:rPr>
-              <a:t>Se </a:t>
+              <a:t>🤔​Se </a:t>
             </a:r>
             <a:r>
               <a:rPr lang="en-US" dirty="0" err="1">
-                <a:latin typeface="Lucida Console" panose="020B0609040504020204" pitchFamily="49" charset="0"/>
+                <a:latin typeface="+mn-lt"/>
               </a:rPr>
               <a:t>intentó</a:t>
             </a:r>
             <a:r>
               <a:rPr lang="en-US" dirty="0">
-                <a:latin typeface="Lucida Console" panose="020B0609040504020204" pitchFamily="49" charset="0"/>
+                <a:latin typeface="+mn-lt"/>
               </a:rPr>
               <a:t> </a:t>
             </a:r>
             <a:r>
               <a:rPr lang="en-US" dirty="0" err="1">
-                <a:latin typeface="Lucida Console" panose="020B0609040504020204" pitchFamily="49" charset="0"/>
+                <a:latin typeface="+mn-lt"/>
               </a:rPr>
               <a:t>forzar</a:t>
             </a:r>
             <a:r>
               <a:rPr lang="en-US" dirty="0">
-                <a:latin typeface="Lucida Console" panose="020B0609040504020204" pitchFamily="49" charset="0"/>
+                <a:latin typeface="+mn-lt"/>
               </a:rPr>
               <a:t> las </a:t>
             </a:r>
             <a:r>
               <a:rPr lang="en-US" dirty="0" err="1">
-                <a:latin typeface="Lucida Console" panose="020B0609040504020204" pitchFamily="49" charset="0"/>
+                <a:latin typeface="+mn-lt"/>
               </a:rPr>
               <a:t>reglas</a:t>
             </a:r>
             <a:r>
               <a:rPr lang="en-US" dirty="0">
-                <a:latin typeface="Lucida Console" panose="020B0609040504020204" pitchFamily="49" charset="0"/>
+                <a:latin typeface="+mn-lt"/>
               </a:rPr>
               <a:t> para Exited=0 con </a:t>
             </a:r>
             <a:r>
               <a:rPr lang="en-US" dirty="0" err="1">
-                <a:latin typeface="Lucida Console" panose="020B0609040504020204" pitchFamily="49" charset="0"/>
+                <a:latin typeface="+mn-lt"/>
               </a:rPr>
               <a:t>confianza</a:t>
             </a:r>
             <a:r>
               <a:rPr lang="en-US" dirty="0">
-                <a:latin typeface="Lucida Console" panose="020B0609040504020204" pitchFamily="49" charset="0"/>
+                <a:latin typeface="+mn-lt"/>
               </a:rPr>
               <a:t> de 1</a:t>
             </a:r>
@@ -14785,86 +14188,105 @@
           <a:p>
             <a:pPr latinLnBrk="1"/>
             <a:r>
+              <a:rPr lang="es-ES" dirty="0"/>
+              <a:t>❌​</a:t>
+            </a:r>
+            <a:r>
               <a:rPr lang="en-US" dirty="0">
-                <a:latin typeface="Lucida Console" panose="020B0609040504020204" pitchFamily="49" charset="0"/>
+                <a:latin typeface="+mn-lt"/>
               </a:rPr>
               <a:t>Los </a:t>
             </a:r>
             <a:r>
               <a:rPr lang="en-US" dirty="0" err="1">
-                <a:latin typeface="Lucida Console" panose="020B0609040504020204" pitchFamily="49" charset="0"/>
+                <a:latin typeface="+mn-lt"/>
               </a:rPr>
               <a:t>resultados</a:t>
             </a:r>
             <a:r>
               <a:rPr lang="en-US" dirty="0">
-                <a:latin typeface="Lucida Console" panose="020B0609040504020204" pitchFamily="49" charset="0"/>
+                <a:latin typeface="+mn-lt"/>
               </a:rPr>
               <a:t> no </a:t>
             </a:r>
             <a:r>
               <a:rPr lang="en-US" dirty="0" err="1">
-                <a:latin typeface="Lucida Console" panose="020B0609040504020204" pitchFamily="49" charset="0"/>
+                <a:latin typeface="+mn-lt"/>
               </a:rPr>
               <a:t>mejoraban</a:t>
             </a:r>
             <a:r>
               <a:rPr lang="en-US" dirty="0">
-                <a:latin typeface="Lucida Console" panose="020B0609040504020204" pitchFamily="49" charset="0"/>
+                <a:latin typeface="+mn-lt"/>
               </a:rPr>
               <a:t> </a:t>
             </a:r>
             <a:r>
               <a:rPr lang="en-US" dirty="0" err="1">
-                <a:latin typeface="Lucida Console" panose="020B0609040504020204" pitchFamily="49" charset="0"/>
+                <a:latin typeface="+mn-lt"/>
               </a:rPr>
               <a:t>el</a:t>
             </a:r>
             <a:r>
               <a:rPr lang="en-US" dirty="0">
-                <a:latin typeface="Lucida Console" panose="020B0609040504020204" pitchFamily="49" charset="0"/>
+                <a:latin typeface="+mn-lt"/>
               </a:rPr>
               <a:t> </a:t>
             </a:r>
             <a:r>
               <a:rPr lang="en-US" dirty="0" err="1">
-                <a:latin typeface="Lucida Console" panose="020B0609040504020204" pitchFamily="49" charset="0"/>
+                <a:latin typeface="+mn-lt"/>
               </a:rPr>
               <a:t>modelo</a:t>
             </a:r>
             <a:r>
               <a:rPr lang="en-US" dirty="0">
-                <a:latin typeface="Lucida Console" panose="020B0609040504020204" pitchFamily="49" charset="0"/>
+                <a:latin typeface="+mn-lt"/>
               </a:rPr>
               <a:t> sin </a:t>
             </a:r>
             <a:r>
               <a:rPr lang="en-US" dirty="0" err="1">
-                <a:latin typeface="Lucida Console" panose="020B0609040504020204" pitchFamily="49" charset="0"/>
+                <a:latin typeface="+mn-lt"/>
               </a:rPr>
               <a:t>forzar</a:t>
             </a:r>
-            <a:endParaRPr lang="en-US" dirty="0">
-              <a:latin typeface="Lucida Console" panose="020B0609040504020204" pitchFamily="49" charset="0"/>
-            </a:endParaRPr>
+            <a:r>
+              <a:rPr lang="en-US" dirty="0">
+                <a:latin typeface="+mn-lt"/>
+              </a:rPr>
+              <a:t>.</a:t>
+            </a:r>
           </a:p>
           <a:p>
             <a:pPr algn="l" latinLnBrk="1">
               <a:buNone/>
             </a:pPr>
             <a:endParaRPr lang="en-US" dirty="0">
-              <a:latin typeface="Lucida Console" panose="020B0609040504020204" pitchFamily="49" charset="0"/>
+              <a:latin typeface="+mn-lt"/>
             </a:endParaRPr>
           </a:p>
           <a:p>
             <a:pPr latinLnBrk="1"/>
+            <a:r>
+              <a:rPr lang="es-ES" dirty="0">
+                <a:latin typeface="+mn-lt"/>
+              </a:rPr>
+              <a:t>​</a:t>
+            </a:r>
+            <a:r>
+              <a:rPr lang="en-US" dirty="0">
+                <a:latin typeface="Lucida Console" panose="020B0609040504020204" pitchFamily="49" charset="0"/>
+              </a:rPr>
+              <a:t>🤔 </a:t>
+            </a:r>
             <a:r>
               <a:rPr lang="es-ES" b="0" i="0" dirty="0">
                 <a:solidFill>
                   <a:srgbClr val="000000"/>
                 </a:solidFill>
                 <a:effectLst/>
-                <a:latin typeface="Lucida Console" panose="020B0609040504020204" pitchFamily="49" charset="0"/>
+                <a:latin typeface="+mn-lt"/>
               </a:rPr>
               <a:t>Se intentó forzar las reglas para ambos </a:t>
             </a:r>
@@ -14874,7 +14296,7 @@
                   <a:srgbClr val="000000"/>
                 </a:solidFill>
                 <a:effectLst/>
-                <a:latin typeface="Lucida Console" panose="020B0609040504020204" pitchFamily="49" charset="0"/>
+                <a:latin typeface="+mn-lt"/>
               </a:rPr>
               <a:t>Exited</a:t>
             </a:r>
@@ -14884,7 +14306,7 @@
                   <a:srgbClr val="000000"/>
                 </a:solidFill>
                 <a:effectLst/>
-                <a:latin typeface="Lucida Console" panose="020B0609040504020204" pitchFamily="49" charset="0"/>
+                <a:latin typeface="+mn-lt"/>
               </a:rPr>
               <a:t> a la vez</a:t>
             </a:r>
@@ -14892,12 +14314,15 @@
           <a:p>
             <a:pPr latinLnBrk="1"/>
             <a:r>
+              <a:rPr lang="es-ES" dirty="0"/>
+              <a:t>❌​</a:t>
+            </a:r>
+            <a:r>
               <a:rPr lang="es-ES" dirty="0">
-                <a:latin typeface="Lucida Console" panose="020B0609040504020204" pitchFamily="49" charset="0"/>
+                <a:latin typeface="+mn-lt"/>
               </a:rPr>
-              <a:t>Los resultados no mejoraban el modelo sin forzar</a:t>
-            </a:r>
-            <a:endParaRPr lang="es-ES" dirty="0"/>
+              <a:t>Los resultados no mejoraban el modelo sin forzar.</a:t>
+            </a:r>
           </a:p>
           <a:p>
             <a:pPr algn="l" latinLnBrk="1">
@@ -14913,6 +14338,242 @@
           </a:p>
         </p:txBody>
       </p:sp>
+      <p:pic>
+        <p:nvPicPr>
+          <p:cNvPr id="5" name="Imagen 4" descr="Texto&#10;&#10;El contenido generado por IA puede ser incorrecto.">
+            <a:extLst>
+              <a:ext uri="{FF2B5EF4-FFF2-40B4-BE49-F238E27FC236}">
+                <a16:creationId xmlns:a16="http://schemas.microsoft.com/office/drawing/2014/main" id="{5B1A6E1F-205A-7C02-8B53-9529FF9DA9FC}"/>
+              </a:ext>
+            </a:extLst>
+          </p:cNvPr>
+          <p:cNvPicPr>
+            <a:picLocks noChangeAspect="1"/>
+          </p:cNvPicPr>
+          <p:nvPr/>
+        </p:nvPicPr>
+        <p:blipFill>
+          <a:blip r:embed="rId2"/>
+          <a:stretch>
+            <a:fillRect/>
+          </a:stretch>
+        </p:blipFill>
+        <p:spPr>
+          <a:xfrm>
+            <a:off x="570155" y="3734549"/>
+            <a:ext cx="2314898" cy="514422"/>
+          </a:xfrm>
+          <a:prstGeom prst="rect">
+            <a:avLst/>
+          </a:prstGeom>
+        </p:spPr>
+      </p:pic>
+      <p:sp>
+        <p:nvSpPr>
+          <p:cNvPr id="7" name="Flecha: en U 6">
+            <a:extLst>
+              <a:ext uri="{FF2B5EF4-FFF2-40B4-BE49-F238E27FC236}">
+                <a16:creationId xmlns:a16="http://schemas.microsoft.com/office/drawing/2014/main" id="{F5F935F0-4E2A-B9DC-3C3D-B616D5858440}"/>
+              </a:ext>
+            </a:extLst>
+          </p:cNvPr>
+          <p:cNvSpPr/>
+          <p:nvPr/>
+        </p:nvSpPr>
+        <p:spPr>
+          <a:xfrm rot="16200000" flipH="1">
+            <a:off x="-290280" y="3238229"/>
+            <a:ext cx="1291327" cy="429543"/>
+          </a:xfrm>
+          <a:prstGeom prst="uturnArrow">
+            <a:avLst/>
+          </a:prstGeom>
+        </p:spPr>
+        <p:style>
+          <a:lnRef idx="2">
+            <a:schemeClr val="accent1">
+              <a:shade val="15000"/>
+            </a:schemeClr>
+          </a:lnRef>
+          <a:fillRef idx="1">
+            <a:schemeClr val="accent1"/>
+          </a:fillRef>
+          <a:effectRef idx="0">
+            <a:schemeClr val="accent1"/>
+          </a:effectRef>
+          <a:fontRef idx="minor">
+            <a:schemeClr val="lt1"/>
+          </a:fontRef>
+        </p:style>
+        <p:txBody>
+          <a:bodyPr rtlCol="0" anchor="ctr"/>
+          <a:lstStyle/>
+          <a:p>
+            <a:pPr algn="ctr"/>
+            <a:endParaRPr lang="es-ES">
+              <a:solidFill>
+                <a:schemeClr val="tx1"/>
+              </a:solidFill>
+            </a:endParaRPr>
+          </a:p>
+        </p:txBody>
+      </p:sp>
+      <p:sp>
+        <p:nvSpPr>
+          <p:cNvPr id="8" name="Flecha: doblada 7">
+            <a:extLst>
+              <a:ext uri="{FF2B5EF4-FFF2-40B4-BE49-F238E27FC236}">
+                <a16:creationId xmlns:a16="http://schemas.microsoft.com/office/drawing/2014/main" id="{DD0179D1-4BE4-1C16-5DF2-A33E3F1CA8B0}"/>
+              </a:ext>
+            </a:extLst>
+          </p:cNvPr>
+          <p:cNvSpPr/>
+          <p:nvPr/>
+        </p:nvSpPr>
+        <p:spPr>
+          <a:xfrm rot="5400000">
+            <a:off x="6624071" y="1829318"/>
+            <a:ext cx="1421045" cy="688489"/>
+          </a:xfrm>
+          <a:prstGeom prst="bentArrow">
+            <a:avLst/>
+          </a:prstGeom>
+        </p:spPr>
+        <p:style>
+          <a:lnRef idx="2">
+            <a:schemeClr val="accent1">
+              <a:shade val="15000"/>
+            </a:schemeClr>
+          </a:lnRef>
+          <a:fillRef idx="1">
+            <a:schemeClr val="accent1"/>
+          </a:fillRef>
+          <a:effectRef idx="0">
+            <a:schemeClr val="accent1"/>
+          </a:effectRef>
+          <a:fontRef idx="minor">
+            <a:schemeClr val="lt1"/>
+          </a:fontRef>
+        </p:style>
+        <p:txBody>
+          <a:bodyPr rtlCol="0" anchor="ctr"/>
+          <a:lstStyle/>
+          <a:p>
+            <a:pPr algn="ctr"/>
+            <a:endParaRPr lang="es-ES" dirty="0">
+              <a:solidFill>
+                <a:schemeClr val="tx1"/>
+              </a:solidFill>
+            </a:endParaRPr>
+          </a:p>
+        </p:txBody>
+      </p:sp>
+      <p:pic>
+        <p:nvPicPr>
+          <p:cNvPr id="12" name="Imagen 11">
+            <a:extLst>
+              <a:ext uri="{FF2B5EF4-FFF2-40B4-BE49-F238E27FC236}">
+                <a16:creationId xmlns:a16="http://schemas.microsoft.com/office/drawing/2014/main" id="{679F0633-3CE4-ABF2-A4A9-A1B8440369AC}"/>
+              </a:ext>
+            </a:extLst>
+          </p:cNvPr>
+          <p:cNvPicPr>
+            <a:picLocks noChangeAspect="1"/>
+          </p:cNvPicPr>
+          <p:nvPr/>
+        </p:nvPicPr>
+        <p:blipFill>
+          <a:blip r:embed="rId3"/>
+          <a:stretch>
+            <a:fillRect/>
+          </a:stretch>
+        </p:blipFill>
+        <p:spPr>
+          <a:xfrm>
+            <a:off x="5147914" y="4118269"/>
+            <a:ext cx="3855473" cy="657317"/>
+          </a:xfrm>
+          <a:prstGeom prst="rect">
+            <a:avLst/>
+          </a:prstGeom>
+        </p:spPr>
+      </p:pic>
+      <p:pic>
+        <p:nvPicPr>
+          <p:cNvPr id="14" name="Imagen 13">
+            <a:extLst>
+              <a:ext uri="{FF2B5EF4-FFF2-40B4-BE49-F238E27FC236}">
+                <a16:creationId xmlns:a16="http://schemas.microsoft.com/office/drawing/2014/main" id="{6A9DE666-AD88-7D6F-9EC7-8D174610DD8B}"/>
+              </a:ext>
+            </a:extLst>
+          </p:cNvPr>
+          <p:cNvPicPr>
+            <a:picLocks noChangeAspect="1"/>
+          </p:cNvPicPr>
+          <p:nvPr/>
+        </p:nvPicPr>
+        <p:blipFill>
+          <a:blip r:embed="rId4"/>
+          <a:stretch>
+            <a:fillRect/>
+          </a:stretch>
+        </p:blipFill>
+        <p:spPr>
+          <a:xfrm>
+            <a:off x="5147914" y="2948105"/>
+            <a:ext cx="3855473" cy="504895"/>
+          </a:xfrm>
+          <a:prstGeom prst="rect">
+            <a:avLst/>
+          </a:prstGeom>
+        </p:spPr>
+      </p:pic>
+      <p:sp>
+        <p:nvSpPr>
+          <p:cNvPr id="15" name="Flecha: hacia abajo 14">
+            <a:extLst>
+              <a:ext uri="{FF2B5EF4-FFF2-40B4-BE49-F238E27FC236}">
+                <a16:creationId xmlns:a16="http://schemas.microsoft.com/office/drawing/2014/main" id="{B7DA6751-9CEB-3BDA-6CF7-743678CB396A}"/>
+              </a:ext>
+            </a:extLst>
+          </p:cNvPr>
+          <p:cNvSpPr/>
+          <p:nvPr/>
+        </p:nvSpPr>
+        <p:spPr>
+          <a:xfrm>
+            <a:off x="7334596" y="3545569"/>
+            <a:ext cx="429543" cy="572700"/>
+          </a:xfrm>
+          <a:prstGeom prst="downArrow">
+            <a:avLst/>
+          </a:prstGeom>
+        </p:spPr>
+        <p:style>
+          <a:lnRef idx="2">
+            <a:schemeClr val="accent1">
+              <a:shade val="15000"/>
+            </a:schemeClr>
+          </a:lnRef>
+          <a:fillRef idx="1">
+            <a:schemeClr val="accent1"/>
+          </a:fillRef>
+          <a:effectRef idx="0">
+            <a:schemeClr val="accent1"/>
+          </a:effectRef>
+          <a:fontRef idx="minor">
+            <a:schemeClr val="lt1"/>
+          </a:fontRef>
+        </p:style>
+        <p:txBody>
+          <a:bodyPr rtlCol="0" anchor="ctr"/>
+          <a:lstStyle/>
+          <a:p>
+            <a:pPr algn="ctr"/>
+            <a:endParaRPr lang="es-ES"/>
+          </a:p>
+        </p:txBody>
+      </p:sp>
     </p:spTree>
   </p:cSld>
   <p:clrMapOvr>
@@ -14921,7 +14582,7 @@
 </p:sld>
 </file>
 
-<file path=ppt/slides/slide14.xml><?xml version="1.0" encoding="utf-8"?>
+<file path=ppt/slides/slide12.xml><?xml version="1.0" encoding="utf-8"?>
 <p:sld xmlns:a="http://schemas.openxmlformats.org/drawingml/2006/main" xmlns:r="http://schemas.openxmlformats.org/officeDocument/2006/relationships" xmlns:p="http://schemas.openxmlformats.org/presentationml/2006/main">
   <p:cSld>
     <p:spTree>
@@ -15054,6 +14715,256 @@
         </p:txBody>
       </p:sp>
     </p:spTree>
+  </p:cSld>
+  <p:clrMapOvr>
+    <a:masterClrMapping/>
+  </p:clrMapOvr>
+</p:sld>
+</file>
+
+<file path=ppt/slides/slide13.xml><?xml version="1.0" encoding="utf-8"?>
+<p:sld xmlns:a="http://schemas.openxmlformats.org/drawingml/2006/main" xmlns:r="http://schemas.openxmlformats.org/officeDocument/2006/relationships" xmlns:p="http://schemas.openxmlformats.org/presentationml/2006/main">
+  <p:cSld>
+    <p:spTree>
+      <p:nvGrpSpPr>
+        <p:cNvPr id="1" name=""/>
+        <p:cNvGrpSpPr/>
+        <p:nvPr/>
+      </p:nvGrpSpPr>
+      <p:grpSpPr>
+        <a:xfrm>
+          <a:off x="0" y="0"/>
+          <a:ext cx="0" cy="0"/>
+          <a:chOff x="0" y="0"/>
+          <a:chExt cx="0" cy="0"/>
+        </a:xfrm>
+      </p:grpSpPr>
+      <p:sp>
+        <p:nvSpPr>
+          <p:cNvPr id="2" name="Título 1">
+            <a:extLst>
+              <a:ext uri="{FF2B5EF4-FFF2-40B4-BE49-F238E27FC236}">
+                <a16:creationId xmlns:a16="http://schemas.microsoft.com/office/drawing/2014/main" id="{57F4DF86-6000-FDC7-D70B-EAA48E26012D}"/>
+              </a:ext>
+            </a:extLst>
+          </p:cNvPr>
+          <p:cNvSpPr>
+            <a:spLocks noGrp="1"/>
+          </p:cNvSpPr>
+          <p:nvPr>
+            <p:ph type="title"/>
+          </p:nvPr>
+        </p:nvSpPr>
+        <p:spPr/>
+        <p:txBody>
+          <a:bodyPr/>
+          <a:lstStyle/>
+          <a:p>
+            <a:r>
+              <a:rPr lang="es-ES" dirty="0"/>
+              <a:t>Valoraciones de los resultados</a:t>
+            </a:r>
+          </a:p>
+        </p:txBody>
+      </p:sp>
+      <p:sp>
+        <p:nvSpPr>
+          <p:cNvPr id="3" name="CuadroTexto 2">
+            <a:extLst>
+              <a:ext uri="{FF2B5EF4-FFF2-40B4-BE49-F238E27FC236}">
+                <a16:creationId xmlns:a16="http://schemas.microsoft.com/office/drawing/2014/main" id="{73C1DC1A-CA01-DFFD-E4A1-D67322F05FC4}"/>
+              </a:ext>
+            </a:extLst>
+          </p:cNvPr>
+          <p:cNvSpPr txBox="1"/>
+          <p:nvPr/>
+        </p:nvSpPr>
+        <p:spPr>
+          <a:xfrm>
+            <a:off x="504243" y="1780894"/>
+            <a:ext cx="3271087" cy="1169551"/>
+          </a:xfrm>
+          <a:prstGeom prst="rect">
+            <a:avLst/>
+          </a:prstGeom>
+          <a:noFill/>
+        </p:spPr>
+        <p:txBody>
+          <a:bodyPr wrap="square" rtlCol="0">
+            <a:spAutoFit/>
+          </a:bodyPr>
+          <a:lstStyle/>
+          <a:p>
+            <a:pPr marL="285750" indent="-285750">
+              <a:buFont typeface="Wingdings" panose="05000000000000000000" pitchFamily="2" charset="2"/>
+              <a:buChar char="q"/>
+            </a:pPr>
+            <a:r>
+              <a:rPr lang="es-ES" b="1" dirty="0"/>
+              <a:t>Elevada proporción de NA</a:t>
+            </a:r>
+            <a:r>
+              <a:rPr lang="es-ES" dirty="0"/>
+              <a:t>: Pérdida de información y relaciones en los datos imputados artificialmente</a:t>
+            </a:r>
+          </a:p>
+          <a:p>
+            <a:endParaRPr lang="es-ES" dirty="0"/>
+          </a:p>
+        </p:txBody>
+      </p:sp>
+      <p:pic>
+        <p:nvPicPr>
+          <p:cNvPr id="5" name="Imagen 4" descr="Imagen que contiene Patrón de fondo&#10;&#10;El contenido generado por IA puede ser incorrecto.">
+            <a:extLst>
+              <a:ext uri="{FF2B5EF4-FFF2-40B4-BE49-F238E27FC236}">
+                <a16:creationId xmlns:a16="http://schemas.microsoft.com/office/drawing/2014/main" id="{4E1AE188-DE4D-73B3-6B68-9F611E35CE12}"/>
+              </a:ext>
+            </a:extLst>
+          </p:cNvPr>
+          <p:cNvPicPr>
+            <a:picLocks noChangeAspect="1"/>
+          </p:cNvPicPr>
+          <p:nvPr/>
+        </p:nvPicPr>
+        <p:blipFill>
+          <a:blip r:embed="rId2"/>
+          <a:stretch>
+            <a:fillRect/>
+          </a:stretch>
+        </p:blipFill>
+        <p:spPr>
+          <a:xfrm>
+            <a:off x="461212" y="2777830"/>
+            <a:ext cx="3788661" cy="1985325"/>
+          </a:xfrm>
+          <a:prstGeom prst="rect">
+            <a:avLst/>
+          </a:prstGeom>
+        </p:spPr>
+      </p:pic>
+      <p:sp>
+        <p:nvSpPr>
+          <p:cNvPr id="6" name="CuadroTexto 5">
+            <a:extLst>
+              <a:ext uri="{FF2B5EF4-FFF2-40B4-BE49-F238E27FC236}">
+                <a16:creationId xmlns:a16="http://schemas.microsoft.com/office/drawing/2014/main" id="{65CDA51E-AC67-F955-3D46-A20A2B75B91D}"/>
+              </a:ext>
+            </a:extLst>
+          </p:cNvPr>
+          <p:cNvSpPr txBox="1"/>
+          <p:nvPr/>
+        </p:nvSpPr>
+        <p:spPr>
+          <a:xfrm>
+            <a:off x="2807063" y="1020816"/>
+            <a:ext cx="3529873" cy="523220"/>
+          </a:xfrm>
+          <a:prstGeom prst="rect">
+            <a:avLst/>
+          </a:prstGeom>
+          <a:noFill/>
+        </p:spPr>
+        <p:txBody>
+          <a:bodyPr wrap="square" rtlCol="0">
+            <a:spAutoFit/>
+          </a:bodyPr>
+          <a:lstStyle/>
+          <a:p>
+            <a:r>
+              <a:rPr lang="es-ES" b="1" dirty="0"/>
+              <a:t>Obstáculos en la modelización:</a:t>
+            </a:r>
+          </a:p>
+          <a:p>
+            <a:endParaRPr lang="es-ES" dirty="0"/>
+          </a:p>
+        </p:txBody>
+      </p:sp>
+      <p:sp>
+        <p:nvSpPr>
+          <p:cNvPr id="7" name="CuadroTexto 6">
+            <a:extLst>
+              <a:ext uri="{FF2B5EF4-FFF2-40B4-BE49-F238E27FC236}">
+                <a16:creationId xmlns:a16="http://schemas.microsoft.com/office/drawing/2014/main" id="{55E8F95C-A3E1-0BA0-CC97-91F9F0882BF3}"/>
+              </a:ext>
+            </a:extLst>
+          </p:cNvPr>
+          <p:cNvSpPr txBox="1"/>
+          <p:nvPr/>
+        </p:nvSpPr>
+        <p:spPr>
+          <a:xfrm>
+            <a:off x="4776695" y="1780894"/>
+            <a:ext cx="4141394" cy="1169551"/>
+          </a:xfrm>
+          <a:prstGeom prst="rect">
+            <a:avLst/>
+          </a:prstGeom>
+          <a:noFill/>
+        </p:spPr>
+        <p:txBody>
+          <a:bodyPr wrap="square" rtlCol="0">
+            <a:spAutoFit/>
+          </a:bodyPr>
+          <a:lstStyle/>
+          <a:p>
+            <a:pPr marL="285750" indent="-285750">
+              <a:buFont typeface="Wingdings" panose="05000000000000000000" pitchFamily="2" charset="2"/>
+              <a:buChar char="q"/>
+            </a:pPr>
+            <a:r>
+              <a:rPr lang="es-ES" b="1" dirty="0"/>
+              <a:t>Muestra muy limitada:</a:t>
+            </a:r>
+          </a:p>
+          <a:p>
+            <a:r>
+              <a:rPr lang="es-ES" dirty="0"/>
+              <a:t>Únicamente 7000 datos para entrenar y validar. Entrenamiento con el 70% de los datos (4900) filas. Posible vía de mejora</a:t>
+            </a:r>
+          </a:p>
+          <a:p>
+            <a:endParaRPr lang="es-ES" dirty="0"/>
+          </a:p>
+        </p:txBody>
+      </p:sp>
+      <p:pic>
+        <p:nvPicPr>
+          <p:cNvPr id="11" name="Imagen 10">
+            <a:extLst>
+              <a:ext uri="{FF2B5EF4-FFF2-40B4-BE49-F238E27FC236}">
+                <a16:creationId xmlns:a16="http://schemas.microsoft.com/office/drawing/2014/main" id="{60C7804D-A7E1-6ACF-8E4B-6D2B35F3C95A}"/>
+              </a:ext>
+            </a:extLst>
+          </p:cNvPr>
+          <p:cNvPicPr>
+            <a:picLocks noChangeAspect="1"/>
+          </p:cNvPicPr>
+          <p:nvPr/>
+        </p:nvPicPr>
+        <p:blipFill>
+          <a:blip r:embed="rId3"/>
+          <a:stretch>
+            <a:fillRect/>
+          </a:stretch>
+        </p:blipFill>
+        <p:spPr>
+          <a:xfrm>
+            <a:off x="4894129" y="2777830"/>
+            <a:ext cx="3238652" cy="1985325"/>
+          </a:xfrm>
+          <a:prstGeom prst="rect">
+            <a:avLst/>
+          </a:prstGeom>
+        </p:spPr>
+      </p:pic>
+    </p:spTree>
+    <p:extLst>
+      <p:ext uri="{BB962C8B-B14F-4D97-AF65-F5344CB8AC3E}">
+        <p14:creationId xmlns:p14="http://schemas.microsoft.com/office/powerpoint/2010/main" val="3136901332"/>
+      </p:ext>
+    </p:extLst>
   </p:cSld>
   <p:clrMapOvr>
     <a:masterClrMapping/>
@@ -15942,7 +15853,7 @@
           <p:nvPr>
             <p:extLst>
               <p:ext uri="{D42A27DB-BD31-4B8C-83A1-F6EECF244321}">
-                <p14:modId xmlns:p14="http://schemas.microsoft.com/office/powerpoint/2010/main" val="4214673151"/>
+                <p14:modId xmlns:p14="http://schemas.microsoft.com/office/powerpoint/2010/main" val="2939665191"/>
               </p:ext>
             </p:extLst>
           </p:nvPr>
@@ -16134,468 +16045,6 @@
 </file>
 
 <file path=ppt/slides/slide4.xml><?xml version="1.0" encoding="utf-8"?>
-<p:sld xmlns:a="http://schemas.openxmlformats.org/drawingml/2006/main" xmlns:r="http://schemas.openxmlformats.org/officeDocument/2006/relationships" xmlns:p="http://schemas.openxmlformats.org/presentationml/2006/main">
-  <p:cSld>
-    <p:spTree>
-      <p:nvGrpSpPr>
-        <p:cNvPr id="1" name=""/>
-        <p:cNvGrpSpPr/>
-        <p:nvPr/>
-      </p:nvGrpSpPr>
-      <p:grpSpPr>
-        <a:xfrm>
-          <a:off x="0" y="0"/>
-          <a:ext cx="0" cy="0"/>
-          <a:chOff x="0" y="0"/>
-          <a:chExt cx="0" cy="0"/>
-        </a:xfrm>
-      </p:grpSpPr>
-      <p:sp>
-        <p:nvSpPr>
-          <p:cNvPr id="2" name="Título 1">
-            <a:extLst>
-              <a:ext uri="{FF2B5EF4-FFF2-40B4-BE49-F238E27FC236}">
-                <a16:creationId xmlns:a16="http://schemas.microsoft.com/office/drawing/2014/main" id="{7664BEB2-C413-4788-F1F1-D853AAD647A2}"/>
-              </a:ext>
-            </a:extLst>
-          </p:cNvPr>
-          <p:cNvSpPr>
-            <a:spLocks noGrp="1"/>
-          </p:cNvSpPr>
-          <p:nvPr>
-            <p:ph type="title"/>
-          </p:nvPr>
-        </p:nvSpPr>
-        <p:spPr>
-          <a:xfrm>
-            <a:off x="-139849" y="539500"/>
-            <a:ext cx="9789457" cy="572700"/>
-          </a:xfrm>
-        </p:spPr>
-        <p:txBody>
-          <a:bodyPr/>
-          <a:lstStyle/>
-          <a:p>
-            <a:r>
-              <a:rPr lang="es-ES" sz="2400" dirty="0"/>
-              <a:t>Actualizaciones en el ADVANCED PREPROCESSING </a:t>
-            </a:r>
-            <a:endParaRPr lang="ca-ES" sz="2400" dirty="0"/>
-          </a:p>
-        </p:txBody>
-      </p:sp>
-      <p:sp>
-        <p:nvSpPr>
-          <p:cNvPr id="3" name="CuadroTexto 2">
-            <a:extLst>
-              <a:ext uri="{FF2B5EF4-FFF2-40B4-BE49-F238E27FC236}">
-                <a16:creationId xmlns:a16="http://schemas.microsoft.com/office/drawing/2014/main" id="{489A5488-CC41-AE3C-B15B-DDD529EAA282}"/>
-              </a:ext>
-            </a:extLst>
-          </p:cNvPr>
-          <p:cNvSpPr txBox="1"/>
-          <p:nvPr/>
-        </p:nvSpPr>
-        <p:spPr>
-          <a:xfrm>
-            <a:off x="666974" y="1204856"/>
-            <a:ext cx="7928386" cy="738664"/>
-          </a:xfrm>
-          <a:prstGeom prst="rect">
-            <a:avLst/>
-          </a:prstGeom>
-          <a:noFill/>
-        </p:spPr>
-        <p:txBody>
-          <a:bodyPr wrap="square" rtlCol="0">
-            <a:spAutoFit/>
-          </a:bodyPr>
-          <a:lstStyle/>
-          <a:p>
-            <a:pPr marL="285750" indent="-285750">
-              <a:buFont typeface="Arial" panose="020B0604020202020204" pitchFamily="34" charset="0"/>
-              <a:buChar char="•"/>
-            </a:pPr>
-            <a:r>
-              <a:rPr lang="ca-ES" dirty="0" err="1"/>
-              <a:t>Revisión</a:t>
-            </a:r>
-            <a:r>
-              <a:rPr lang="ca-ES" dirty="0"/>
-              <a:t> de valores </a:t>
-            </a:r>
-            <a:r>
-              <a:rPr lang="ca-ES" dirty="0" err="1"/>
-              <a:t>duplicados</a:t>
-            </a:r>
-            <a:r>
-              <a:rPr lang="ca-ES" dirty="0"/>
-              <a:t> =&gt; NO HAY</a:t>
-            </a:r>
-          </a:p>
-          <a:p>
-            <a:pPr marL="285750" indent="-285750">
-              <a:buFont typeface="Arial" panose="020B0604020202020204" pitchFamily="34" charset="0"/>
-              <a:buChar char="•"/>
-            </a:pPr>
-            <a:r>
-              <a:rPr lang="ca-ES" dirty="0" err="1"/>
-              <a:t>Outliers</a:t>
-            </a:r>
-            <a:r>
-              <a:rPr lang="ca-ES" dirty="0"/>
-              <a:t>: MISMA ESTRATEGIA</a:t>
-            </a:r>
-          </a:p>
-          <a:p>
-            <a:pPr marL="285750" indent="-285750">
-              <a:buFont typeface="Arial" panose="020B0604020202020204" pitchFamily="34" charset="0"/>
-              <a:buChar char="•"/>
-            </a:pPr>
-            <a:r>
-              <a:rPr lang="ca-ES" dirty="0" err="1"/>
-              <a:t>Missings</a:t>
-            </a:r>
-            <a:r>
-              <a:rPr lang="ca-ES" dirty="0"/>
-              <a:t>: MANTENEMOS MICE</a:t>
-            </a:r>
-          </a:p>
-        </p:txBody>
-      </p:sp>
-    </p:spTree>
-    <p:extLst>
-      <p:ext uri="{BB962C8B-B14F-4D97-AF65-F5344CB8AC3E}">
-        <p14:creationId xmlns:p14="http://schemas.microsoft.com/office/powerpoint/2010/main" val="2064685130"/>
-      </p:ext>
-    </p:extLst>
-  </p:cSld>
-  <p:clrMapOvr>
-    <a:masterClrMapping/>
-  </p:clrMapOvr>
-</p:sld>
-</file>
-
-<file path=ppt/slides/slide5.xml><?xml version="1.0" encoding="utf-8"?>
-<p:sld xmlns:a="http://schemas.openxmlformats.org/drawingml/2006/main" xmlns:r="http://schemas.openxmlformats.org/officeDocument/2006/relationships" xmlns:p="http://schemas.openxmlformats.org/presentationml/2006/main">
-  <p:cSld>
-    <p:spTree>
-      <p:nvGrpSpPr>
-        <p:cNvPr id="1" name=""/>
-        <p:cNvGrpSpPr/>
-        <p:nvPr/>
-      </p:nvGrpSpPr>
-      <p:grpSpPr>
-        <a:xfrm>
-          <a:off x="0" y="0"/>
-          <a:ext cx="0" cy="0"/>
-          <a:chOff x="0" y="0"/>
-          <a:chExt cx="0" cy="0"/>
-        </a:xfrm>
-      </p:grpSpPr>
-      <p:sp>
-        <p:nvSpPr>
-          <p:cNvPr id="4" name="Título 1">
-            <a:extLst>
-              <a:ext uri="{FF2B5EF4-FFF2-40B4-BE49-F238E27FC236}">
-                <a16:creationId xmlns:a16="http://schemas.microsoft.com/office/drawing/2014/main" id="{14960C36-A145-E406-1CC2-C2B53FBBD01F}"/>
-              </a:ext>
-            </a:extLst>
-          </p:cNvPr>
-          <p:cNvSpPr txBox="1">
-            <a:spLocks noGrp="1"/>
-          </p:cNvSpPr>
-          <p:nvPr>
-            <p:ph type="title"/>
-          </p:nvPr>
-        </p:nvSpPr>
-        <p:spPr>
-          <a:xfrm>
-            <a:off x="720725" y="539750"/>
-            <a:ext cx="7702550" cy="573088"/>
-          </a:xfrm>
-          <a:prstGeom prst="rect">
-            <a:avLst/>
-          </a:prstGeom>
-          <a:noFill/>
-          <a:ln>
-            <a:noFill/>
-          </a:ln>
-        </p:spPr>
-        <p:txBody>
-          <a:bodyPr spcFirstLastPara="1" wrap="square" lIns="91425" tIns="91425" rIns="91425" bIns="91425" anchor="t" anchorCtr="0">
-            <a:noAutofit/>
-          </a:bodyPr>
-          <a:lstStyle>
-            <a:defPPr marR="0" lvl="0" algn="l" rtl="0">
-              <a:lnSpc>
-                <a:spcPct val="100000"/>
-              </a:lnSpc>
-              <a:spcBef>
-                <a:spcPts val="0"/>
-              </a:spcBef>
-              <a:spcAft>
-                <a:spcPts val="0"/>
-              </a:spcAft>
-            </a:defPPr>
-            <a:lvl1pPr marR="0" lvl="0" algn="ctr" rtl="0">
-              <a:lnSpc>
-                <a:spcPct val="100000"/>
-              </a:lnSpc>
-              <a:spcBef>
-                <a:spcPts val="0"/>
-              </a:spcBef>
-              <a:spcAft>
-                <a:spcPts val="0"/>
-              </a:spcAft>
-              <a:buClr>
-                <a:schemeClr val="dk1"/>
-              </a:buClr>
-              <a:buSzPts val="2800"/>
-              <a:buFont typeface="Poppins" panose="00000500000000000000"/>
-              <a:buNone/>
-              <a:defRPr sz="2800" b="1" i="0" u="none" strike="noStrike" cap="none">
-                <a:solidFill>
-                  <a:schemeClr val="dk1"/>
-                </a:solidFill>
-                <a:latin typeface="Poppins" panose="00000500000000000000"/>
-                <a:ea typeface="Poppins" panose="00000500000000000000"/>
-                <a:cs typeface="Poppins" panose="00000500000000000000"/>
-                <a:sym typeface="Poppins" panose="00000500000000000000"/>
-              </a:defRPr>
-            </a:lvl1pPr>
-            <a:lvl2pPr marR="0" lvl="1" algn="l" rtl="0">
-              <a:lnSpc>
-                <a:spcPct val="100000"/>
-              </a:lnSpc>
-              <a:spcBef>
-                <a:spcPts val="0"/>
-              </a:spcBef>
-              <a:spcAft>
-                <a:spcPts val="0"/>
-              </a:spcAft>
-              <a:buClr>
-                <a:schemeClr val="dk1"/>
-              </a:buClr>
-              <a:buSzPts val="2800"/>
-              <a:buFont typeface="Poppins" panose="00000500000000000000"/>
-              <a:buNone/>
-              <a:defRPr sz="2800" b="1" i="0" u="none" strike="noStrike" cap="none">
-                <a:solidFill>
-                  <a:schemeClr val="dk1"/>
-                </a:solidFill>
-                <a:latin typeface="Poppins" panose="00000500000000000000"/>
-                <a:ea typeface="Poppins" panose="00000500000000000000"/>
-                <a:cs typeface="Poppins" panose="00000500000000000000"/>
-                <a:sym typeface="Poppins" panose="00000500000000000000"/>
-              </a:defRPr>
-            </a:lvl2pPr>
-            <a:lvl3pPr marR="0" lvl="2" algn="l" rtl="0">
-              <a:lnSpc>
-                <a:spcPct val="100000"/>
-              </a:lnSpc>
-              <a:spcBef>
-                <a:spcPts val="0"/>
-              </a:spcBef>
-              <a:spcAft>
-                <a:spcPts val="0"/>
-              </a:spcAft>
-              <a:buClr>
-                <a:schemeClr val="dk1"/>
-              </a:buClr>
-              <a:buSzPts val="2800"/>
-              <a:buFont typeface="Poppins" panose="00000500000000000000"/>
-              <a:buNone/>
-              <a:defRPr sz="2800" b="1" i="0" u="none" strike="noStrike" cap="none">
-                <a:solidFill>
-                  <a:schemeClr val="dk1"/>
-                </a:solidFill>
-                <a:latin typeface="Poppins" panose="00000500000000000000"/>
-                <a:ea typeface="Poppins" panose="00000500000000000000"/>
-                <a:cs typeface="Poppins" panose="00000500000000000000"/>
-                <a:sym typeface="Poppins" panose="00000500000000000000"/>
-              </a:defRPr>
-            </a:lvl3pPr>
-            <a:lvl4pPr marR="0" lvl="3" algn="l" rtl="0">
-              <a:lnSpc>
-                <a:spcPct val="100000"/>
-              </a:lnSpc>
-              <a:spcBef>
-                <a:spcPts val="0"/>
-              </a:spcBef>
-              <a:spcAft>
-                <a:spcPts val="0"/>
-              </a:spcAft>
-              <a:buClr>
-                <a:schemeClr val="dk1"/>
-              </a:buClr>
-              <a:buSzPts val="2800"/>
-              <a:buFont typeface="Poppins" panose="00000500000000000000"/>
-              <a:buNone/>
-              <a:defRPr sz="2800" b="1" i="0" u="none" strike="noStrike" cap="none">
-                <a:solidFill>
-                  <a:schemeClr val="dk1"/>
-                </a:solidFill>
-                <a:latin typeface="Poppins" panose="00000500000000000000"/>
-                <a:ea typeface="Poppins" panose="00000500000000000000"/>
-                <a:cs typeface="Poppins" panose="00000500000000000000"/>
-                <a:sym typeface="Poppins" panose="00000500000000000000"/>
-              </a:defRPr>
-            </a:lvl4pPr>
-            <a:lvl5pPr marR="0" lvl="4" algn="l" rtl="0">
-              <a:lnSpc>
-                <a:spcPct val="100000"/>
-              </a:lnSpc>
-              <a:spcBef>
-                <a:spcPts val="0"/>
-              </a:spcBef>
-              <a:spcAft>
-                <a:spcPts val="0"/>
-              </a:spcAft>
-              <a:buClr>
-                <a:schemeClr val="dk1"/>
-              </a:buClr>
-              <a:buSzPts val="2800"/>
-              <a:buFont typeface="Poppins" panose="00000500000000000000"/>
-              <a:buNone/>
-              <a:defRPr sz="2800" b="1" i="0" u="none" strike="noStrike" cap="none">
-                <a:solidFill>
-                  <a:schemeClr val="dk1"/>
-                </a:solidFill>
-                <a:latin typeface="Poppins" panose="00000500000000000000"/>
-                <a:ea typeface="Poppins" panose="00000500000000000000"/>
-                <a:cs typeface="Poppins" panose="00000500000000000000"/>
-                <a:sym typeface="Poppins" panose="00000500000000000000"/>
-              </a:defRPr>
-            </a:lvl5pPr>
-            <a:lvl6pPr marR="0" lvl="5" algn="l" rtl="0">
-              <a:lnSpc>
-                <a:spcPct val="100000"/>
-              </a:lnSpc>
-              <a:spcBef>
-                <a:spcPts val="0"/>
-              </a:spcBef>
-              <a:spcAft>
-                <a:spcPts val="0"/>
-              </a:spcAft>
-              <a:buClr>
-                <a:schemeClr val="dk1"/>
-              </a:buClr>
-              <a:buSzPts val="2800"/>
-              <a:buFont typeface="Poppins" panose="00000500000000000000"/>
-              <a:buNone/>
-              <a:defRPr sz="2800" b="1" i="0" u="none" strike="noStrike" cap="none">
-                <a:solidFill>
-                  <a:schemeClr val="dk1"/>
-                </a:solidFill>
-                <a:latin typeface="Poppins" panose="00000500000000000000"/>
-                <a:ea typeface="Poppins" panose="00000500000000000000"/>
-                <a:cs typeface="Poppins" panose="00000500000000000000"/>
-                <a:sym typeface="Poppins" panose="00000500000000000000"/>
-              </a:defRPr>
-            </a:lvl6pPr>
-            <a:lvl7pPr marR="0" lvl="6" algn="l" rtl="0">
-              <a:lnSpc>
-                <a:spcPct val="100000"/>
-              </a:lnSpc>
-              <a:spcBef>
-                <a:spcPts val="0"/>
-              </a:spcBef>
-              <a:spcAft>
-                <a:spcPts val="0"/>
-              </a:spcAft>
-              <a:buClr>
-                <a:schemeClr val="dk1"/>
-              </a:buClr>
-              <a:buSzPts val="2800"/>
-              <a:buFont typeface="Poppins" panose="00000500000000000000"/>
-              <a:buNone/>
-              <a:defRPr sz="2800" b="1" i="0" u="none" strike="noStrike" cap="none">
-                <a:solidFill>
-                  <a:schemeClr val="dk1"/>
-                </a:solidFill>
-                <a:latin typeface="Poppins" panose="00000500000000000000"/>
-                <a:ea typeface="Poppins" panose="00000500000000000000"/>
-                <a:cs typeface="Poppins" panose="00000500000000000000"/>
-                <a:sym typeface="Poppins" panose="00000500000000000000"/>
-              </a:defRPr>
-            </a:lvl7pPr>
-            <a:lvl8pPr marR="0" lvl="7" algn="l" rtl="0">
-              <a:lnSpc>
-                <a:spcPct val="100000"/>
-              </a:lnSpc>
-              <a:spcBef>
-                <a:spcPts val="0"/>
-              </a:spcBef>
-              <a:spcAft>
-                <a:spcPts val="0"/>
-              </a:spcAft>
-              <a:buClr>
-                <a:schemeClr val="dk1"/>
-              </a:buClr>
-              <a:buSzPts val="2800"/>
-              <a:buFont typeface="Poppins" panose="00000500000000000000"/>
-              <a:buNone/>
-              <a:defRPr sz="2800" b="1" i="0" u="none" strike="noStrike" cap="none">
-                <a:solidFill>
-                  <a:schemeClr val="dk1"/>
-                </a:solidFill>
-                <a:latin typeface="Poppins" panose="00000500000000000000"/>
-                <a:ea typeface="Poppins" panose="00000500000000000000"/>
-                <a:cs typeface="Poppins" panose="00000500000000000000"/>
-                <a:sym typeface="Poppins" panose="00000500000000000000"/>
-              </a:defRPr>
-            </a:lvl8pPr>
-            <a:lvl9pPr marR="0" lvl="8" algn="l" rtl="0">
-              <a:lnSpc>
-                <a:spcPct val="100000"/>
-              </a:lnSpc>
-              <a:spcBef>
-                <a:spcPts val="0"/>
-              </a:spcBef>
-              <a:spcAft>
-                <a:spcPts val="0"/>
-              </a:spcAft>
-              <a:buClr>
-                <a:schemeClr val="dk1"/>
-              </a:buClr>
-              <a:buSzPts val="2800"/>
-              <a:buFont typeface="Poppins" panose="00000500000000000000"/>
-              <a:buNone/>
-              <a:defRPr sz="2800" b="1" i="0" u="none" strike="noStrike" cap="none">
-                <a:solidFill>
-                  <a:schemeClr val="dk1"/>
-                </a:solidFill>
-                <a:latin typeface="Poppins" panose="00000500000000000000"/>
-                <a:ea typeface="Poppins" panose="00000500000000000000"/>
-                <a:cs typeface="Poppins" panose="00000500000000000000"/>
-                <a:sym typeface="Poppins" panose="00000500000000000000"/>
-              </a:defRPr>
-            </a:lvl9pPr>
-          </a:lstStyle>
-          <a:p>
-            <a:r>
-              <a:rPr lang="es-ES" sz="2400" dirty="0"/>
-              <a:t>Ingeniería de variables</a:t>
-            </a:r>
-            <a:endParaRPr lang="ca-ES" sz="2400" dirty="0"/>
-          </a:p>
-        </p:txBody>
-      </p:sp>
-    </p:spTree>
-    <p:extLst>
-      <p:ext uri="{BB962C8B-B14F-4D97-AF65-F5344CB8AC3E}">
-        <p14:creationId xmlns:p14="http://schemas.microsoft.com/office/powerpoint/2010/main" val="533820865"/>
-      </p:ext>
-    </p:extLst>
-  </p:cSld>
-  <p:clrMapOvr>
-    <a:masterClrMapping/>
-  </p:clrMapOvr>
-</p:sld>
-</file>
-
-<file path=ppt/slides/slide6.xml><?xml version="1.0" encoding="utf-8"?>
 <p:sld xmlns:a="http://schemas.openxmlformats.org/drawingml/2006/main" xmlns:r="http://schemas.openxmlformats.org/officeDocument/2006/relationships" xmlns:p="http://schemas.openxmlformats.org/presentationml/2006/main">
   <p:cSld>
     <p:spTree>
@@ -18898,7 +18347,7 @@
 </p:sld>
 </file>
 
-<file path=ppt/slides/slide7.xml><?xml version="1.0" encoding="utf-8"?>
+<file path=ppt/slides/slide5.xml><?xml version="1.0" encoding="utf-8"?>
 <p:sld xmlns:a="http://schemas.openxmlformats.org/drawingml/2006/main" xmlns:r="http://schemas.openxmlformats.org/officeDocument/2006/relationships" xmlns:p="http://schemas.openxmlformats.org/presentationml/2006/main">
   <p:cSld>
     <p:spTree>
@@ -19836,7 +19285,7 @@
 </p:sld>
 </file>
 
-<file path=ppt/slides/slide8.xml><?xml version="1.0" encoding="utf-8"?>
+<file path=ppt/slides/slide6.xml><?xml version="1.0" encoding="utf-8"?>
 <p:sld xmlns:a="http://schemas.openxmlformats.org/drawingml/2006/main" xmlns:r="http://schemas.openxmlformats.org/officeDocument/2006/relationships" xmlns:p="http://schemas.openxmlformats.org/presentationml/2006/main">
   <p:cSld>
     <p:spTree>
@@ -20199,7 +19648,7 @@
 </p:sld>
 </file>
 
-<file path=ppt/slides/slide9.xml><?xml version="1.0" encoding="utf-8"?>
+<file path=ppt/slides/slide7.xml><?xml version="1.0" encoding="utf-8"?>
 <p:sld xmlns:a="http://schemas.openxmlformats.org/drawingml/2006/main" xmlns:r="http://schemas.openxmlformats.org/officeDocument/2006/relationships" xmlns:p="http://schemas.openxmlformats.org/presentationml/2006/main">
   <p:cSld>
     <p:spTree>
@@ -20746,6 +20195,1023 @@
               <a:rPr lang="en-US" dirty="0"/>
               <a:t>2   Test2  0.2200000  0.7800000  0.473161          0.5471264      0.8408408 0.5074627</a:t>
             </a:r>
+          </a:p>
+        </p:txBody>
+      </p:sp>
+    </p:spTree>
+  </p:cSld>
+  <p:clrMapOvr>
+    <a:masterClrMapping/>
+  </p:clrMapOvr>
+</p:sld>
+</file>
+
+<file path=ppt/slides/slide8.xml><?xml version="1.0" encoding="utf-8"?>
+<p:sld xmlns:a="http://schemas.openxmlformats.org/drawingml/2006/main" xmlns:r="http://schemas.openxmlformats.org/officeDocument/2006/relationships" xmlns:p="http://schemas.openxmlformats.org/presentationml/2006/main">
+  <p:cSld>
+    <p:spTree>
+      <p:nvGrpSpPr>
+        <p:cNvPr id="1" name=""/>
+        <p:cNvGrpSpPr/>
+        <p:nvPr/>
+      </p:nvGrpSpPr>
+      <p:grpSpPr>
+        <a:xfrm>
+          <a:off x="0" y="0"/>
+          <a:ext cx="0" cy="0"/>
+          <a:chOff x="0" y="0"/>
+          <a:chExt cx="0" cy="0"/>
+        </a:xfrm>
+      </p:grpSpPr>
+      <p:sp>
+        <p:nvSpPr>
+          <p:cNvPr id="2" name="Título 1"/>
+          <p:cNvSpPr>
+            <a:spLocks noGrp="1"/>
+          </p:cNvSpPr>
+          <p:nvPr>
+            <p:ph type="title"/>
+          </p:nvPr>
+        </p:nvSpPr>
+        <p:spPr/>
+        <p:txBody>
+          <a:bodyPr/>
+          <a:lstStyle/>
+          <a:p>
+            <a:r>
+              <a:rPr lang="es-ES" dirty="0" err="1"/>
+              <a:t>XGBoost</a:t>
+            </a:r>
+            <a:endParaRPr lang="es-ES" dirty="0"/>
+          </a:p>
+        </p:txBody>
+      </p:sp>
+      <p:sp>
+        <p:nvSpPr>
+          <p:cNvPr id="6" name="CuadroTexto 5"/>
+          <p:cNvSpPr txBox="1"/>
+          <p:nvPr/>
+        </p:nvSpPr>
+        <p:spPr>
+          <a:xfrm>
+            <a:off x="1258229" y="1154252"/>
+            <a:ext cx="6627541" cy="3139321"/>
+          </a:xfrm>
+          <a:prstGeom prst="rect">
+            <a:avLst/>
+          </a:prstGeom>
+          <a:noFill/>
+        </p:spPr>
+        <p:txBody>
+          <a:bodyPr wrap="square">
+            <a:spAutoFit/>
+          </a:bodyPr>
+          <a:lstStyle/>
+          <a:p>
+            <a:pPr marL="285750" lvl="3" indent="-285750">
+              <a:buClr>
+                <a:srgbClr val="FF0000"/>
+              </a:buClr>
+              <a:buSzPct val="150000"/>
+              <a:buFont typeface="Arial" panose="020B0604020202020204" pitchFamily="34" charset="0"/>
+              <a:buChar char="×"/>
+            </a:pPr>
+            <a:r>
+              <a:rPr lang="es-ES" dirty="0"/>
+              <a:t>Data completo.               </a:t>
+            </a:r>
+          </a:p>
+          <a:p>
+            <a:pPr marL="285750" lvl="3" indent="-285750">
+              <a:buClr>
+                <a:srgbClr val="FF0000"/>
+              </a:buClr>
+              <a:buSzPct val="150000"/>
+              <a:buFont typeface="Arial" panose="020B0604020202020204" pitchFamily="34" charset="0"/>
+              <a:buChar char="×"/>
+            </a:pPr>
+            <a:r>
+              <a:rPr lang="en-US" altLang="zh-CN" dirty="0" err="1">
+                <a:sym typeface="+mn-ea"/>
+              </a:rPr>
+              <a:t>Reducción</a:t>
+            </a:r>
+            <a:r>
+              <a:rPr lang="en-US" altLang="zh-CN" dirty="0">
+                <a:sym typeface="+mn-ea"/>
+              </a:rPr>
+              <a:t> 1: </a:t>
+            </a:r>
+            <a:r>
+              <a:rPr lang="en-US" altLang="zh-CN" dirty="0" err="1">
+                <a:sym typeface="+mn-ea"/>
+              </a:rPr>
+              <a:t>varImp</a:t>
+            </a:r>
+            <a:r>
+              <a:rPr lang="en-US" altLang="zh-CN" dirty="0">
+                <a:sym typeface="+mn-ea"/>
+              </a:rPr>
+              <a:t> + variables </a:t>
+            </a:r>
+            <a:r>
+              <a:rPr lang="en-US" altLang="zh-CN" dirty="0" err="1">
+                <a:sym typeface="+mn-ea"/>
+              </a:rPr>
+              <a:t>significativas</a:t>
+            </a:r>
+            <a:r>
+              <a:rPr lang="en-US" altLang="zh-CN" dirty="0">
+                <a:sym typeface="+mn-ea"/>
+              </a:rPr>
+              <a:t> (</a:t>
+            </a:r>
+            <a:r>
+              <a:rPr lang="en-US" altLang="zh-CN" dirty="0" err="1">
+                <a:sym typeface="+mn-ea"/>
+              </a:rPr>
+              <a:t>estadisticamente</a:t>
+            </a:r>
+            <a:r>
+              <a:rPr lang="en-US" altLang="zh-CN" dirty="0">
+                <a:sym typeface="+mn-ea"/>
+              </a:rPr>
+              <a:t>).            </a:t>
+            </a:r>
+          </a:p>
+          <a:p>
+            <a:pPr marL="285750" indent="-285750">
+              <a:buClr>
+                <a:srgbClr val="00B050"/>
+              </a:buClr>
+              <a:buSzPct val="150000"/>
+              <a:buFont typeface="Wingdings" panose="05000000000000000000" pitchFamily="2" charset="2"/>
+              <a:buChar char="ü"/>
+            </a:pPr>
+            <a:r>
+              <a:rPr lang="es-ES" dirty="0" err="1"/>
+              <a:t>Reduccción</a:t>
+            </a:r>
+            <a:r>
+              <a:rPr lang="es-ES" dirty="0"/>
+              <a:t> 2: </a:t>
+            </a:r>
+            <a:r>
+              <a:rPr lang="es-ES" dirty="0" err="1"/>
+              <a:t>Dataset</a:t>
+            </a:r>
+            <a:r>
+              <a:rPr lang="es-ES" dirty="0"/>
+              <a:t> reducido.</a:t>
+            </a:r>
+          </a:p>
+          <a:p>
+            <a:pPr marL="285750" indent="-285750">
+              <a:buClr>
+                <a:srgbClr val="00B050"/>
+              </a:buClr>
+              <a:buSzPct val="150000"/>
+              <a:buFont typeface="Wingdings" panose="05000000000000000000" pitchFamily="2" charset="2"/>
+              <a:buChar char="ü"/>
+            </a:pPr>
+            <a:r>
+              <a:rPr lang="es-ES" dirty="0"/>
+              <a:t>Variable </a:t>
+            </a:r>
+            <a:r>
+              <a:rPr lang="es-ES" dirty="0" err="1"/>
+              <a:t>HasBalace</a:t>
+            </a:r>
+            <a:endParaRPr lang="es-ES" dirty="0"/>
+          </a:p>
+          <a:p>
+            <a:pPr marL="285750" indent="-285750">
+              <a:buClr>
+                <a:srgbClr val="00B050"/>
+              </a:buClr>
+              <a:buSzPct val="150000"/>
+              <a:buFont typeface="Wingdings" panose="05000000000000000000" pitchFamily="2" charset="2"/>
+              <a:buChar char="ü"/>
+            </a:pPr>
+            <a:r>
+              <a:rPr lang="es-ES" dirty="0" err="1"/>
+              <a:t>ClassWeights</a:t>
+            </a:r>
+            <a:endParaRPr lang="es-ES" dirty="0"/>
+          </a:p>
+          <a:p>
+            <a:endParaRPr lang="es-ES" dirty="0"/>
+          </a:p>
+          <a:p>
+            <a:r>
+              <a:rPr lang="es-ES" sz="1600" b="1" dirty="0" err="1"/>
+              <a:t>Caracteristicas</a:t>
+            </a:r>
+            <a:r>
+              <a:rPr lang="es-ES" sz="1600" b="1" dirty="0"/>
+              <a:t> del mejor: </a:t>
+            </a:r>
+          </a:p>
+          <a:p>
+            <a:endParaRPr lang="es-ES" b="1" dirty="0"/>
+          </a:p>
+          <a:p>
+            <a:pPr marL="285750" indent="-285750">
+              <a:buClr>
+                <a:srgbClr val="00B050"/>
+              </a:buClr>
+              <a:buSzPct val="150000"/>
+              <a:buFont typeface="Wingdings" panose="05000000000000000000" pitchFamily="2" charset="2"/>
+              <a:buChar char="ü"/>
+            </a:pPr>
+            <a:r>
+              <a:rPr lang="es-ES" dirty="0"/>
+              <a:t>No hay </a:t>
+            </a:r>
+            <a:r>
+              <a:rPr lang="es-ES" dirty="0" err="1"/>
+              <a:t>overfitting</a:t>
+            </a:r>
+            <a:r>
+              <a:rPr lang="es-ES" dirty="0"/>
+              <a:t> y es estable.</a:t>
+            </a:r>
+          </a:p>
+          <a:p>
+            <a:pPr marL="285750" indent="-285750">
+              <a:buClr>
+                <a:srgbClr val="00B050"/>
+              </a:buClr>
+              <a:buSzPct val="150000"/>
+              <a:buFont typeface="Wingdings" panose="05000000000000000000" pitchFamily="2" charset="2"/>
+              <a:buChar char="ü"/>
+            </a:pPr>
+            <a:r>
+              <a:rPr lang="es-ES" dirty="0" err="1"/>
+              <a:t>Tuning</a:t>
+            </a:r>
+            <a:r>
+              <a:rPr lang="es-ES" dirty="0"/>
+              <a:t> de </a:t>
+            </a:r>
+            <a:r>
+              <a:rPr lang="es-ES" dirty="0" err="1"/>
+              <a:t>hiperparémetros</a:t>
+            </a:r>
+            <a:r>
+              <a:rPr lang="es-ES" dirty="0"/>
+              <a:t>.</a:t>
+            </a:r>
+          </a:p>
+          <a:p>
+            <a:pPr marL="285750" indent="-285750">
+              <a:buClr>
+                <a:srgbClr val="00B050"/>
+              </a:buClr>
+              <a:buSzPct val="150000"/>
+              <a:buFont typeface="Wingdings" panose="05000000000000000000" pitchFamily="2" charset="2"/>
+              <a:buChar char="ü"/>
+            </a:pPr>
+            <a:r>
+              <a:rPr lang="es-ES" dirty="0" err="1"/>
+              <a:t>Hiperparémetros</a:t>
+            </a:r>
+            <a:r>
+              <a:rPr lang="es-ES" dirty="0"/>
+              <a:t>: </a:t>
+            </a:r>
+            <a:r>
+              <a:rPr lang="es-ES" dirty="0" err="1"/>
+              <a:t>maxnode</a:t>
+            </a:r>
+            <a:r>
+              <a:rPr lang="es-ES" dirty="0"/>
+              <a:t>=45 ; nodesize:20 ; </a:t>
+            </a:r>
+            <a:r>
+              <a:rPr lang="es-ES" dirty="0" err="1"/>
+              <a:t>mtry</a:t>
+            </a:r>
+            <a:r>
+              <a:rPr lang="es-ES" dirty="0"/>
+              <a:t>=5.</a:t>
+            </a:r>
+          </a:p>
+          <a:p>
+            <a:pPr marL="285750" indent="-285750">
+              <a:buClr>
+                <a:srgbClr val="00B050"/>
+              </a:buClr>
+              <a:buSzPct val="150000"/>
+              <a:buFont typeface="Wingdings" panose="05000000000000000000" pitchFamily="2" charset="2"/>
+              <a:buChar char="ü"/>
+            </a:pPr>
+            <a:r>
+              <a:rPr lang="en-US" dirty="0"/>
+              <a:t>Number of trees: 500 </a:t>
+            </a:r>
+            <a:r>
+              <a:rPr lang="en-US" dirty="0" err="1"/>
+              <a:t>i</a:t>
+            </a:r>
+            <a:r>
+              <a:rPr lang="en-US" dirty="0"/>
+              <a:t> No. of variables tried at each split: 5.</a:t>
+            </a:r>
+            <a:endParaRPr lang="es-ES" dirty="0"/>
+          </a:p>
+          <a:p>
+            <a:pPr marL="285750" indent="-285750">
+              <a:buClr>
+                <a:srgbClr val="00B050"/>
+              </a:buClr>
+              <a:buSzPct val="150000"/>
+              <a:buFont typeface="Wingdings" panose="05000000000000000000" pitchFamily="2" charset="2"/>
+              <a:buChar char="ü"/>
+            </a:pPr>
+            <a:r>
+              <a:rPr lang="es-ES" dirty="0"/>
+              <a:t>Métricas obtenidas con p=0,06.</a:t>
+            </a:r>
+          </a:p>
+          <a:p>
+            <a:pPr marL="285750" indent="-285750">
+              <a:buFont typeface="Wingdings" panose="05000000000000000000" pitchFamily="2" charset="2"/>
+              <a:buChar char="ü"/>
+            </a:pPr>
+            <a:endParaRPr lang="es-ES" dirty="0"/>
+          </a:p>
+        </p:txBody>
+      </p:sp>
+      <p:sp>
+        <p:nvSpPr>
+          <p:cNvPr id="3" name="CuadroTexto 2">
+            <a:extLst>
+              <a:ext uri="{FF2B5EF4-FFF2-40B4-BE49-F238E27FC236}">
+                <a16:creationId xmlns:a16="http://schemas.microsoft.com/office/drawing/2014/main" id="{70E38204-24A2-51F6-9008-1CAD6727006D}"/>
+              </a:ext>
+            </a:extLst>
+          </p:cNvPr>
+          <p:cNvSpPr txBox="1"/>
+          <p:nvPr/>
+        </p:nvSpPr>
+        <p:spPr>
+          <a:xfrm>
+            <a:off x="2329029" y="4115279"/>
+            <a:ext cx="4485939" cy="738664"/>
+          </a:xfrm>
+          <a:prstGeom prst="rect">
+            <a:avLst/>
+          </a:prstGeom>
+        </p:spPr>
+        <p:style>
+          <a:lnRef idx="1">
+            <a:schemeClr val="accent2"/>
+          </a:lnRef>
+          <a:fillRef idx="2">
+            <a:schemeClr val="accent2"/>
+          </a:fillRef>
+          <a:effectRef idx="1">
+            <a:schemeClr val="accent2"/>
+          </a:effectRef>
+          <a:fontRef idx="minor">
+            <a:schemeClr val="dk1"/>
+          </a:fontRef>
+        </p:style>
+        <p:txBody>
+          <a:bodyPr wrap="square" rtlCol="0">
+            <a:spAutoFit/>
+          </a:bodyPr>
+          <a:lstStyle/>
+          <a:p>
+            <a:pPr latinLnBrk="1"/>
+            <a:r>
+              <a:rPr lang="en-US" dirty="0"/>
+              <a:t> Dataset  Accuracy Precision    Recall  F1_Score</a:t>
+            </a:r>
+          </a:p>
+          <a:p>
+            <a:pPr latinLnBrk="1"/>
+            <a:r>
+              <a:rPr lang="en-US" dirty="0"/>
+              <a:t>1  Train2 0.7224490 0.3984632 0.7333333 0.5163585</a:t>
+            </a:r>
+          </a:p>
+          <a:p>
+            <a:pPr latinLnBrk="1"/>
+            <a:r>
+              <a:rPr lang="en-US" dirty="0"/>
+              <a:t>2   Test2 0.7085714 0.4025641 0.6826087 0.5064516</a:t>
+            </a:r>
+          </a:p>
+        </p:txBody>
+      </p:sp>
+    </p:spTree>
+  </p:cSld>
+  <p:clrMapOvr>
+    <a:masterClrMapping/>
+  </p:clrMapOvr>
+</p:sld>
+</file>
+
+<file path=ppt/slides/slide9.xml><?xml version="1.0" encoding="utf-8"?>
+<p:sld xmlns:a="http://schemas.openxmlformats.org/drawingml/2006/main" xmlns:r="http://schemas.openxmlformats.org/officeDocument/2006/relationships" xmlns:p="http://schemas.openxmlformats.org/presentationml/2006/main">
+  <p:cSld>
+    <p:spTree>
+      <p:nvGrpSpPr>
+        <p:cNvPr id="1" name=""/>
+        <p:cNvGrpSpPr/>
+        <p:nvPr/>
+      </p:nvGrpSpPr>
+      <p:grpSpPr>
+        <a:xfrm>
+          <a:off x="0" y="0"/>
+          <a:ext cx="0" cy="0"/>
+          <a:chOff x="0" y="0"/>
+          <a:chExt cx="0" cy="0"/>
+        </a:xfrm>
+      </p:grpSpPr>
+      <p:sp>
+        <p:nvSpPr>
+          <p:cNvPr id="2" name="Título 1"/>
+          <p:cNvSpPr>
+            <a:spLocks noGrp="1"/>
+          </p:cNvSpPr>
+          <p:nvPr>
+            <p:ph type="title"/>
+          </p:nvPr>
+        </p:nvSpPr>
+        <p:spPr/>
+        <p:txBody>
+          <a:bodyPr/>
+          <a:lstStyle/>
+          <a:p>
+            <a:r>
+              <a:rPr lang="es-ES" dirty="0"/>
+              <a:t>GLM</a:t>
+            </a:r>
+          </a:p>
+        </p:txBody>
+      </p:sp>
+      <p:sp>
+        <p:nvSpPr>
+          <p:cNvPr id="4" name="CuadroTexto 3"/>
+          <p:cNvSpPr txBox="1"/>
+          <p:nvPr/>
+        </p:nvSpPr>
+        <p:spPr>
+          <a:xfrm>
+            <a:off x="857693" y="1112200"/>
+            <a:ext cx="7896445" cy="2462213"/>
+          </a:xfrm>
+          <a:prstGeom prst="rect">
+            <a:avLst/>
+          </a:prstGeom>
+          <a:noFill/>
+        </p:spPr>
+        <p:txBody>
+          <a:bodyPr wrap="square">
+            <a:spAutoFit/>
+          </a:bodyPr>
+          <a:lstStyle/>
+          <a:p>
+            <a:pPr marL="285750" indent="-285750">
+              <a:buClr>
+                <a:srgbClr val="00B050"/>
+              </a:buClr>
+              <a:buSzPct val="150000"/>
+              <a:buFont typeface="Wingdings" panose="05000000000000000000" pitchFamily="2" charset="2"/>
+              <a:buChar char="ü"/>
+            </a:pPr>
+            <a:r>
+              <a:rPr lang="es-ES" dirty="0"/>
+              <a:t>Se ha probado 4 enlaces: </a:t>
+            </a:r>
+            <a:r>
+              <a:rPr lang="es-ES" dirty="0" err="1"/>
+              <a:t>logit</a:t>
+            </a:r>
+            <a:r>
+              <a:rPr lang="es-ES" dirty="0"/>
+              <a:t>, </a:t>
+            </a:r>
+            <a:r>
+              <a:rPr lang="es-ES" dirty="0" err="1"/>
+              <a:t>probit</a:t>
+            </a:r>
+            <a:r>
+              <a:rPr lang="es-ES" dirty="0"/>
+              <a:t>, </a:t>
+            </a:r>
+            <a:r>
+              <a:rPr lang="es-ES" dirty="0" err="1"/>
+              <a:t>cloglog</a:t>
+            </a:r>
+            <a:r>
+              <a:rPr lang="es-ES" dirty="0"/>
+              <a:t> y </a:t>
+            </a:r>
+            <a:r>
+              <a:rPr lang="es-ES" dirty="0" err="1"/>
+              <a:t>cauchy</a:t>
+            </a:r>
+            <a:r>
+              <a:rPr lang="es-ES" dirty="0"/>
+              <a:t>.              No </a:t>
+            </a:r>
+            <a:r>
+              <a:rPr lang="es-ES" dirty="0" err="1"/>
+              <a:t>much</a:t>
+            </a:r>
+            <a:r>
+              <a:rPr lang="es-ES" dirty="0"/>
+              <a:t> </a:t>
+            </a:r>
+            <a:r>
+              <a:rPr lang="es-ES" dirty="0" err="1"/>
+              <a:t>difference</a:t>
+            </a:r>
+            <a:endParaRPr lang="es-ES" dirty="0"/>
+          </a:p>
+          <a:p>
+            <a:pPr marL="285750" indent="-285750">
+              <a:buClr>
+                <a:srgbClr val="00B050"/>
+              </a:buClr>
+              <a:buSzPct val="150000"/>
+              <a:buFont typeface="Wingdings" panose="05000000000000000000" pitchFamily="2" charset="2"/>
+              <a:buChar char="ü"/>
+            </a:pPr>
+            <a:r>
+              <a:rPr lang="es-ES" dirty="0"/>
+              <a:t>Se decidió quedarse con el </a:t>
+            </a:r>
+            <a:r>
+              <a:rPr lang="es-ES" b="1" dirty="0" err="1"/>
+              <a:t>probit</a:t>
+            </a:r>
+            <a:r>
+              <a:rPr lang="es-ES" b="1" dirty="0"/>
+              <a:t>.              Ligero aumento en </a:t>
+            </a:r>
+            <a:r>
+              <a:rPr lang="es-ES" b="1" dirty="0" err="1"/>
+              <a:t>recall</a:t>
+            </a:r>
+            <a:r>
+              <a:rPr lang="es-ES" b="1" dirty="0"/>
+              <a:t>.</a:t>
+            </a:r>
+          </a:p>
+          <a:p>
+            <a:pPr marL="285750" indent="-285750">
+              <a:buClr>
+                <a:srgbClr val="FF0000"/>
+              </a:buClr>
+              <a:buSzPct val="150000"/>
+              <a:buFont typeface="Arial" panose="020B0604020202020204" pitchFamily="34" charset="0"/>
+              <a:buChar char="×"/>
+            </a:pPr>
+            <a:r>
+              <a:rPr lang="es-ES" dirty="0"/>
+              <a:t>Data </a:t>
+            </a:r>
+            <a:r>
+              <a:rPr lang="es-ES" dirty="0" err="1"/>
+              <a:t>reducido_plus</a:t>
+            </a:r>
+            <a:r>
+              <a:rPr lang="es-ES" dirty="0"/>
+              <a:t>               Peor</a:t>
+            </a:r>
+          </a:p>
+          <a:p>
+            <a:pPr marL="285750" indent="-285750">
+              <a:buClr>
+                <a:srgbClr val="00B050"/>
+              </a:buClr>
+              <a:buSzPct val="150000"/>
+              <a:buFont typeface="Wingdings" panose="05000000000000000000" pitchFamily="2" charset="2"/>
+              <a:buChar char="ü"/>
+            </a:pPr>
+            <a:r>
+              <a:rPr lang="es-ES" dirty="0"/>
+              <a:t>Data reducido                 Mejores resultados.</a:t>
+            </a:r>
+          </a:p>
+          <a:p>
+            <a:pPr marL="285750" indent="-285750">
+              <a:buClr>
+                <a:srgbClr val="FF0000"/>
+              </a:buClr>
+              <a:buSzPct val="150000"/>
+              <a:buFont typeface="Arial" panose="020B0604020202020204" pitchFamily="34" charset="0"/>
+              <a:buChar char="×"/>
+            </a:pPr>
+            <a:r>
+              <a:rPr lang="es-ES" dirty="0"/>
+              <a:t>Balance               F1 MUUUUUY bajo</a:t>
+            </a:r>
+          </a:p>
+          <a:p>
+            <a:pPr marL="285750" indent="-285750">
+              <a:buClr>
+                <a:srgbClr val="FF0000"/>
+              </a:buClr>
+              <a:buSzPct val="150000"/>
+              <a:buFont typeface="Arial" panose="020B0604020202020204" pitchFamily="34" charset="0"/>
+              <a:buChar char="×"/>
+            </a:pPr>
+            <a:r>
+              <a:rPr lang="es-ES" dirty="0" err="1"/>
+              <a:t>Scale</a:t>
+            </a:r>
+            <a:r>
+              <a:rPr lang="es-ES" dirty="0"/>
+              <a:t>, </a:t>
+            </a:r>
+            <a:r>
+              <a:rPr lang="es-ES" dirty="0" err="1"/>
+              <a:t>Dummys</a:t>
+            </a:r>
+            <a:r>
+              <a:rPr lang="es-ES" dirty="0"/>
+              <a:t> de las variables categóricas.               No afecta en las métricas.</a:t>
+            </a:r>
+          </a:p>
+          <a:p>
+            <a:pPr marL="285750" indent="-285750">
+              <a:buClr>
+                <a:srgbClr val="00B050"/>
+              </a:buClr>
+              <a:buSzPct val="150000"/>
+              <a:buFont typeface="Wingdings" panose="05000000000000000000" pitchFamily="2" charset="2"/>
+              <a:buChar char="ü"/>
+            </a:pPr>
+            <a:endParaRPr lang="es-ES" dirty="0"/>
+          </a:p>
+          <a:p>
+            <a:pPr>
+              <a:buClr>
+                <a:srgbClr val="00B050"/>
+              </a:buClr>
+              <a:buSzPct val="150000"/>
+            </a:pPr>
+            <a:r>
+              <a:rPr lang="es-ES" dirty="0"/>
+              <a:t>Características: </a:t>
+            </a:r>
+          </a:p>
+          <a:p>
+            <a:pPr>
+              <a:buClr>
+                <a:srgbClr val="00B050"/>
+              </a:buClr>
+              <a:buSzPct val="150000"/>
+            </a:pPr>
+            <a:endParaRPr lang="es-ES" dirty="0"/>
+          </a:p>
+          <a:p>
+            <a:pPr marL="285750" indent="-285750">
+              <a:buClr>
+                <a:srgbClr val="00B050"/>
+              </a:buClr>
+              <a:buSzPct val="150000"/>
+              <a:buFont typeface="Wingdings" panose="05000000000000000000" pitchFamily="2" charset="2"/>
+              <a:buChar char="ü"/>
+            </a:pPr>
+            <a:r>
+              <a:rPr lang="es-ES" dirty="0"/>
+              <a:t>El punto de corte óptimo es: p=0.2071429.</a:t>
+            </a:r>
+          </a:p>
+          <a:p>
+            <a:pPr marL="285750" indent="-285750">
+              <a:buClr>
+                <a:srgbClr val="00B050"/>
+              </a:buClr>
+              <a:buSzPct val="150000"/>
+              <a:buFont typeface="Wingdings" panose="05000000000000000000" pitchFamily="2" charset="2"/>
+              <a:buChar char="ü"/>
+            </a:pPr>
+            <a:r>
+              <a:rPr lang="es-ES" dirty="0"/>
+              <a:t>Métricas obtenidas: </a:t>
+            </a:r>
+            <a:endParaRPr lang="en-US" dirty="0"/>
+          </a:p>
+        </p:txBody>
+      </p:sp>
+      <p:sp>
+        <p:nvSpPr>
+          <p:cNvPr id="3" name="CuadroTexto 2"/>
+          <p:cNvSpPr txBox="1"/>
+          <p:nvPr/>
+        </p:nvSpPr>
+        <p:spPr>
+          <a:xfrm>
+            <a:off x="1040573" y="3661968"/>
+            <a:ext cx="7234747" cy="738664"/>
+          </a:xfrm>
+          <a:prstGeom prst="rect">
+            <a:avLst/>
+          </a:prstGeom>
+        </p:spPr>
+        <p:style>
+          <a:lnRef idx="1">
+            <a:schemeClr val="accent2"/>
+          </a:lnRef>
+          <a:fillRef idx="2">
+            <a:schemeClr val="accent2"/>
+          </a:fillRef>
+          <a:effectRef idx="1">
+            <a:schemeClr val="accent2"/>
+          </a:effectRef>
+          <a:fontRef idx="minor">
+            <a:schemeClr val="dk1"/>
+          </a:fontRef>
+        </p:style>
+        <p:txBody>
+          <a:bodyPr wrap="square" rtlCol="0">
+            <a:spAutoFit/>
+          </a:bodyPr>
+          <a:lstStyle/>
+          <a:p>
+            <a:pPr latinLnBrk="1"/>
+            <a:r>
+              <a:rPr lang="en-US" dirty="0"/>
+              <a:t>   Dataset </a:t>
+            </a:r>
+            <a:r>
+              <a:rPr lang="en-US" dirty="0" err="1"/>
+              <a:t>Error_rate</a:t>
+            </a:r>
+            <a:r>
+              <a:rPr lang="en-US" dirty="0"/>
+              <a:t>  Accuracy    Precision   </a:t>
+            </a:r>
+            <a:r>
+              <a:rPr lang="en-US" dirty="0" err="1"/>
+              <a:t>Recall_Sensitivity</a:t>
+            </a:r>
+            <a:r>
+              <a:rPr lang="en-US" dirty="0"/>
+              <a:t>  Specificity   F1_Score</a:t>
+            </a:r>
+          </a:p>
+          <a:p>
+            <a:pPr latinLnBrk="1"/>
+            <a:r>
+              <a:rPr lang="en-US" dirty="0"/>
+              <a:t>1  Train2  0.3273469  0.6726531 0.3516373       0.6876847       0.6687259   0.4653333</a:t>
+            </a:r>
+          </a:p>
+          <a:p>
+            <a:pPr latinLnBrk="1"/>
+            <a:r>
+              <a:rPr lang="en-US" dirty="0"/>
+              <a:t>2   Test2  0.3261905  0.6738095 0.3549884       0.7034483       0.6660661   0.4718581</a:t>
+            </a:r>
+          </a:p>
+        </p:txBody>
+      </p:sp>
+      <p:sp>
+        <p:nvSpPr>
+          <p:cNvPr id="5" name="Flecha: a la derecha 6"/>
+          <p:cNvSpPr/>
+          <p:nvPr/>
+        </p:nvSpPr>
+        <p:spPr>
+          <a:xfrm>
+            <a:off x="5708030" y="1181100"/>
+            <a:ext cx="511795" cy="207028"/>
+          </a:xfrm>
+          <a:prstGeom prst="rightArrow">
+            <a:avLst/>
+          </a:prstGeom>
+        </p:spPr>
+        <p:style>
+          <a:lnRef idx="2">
+            <a:schemeClr val="accent1">
+              <a:shade val="15000"/>
+            </a:schemeClr>
+          </a:lnRef>
+          <a:fillRef idx="1">
+            <a:schemeClr val="accent1"/>
+          </a:fillRef>
+          <a:effectRef idx="0">
+            <a:schemeClr val="accent1"/>
+          </a:effectRef>
+          <a:fontRef idx="minor">
+            <a:schemeClr val="lt1"/>
+          </a:fontRef>
+        </p:style>
+        <p:txBody>
+          <a:bodyPr rtlCol="0" anchor="ctr"/>
+          <a:lstStyle/>
+          <a:p>
+            <a:pPr algn="ctr"/>
+            <a:endParaRPr lang="es-ES"/>
+          </a:p>
+        </p:txBody>
+      </p:sp>
+      <p:sp>
+        <p:nvSpPr>
+          <p:cNvPr id="6" name="Flecha: a la derecha 6"/>
+          <p:cNvSpPr/>
+          <p:nvPr/>
+        </p:nvSpPr>
+        <p:spPr>
+          <a:xfrm>
+            <a:off x="2517155" y="1813113"/>
+            <a:ext cx="511795" cy="207028"/>
+          </a:xfrm>
+          <a:prstGeom prst="rightArrow">
+            <a:avLst/>
+          </a:prstGeom>
+        </p:spPr>
+        <p:style>
+          <a:lnRef idx="2">
+            <a:schemeClr val="accent1">
+              <a:shade val="15000"/>
+            </a:schemeClr>
+          </a:lnRef>
+          <a:fillRef idx="1">
+            <a:schemeClr val="accent1"/>
+          </a:fillRef>
+          <a:effectRef idx="0">
+            <a:schemeClr val="accent1"/>
+          </a:effectRef>
+          <a:fontRef idx="minor">
+            <a:schemeClr val="lt1"/>
+          </a:fontRef>
+        </p:style>
+        <p:txBody>
+          <a:bodyPr rtlCol="0" anchor="ctr"/>
+          <a:lstStyle/>
+          <a:p>
+            <a:pPr algn="ctr"/>
+            <a:endParaRPr lang="es-ES"/>
+          </a:p>
+        </p:txBody>
+      </p:sp>
+      <p:sp>
+        <p:nvSpPr>
+          <p:cNvPr id="7" name="Flecha: a la derecha 6"/>
+          <p:cNvSpPr/>
+          <p:nvPr/>
+        </p:nvSpPr>
+        <p:spPr>
+          <a:xfrm>
+            <a:off x="4060205" y="1388128"/>
+            <a:ext cx="511795" cy="207028"/>
+          </a:xfrm>
+          <a:prstGeom prst="rightArrow">
+            <a:avLst/>
+          </a:prstGeom>
+        </p:spPr>
+        <p:style>
+          <a:lnRef idx="2">
+            <a:schemeClr val="accent1">
+              <a:shade val="15000"/>
+            </a:schemeClr>
+          </a:lnRef>
+          <a:fillRef idx="1">
+            <a:schemeClr val="accent1"/>
+          </a:fillRef>
+          <a:effectRef idx="0">
+            <a:schemeClr val="accent1"/>
+          </a:effectRef>
+          <a:fontRef idx="minor">
+            <a:schemeClr val="lt1"/>
+          </a:fontRef>
+        </p:style>
+        <p:txBody>
+          <a:bodyPr rtlCol="0" anchor="ctr"/>
+          <a:lstStyle/>
+          <a:p>
+            <a:pPr algn="ctr"/>
+            <a:endParaRPr lang="es-ES"/>
+          </a:p>
+        </p:txBody>
+      </p:sp>
+      <p:sp>
+        <p:nvSpPr>
+          <p:cNvPr id="8" name="Flecha: a la derecha 6"/>
+          <p:cNvSpPr/>
+          <p:nvPr/>
+        </p:nvSpPr>
+        <p:spPr>
+          <a:xfrm>
+            <a:off x="2005360" y="2032764"/>
+            <a:ext cx="511795" cy="207028"/>
+          </a:xfrm>
+          <a:prstGeom prst="rightArrow">
+            <a:avLst/>
+          </a:prstGeom>
+        </p:spPr>
+        <p:style>
+          <a:lnRef idx="2">
+            <a:schemeClr val="accent1">
+              <a:shade val="15000"/>
+            </a:schemeClr>
+          </a:lnRef>
+          <a:fillRef idx="1">
+            <a:schemeClr val="accent1"/>
+          </a:fillRef>
+          <a:effectRef idx="0">
+            <a:schemeClr val="accent1"/>
+          </a:effectRef>
+          <a:fontRef idx="minor">
+            <a:schemeClr val="lt1"/>
+          </a:fontRef>
+        </p:style>
+        <p:txBody>
+          <a:bodyPr rtlCol="0" anchor="ctr"/>
+          <a:lstStyle/>
+          <a:p>
+            <a:pPr algn="ctr"/>
+            <a:endParaRPr lang="es-ES"/>
+          </a:p>
+        </p:txBody>
+      </p:sp>
+      <p:sp>
+        <p:nvSpPr>
+          <p:cNvPr id="9" name="Flecha: a la derecha 6"/>
+          <p:cNvSpPr/>
+          <p:nvPr/>
+        </p:nvSpPr>
+        <p:spPr>
+          <a:xfrm>
+            <a:off x="4902244" y="2239792"/>
+            <a:ext cx="511795" cy="207028"/>
+          </a:xfrm>
+          <a:prstGeom prst="rightArrow">
+            <a:avLst/>
+          </a:prstGeom>
+        </p:spPr>
+        <p:style>
+          <a:lnRef idx="2">
+            <a:schemeClr val="accent1">
+              <a:shade val="15000"/>
+            </a:schemeClr>
+          </a:lnRef>
+          <a:fillRef idx="1">
+            <a:schemeClr val="accent1"/>
+          </a:fillRef>
+          <a:effectRef idx="0">
+            <a:schemeClr val="accent1"/>
+          </a:effectRef>
+          <a:fontRef idx="minor">
+            <a:schemeClr val="lt1"/>
+          </a:fontRef>
+        </p:style>
+        <p:txBody>
+          <a:bodyPr rtlCol="0" anchor="ctr"/>
+          <a:lstStyle/>
+          <a:p>
+            <a:pPr algn="ctr"/>
+            <a:endParaRPr lang="es-ES"/>
+          </a:p>
+        </p:txBody>
+      </p:sp>
+      <p:sp>
+        <p:nvSpPr>
+          <p:cNvPr id="10" name="Flecha: a la derecha 9"/>
+          <p:cNvSpPr/>
+          <p:nvPr/>
+        </p:nvSpPr>
+        <p:spPr>
+          <a:xfrm>
+            <a:off x="2910745" y="1606085"/>
+            <a:ext cx="511795" cy="207028"/>
+          </a:xfrm>
+          <a:prstGeom prst="rightArrow">
+            <a:avLst/>
+          </a:prstGeom>
+        </p:spPr>
+        <p:style>
+          <a:lnRef idx="2">
+            <a:schemeClr val="accent1">
+              <a:shade val="15000"/>
+            </a:schemeClr>
+          </a:lnRef>
+          <a:fillRef idx="1">
+            <a:schemeClr val="accent1"/>
+          </a:fillRef>
+          <a:effectRef idx="0">
+            <a:schemeClr val="accent1"/>
+          </a:effectRef>
+          <a:fontRef idx="minor">
+            <a:schemeClr val="lt1"/>
+          </a:fontRef>
+        </p:style>
+        <p:txBody>
+          <a:bodyPr rtlCol="0" anchor="ctr"/>
+          <a:lstStyle/>
+          <a:p>
+            <a:pPr algn="ctr"/>
+            <a:endParaRPr lang="es-ES"/>
           </a:p>
         </p:txBody>
       </p:sp>

--- a/Entrega_2/00.REPORTE/Reporte_Grupo5_new.pptx
+++ b/Entrega_2/00.REPORTE/Reporte_Grupo5_new.pptx
@@ -20387,33 +20387,16 @@
           <a:p>
             <a:pPr marL="285750" indent="-285750">
               <a:buClr>
-                <a:srgbClr val="00B050"/>
+                <a:srgbClr val="FF0000"/>
               </a:buClr>
               <a:buSzPct val="150000"/>
-              <a:buFont typeface="Wingdings" panose="05000000000000000000" pitchFamily="2" charset="2"/>
-              <a:buChar char="ü"/>
+              <a:buFont typeface="Arial" panose="020B0604020202020204" pitchFamily="34" charset="0"/>
+              <a:buChar char="×"/>
             </a:pPr>
             <a:r>
-              <a:rPr lang="es-ES" dirty="0" err="1"/>
-              <a:t>ClassWeights</a:t>
-            </a:r>
-            <a:endParaRPr lang="es-ES" dirty="0"/>
-          </a:p>
-          <a:p>
-            <a:endParaRPr lang="es-ES" dirty="0"/>
-          </a:p>
-          <a:p>
-            <a:r>
-              <a:rPr lang="es-ES" sz="1600" b="1" dirty="0" err="1"/>
-              <a:t>Caracteristicas</a:t>
-            </a:r>
-            <a:r>
-              <a:rPr lang="es-ES" sz="1600" b="1" dirty="0"/>
-              <a:t> del mejor: </a:t>
-            </a:r>
-          </a:p>
-          <a:p>
-            <a:endParaRPr lang="es-ES" b="1" dirty="0"/>
+              <a:rPr lang="es-ES" dirty="0"/>
+              <a:t>Otras variables creadas como</a:t>
+            </a:r>
           </a:p>
           <a:p>
             <a:pPr marL="285750" indent="-285750">
@@ -20425,99 +20408,25 @@
               <a:buChar char="ü"/>
             </a:pPr>
             <a:r>
-              <a:rPr lang="es-ES" dirty="0"/>
-              <a:t>No hay </a:t>
-            </a:r>
-            <a:r>
               <a:rPr lang="es-ES" dirty="0" err="1"/>
-              <a:t>overfitting</a:t>
-            </a:r>
-            <a:r>
-              <a:rPr lang="es-ES" dirty="0"/>
-              <a:t> y es estable.</a:t>
-            </a:r>
+              <a:t>ClassWeights</a:t>
+            </a:r>
+            <a:endParaRPr lang="es-ES" dirty="0"/>
           </a:p>
           <a:p>
-            <a:pPr marL="285750" indent="-285750">
-              <a:buClr>
-                <a:srgbClr val="00B050"/>
-              </a:buClr>
-              <a:buSzPct val="150000"/>
-              <a:buFont typeface="Wingdings" panose="05000000000000000000" pitchFamily="2" charset="2"/>
-              <a:buChar char="ü"/>
-            </a:pPr>
-            <a:r>
-              <a:rPr lang="es-ES" dirty="0" err="1"/>
-              <a:t>Tuning</a:t>
-            </a:r>
-            <a:r>
-              <a:rPr lang="es-ES" dirty="0"/>
-              <a:t> de </a:t>
-            </a:r>
-            <a:r>
-              <a:rPr lang="es-ES" dirty="0" err="1"/>
-              <a:t>hiperparémetros</a:t>
-            </a:r>
-            <a:r>
-              <a:rPr lang="es-ES" dirty="0"/>
-              <a:t>.</a:t>
-            </a:r>
+            <a:endParaRPr lang="es-ES" dirty="0"/>
           </a:p>
           <a:p>
-            <a:pPr marL="285750" indent="-285750">
-              <a:buClr>
-                <a:srgbClr val="00B050"/>
-              </a:buClr>
-              <a:buSzPct val="150000"/>
-              <a:buFont typeface="Wingdings" panose="05000000000000000000" pitchFamily="2" charset="2"/>
-              <a:buChar char="ü"/>
-            </a:pPr>
-            <a:r>
-              <a:rPr lang="es-ES" dirty="0" err="1"/>
-              <a:t>Hiperparémetros</a:t>
-            </a:r>
-            <a:r>
-              <a:rPr lang="es-ES" dirty="0"/>
-              <a:t>: </a:t>
-            </a:r>
-            <a:r>
-              <a:rPr lang="es-ES" dirty="0" err="1"/>
-              <a:t>maxnode</a:t>
-            </a:r>
-            <a:r>
-              <a:rPr lang="es-ES" dirty="0"/>
-              <a:t>=45 ; nodesize:20 ; </a:t>
-            </a:r>
-            <a:r>
-              <a:rPr lang="es-ES" dirty="0" err="1"/>
-              <a:t>mtry</a:t>
-            </a:r>
-            <a:r>
-              <a:rPr lang="es-ES" dirty="0"/>
-              <a:t>=5.</a:t>
+            <a:r>
+              <a:rPr lang="es-ES" sz="1600" dirty="0" err="1"/>
+              <a:t>Caracteristicas</a:t>
+            </a:r>
+            <a:r>
+              <a:rPr lang="es-ES" sz="1600" dirty="0"/>
+              <a:t> del mejor: </a:t>
             </a:r>
           </a:p>
           <a:p>
-            <a:pPr marL="285750" indent="-285750">
-              <a:buClr>
-                <a:srgbClr val="00B050"/>
-              </a:buClr>
-              <a:buSzPct val="150000"/>
-              <a:buFont typeface="Wingdings" panose="05000000000000000000" pitchFamily="2" charset="2"/>
-              <a:buChar char="ü"/>
-            </a:pPr>
-            <a:r>
-              <a:rPr lang="en-US" dirty="0"/>
-              <a:t>Number of trees: 500 </a:t>
-            </a:r>
-            <a:r>
-              <a:rPr lang="en-US" dirty="0" err="1"/>
-              <a:t>i</a:t>
-            </a:r>
-            <a:r>
-              <a:rPr lang="en-US" dirty="0"/>
-              <a:t> No. of variables tried at each split: 5.</a:t>
-            </a:r>
             <a:endParaRPr lang="es-ES" dirty="0"/>
           </a:p>
           <a:p>
@@ -20531,7 +20440,78 @@
             </a:pPr>
             <a:r>
               <a:rPr lang="es-ES" dirty="0"/>
-              <a:t>Métricas obtenidas con p=0,06.</a:t>
+              <a:t>No hay </a:t>
+            </a:r>
+            <a:r>
+              <a:rPr lang="es-ES" dirty="0" err="1"/>
+              <a:t>overfitting</a:t>
+            </a:r>
+            <a:r>
+              <a:rPr lang="es-ES" dirty="0"/>
+              <a:t> y es estable.</a:t>
+            </a:r>
+          </a:p>
+          <a:p>
+            <a:pPr marL="285750" indent="-285750">
+              <a:buClr>
+                <a:srgbClr val="00B050"/>
+              </a:buClr>
+              <a:buSzPct val="150000"/>
+              <a:buFont typeface="Wingdings" panose="05000000000000000000" pitchFamily="2" charset="2"/>
+              <a:buChar char="ü"/>
+            </a:pPr>
+            <a:r>
+              <a:rPr lang="es-ES" dirty="0" err="1"/>
+              <a:t>Dummy</a:t>
+            </a:r>
+            <a:r>
+              <a:rPr lang="es-ES" dirty="0"/>
+              <a:t> &amp; </a:t>
+            </a:r>
+            <a:r>
+              <a:rPr lang="es-ES" dirty="0" err="1"/>
+              <a:t>Scale</a:t>
+            </a:r>
+            <a:endParaRPr lang="es-ES" dirty="0"/>
+          </a:p>
+          <a:p>
+            <a:pPr marL="285750" indent="-285750">
+              <a:buClr>
+                <a:srgbClr val="00B050"/>
+              </a:buClr>
+              <a:buSzPct val="150000"/>
+              <a:buFont typeface="Wingdings" panose="05000000000000000000" pitchFamily="2" charset="2"/>
+              <a:buChar char="ü"/>
+            </a:pPr>
+            <a:r>
+              <a:rPr lang="es-ES" dirty="0" err="1"/>
+              <a:t>Tuning</a:t>
+            </a:r>
+            <a:r>
+              <a:rPr lang="es-ES" dirty="0"/>
+              <a:t> de </a:t>
+            </a:r>
+            <a:r>
+              <a:rPr lang="es-ES" dirty="0" err="1"/>
+              <a:t>hiperparémetros</a:t>
+            </a:r>
+            <a:r>
+              <a:rPr lang="es-ES" dirty="0"/>
+              <a:t>.</a:t>
+            </a:r>
+          </a:p>
+          <a:p>
+            <a:pPr marL="285750" indent="-285750">
+              <a:buClr>
+                <a:srgbClr val="00B050"/>
+              </a:buClr>
+              <a:buSzPct val="150000"/>
+              <a:buFont typeface="Wingdings" panose="05000000000000000000" pitchFamily="2" charset="2"/>
+              <a:buChar char="ü"/>
+            </a:pPr>
+            <a:r>
+              <a:rPr lang="es-ES" dirty="0"/>
+              <a:t>Métricas obtenidas con p=0.47.</a:t>
             </a:r>
           </a:p>
           <a:p>
@@ -20602,6 +20582,104 @@
             <a:r>
               <a:rPr lang="en-US" dirty="0"/>
               <a:t>2   Test2 0.7085714 0.4025641 0.6826087 0.5064516</a:t>
+            </a:r>
+          </a:p>
+        </p:txBody>
+      </p:sp>
+      <p:sp>
+        <p:nvSpPr>
+          <p:cNvPr id="4" name="Rectángulo: esquinas redondeadas 3">
+            <a:extLst>
+              <a:ext uri="{FF2B5EF4-FFF2-40B4-BE49-F238E27FC236}">
+                <a16:creationId xmlns:a16="http://schemas.microsoft.com/office/drawing/2014/main" id="{9FF60DD8-7BD7-E38D-944E-F6DEDB581C57}"/>
+              </a:ext>
+            </a:extLst>
+          </p:cNvPr>
+          <p:cNvSpPr/>
+          <p:nvPr/>
+        </p:nvSpPr>
+        <p:spPr>
+          <a:xfrm>
+            <a:off x="6269162" y="2055251"/>
+            <a:ext cx="2321943" cy="1360969"/>
+          </a:xfrm>
+          <a:prstGeom prst="roundRect">
+            <a:avLst/>
+          </a:prstGeom>
+        </p:spPr>
+        <p:style>
+          <a:lnRef idx="2">
+            <a:schemeClr val="accent1">
+              <a:shade val="15000"/>
+            </a:schemeClr>
+          </a:lnRef>
+          <a:fillRef idx="1">
+            <a:schemeClr val="accent1"/>
+          </a:fillRef>
+          <a:effectRef idx="0">
+            <a:schemeClr val="accent1"/>
+          </a:effectRef>
+          <a:fontRef idx="minor">
+            <a:schemeClr val="lt1"/>
+          </a:fontRef>
+        </p:style>
+        <p:txBody>
+          <a:bodyPr rtlCol="0" anchor="ctr"/>
+          <a:lstStyle/>
+          <a:p>
+            <a:pPr algn="ctr"/>
+            <a:r>
+              <a:rPr lang="es-ES" dirty="0"/>
+              <a:t>eta = 0.05</a:t>
+            </a:r>
+          </a:p>
+          <a:p>
+            <a:pPr algn="ctr"/>
+            <a:r>
+              <a:rPr lang="es-ES" dirty="0" err="1"/>
+              <a:t>max_depth</a:t>
+            </a:r>
+            <a:r>
+              <a:rPr lang="es-ES" dirty="0"/>
+              <a:t> = 4</a:t>
+            </a:r>
+          </a:p>
+          <a:p>
+            <a:pPr algn="ctr"/>
+            <a:r>
+              <a:rPr lang="es-ES" dirty="0"/>
+              <a:t> </a:t>
+            </a:r>
+            <a:r>
+              <a:rPr lang="es-ES" dirty="0" err="1"/>
+              <a:t>subsample</a:t>
+            </a:r>
+            <a:r>
+              <a:rPr lang="es-ES" dirty="0"/>
+              <a:t> = 0.7,</a:t>
+            </a:r>
+          </a:p>
+          <a:p>
+            <a:pPr algn="ctr"/>
+            <a:r>
+              <a:rPr lang="es-ES" dirty="0"/>
+              <a:t> </a:t>
+            </a:r>
+            <a:r>
+              <a:rPr lang="es-ES" dirty="0" err="1"/>
+              <a:t>colsample_bytree</a:t>
+            </a:r>
+            <a:r>
+              <a:rPr lang="es-ES" dirty="0"/>
+              <a:t> = 0.7 </a:t>
+            </a:r>
+            <a:r>
+              <a:rPr lang="es-ES" dirty="0" err="1"/>
+              <a:t>scale_pos_weight</a:t>
+            </a:r>
+            <a:r>
+              <a:rPr lang="es-ES" dirty="0"/>
+              <a:t> = 4 </a:t>
             </a:r>
           </a:p>
         </p:txBody>

--- a/Entrega_2/00.REPORTE/Reporte_Grupo5_new.pptx
+++ b/Entrega_2/00.REPORTE/Reporte_Grupo5_new.pptx
@@ -5,53 +5,54 @@
     <p:sldMasterId id="2147483648" r:id="rId1"/>
   </p:sldMasterIdLst>
   <p:notesMasterIdLst>
-    <p:notesMasterId r:id="rId15"/>
+    <p:notesMasterId r:id="rId16"/>
   </p:notesMasterIdLst>
   <p:sldIdLst>
     <p:sldId id="285" r:id="rId2"/>
     <p:sldId id="270" r:id="rId3"/>
     <p:sldId id="272" r:id="rId4"/>
-    <p:sldId id="269" r:id="rId5"/>
-    <p:sldId id="293" r:id="rId6"/>
-    <p:sldId id="299" r:id="rId7"/>
-    <p:sldId id="301" r:id="rId8"/>
-    <p:sldId id="296" r:id="rId9"/>
-    <p:sldId id="302" r:id="rId10"/>
-    <p:sldId id="303" r:id="rId11"/>
-    <p:sldId id="308" r:id="rId12"/>
-    <p:sldId id="305" r:id="rId13"/>
-    <p:sldId id="309" r:id="rId14"/>
+    <p:sldId id="307" r:id="rId5"/>
+    <p:sldId id="269" r:id="rId6"/>
+    <p:sldId id="293" r:id="rId7"/>
+    <p:sldId id="299" r:id="rId8"/>
+    <p:sldId id="301" r:id="rId9"/>
+    <p:sldId id="296" r:id="rId10"/>
+    <p:sldId id="302" r:id="rId11"/>
+    <p:sldId id="303" r:id="rId12"/>
+    <p:sldId id="308" r:id="rId13"/>
+    <p:sldId id="305" r:id="rId14"/>
+    <p:sldId id="309" r:id="rId15"/>
   </p:sldIdLst>
   <p:sldSz cx="9144000" cy="5143500" type="screen16x9"/>
   <p:notesSz cx="6858000" cy="9144000"/>
   <p:embeddedFontLst>
     <p:embeddedFont>
       <p:font typeface="Arial Black" panose="020B0A04020102020204" pitchFamily="34" charset="0"/>
-      <p:bold r:id="rId16"/>
+      <p:bold r:id="rId17"/>
     </p:embeddedFont>
     <p:embeddedFont>
       <p:font typeface="Didact Gothic" panose="00000500000000000000" pitchFamily="2" charset="0"/>
-      <p:regular r:id="rId17"/>
+      <p:regular r:id="rId18"/>
     </p:embeddedFont>
     <p:embeddedFont>
       <p:font typeface="Libre Franklin" pitchFamily="2" charset="0"/>
-      <p:regular r:id="rId18"/>
-      <p:bold r:id="rId19"/>
-      <p:italic r:id="rId20"/>
-      <p:boldItalic r:id="rId21"/>
+      <p:regular r:id="rId19"/>
+      <p:bold r:id="rId20"/>
+      <p:italic r:id="rId21"/>
+      <p:boldItalic r:id="rId22"/>
     </p:embeddedFont>
     <p:embeddedFont>
       <p:font typeface="Lucida Console" panose="020B0609040504020204" pitchFamily="49" charset="0"/>
-      <p:regular r:id="rId22"/>
+      <p:regular r:id="rId23"/>
     </p:embeddedFont>
     <p:embeddedFont>
       <p:font typeface="Poppins" panose="00000500000000000000" pitchFamily="2" charset="0"/>
-      <p:regular r:id="rId23"/>
-      <p:bold r:id="rId24"/>
+      <p:regular r:id="rId24"/>
+      <p:bold r:id="rId25"/>
     </p:embeddedFont>
     <p:embeddedFont>
       <p:font typeface="Roboto" panose="02000000000000000000" pitchFamily="2" charset="0"/>
-      <p:regular r:id="rId25"/>
+      <p:regular r:id="rId26"/>
     </p:embeddedFont>
   </p:embeddedFontLst>
   <p:defaultTextStyle>
@@ -302,7 +303,7 @@
   <pc:docChgLst>
     <pc:chgData name="Mario Aragón Valderrama" userId="ab42593c9091a3c7" providerId="LiveId" clId="{A94EC9C8-FC2E-45B4-829C-AEB6B286F687}"/>
     <pc:docChg chg="custSel addSld delSld modSld">
-      <pc:chgData name="Mario Aragón Valderrama" userId="ab42593c9091a3c7" providerId="LiveId" clId="{A94EC9C8-FC2E-45B4-829C-AEB6B286F687}" dt="2025-12-17T21:55:30.187" v="1684" actId="1076"/>
+      <pc:chgData name="Mario Aragón Valderrama" userId="ab42593c9091a3c7" providerId="LiveId" clId="{A94EC9C8-FC2E-45B4-829C-AEB6B286F687}" dt="2025-12-17T22:24:16.669" v="1685"/>
       <pc:docMkLst>
         <pc:docMk/>
       </pc:docMkLst>
@@ -738,6 +739,13 @@
             <ac:spMk id="4" creationId="{14960C36-A145-E406-1CC2-C2B53FBBD01F}"/>
           </ac:spMkLst>
         </pc:spChg>
+      </pc:sldChg>
+      <pc:sldChg chg="add">
+        <pc:chgData name="Mario Aragón Valderrama" userId="ab42593c9091a3c7" providerId="LiveId" clId="{A94EC9C8-FC2E-45B4-829C-AEB6B286F687}" dt="2025-12-17T22:24:16.669" v="1685"/>
+        <pc:sldMkLst>
+          <pc:docMk/>
+          <pc:sldMk cId="4126854353" sldId="307"/>
+        </pc:sldMkLst>
       </pc:sldChg>
       <pc:sldChg chg="add">
         <pc:chgData name="Mario Aragón Valderrama" userId="ab42593c9091a3c7" providerId="LiveId" clId="{A94EC9C8-FC2E-45B4-829C-AEB6B286F687}" dt="2025-12-17T21:52:57.376" v="1634"/>
@@ -13452,6 +13460,615 @@
           <a:p>
             <a:r>
               <a:rPr lang="es-ES" dirty="0"/>
+              <a:t>GLM</a:t>
+            </a:r>
+          </a:p>
+        </p:txBody>
+      </p:sp>
+      <p:sp>
+        <p:nvSpPr>
+          <p:cNvPr id="4" name="CuadroTexto 3"/>
+          <p:cNvSpPr txBox="1"/>
+          <p:nvPr/>
+        </p:nvSpPr>
+        <p:spPr>
+          <a:xfrm>
+            <a:off x="857693" y="1112200"/>
+            <a:ext cx="7896445" cy="2462213"/>
+          </a:xfrm>
+          <a:prstGeom prst="rect">
+            <a:avLst/>
+          </a:prstGeom>
+          <a:noFill/>
+        </p:spPr>
+        <p:txBody>
+          <a:bodyPr wrap="square">
+            <a:spAutoFit/>
+          </a:bodyPr>
+          <a:lstStyle/>
+          <a:p>
+            <a:pPr marL="285750" indent="-285750">
+              <a:buClr>
+                <a:srgbClr val="00B050"/>
+              </a:buClr>
+              <a:buSzPct val="150000"/>
+              <a:buFont typeface="Wingdings" panose="05000000000000000000" pitchFamily="2" charset="2"/>
+              <a:buChar char="ü"/>
+            </a:pPr>
+            <a:r>
+              <a:rPr lang="es-ES" dirty="0"/>
+              <a:t>Se ha probado 4 enlaces: </a:t>
+            </a:r>
+            <a:r>
+              <a:rPr lang="es-ES" dirty="0" err="1"/>
+              <a:t>logit</a:t>
+            </a:r>
+            <a:r>
+              <a:rPr lang="es-ES" dirty="0"/>
+              <a:t>, </a:t>
+            </a:r>
+            <a:r>
+              <a:rPr lang="es-ES" dirty="0" err="1"/>
+              <a:t>probit</a:t>
+            </a:r>
+            <a:r>
+              <a:rPr lang="es-ES" dirty="0"/>
+              <a:t>, </a:t>
+            </a:r>
+            <a:r>
+              <a:rPr lang="es-ES" dirty="0" err="1"/>
+              <a:t>cloglog</a:t>
+            </a:r>
+            <a:r>
+              <a:rPr lang="es-ES" dirty="0"/>
+              <a:t> y </a:t>
+            </a:r>
+            <a:r>
+              <a:rPr lang="es-ES" dirty="0" err="1"/>
+              <a:t>cauchy</a:t>
+            </a:r>
+            <a:r>
+              <a:rPr lang="es-ES" dirty="0"/>
+              <a:t>.              No </a:t>
+            </a:r>
+            <a:r>
+              <a:rPr lang="es-ES" dirty="0" err="1"/>
+              <a:t>much</a:t>
+            </a:r>
+            <a:r>
+              <a:rPr lang="es-ES" dirty="0"/>
+              <a:t> </a:t>
+            </a:r>
+            <a:r>
+              <a:rPr lang="es-ES" dirty="0" err="1"/>
+              <a:t>difference</a:t>
+            </a:r>
+            <a:endParaRPr lang="es-ES" dirty="0"/>
+          </a:p>
+          <a:p>
+            <a:pPr marL="285750" indent="-285750">
+              <a:buClr>
+                <a:srgbClr val="00B050"/>
+              </a:buClr>
+              <a:buSzPct val="150000"/>
+              <a:buFont typeface="Wingdings" panose="05000000000000000000" pitchFamily="2" charset="2"/>
+              <a:buChar char="ü"/>
+            </a:pPr>
+            <a:r>
+              <a:rPr lang="es-ES" dirty="0"/>
+              <a:t>Se decidió quedarse con el </a:t>
+            </a:r>
+            <a:r>
+              <a:rPr lang="es-ES" b="1" dirty="0" err="1"/>
+              <a:t>probit</a:t>
+            </a:r>
+            <a:r>
+              <a:rPr lang="es-ES" b="1" dirty="0"/>
+              <a:t>.              Ligero aumento en </a:t>
+            </a:r>
+            <a:r>
+              <a:rPr lang="es-ES" b="1" dirty="0" err="1"/>
+              <a:t>recall</a:t>
+            </a:r>
+            <a:r>
+              <a:rPr lang="es-ES" b="1" dirty="0"/>
+              <a:t>.</a:t>
+            </a:r>
+          </a:p>
+          <a:p>
+            <a:pPr marL="285750" indent="-285750">
+              <a:buClr>
+                <a:srgbClr val="FF0000"/>
+              </a:buClr>
+              <a:buSzPct val="150000"/>
+              <a:buFont typeface="Arial" panose="020B0604020202020204" pitchFamily="34" charset="0"/>
+              <a:buChar char="×"/>
+            </a:pPr>
+            <a:r>
+              <a:rPr lang="es-ES" dirty="0"/>
+              <a:t>Data </a:t>
+            </a:r>
+            <a:r>
+              <a:rPr lang="es-ES" dirty="0" err="1"/>
+              <a:t>reducido_plus</a:t>
+            </a:r>
+            <a:r>
+              <a:rPr lang="es-ES" dirty="0"/>
+              <a:t>               Peor</a:t>
+            </a:r>
+          </a:p>
+          <a:p>
+            <a:pPr marL="285750" indent="-285750">
+              <a:buClr>
+                <a:srgbClr val="00B050"/>
+              </a:buClr>
+              <a:buSzPct val="150000"/>
+              <a:buFont typeface="Wingdings" panose="05000000000000000000" pitchFamily="2" charset="2"/>
+              <a:buChar char="ü"/>
+            </a:pPr>
+            <a:r>
+              <a:rPr lang="es-ES" dirty="0"/>
+              <a:t>Data reducido                 Mejores resultados.</a:t>
+            </a:r>
+          </a:p>
+          <a:p>
+            <a:pPr marL="285750" indent="-285750">
+              <a:buClr>
+                <a:srgbClr val="FF0000"/>
+              </a:buClr>
+              <a:buSzPct val="150000"/>
+              <a:buFont typeface="Arial" panose="020B0604020202020204" pitchFamily="34" charset="0"/>
+              <a:buChar char="×"/>
+            </a:pPr>
+            <a:r>
+              <a:rPr lang="es-ES" dirty="0"/>
+              <a:t>Balance               F1 MUUUUUY bajo</a:t>
+            </a:r>
+          </a:p>
+          <a:p>
+            <a:pPr marL="285750" indent="-285750">
+              <a:buClr>
+                <a:srgbClr val="FF0000"/>
+              </a:buClr>
+              <a:buSzPct val="150000"/>
+              <a:buFont typeface="Arial" panose="020B0604020202020204" pitchFamily="34" charset="0"/>
+              <a:buChar char="×"/>
+            </a:pPr>
+            <a:r>
+              <a:rPr lang="es-ES" dirty="0" err="1"/>
+              <a:t>Scale</a:t>
+            </a:r>
+            <a:r>
+              <a:rPr lang="es-ES" dirty="0"/>
+              <a:t>, </a:t>
+            </a:r>
+            <a:r>
+              <a:rPr lang="es-ES" dirty="0" err="1"/>
+              <a:t>Dummys</a:t>
+            </a:r>
+            <a:r>
+              <a:rPr lang="es-ES" dirty="0"/>
+              <a:t> de las variables categóricas.               No afecta en las métricas.</a:t>
+            </a:r>
+          </a:p>
+          <a:p>
+            <a:pPr marL="285750" indent="-285750">
+              <a:buClr>
+                <a:srgbClr val="00B050"/>
+              </a:buClr>
+              <a:buSzPct val="150000"/>
+              <a:buFont typeface="Wingdings" panose="05000000000000000000" pitchFamily="2" charset="2"/>
+              <a:buChar char="ü"/>
+            </a:pPr>
+            <a:endParaRPr lang="es-ES" dirty="0"/>
+          </a:p>
+          <a:p>
+            <a:pPr>
+              <a:buClr>
+                <a:srgbClr val="00B050"/>
+              </a:buClr>
+              <a:buSzPct val="150000"/>
+            </a:pPr>
+            <a:r>
+              <a:rPr lang="es-ES" dirty="0"/>
+              <a:t>Características: </a:t>
+            </a:r>
+          </a:p>
+          <a:p>
+            <a:pPr>
+              <a:buClr>
+                <a:srgbClr val="00B050"/>
+              </a:buClr>
+              <a:buSzPct val="150000"/>
+            </a:pPr>
+            <a:endParaRPr lang="es-ES" dirty="0"/>
+          </a:p>
+          <a:p>
+            <a:pPr marL="285750" indent="-285750">
+              <a:buClr>
+                <a:srgbClr val="00B050"/>
+              </a:buClr>
+              <a:buSzPct val="150000"/>
+              <a:buFont typeface="Wingdings" panose="05000000000000000000" pitchFamily="2" charset="2"/>
+              <a:buChar char="ü"/>
+            </a:pPr>
+            <a:r>
+              <a:rPr lang="es-ES" dirty="0"/>
+              <a:t>El punto de corte óptimo es: p=0.2071429.</a:t>
+            </a:r>
+          </a:p>
+          <a:p>
+            <a:pPr marL="285750" indent="-285750">
+              <a:buClr>
+                <a:srgbClr val="00B050"/>
+              </a:buClr>
+              <a:buSzPct val="150000"/>
+              <a:buFont typeface="Wingdings" panose="05000000000000000000" pitchFamily="2" charset="2"/>
+              <a:buChar char="ü"/>
+            </a:pPr>
+            <a:r>
+              <a:rPr lang="es-ES" dirty="0"/>
+              <a:t>Métricas obtenidas: </a:t>
+            </a:r>
+            <a:endParaRPr lang="en-US" dirty="0"/>
+          </a:p>
+        </p:txBody>
+      </p:sp>
+      <p:sp>
+        <p:nvSpPr>
+          <p:cNvPr id="3" name="CuadroTexto 2"/>
+          <p:cNvSpPr txBox="1"/>
+          <p:nvPr/>
+        </p:nvSpPr>
+        <p:spPr>
+          <a:xfrm>
+            <a:off x="1040573" y="3661968"/>
+            <a:ext cx="7234747" cy="738664"/>
+          </a:xfrm>
+          <a:prstGeom prst="rect">
+            <a:avLst/>
+          </a:prstGeom>
+        </p:spPr>
+        <p:style>
+          <a:lnRef idx="1">
+            <a:schemeClr val="accent2"/>
+          </a:lnRef>
+          <a:fillRef idx="2">
+            <a:schemeClr val="accent2"/>
+          </a:fillRef>
+          <a:effectRef idx="1">
+            <a:schemeClr val="accent2"/>
+          </a:effectRef>
+          <a:fontRef idx="minor">
+            <a:schemeClr val="dk1"/>
+          </a:fontRef>
+        </p:style>
+        <p:txBody>
+          <a:bodyPr wrap="square" rtlCol="0">
+            <a:spAutoFit/>
+          </a:bodyPr>
+          <a:lstStyle/>
+          <a:p>
+            <a:pPr latinLnBrk="1"/>
+            <a:r>
+              <a:rPr lang="en-US" dirty="0"/>
+              <a:t>   Dataset </a:t>
+            </a:r>
+            <a:r>
+              <a:rPr lang="en-US" dirty="0" err="1"/>
+              <a:t>Error_rate</a:t>
+            </a:r>
+            <a:r>
+              <a:rPr lang="en-US" dirty="0"/>
+              <a:t>  Accuracy    Precision   </a:t>
+            </a:r>
+            <a:r>
+              <a:rPr lang="en-US" dirty="0" err="1"/>
+              <a:t>Recall_Sensitivity</a:t>
+            </a:r>
+            <a:r>
+              <a:rPr lang="en-US" dirty="0"/>
+              <a:t>  Specificity   F1_Score</a:t>
+            </a:r>
+          </a:p>
+          <a:p>
+            <a:pPr latinLnBrk="1"/>
+            <a:r>
+              <a:rPr lang="en-US" dirty="0"/>
+              <a:t>1  Train2  0.3273469  0.6726531 0.3516373       0.6876847       0.6687259   0.4653333</a:t>
+            </a:r>
+          </a:p>
+          <a:p>
+            <a:pPr latinLnBrk="1"/>
+            <a:r>
+              <a:rPr lang="en-US" dirty="0"/>
+              <a:t>2   Test2  0.3261905  0.6738095 0.3549884       0.7034483       0.6660661   0.4718581</a:t>
+            </a:r>
+          </a:p>
+        </p:txBody>
+      </p:sp>
+      <p:sp>
+        <p:nvSpPr>
+          <p:cNvPr id="5" name="Flecha: a la derecha 6"/>
+          <p:cNvSpPr/>
+          <p:nvPr/>
+        </p:nvSpPr>
+        <p:spPr>
+          <a:xfrm>
+            <a:off x="5708030" y="1181100"/>
+            <a:ext cx="511795" cy="207028"/>
+          </a:xfrm>
+          <a:prstGeom prst="rightArrow">
+            <a:avLst/>
+          </a:prstGeom>
+        </p:spPr>
+        <p:style>
+          <a:lnRef idx="2">
+            <a:schemeClr val="accent1">
+              <a:shade val="15000"/>
+            </a:schemeClr>
+          </a:lnRef>
+          <a:fillRef idx="1">
+            <a:schemeClr val="accent1"/>
+          </a:fillRef>
+          <a:effectRef idx="0">
+            <a:schemeClr val="accent1"/>
+          </a:effectRef>
+          <a:fontRef idx="minor">
+            <a:schemeClr val="lt1"/>
+          </a:fontRef>
+        </p:style>
+        <p:txBody>
+          <a:bodyPr rtlCol="0" anchor="ctr"/>
+          <a:lstStyle/>
+          <a:p>
+            <a:pPr algn="ctr"/>
+            <a:endParaRPr lang="es-ES"/>
+          </a:p>
+        </p:txBody>
+      </p:sp>
+      <p:sp>
+        <p:nvSpPr>
+          <p:cNvPr id="6" name="Flecha: a la derecha 6"/>
+          <p:cNvSpPr/>
+          <p:nvPr/>
+        </p:nvSpPr>
+        <p:spPr>
+          <a:xfrm>
+            <a:off x="2517155" y="1813113"/>
+            <a:ext cx="511795" cy="207028"/>
+          </a:xfrm>
+          <a:prstGeom prst="rightArrow">
+            <a:avLst/>
+          </a:prstGeom>
+        </p:spPr>
+        <p:style>
+          <a:lnRef idx="2">
+            <a:schemeClr val="accent1">
+              <a:shade val="15000"/>
+            </a:schemeClr>
+          </a:lnRef>
+          <a:fillRef idx="1">
+            <a:schemeClr val="accent1"/>
+          </a:fillRef>
+          <a:effectRef idx="0">
+            <a:schemeClr val="accent1"/>
+          </a:effectRef>
+          <a:fontRef idx="minor">
+            <a:schemeClr val="lt1"/>
+          </a:fontRef>
+        </p:style>
+        <p:txBody>
+          <a:bodyPr rtlCol="0" anchor="ctr"/>
+          <a:lstStyle/>
+          <a:p>
+            <a:pPr algn="ctr"/>
+            <a:endParaRPr lang="es-ES"/>
+          </a:p>
+        </p:txBody>
+      </p:sp>
+      <p:sp>
+        <p:nvSpPr>
+          <p:cNvPr id="7" name="Flecha: a la derecha 6"/>
+          <p:cNvSpPr/>
+          <p:nvPr/>
+        </p:nvSpPr>
+        <p:spPr>
+          <a:xfrm>
+            <a:off x="4060205" y="1388128"/>
+            <a:ext cx="511795" cy="207028"/>
+          </a:xfrm>
+          <a:prstGeom prst="rightArrow">
+            <a:avLst/>
+          </a:prstGeom>
+        </p:spPr>
+        <p:style>
+          <a:lnRef idx="2">
+            <a:schemeClr val="accent1">
+              <a:shade val="15000"/>
+            </a:schemeClr>
+          </a:lnRef>
+          <a:fillRef idx="1">
+            <a:schemeClr val="accent1"/>
+          </a:fillRef>
+          <a:effectRef idx="0">
+            <a:schemeClr val="accent1"/>
+          </a:effectRef>
+          <a:fontRef idx="minor">
+            <a:schemeClr val="lt1"/>
+          </a:fontRef>
+        </p:style>
+        <p:txBody>
+          <a:bodyPr rtlCol="0" anchor="ctr"/>
+          <a:lstStyle/>
+          <a:p>
+            <a:pPr algn="ctr"/>
+            <a:endParaRPr lang="es-ES"/>
+          </a:p>
+        </p:txBody>
+      </p:sp>
+      <p:sp>
+        <p:nvSpPr>
+          <p:cNvPr id="8" name="Flecha: a la derecha 6"/>
+          <p:cNvSpPr/>
+          <p:nvPr/>
+        </p:nvSpPr>
+        <p:spPr>
+          <a:xfrm>
+            <a:off x="2005360" y="2032764"/>
+            <a:ext cx="511795" cy="207028"/>
+          </a:xfrm>
+          <a:prstGeom prst="rightArrow">
+            <a:avLst/>
+          </a:prstGeom>
+        </p:spPr>
+        <p:style>
+          <a:lnRef idx="2">
+            <a:schemeClr val="accent1">
+              <a:shade val="15000"/>
+            </a:schemeClr>
+          </a:lnRef>
+          <a:fillRef idx="1">
+            <a:schemeClr val="accent1"/>
+          </a:fillRef>
+          <a:effectRef idx="0">
+            <a:schemeClr val="accent1"/>
+          </a:effectRef>
+          <a:fontRef idx="minor">
+            <a:schemeClr val="lt1"/>
+          </a:fontRef>
+        </p:style>
+        <p:txBody>
+          <a:bodyPr rtlCol="0" anchor="ctr"/>
+          <a:lstStyle/>
+          <a:p>
+            <a:pPr algn="ctr"/>
+            <a:endParaRPr lang="es-ES"/>
+          </a:p>
+        </p:txBody>
+      </p:sp>
+      <p:sp>
+        <p:nvSpPr>
+          <p:cNvPr id="9" name="Flecha: a la derecha 6"/>
+          <p:cNvSpPr/>
+          <p:nvPr/>
+        </p:nvSpPr>
+        <p:spPr>
+          <a:xfrm>
+            <a:off x="4902244" y="2239792"/>
+            <a:ext cx="511795" cy="207028"/>
+          </a:xfrm>
+          <a:prstGeom prst="rightArrow">
+            <a:avLst/>
+          </a:prstGeom>
+        </p:spPr>
+        <p:style>
+          <a:lnRef idx="2">
+            <a:schemeClr val="accent1">
+              <a:shade val="15000"/>
+            </a:schemeClr>
+          </a:lnRef>
+          <a:fillRef idx="1">
+            <a:schemeClr val="accent1"/>
+          </a:fillRef>
+          <a:effectRef idx="0">
+            <a:schemeClr val="accent1"/>
+          </a:effectRef>
+          <a:fontRef idx="minor">
+            <a:schemeClr val="lt1"/>
+          </a:fontRef>
+        </p:style>
+        <p:txBody>
+          <a:bodyPr rtlCol="0" anchor="ctr"/>
+          <a:lstStyle/>
+          <a:p>
+            <a:pPr algn="ctr"/>
+            <a:endParaRPr lang="es-ES"/>
+          </a:p>
+        </p:txBody>
+      </p:sp>
+      <p:sp>
+        <p:nvSpPr>
+          <p:cNvPr id="10" name="Flecha: a la derecha 9"/>
+          <p:cNvSpPr/>
+          <p:nvPr/>
+        </p:nvSpPr>
+        <p:spPr>
+          <a:xfrm>
+            <a:off x="2910745" y="1606085"/>
+            <a:ext cx="511795" cy="207028"/>
+          </a:xfrm>
+          <a:prstGeom prst="rightArrow">
+            <a:avLst/>
+          </a:prstGeom>
+        </p:spPr>
+        <p:style>
+          <a:lnRef idx="2">
+            <a:schemeClr val="accent1">
+              <a:shade val="15000"/>
+            </a:schemeClr>
+          </a:lnRef>
+          <a:fillRef idx="1">
+            <a:schemeClr val="accent1"/>
+          </a:fillRef>
+          <a:effectRef idx="0">
+            <a:schemeClr val="accent1"/>
+          </a:effectRef>
+          <a:fontRef idx="minor">
+            <a:schemeClr val="lt1"/>
+          </a:fontRef>
+        </p:style>
+        <p:txBody>
+          <a:bodyPr rtlCol="0" anchor="ctr"/>
+          <a:lstStyle/>
+          <a:p>
+            <a:pPr algn="ctr"/>
+            <a:endParaRPr lang="es-ES"/>
+          </a:p>
+        </p:txBody>
+      </p:sp>
+    </p:spTree>
+  </p:cSld>
+  <p:clrMapOvr>
+    <a:masterClrMapping/>
+  </p:clrMapOvr>
+</p:sld>
+</file>
+
+<file path=ppt/slides/slide11.xml><?xml version="1.0" encoding="utf-8"?>
+<p:sld xmlns:a="http://schemas.openxmlformats.org/drawingml/2006/main" xmlns:r="http://schemas.openxmlformats.org/officeDocument/2006/relationships" xmlns:p="http://schemas.openxmlformats.org/presentationml/2006/main">
+  <p:cSld>
+    <p:spTree>
+      <p:nvGrpSpPr>
+        <p:cNvPr id="1" name=""/>
+        <p:cNvGrpSpPr/>
+        <p:nvPr/>
+      </p:nvGrpSpPr>
+      <p:grpSpPr>
+        <a:xfrm>
+          <a:off x="0" y="0"/>
+          <a:ext cx="0" cy="0"/>
+          <a:chOff x="0" y="0"/>
+          <a:chExt cx="0" cy="0"/>
+        </a:xfrm>
+      </p:grpSpPr>
+      <p:sp>
+        <p:nvSpPr>
+          <p:cNvPr id="2" name="Título 1"/>
+          <p:cNvSpPr>
+            <a:spLocks noGrp="1"/>
+          </p:cNvSpPr>
+          <p:nvPr>
+            <p:ph type="title"/>
+          </p:nvPr>
+        </p:nvSpPr>
+        <p:spPr/>
+        <p:txBody>
+          <a:bodyPr/>
+          <a:lstStyle/>
+          <a:p>
+            <a:r>
+              <a:rPr lang="es-ES" dirty="0"/>
               <a:t>SVM</a:t>
             </a:r>
           </a:p>
@@ -13882,7 +14499,7 @@
 </p:sld>
 </file>
 
-<file path=ppt/slides/slide11.xml><?xml version="1.0" encoding="utf-8"?>
+<file path=ppt/slides/slide12.xml><?xml version="1.0" encoding="utf-8"?>
 <p:sld xmlns:a="http://schemas.openxmlformats.org/drawingml/2006/main" xmlns:r="http://schemas.openxmlformats.org/officeDocument/2006/relationships" xmlns:p="http://schemas.openxmlformats.org/presentationml/2006/main">
   <p:cSld>
     <p:spTree>
@@ -14582,7 +15199,7 @@
 </p:sld>
 </file>
 
-<file path=ppt/slides/slide12.xml><?xml version="1.0" encoding="utf-8"?>
+<file path=ppt/slides/slide13.xml><?xml version="1.0" encoding="utf-8"?>
 <p:sld xmlns:a="http://schemas.openxmlformats.org/drawingml/2006/main" xmlns:r="http://schemas.openxmlformats.org/officeDocument/2006/relationships" xmlns:p="http://schemas.openxmlformats.org/presentationml/2006/main">
   <p:cSld>
     <p:spTree>
@@ -14722,7 +15339,7 @@
 </p:sld>
 </file>
 
-<file path=ppt/slides/slide13.xml><?xml version="1.0" encoding="utf-8"?>
+<file path=ppt/slides/slide14.xml><?xml version="1.0" encoding="utf-8"?>
 <p:sld xmlns:a="http://schemas.openxmlformats.org/drawingml/2006/main" xmlns:r="http://schemas.openxmlformats.org/officeDocument/2006/relationships" xmlns:p="http://schemas.openxmlformats.org/presentationml/2006/main">
   <p:cSld>
     <p:spTree>
@@ -16045,6 +16662,436 @@
 </file>
 
 <file path=ppt/slides/slide4.xml><?xml version="1.0" encoding="utf-8"?>
+<p:sld xmlns:a="http://schemas.openxmlformats.org/drawingml/2006/main" xmlns:r="http://schemas.openxmlformats.org/officeDocument/2006/relationships" xmlns:p="http://schemas.openxmlformats.org/presentationml/2006/main">
+  <p:cSld>
+    <p:spTree>
+      <p:nvGrpSpPr>
+        <p:cNvPr id="1" name=""/>
+        <p:cNvGrpSpPr/>
+        <p:nvPr/>
+      </p:nvGrpSpPr>
+      <p:grpSpPr>
+        <a:xfrm>
+          <a:off x="0" y="0"/>
+          <a:ext cx="0" cy="0"/>
+          <a:chOff x="0" y="0"/>
+          <a:chExt cx="0" cy="0"/>
+        </a:xfrm>
+      </p:grpSpPr>
+      <p:sp>
+        <p:nvSpPr>
+          <p:cNvPr id="2" name="Título 1">
+            <a:extLst>
+              <a:ext uri="{FF2B5EF4-FFF2-40B4-BE49-F238E27FC236}">
+                <a16:creationId xmlns:a16="http://schemas.microsoft.com/office/drawing/2014/main" id="{EB0FFB83-8E21-7296-84C8-9ECFA09FD0BE}"/>
+              </a:ext>
+            </a:extLst>
+          </p:cNvPr>
+          <p:cNvSpPr>
+            <a:spLocks noGrp="1"/>
+          </p:cNvSpPr>
+          <p:nvPr>
+            <p:ph type="title"/>
+          </p:nvPr>
+        </p:nvSpPr>
+        <p:spPr>
+          <a:xfrm>
+            <a:off x="435303" y="528742"/>
+            <a:ext cx="8273393" cy="572700"/>
+          </a:xfrm>
+        </p:spPr>
+        <p:txBody>
+          <a:bodyPr/>
+          <a:lstStyle/>
+          <a:p>
+            <a:r>
+              <a:rPr lang="es-ES" sz="2400" dirty="0"/>
+              <a:t>Actualizaciones en el ADVANCED PREPROCESSING</a:t>
+            </a:r>
+          </a:p>
+        </p:txBody>
+      </p:sp>
+      <p:sp>
+        <p:nvSpPr>
+          <p:cNvPr id="3" name="CuadroTexto 2">
+            <a:extLst>
+              <a:ext uri="{FF2B5EF4-FFF2-40B4-BE49-F238E27FC236}">
+                <a16:creationId xmlns:a16="http://schemas.microsoft.com/office/drawing/2014/main" id="{FF4F94B9-F1EB-A09C-2069-F6656171DE38}"/>
+              </a:ext>
+            </a:extLst>
+          </p:cNvPr>
+          <p:cNvSpPr txBox="1"/>
+          <p:nvPr/>
+        </p:nvSpPr>
+        <p:spPr>
+          <a:xfrm>
+            <a:off x="645458" y="1101442"/>
+            <a:ext cx="7272170" cy="1169551"/>
+          </a:xfrm>
+          <a:prstGeom prst="rect">
+            <a:avLst/>
+          </a:prstGeom>
+          <a:noFill/>
+        </p:spPr>
+        <p:txBody>
+          <a:bodyPr wrap="square" rtlCol="0">
+            <a:spAutoFit/>
+          </a:bodyPr>
+          <a:lstStyle/>
+          <a:p>
+            <a:pPr marL="285750" indent="-285750">
+              <a:buFont typeface="Wingdings" panose="05000000000000000000" pitchFamily="2" charset="2"/>
+              <a:buChar char="q"/>
+            </a:pPr>
+            <a:r>
+              <a:rPr lang="es-ES" dirty="0" err="1"/>
+              <a:t>Missings</a:t>
+            </a:r>
+            <a:r>
+              <a:rPr lang="es-ES" dirty="0"/>
+              <a:t>: mantenemos imputación por MICE</a:t>
+            </a:r>
+          </a:p>
+          <a:p>
+            <a:pPr marL="285750" indent="-285750">
+              <a:buFont typeface="Wingdings" panose="05000000000000000000" pitchFamily="2" charset="2"/>
+              <a:buChar char="q"/>
+            </a:pPr>
+            <a:endParaRPr lang="es-ES" dirty="0"/>
+          </a:p>
+          <a:p>
+            <a:pPr marL="285750" indent="-285750">
+              <a:buFont typeface="Wingdings" panose="05000000000000000000" pitchFamily="2" charset="2"/>
+              <a:buChar char="q"/>
+            </a:pPr>
+            <a:r>
+              <a:rPr lang="es-ES" dirty="0" err="1"/>
+              <a:t>Outliers</a:t>
+            </a:r>
+            <a:r>
+              <a:rPr lang="es-ES" dirty="0"/>
+              <a:t>: los mantenemos dado que entran dentro de la aleatoriedad</a:t>
+            </a:r>
+          </a:p>
+          <a:p>
+            <a:pPr marL="285750" indent="-285750">
+              <a:buFont typeface="Wingdings" panose="05000000000000000000" pitchFamily="2" charset="2"/>
+              <a:buChar char="q"/>
+            </a:pPr>
+            <a:endParaRPr lang="es-ES" dirty="0"/>
+          </a:p>
+          <a:p>
+            <a:pPr marL="285750" indent="-285750">
+              <a:buFont typeface="Wingdings" panose="05000000000000000000" pitchFamily="2" charset="2"/>
+              <a:buChar char="q"/>
+            </a:pPr>
+            <a:r>
+              <a:rPr lang="es-ES" dirty="0"/>
+              <a:t>Búsqueda de duplicados: NO se encuentran duplicados</a:t>
+            </a:r>
+          </a:p>
+        </p:txBody>
+      </p:sp>
+      <p:sp>
+        <p:nvSpPr>
+          <p:cNvPr id="4" name="Título 1">
+            <a:extLst>
+              <a:ext uri="{FF2B5EF4-FFF2-40B4-BE49-F238E27FC236}">
+                <a16:creationId xmlns:a16="http://schemas.microsoft.com/office/drawing/2014/main" id="{E3F209C4-873E-1B49-1E51-3263F3736354}"/>
+              </a:ext>
+            </a:extLst>
+          </p:cNvPr>
+          <p:cNvSpPr txBox="1">
+            <a:spLocks/>
+          </p:cNvSpPr>
+          <p:nvPr/>
+        </p:nvSpPr>
+        <p:spPr>
+          <a:xfrm>
+            <a:off x="144846" y="2557343"/>
+            <a:ext cx="8563850" cy="572700"/>
+          </a:xfrm>
+          <a:prstGeom prst="rect">
+            <a:avLst/>
+          </a:prstGeom>
+          <a:noFill/>
+          <a:ln>
+            <a:noFill/>
+          </a:ln>
+        </p:spPr>
+        <p:txBody>
+          <a:bodyPr spcFirstLastPara="1" wrap="square" lIns="91425" tIns="91425" rIns="91425" bIns="91425" anchor="t" anchorCtr="0">
+            <a:noAutofit/>
+          </a:bodyPr>
+          <a:lstStyle>
+            <a:defPPr marR="0" lvl="0" algn="l" rtl="0">
+              <a:lnSpc>
+                <a:spcPct val="100000"/>
+              </a:lnSpc>
+              <a:spcBef>
+                <a:spcPts val="0"/>
+              </a:spcBef>
+              <a:spcAft>
+                <a:spcPts val="0"/>
+              </a:spcAft>
+            </a:defPPr>
+            <a:lvl1pPr marR="0" lvl="0" algn="ctr" rtl="0">
+              <a:lnSpc>
+                <a:spcPct val="100000"/>
+              </a:lnSpc>
+              <a:spcBef>
+                <a:spcPts val="0"/>
+              </a:spcBef>
+              <a:spcAft>
+                <a:spcPts val="0"/>
+              </a:spcAft>
+              <a:buClr>
+                <a:schemeClr val="dk1"/>
+              </a:buClr>
+              <a:buSzPts val="2800"/>
+              <a:buFont typeface="Poppins" panose="00000500000000000000"/>
+              <a:buNone/>
+              <a:defRPr sz="2800" b="1" i="0" u="none" strike="noStrike" cap="none">
+                <a:solidFill>
+                  <a:schemeClr val="dk1"/>
+                </a:solidFill>
+                <a:latin typeface="Poppins" panose="00000500000000000000"/>
+                <a:ea typeface="Poppins" panose="00000500000000000000"/>
+                <a:cs typeface="Poppins" panose="00000500000000000000"/>
+                <a:sym typeface="Poppins" panose="00000500000000000000"/>
+              </a:defRPr>
+            </a:lvl1pPr>
+            <a:lvl2pPr marR="0" lvl="1" algn="l" rtl="0">
+              <a:lnSpc>
+                <a:spcPct val="100000"/>
+              </a:lnSpc>
+              <a:spcBef>
+                <a:spcPts val="0"/>
+              </a:spcBef>
+              <a:spcAft>
+                <a:spcPts val="0"/>
+              </a:spcAft>
+              <a:buClr>
+                <a:schemeClr val="dk1"/>
+              </a:buClr>
+              <a:buSzPts val="2800"/>
+              <a:buFont typeface="Poppins" panose="00000500000000000000"/>
+              <a:buNone/>
+              <a:defRPr sz="2800" b="1" i="0" u="none" strike="noStrike" cap="none">
+                <a:solidFill>
+                  <a:schemeClr val="dk1"/>
+                </a:solidFill>
+                <a:latin typeface="Poppins" panose="00000500000000000000"/>
+                <a:ea typeface="Poppins" panose="00000500000000000000"/>
+                <a:cs typeface="Poppins" panose="00000500000000000000"/>
+                <a:sym typeface="Poppins" panose="00000500000000000000"/>
+              </a:defRPr>
+            </a:lvl2pPr>
+            <a:lvl3pPr marR="0" lvl="2" algn="l" rtl="0">
+              <a:lnSpc>
+                <a:spcPct val="100000"/>
+              </a:lnSpc>
+              <a:spcBef>
+                <a:spcPts val="0"/>
+              </a:spcBef>
+              <a:spcAft>
+                <a:spcPts val="0"/>
+              </a:spcAft>
+              <a:buClr>
+                <a:schemeClr val="dk1"/>
+              </a:buClr>
+              <a:buSzPts val="2800"/>
+              <a:buFont typeface="Poppins" panose="00000500000000000000"/>
+              <a:buNone/>
+              <a:defRPr sz="2800" b="1" i="0" u="none" strike="noStrike" cap="none">
+                <a:solidFill>
+                  <a:schemeClr val="dk1"/>
+                </a:solidFill>
+                <a:latin typeface="Poppins" panose="00000500000000000000"/>
+                <a:ea typeface="Poppins" panose="00000500000000000000"/>
+                <a:cs typeface="Poppins" panose="00000500000000000000"/>
+                <a:sym typeface="Poppins" panose="00000500000000000000"/>
+              </a:defRPr>
+            </a:lvl3pPr>
+            <a:lvl4pPr marR="0" lvl="3" algn="l" rtl="0">
+              <a:lnSpc>
+                <a:spcPct val="100000"/>
+              </a:lnSpc>
+              <a:spcBef>
+                <a:spcPts val="0"/>
+              </a:spcBef>
+              <a:spcAft>
+                <a:spcPts val="0"/>
+              </a:spcAft>
+              <a:buClr>
+                <a:schemeClr val="dk1"/>
+              </a:buClr>
+              <a:buSzPts val="2800"/>
+              <a:buFont typeface="Poppins" panose="00000500000000000000"/>
+              <a:buNone/>
+              <a:defRPr sz="2800" b="1" i="0" u="none" strike="noStrike" cap="none">
+                <a:solidFill>
+                  <a:schemeClr val="dk1"/>
+                </a:solidFill>
+                <a:latin typeface="Poppins" panose="00000500000000000000"/>
+                <a:ea typeface="Poppins" panose="00000500000000000000"/>
+                <a:cs typeface="Poppins" panose="00000500000000000000"/>
+                <a:sym typeface="Poppins" panose="00000500000000000000"/>
+              </a:defRPr>
+            </a:lvl4pPr>
+            <a:lvl5pPr marR="0" lvl="4" algn="l" rtl="0">
+              <a:lnSpc>
+                <a:spcPct val="100000"/>
+              </a:lnSpc>
+              <a:spcBef>
+                <a:spcPts val="0"/>
+              </a:spcBef>
+              <a:spcAft>
+                <a:spcPts val="0"/>
+              </a:spcAft>
+              <a:buClr>
+                <a:schemeClr val="dk1"/>
+              </a:buClr>
+              <a:buSzPts val="2800"/>
+              <a:buFont typeface="Poppins" panose="00000500000000000000"/>
+              <a:buNone/>
+              <a:defRPr sz="2800" b="1" i="0" u="none" strike="noStrike" cap="none">
+                <a:solidFill>
+                  <a:schemeClr val="dk1"/>
+                </a:solidFill>
+                <a:latin typeface="Poppins" panose="00000500000000000000"/>
+                <a:ea typeface="Poppins" panose="00000500000000000000"/>
+                <a:cs typeface="Poppins" panose="00000500000000000000"/>
+                <a:sym typeface="Poppins" panose="00000500000000000000"/>
+              </a:defRPr>
+            </a:lvl5pPr>
+            <a:lvl6pPr marR="0" lvl="5" algn="l" rtl="0">
+              <a:lnSpc>
+                <a:spcPct val="100000"/>
+              </a:lnSpc>
+              <a:spcBef>
+                <a:spcPts val="0"/>
+              </a:spcBef>
+              <a:spcAft>
+                <a:spcPts val="0"/>
+              </a:spcAft>
+              <a:buClr>
+                <a:schemeClr val="dk1"/>
+              </a:buClr>
+              <a:buSzPts val="2800"/>
+              <a:buFont typeface="Poppins" panose="00000500000000000000"/>
+              <a:buNone/>
+              <a:defRPr sz="2800" b="1" i="0" u="none" strike="noStrike" cap="none">
+                <a:solidFill>
+                  <a:schemeClr val="dk1"/>
+                </a:solidFill>
+                <a:latin typeface="Poppins" panose="00000500000000000000"/>
+                <a:ea typeface="Poppins" panose="00000500000000000000"/>
+                <a:cs typeface="Poppins" panose="00000500000000000000"/>
+                <a:sym typeface="Poppins" panose="00000500000000000000"/>
+              </a:defRPr>
+            </a:lvl6pPr>
+            <a:lvl7pPr marR="0" lvl="6" algn="l" rtl="0">
+              <a:lnSpc>
+                <a:spcPct val="100000"/>
+              </a:lnSpc>
+              <a:spcBef>
+                <a:spcPts val="0"/>
+              </a:spcBef>
+              <a:spcAft>
+                <a:spcPts val="0"/>
+              </a:spcAft>
+              <a:buClr>
+                <a:schemeClr val="dk1"/>
+              </a:buClr>
+              <a:buSzPts val="2800"/>
+              <a:buFont typeface="Poppins" panose="00000500000000000000"/>
+              <a:buNone/>
+              <a:defRPr sz="2800" b="1" i="0" u="none" strike="noStrike" cap="none">
+                <a:solidFill>
+                  <a:schemeClr val="dk1"/>
+                </a:solidFill>
+                <a:latin typeface="Poppins" panose="00000500000000000000"/>
+                <a:ea typeface="Poppins" panose="00000500000000000000"/>
+                <a:cs typeface="Poppins" panose="00000500000000000000"/>
+                <a:sym typeface="Poppins" panose="00000500000000000000"/>
+              </a:defRPr>
+            </a:lvl7pPr>
+            <a:lvl8pPr marR="0" lvl="7" algn="l" rtl="0">
+              <a:lnSpc>
+                <a:spcPct val="100000"/>
+              </a:lnSpc>
+              <a:spcBef>
+                <a:spcPts val="0"/>
+              </a:spcBef>
+              <a:spcAft>
+                <a:spcPts val="0"/>
+              </a:spcAft>
+              <a:buClr>
+                <a:schemeClr val="dk1"/>
+              </a:buClr>
+              <a:buSzPts val="2800"/>
+              <a:buFont typeface="Poppins" panose="00000500000000000000"/>
+              <a:buNone/>
+              <a:defRPr sz="2800" b="1" i="0" u="none" strike="noStrike" cap="none">
+                <a:solidFill>
+                  <a:schemeClr val="dk1"/>
+                </a:solidFill>
+                <a:latin typeface="Poppins" panose="00000500000000000000"/>
+                <a:ea typeface="Poppins" panose="00000500000000000000"/>
+                <a:cs typeface="Poppins" panose="00000500000000000000"/>
+                <a:sym typeface="Poppins" panose="00000500000000000000"/>
+              </a:defRPr>
+            </a:lvl8pPr>
+            <a:lvl9pPr marR="0" lvl="8" algn="l" rtl="0">
+              <a:lnSpc>
+                <a:spcPct val="100000"/>
+              </a:lnSpc>
+              <a:spcBef>
+                <a:spcPts val="0"/>
+              </a:spcBef>
+              <a:spcAft>
+                <a:spcPts val="0"/>
+              </a:spcAft>
+              <a:buClr>
+                <a:schemeClr val="dk1"/>
+              </a:buClr>
+              <a:buSzPts val="2800"/>
+              <a:buFont typeface="Poppins" panose="00000500000000000000"/>
+              <a:buNone/>
+              <a:defRPr sz="2800" b="1" i="0" u="none" strike="noStrike" cap="none">
+                <a:solidFill>
+                  <a:schemeClr val="dk1"/>
+                </a:solidFill>
+                <a:latin typeface="Poppins" panose="00000500000000000000"/>
+                <a:ea typeface="Poppins" panose="00000500000000000000"/>
+                <a:cs typeface="Poppins" panose="00000500000000000000"/>
+                <a:sym typeface="Poppins" panose="00000500000000000000"/>
+              </a:defRPr>
+            </a:lvl9pPr>
+          </a:lstStyle>
+          <a:p>
+            <a:r>
+              <a:rPr lang="es-ES" sz="2400" dirty="0"/>
+              <a:t>Ingeniería de variables: patrones detectados</a:t>
+            </a:r>
+          </a:p>
+        </p:txBody>
+      </p:sp>
+    </p:spTree>
+    <p:extLst>
+      <p:ext uri="{BB962C8B-B14F-4D97-AF65-F5344CB8AC3E}">
+        <p14:creationId xmlns:p14="http://schemas.microsoft.com/office/powerpoint/2010/main" val="4126854353"/>
+      </p:ext>
+    </p:extLst>
+  </p:cSld>
+  <p:clrMapOvr>
+    <a:masterClrMapping/>
+  </p:clrMapOvr>
+</p:sld>
+</file>
+
+<file path=ppt/slides/slide5.xml><?xml version="1.0" encoding="utf-8"?>
 <p:sld xmlns:a="http://schemas.openxmlformats.org/drawingml/2006/main" xmlns:r="http://schemas.openxmlformats.org/officeDocument/2006/relationships" xmlns:p="http://schemas.openxmlformats.org/presentationml/2006/main">
   <p:cSld>
     <p:spTree>
@@ -18347,7 +19394,7 @@
 </p:sld>
 </file>
 
-<file path=ppt/slides/slide5.xml><?xml version="1.0" encoding="utf-8"?>
+<file path=ppt/slides/slide6.xml><?xml version="1.0" encoding="utf-8"?>
 <p:sld xmlns:a="http://schemas.openxmlformats.org/drawingml/2006/main" xmlns:r="http://schemas.openxmlformats.org/officeDocument/2006/relationships" xmlns:p="http://schemas.openxmlformats.org/presentationml/2006/main">
   <p:cSld>
     <p:spTree>
@@ -19285,7 +20332,7 @@
 </p:sld>
 </file>
 
-<file path=ppt/slides/slide6.xml><?xml version="1.0" encoding="utf-8"?>
+<file path=ppt/slides/slide7.xml><?xml version="1.0" encoding="utf-8"?>
 <p:sld xmlns:a="http://schemas.openxmlformats.org/drawingml/2006/main" xmlns:r="http://schemas.openxmlformats.org/officeDocument/2006/relationships" xmlns:p="http://schemas.openxmlformats.org/presentationml/2006/main">
   <p:cSld>
     <p:spTree>
@@ -19648,7 +20695,7 @@
 </p:sld>
 </file>
 
-<file path=ppt/slides/slide7.xml><?xml version="1.0" encoding="utf-8"?>
+<file path=ppt/slides/slide8.xml><?xml version="1.0" encoding="utf-8"?>
 <p:sld xmlns:a="http://schemas.openxmlformats.org/drawingml/2006/main" xmlns:r="http://schemas.openxmlformats.org/officeDocument/2006/relationships" xmlns:p="http://schemas.openxmlformats.org/presentationml/2006/main">
   <p:cSld>
     <p:spTree>
@@ -20206,7 +21253,7 @@
 </p:sld>
 </file>
 
-<file path=ppt/slides/slide8.xml><?xml version="1.0" encoding="utf-8"?>
+<file path=ppt/slides/slide9.xml><?xml version="1.0" encoding="utf-8"?>
 <p:sld xmlns:a="http://schemas.openxmlformats.org/drawingml/2006/main" xmlns:r="http://schemas.openxmlformats.org/officeDocument/2006/relationships" xmlns:p="http://schemas.openxmlformats.org/presentationml/2006/main">
   <p:cSld>
     <p:spTree>
@@ -20681,615 +21728,6 @@
               <a:rPr lang="es-ES" dirty="0"/>
               <a:t> = 4 </a:t>
             </a:r>
-          </a:p>
-        </p:txBody>
-      </p:sp>
-    </p:spTree>
-  </p:cSld>
-  <p:clrMapOvr>
-    <a:masterClrMapping/>
-  </p:clrMapOvr>
-</p:sld>
-</file>
-
-<file path=ppt/slides/slide9.xml><?xml version="1.0" encoding="utf-8"?>
-<p:sld xmlns:a="http://schemas.openxmlformats.org/drawingml/2006/main" xmlns:r="http://schemas.openxmlformats.org/officeDocument/2006/relationships" xmlns:p="http://schemas.openxmlformats.org/presentationml/2006/main">
-  <p:cSld>
-    <p:spTree>
-      <p:nvGrpSpPr>
-        <p:cNvPr id="1" name=""/>
-        <p:cNvGrpSpPr/>
-        <p:nvPr/>
-      </p:nvGrpSpPr>
-      <p:grpSpPr>
-        <a:xfrm>
-          <a:off x="0" y="0"/>
-          <a:ext cx="0" cy="0"/>
-          <a:chOff x="0" y="0"/>
-          <a:chExt cx="0" cy="0"/>
-        </a:xfrm>
-      </p:grpSpPr>
-      <p:sp>
-        <p:nvSpPr>
-          <p:cNvPr id="2" name="Título 1"/>
-          <p:cNvSpPr>
-            <a:spLocks noGrp="1"/>
-          </p:cNvSpPr>
-          <p:nvPr>
-            <p:ph type="title"/>
-          </p:nvPr>
-        </p:nvSpPr>
-        <p:spPr/>
-        <p:txBody>
-          <a:bodyPr/>
-          <a:lstStyle/>
-          <a:p>
-            <a:r>
-              <a:rPr lang="es-ES" dirty="0"/>
-              <a:t>GLM</a:t>
-            </a:r>
-          </a:p>
-        </p:txBody>
-      </p:sp>
-      <p:sp>
-        <p:nvSpPr>
-          <p:cNvPr id="4" name="CuadroTexto 3"/>
-          <p:cNvSpPr txBox="1"/>
-          <p:nvPr/>
-        </p:nvSpPr>
-        <p:spPr>
-          <a:xfrm>
-            <a:off x="857693" y="1112200"/>
-            <a:ext cx="7896445" cy="2462213"/>
-          </a:xfrm>
-          <a:prstGeom prst="rect">
-            <a:avLst/>
-          </a:prstGeom>
-          <a:noFill/>
-        </p:spPr>
-        <p:txBody>
-          <a:bodyPr wrap="square">
-            <a:spAutoFit/>
-          </a:bodyPr>
-          <a:lstStyle/>
-          <a:p>
-            <a:pPr marL="285750" indent="-285750">
-              <a:buClr>
-                <a:srgbClr val="00B050"/>
-              </a:buClr>
-              <a:buSzPct val="150000"/>
-              <a:buFont typeface="Wingdings" panose="05000000000000000000" pitchFamily="2" charset="2"/>
-              <a:buChar char="ü"/>
-            </a:pPr>
-            <a:r>
-              <a:rPr lang="es-ES" dirty="0"/>
-              <a:t>Se ha probado 4 enlaces: </a:t>
-            </a:r>
-            <a:r>
-              <a:rPr lang="es-ES" dirty="0" err="1"/>
-              <a:t>logit</a:t>
-            </a:r>
-            <a:r>
-              <a:rPr lang="es-ES" dirty="0"/>
-              <a:t>, </a:t>
-            </a:r>
-            <a:r>
-              <a:rPr lang="es-ES" dirty="0" err="1"/>
-              <a:t>probit</a:t>
-            </a:r>
-            <a:r>
-              <a:rPr lang="es-ES" dirty="0"/>
-              <a:t>, </a:t>
-            </a:r>
-            <a:r>
-              <a:rPr lang="es-ES" dirty="0" err="1"/>
-              <a:t>cloglog</a:t>
-            </a:r>
-            <a:r>
-              <a:rPr lang="es-ES" dirty="0"/>
-              <a:t> y </a:t>
-            </a:r>
-            <a:r>
-              <a:rPr lang="es-ES" dirty="0" err="1"/>
-              <a:t>cauchy</a:t>
-            </a:r>
-            <a:r>
-              <a:rPr lang="es-ES" dirty="0"/>
-              <a:t>.              No </a:t>
-            </a:r>
-            <a:r>
-              <a:rPr lang="es-ES" dirty="0" err="1"/>
-              <a:t>much</a:t>
-            </a:r>
-            <a:r>
-              <a:rPr lang="es-ES" dirty="0"/>
-              <a:t> </a:t>
-            </a:r>
-            <a:r>
-              <a:rPr lang="es-ES" dirty="0" err="1"/>
-              <a:t>difference</a:t>
-            </a:r>
-            <a:endParaRPr lang="es-ES" dirty="0"/>
-          </a:p>
-          <a:p>
-            <a:pPr marL="285750" indent="-285750">
-              <a:buClr>
-                <a:srgbClr val="00B050"/>
-              </a:buClr>
-              <a:buSzPct val="150000"/>
-              <a:buFont typeface="Wingdings" panose="05000000000000000000" pitchFamily="2" charset="2"/>
-              <a:buChar char="ü"/>
-            </a:pPr>
-            <a:r>
-              <a:rPr lang="es-ES" dirty="0"/>
-              <a:t>Se decidió quedarse con el </a:t>
-            </a:r>
-            <a:r>
-              <a:rPr lang="es-ES" b="1" dirty="0" err="1"/>
-              <a:t>probit</a:t>
-            </a:r>
-            <a:r>
-              <a:rPr lang="es-ES" b="1" dirty="0"/>
-              <a:t>.              Ligero aumento en </a:t>
-            </a:r>
-            <a:r>
-              <a:rPr lang="es-ES" b="1" dirty="0" err="1"/>
-              <a:t>recall</a:t>
-            </a:r>
-            <a:r>
-              <a:rPr lang="es-ES" b="1" dirty="0"/>
-              <a:t>.</a:t>
-            </a:r>
-          </a:p>
-          <a:p>
-            <a:pPr marL="285750" indent="-285750">
-              <a:buClr>
-                <a:srgbClr val="FF0000"/>
-              </a:buClr>
-              <a:buSzPct val="150000"/>
-              <a:buFont typeface="Arial" panose="020B0604020202020204" pitchFamily="34" charset="0"/>
-              <a:buChar char="×"/>
-            </a:pPr>
-            <a:r>
-              <a:rPr lang="es-ES" dirty="0"/>
-              <a:t>Data </a:t>
-            </a:r>
-            <a:r>
-              <a:rPr lang="es-ES" dirty="0" err="1"/>
-              <a:t>reducido_plus</a:t>
-            </a:r>
-            <a:r>
-              <a:rPr lang="es-ES" dirty="0"/>
-              <a:t>               Peor</a:t>
-            </a:r>
-          </a:p>
-          <a:p>
-            <a:pPr marL="285750" indent="-285750">
-              <a:buClr>
-                <a:srgbClr val="00B050"/>
-              </a:buClr>
-              <a:buSzPct val="150000"/>
-              <a:buFont typeface="Wingdings" panose="05000000000000000000" pitchFamily="2" charset="2"/>
-              <a:buChar char="ü"/>
-            </a:pPr>
-            <a:r>
-              <a:rPr lang="es-ES" dirty="0"/>
-              <a:t>Data reducido                 Mejores resultados.</a:t>
-            </a:r>
-          </a:p>
-          <a:p>
-            <a:pPr marL="285750" indent="-285750">
-              <a:buClr>
-                <a:srgbClr val="FF0000"/>
-              </a:buClr>
-              <a:buSzPct val="150000"/>
-              <a:buFont typeface="Arial" panose="020B0604020202020204" pitchFamily="34" charset="0"/>
-              <a:buChar char="×"/>
-            </a:pPr>
-            <a:r>
-              <a:rPr lang="es-ES" dirty="0"/>
-              <a:t>Balance               F1 MUUUUUY bajo</a:t>
-            </a:r>
-          </a:p>
-          <a:p>
-            <a:pPr marL="285750" indent="-285750">
-              <a:buClr>
-                <a:srgbClr val="FF0000"/>
-              </a:buClr>
-              <a:buSzPct val="150000"/>
-              <a:buFont typeface="Arial" panose="020B0604020202020204" pitchFamily="34" charset="0"/>
-              <a:buChar char="×"/>
-            </a:pPr>
-            <a:r>
-              <a:rPr lang="es-ES" dirty="0" err="1"/>
-              <a:t>Scale</a:t>
-            </a:r>
-            <a:r>
-              <a:rPr lang="es-ES" dirty="0"/>
-              <a:t>, </a:t>
-            </a:r>
-            <a:r>
-              <a:rPr lang="es-ES" dirty="0" err="1"/>
-              <a:t>Dummys</a:t>
-            </a:r>
-            <a:r>
-              <a:rPr lang="es-ES" dirty="0"/>
-              <a:t> de las variables categóricas.               No afecta en las métricas.</a:t>
-            </a:r>
-          </a:p>
-          <a:p>
-            <a:pPr marL="285750" indent="-285750">
-              <a:buClr>
-                <a:srgbClr val="00B050"/>
-              </a:buClr>
-              <a:buSzPct val="150000"/>
-              <a:buFont typeface="Wingdings" panose="05000000000000000000" pitchFamily="2" charset="2"/>
-              <a:buChar char="ü"/>
-            </a:pPr>
-            <a:endParaRPr lang="es-ES" dirty="0"/>
-          </a:p>
-          <a:p>
-            <a:pPr>
-              <a:buClr>
-                <a:srgbClr val="00B050"/>
-              </a:buClr>
-              <a:buSzPct val="150000"/>
-            </a:pPr>
-            <a:r>
-              <a:rPr lang="es-ES" dirty="0"/>
-              <a:t>Características: </a:t>
-            </a:r>
-          </a:p>
-          <a:p>
-            <a:pPr>
-              <a:buClr>
-                <a:srgbClr val="00B050"/>
-              </a:buClr>
-              <a:buSzPct val="150000"/>
-            </a:pPr>
-            <a:endParaRPr lang="es-ES" dirty="0"/>
-          </a:p>
-          <a:p>
-            <a:pPr marL="285750" indent="-285750">
-              <a:buClr>
-                <a:srgbClr val="00B050"/>
-              </a:buClr>
-              <a:buSzPct val="150000"/>
-              <a:buFont typeface="Wingdings" panose="05000000000000000000" pitchFamily="2" charset="2"/>
-              <a:buChar char="ü"/>
-            </a:pPr>
-            <a:r>
-              <a:rPr lang="es-ES" dirty="0"/>
-              <a:t>El punto de corte óptimo es: p=0.2071429.</a:t>
-            </a:r>
-          </a:p>
-          <a:p>
-            <a:pPr marL="285750" indent="-285750">
-              <a:buClr>
-                <a:srgbClr val="00B050"/>
-              </a:buClr>
-              <a:buSzPct val="150000"/>
-              <a:buFont typeface="Wingdings" panose="05000000000000000000" pitchFamily="2" charset="2"/>
-              <a:buChar char="ü"/>
-            </a:pPr>
-            <a:r>
-              <a:rPr lang="es-ES" dirty="0"/>
-              <a:t>Métricas obtenidas: </a:t>
-            </a:r>
-            <a:endParaRPr lang="en-US" dirty="0"/>
-          </a:p>
-        </p:txBody>
-      </p:sp>
-      <p:sp>
-        <p:nvSpPr>
-          <p:cNvPr id="3" name="CuadroTexto 2"/>
-          <p:cNvSpPr txBox="1"/>
-          <p:nvPr/>
-        </p:nvSpPr>
-        <p:spPr>
-          <a:xfrm>
-            <a:off x="1040573" y="3661968"/>
-            <a:ext cx="7234747" cy="738664"/>
-          </a:xfrm>
-          <a:prstGeom prst="rect">
-            <a:avLst/>
-          </a:prstGeom>
-        </p:spPr>
-        <p:style>
-          <a:lnRef idx="1">
-            <a:schemeClr val="accent2"/>
-          </a:lnRef>
-          <a:fillRef idx="2">
-            <a:schemeClr val="accent2"/>
-          </a:fillRef>
-          <a:effectRef idx="1">
-            <a:schemeClr val="accent2"/>
-          </a:effectRef>
-          <a:fontRef idx="minor">
-            <a:schemeClr val="dk1"/>
-          </a:fontRef>
-        </p:style>
-        <p:txBody>
-          <a:bodyPr wrap="square" rtlCol="0">
-            <a:spAutoFit/>
-          </a:bodyPr>
-          <a:lstStyle/>
-          <a:p>
-            <a:pPr latinLnBrk="1"/>
-            <a:r>
-              <a:rPr lang="en-US" dirty="0"/>
-              <a:t>   Dataset </a:t>
-            </a:r>
-            <a:r>
-              <a:rPr lang="en-US" dirty="0" err="1"/>
-              <a:t>Error_rate</a:t>
-            </a:r>
-            <a:r>
-              <a:rPr lang="en-US" dirty="0"/>
-              <a:t>  Accuracy    Precision   </a:t>
-            </a:r>
-            <a:r>
-              <a:rPr lang="en-US" dirty="0" err="1"/>
-              <a:t>Recall_Sensitivity</a:t>
-            </a:r>
-            <a:r>
-              <a:rPr lang="en-US" dirty="0"/>
-              <a:t>  Specificity   F1_Score</a:t>
-            </a:r>
-          </a:p>
-          <a:p>
-            <a:pPr latinLnBrk="1"/>
-            <a:r>
-              <a:rPr lang="en-US" dirty="0"/>
-              <a:t>1  Train2  0.3273469  0.6726531 0.3516373       0.6876847       0.6687259   0.4653333</a:t>
-            </a:r>
-          </a:p>
-          <a:p>
-            <a:pPr latinLnBrk="1"/>
-            <a:r>
-              <a:rPr lang="en-US" dirty="0"/>
-              <a:t>2   Test2  0.3261905  0.6738095 0.3549884       0.7034483       0.6660661   0.4718581</a:t>
-            </a:r>
-          </a:p>
-        </p:txBody>
-      </p:sp>
-      <p:sp>
-        <p:nvSpPr>
-          <p:cNvPr id="5" name="Flecha: a la derecha 6"/>
-          <p:cNvSpPr/>
-          <p:nvPr/>
-        </p:nvSpPr>
-        <p:spPr>
-          <a:xfrm>
-            <a:off x="5708030" y="1181100"/>
-            <a:ext cx="511795" cy="207028"/>
-          </a:xfrm>
-          <a:prstGeom prst="rightArrow">
-            <a:avLst/>
-          </a:prstGeom>
-        </p:spPr>
-        <p:style>
-          <a:lnRef idx="2">
-            <a:schemeClr val="accent1">
-              <a:shade val="15000"/>
-            </a:schemeClr>
-          </a:lnRef>
-          <a:fillRef idx="1">
-            <a:schemeClr val="accent1"/>
-          </a:fillRef>
-          <a:effectRef idx="0">
-            <a:schemeClr val="accent1"/>
-          </a:effectRef>
-          <a:fontRef idx="minor">
-            <a:schemeClr val="lt1"/>
-          </a:fontRef>
-        </p:style>
-        <p:txBody>
-          <a:bodyPr rtlCol="0" anchor="ctr"/>
-          <a:lstStyle/>
-          <a:p>
-            <a:pPr algn="ctr"/>
-            <a:endParaRPr lang="es-ES"/>
-          </a:p>
-        </p:txBody>
-      </p:sp>
-      <p:sp>
-        <p:nvSpPr>
-          <p:cNvPr id="6" name="Flecha: a la derecha 6"/>
-          <p:cNvSpPr/>
-          <p:nvPr/>
-        </p:nvSpPr>
-        <p:spPr>
-          <a:xfrm>
-            <a:off x="2517155" y="1813113"/>
-            <a:ext cx="511795" cy="207028"/>
-          </a:xfrm>
-          <a:prstGeom prst="rightArrow">
-            <a:avLst/>
-          </a:prstGeom>
-        </p:spPr>
-        <p:style>
-          <a:lnRef idx="2">
-            <a:schemeClr val="accent1">
-              <a:shade val="15000"/>
-            </a:schemeClr>
-          </a:lnRef>
-          <a:fillRef idx="1">
-            <a:schemeClr val="accent1"/>
-          </a:fillRef>
-          <a:effectRef idx="0">
-            <a:schemeClr val="accent1"/>
-          </a:effectRef>
-          <a:fontRef idx="minor">
-            <a:schemeClr val="lt1"/>
-          </a:fontRef>
-        </p:style>
-        <p:txBody>
-          <a:bodyPr rtlCol="0" anchor="ctr"/>
-          <a:lstStyle/>
-          <a:p>
-            <a:pPr algn="ctr"/>
-            <a:endParaRPr lang="es-ES"/>
-          </a:p>
-        </p:txBody>
-      </p:sp>
-      <p:sp>
-        <p:nvSpPr>
-          <p:cNvPr id="7" name="Flecha: a la derecha 6"/>
-          <p:cNvSpPr/>
-          <p:nvPr/>
-        </p:nvSpPr>
-        <p:spPr>
-          <a:xfrm>
-            <a:off x="4060205" y="1388128"/>
-            <a:ext cx="511795" cy="207028"/>
-          </a:xfrm>
-          <a:prstGeom prst="rightArrow">
-            <a:avLst/>
-          </a:prstGeom>
-        </p:spPr>
-        <p:style>
-          <a:lnRef idx="2">
-            <a:schemeClr val="accent1">
-              <a:shade val="15000"/>
-            </a:schemeClr>
-          </a:lnRef>
-          <a:fillRef idx="1">
-            <a:schemeClr val="accent1"/>
-          </a:fillRef>
-          <a:effectRef idx="0">
-            <a:schemeClr val="accent1"/>
-          </a:effectRef>
-          <a:fontRef idx="minor">
-            <a:schemeClr val="lt1"/>
-          </a:fontRef>
-        </p:style>
-        <p:txBody>
-          <a:bodyPr rtlCol="0" anchor="ctr"/>
-          <a:lstStyle/>
-          <a:p>
-            <a:pPr algn="ctr"/>
-            <a:endParaRPr lang="es-ES"/>
-          </a:p>
-        </p:txBody>
-      </p:sp>
-      <p:sp>
-        <p:nvSpPr>
-          <p:cNvPr id="8" name="Flecha: a la derecha 6"/>
-          <p:cNvSpPr/>
-          <p:nvPr/>
-        </p:nvSpPr>
-        <p:spPr>
-          <a:xfrm>
-            <a:off x="2005360" y="2032764"/>
-            <a:ext cx="511795" cy="207028"/>
-          </a:xfrm>
-          <a:prstGeom prst="rightArrow">
-            <a:avLst/>
-          </a:prstGeom>
-        </p:spPr>
-        <p:style>
-          <a:lnRef idx="2">
-            <a:schemeClr val="accent1">
-              <a:shade val="15000"/>
-            </a:schemeClr>
-          </a:lnRef>
-          <a:fillRef idx="1">
-            <a:schemeClr val="accent1"/>
-          </a:fillRef>
-          <a:effectRef idx="0">
-            <a:schemeClr val="accent1"/>
-          </a:effectRef>
-          <a:fontRef idx="minor">
-            <a:schemeClr val="lt1"/>
-          </a:fontRef>
-        </p:style>
-        <p:txBody>
-          <a:bodyPr rtlCol="0" anchor="ctr"/>
-          <a:lstStyle/>
-          <a:p>
-            <a:pPr algn="ctr"/>
-            <a:endParaRPr lang="es-ES"/>
-          </a:p>
-        </p:txBody>
-      </p:sp>
-      <p:sp>
-        <p:nvSpPr>
-          <p:cNvPr id="9" name="Flecha: a la derecha 6"/>
-          <p:cNvSpPr/>
-          <p:nvPr/>
-        </p:nvSpPr>
-        <p:spPr>
-          <a:xfrm>
-            <a:off x="4902244" y="2239792"/>
-            <a:ext cx="511795" cy="207028"/>
-          </a:xfrm>
-          <a:prstGeom prst="rightArrow">
-            <a:avLst/>
-          </a:prstGeom>
-        </p:spPr>
-        <p:style>
-          <a:lnRef idx="2">
-            <a:schemeClr val="accent1">
-              <a:shade val="15000"/>
-            </a:schemeClr>
-          </a:lnRef>
-          <a:fillRef idx="1">
-            <a:schemeClr val="accent1"/>
-          </a:fillRef>
-          <a:effectRef idx="0">
-            <a:schemeClr val="accent1"/>
-          </a:effectRef>
-          <a:fontRef idx="minor">
-            <a:schemeClr val="lt1"/>
-          </a:fontRef>
-        </p:style>
-        <p:txBody>
-          <a:bodyPr rtlCol="0" anchor="ctr"/>
-          <a:lstStyle/>
-          <a:p>
-            <a:pPr algn="ctr"/>
-            <a:endParaRPr lang="es-ES"/>
-          </a:p>
-        </p:txBody>
-      </p:sp>
-      <p:sp>
-        <p:nvSpPr>
-          <p:cNvPr id="10" name="Flecha: a la derecha 9"/>
-          <p:cNvSpPr/>
-          <p:nvPr/>
-        </p:nvSpPr>
-        <p:spPr>
-          <a:xfrm>
-            <a:off x="2910745" y="1606085"/>
-            <a:ext cx="511795" cy="207028"/>
-          </a:xfrm>
-          <a:prstGeom prst="rightArrow">
-            <a:avLst/>
-          </a:prstGeom>
-        </p:spPr>
-        <p:style>
-          <a:lnRef idx="2">
-            <a:schemeClr val="accent1">
-              <a:shade val="15000"/>
-            </a:schemeClr>
-          </a:lnRef>
-          <a:fillRef idx="1">
-            <a:schemeClr val="accent1"/>
-          </a:fillRef>
-          <a:effectRef idx="0">
-            <a:schemeClr val="accent1"/>
-          </a:effectRef>
-          <a:fontRef idx="minor">
-            <a:schemeClr val="lt1"/>
-          </a:fontRef>
-        </p:style>
-        <p:txBody>
-          <a:bodyPr rtlCol="0" anchor="ctr"/>
-          <a:lstStyle/>
-          <a:p>
-            <a:pPr algn="ctr"/>
-            <a:endParaRPr lang="es-ES"/>
           </a:p>
         </p:txBody>
       </p:sp>

--- a/Entrega_2/00.REPORTE/Reporte_Grupo5_new.pptx
+++ b/Entrega_2/00.REPORTE/Reporte_Grupo5_new.pptx
@@ -296,489 +296,6 @@
 <p:cmAuthorLst xmlns:a="http://schemas.openxmlformats.org/drawingml/2006/main" xmlns:r="http://schemas.openxmlformats.org/officeDocument/2006/relationships" xmlns:p="http://schemas.openxmlformats.org/presentationml/2006/main">
   <p:cmAuthor id="1" name="Mario Aragón Valderrama" initials="MA" lastIdx="1" clrIdx="0"/>
 </p:cmAuthorLst>
-</file>
-
-<file path=ppt/changesInfos/changesInfo1.xml><?xml version="1.0" encoding="utf-8"?>
-<pc:chgInfo xmlns:a="http://schemas.openxmlformats.org/drawingml/2006/main" xmlns:r="http://schemas.openxmlformats.org/officeDocument/2006/relationships" xmlns:ac="http://schemas.microsoft.com/office/drawing/2013/main/command" xmlns:pc="http://schemas.microsoft.com/office/powerpoint/2013/main/command">
-  <pc:docChgLst>
-    <pc:chgData name="Mario Aragón Valderrama" userId="ab42593c9091a3c7" providerId="LiveId" clId="{A94EC9C8-FC2E-45B4-829C-AEB6B286F687}"/>
-    <pc:docChg chg="custSel addSld delSld modSld">
-      <pc:chgData name="Mario Aragón Valderrama" userId="ab42593c9091a3c7" providerId="LiveId" clId="{A94EC9C8-FC2E-45B4-829C-AEB6B286F687}" dt="2025-12-17T22:24:16.669" v="1685"/>
-      <pc:docMkLst>
-        <pc:docMk/>
-      </pc:docMkLst>
-      <pc:sldChg chg="addSp delSp modSp add mod">
-        <pc:chgData name="Mario Aragón Valderrama" userId="ab42593c9091a3c7" providerId="LiveId" clId="{A94EC9C8-FC2E-45B4-829C-AEB6B286F687}" dt="2025-12-17T18:30:30.702" v="1633" actId="404"/>
-        <pc:sldMkLst>
-          <pc:docMk/>
-          <pc:sldMk cId="0" sldId="269"/>
-        </pc:sldMkLst>
-        <pc:spChg chg="add del mod">
-          <ac:chgData name="Mario Aragón Valderrama" userId="ab42593c9091a3c7" providerId="LiveId" clId="{A94EC9C8-FC2E-45B4-829C-AEB6B286F687}" dt="2025-12-17T18:13:40.585" v="824" actId="478"/>
-          <ac:spMkLst>
-            <pc:docMk/>
-            <pc:sldMk cId="0" sldId="269"/>
-            <ac:spMk id="2" creationId="{01CBDE04-DEE7-6A8D-B970-BCEB26EBA005}"/>
-          </ac:spMkLst>
-        </pc:spChg>
-        <pc:spChg chg="mod">
-          <ac:chgData name="Mario Aragón Valderrama" userId="ab42593c9091a3c7" providerId="LiveId" clId="{A94EC9C8-FC2E-45B4-829C-AEB6B286F687}" dt="2025-12-17T18:09:40.593" v="789"/>
-          <ac:spMkLst>
-            <pc:docMk/>
-            <pc:sldMk cId="0" sldId="269"/>
-            <ac:spMk id="4" creationId="{50CD4983-5F9D-83AB-AC92-0222075A5BDD}"/>
-          </ac:spMkLst>
-        </pc:spChg>
-        <pc:spChg chg="mod">
-          <ac:chgData name="Mario Aragón Valderrama" userId="ab42593c9091a3c7" providerId="LiveId" clId="{A94EC9C8-FC2E-45B4-829C-AEB6B286F687}" dt="2025-12-17T18:09:40.593" v="789"/>
-          <ac:spMkLst>
-            <pc:docMk/>
-            <pc:sldMk cId="0" sldId="269"/>
-            <ac:spMk id="5" creationId="{52FF70F9-DCE3-0C2C-005E-375A8EFF323F}"/>
-          </ac:spMkLst>
-        </pc:spChg>
-        <pc:spChg chg="add del mod">
-          <ac:chgData name="Mario Aragón Valderrama" userId="ab42593c9091a3c7" providerId="LiveId" clId="{A94EC9C8-FC2E-45B4-829C-AEB6B286F687}" dt="2025-12-17T18:11:13.582" v="808" actId="478"/>
-          <ac:spMkLst>
-            <pc:docMk/>
-            <pc:sldMk cId="0" sldId="269"/>
-            <ac:spMk id="6" creationId="{9EDF4B0B-3061-7ACC-774B-D6FC82BC26B6}"/>
-          </ac:spMkLst>
-        </pc:spChg>
-        <pc:spChg chg="mod topLvl">
-          <ac:chgData name="Mario Aragón Valderrama" userId="ab42593c9091a3c7" providerId="LiveId" clId="{A94EC9C8-FC2E-45B4-829C-AEB6B286F687}" dt="2025-12-17T18:22:49.615" v="902" actId="478"/>
-          <ac:spMkLst>
-            <pc:docMk/>
-            <pc:sldMk cId="0" sldId="269"/>
-            <ac:spMk id="10" creationId="{3344573B-05AB-722D-10BD-1916DC33F883}"/>
-          </ac:spMkLst>
-        </pc:spChg>
-        <pc:spChg chg="del mod topLvl">
-          <ac:chgData name="Mario Aragón Valderrama" userId="ab42593c9091a3c7" providerId="LiveId" clId="{A94EC9C8-FC2E-45B4-829C-AEB6B286F687}" dt="2025-12-17T18:22:49.615" v="902" actId="478"/>
-          <ac:spMkLst>
-            <pc:docMk/>
-            <pc:sldMk cId="0" sldId="269"/>
-            <ac:spMk id="12" creationId="{BB781573-BCA2-F8F7-0059-6839B0E2EB7E}"/>
-          </ac:spMkLst>
-        </pc:spChg>
-        <pc:spChg chg="del mod">
-          <ac:chgData name="Mario Aragón Valderrama" userId="ab42593c9091a3c7" providerId="LiveId" clId="{A94EC9C8-FC2E-45B4-829C-AEB6B286F687}" dt="2025-12-17T18:22:45.298" v="901" actId="478"/>
-          <ac:spMkLst>
-            <pc:docMk/>
-            <pc:sldMk cId="0" sldId="269"/>
-            <ac:spMk id="13" creationId="{BE442C9C-D39D-50DA-0642-E621F9AEF4C0}"/>
-          </ac:spMkLst>
-        </pc:spChg>
-        <pc:spChg chg="add mod">
-          <ac:chgData name="Mario Aragón Valderrama" userId="ab42593c9091a3c7" providerId="LiveId" clId="{A94EC9C8-FC2E-45B4-829C-AEB6B286F687}" dt="2025-12-17T18:22:10.146" v="896" actId="1076"/>
-          <ac:spMkLst>
-            <pc:docMk/>
-            <pc:sldMk cId="0" sldId="269"/>
-            <ac:spMk id="16" creationId="{69877C8F-5317-BE6F-6945-CC388015F9CE}"/>
-          </ac:spMkLst>
-        </pc:spChg>
-        <pc:spChg chg="add mod">
-          <ac:chgData name="Mario Aragón Valderrama" userId="ab42593c9091a3c7" providerId="LiveId" clId="{A94EC9C8-FC2E-45B4-829C-AEB6B286F687}" dt="2025-12-17T18:23:00.046" v="909" actId="20577"/>
-          <ac:spMkLst>
-            <pc:docMk/>
-            <pc:sldMk cId="0" sldId="269"/>
-            <ac:spMk id="17" creationId="{3EC15E59-67D6-0AE1-A6A9-64B30040E99A}"/>
-          </ac:spMkLst>
-        </pc:spChg>
-        <pc:spChg chg="add mod">
-          <ac:chgData name="Mario Aragón Valderrama" userId="ab42593c9091a3c7" providerId="LiveId" clId="{A94EC9C8-FC2E-45B4-829C-AEB6B286F687}" dt="2025-12-17T18:23:26.298" v="964" actId="207"/>
-          <ac:spMkLst>
-            <pc:docMk/>
-            <pc:sldMk cId="0" sldId="269"/>
-            <ac:spMk id="18" creationId="{85BED90B-FD8F-DAA5-3238-316DC3132584}"/>
-          </ac:spMkLst>
-        </pc:spChg>
-        <pc:spChg chg="add mod">
-          <ac:chgData name="Mario Aragón Valderrama" userId="ab42593c9091a3c7" providerId="LiveId" clId="{A94EC9C8-FC2E-45B4-829C-AEB6B286F687}" dt="2025-12-17T18:30:16.251" v="1629" actId="1076"/>
-          <ac:spMkLst>
-            <pc:docMk/>
-            <pc:sldMk cId="0" sldId="269"/>
-            <ac:spMk id="19" creationId="{71D43951-B2AE-7BE2-D94B-F35B07A8A778}"/>
-          </ac:spMkLst>
-        </pc:spChg>
-        <pc:spChg chg="add mod">
-          <ac:chgData name="Mario Aragón Valderrama" userId="ab42593c9091a3c7" providerId="LiveId" clId="{A94EC9C8-FC2E-45B4-829C-AEB6B286F687}" dt="2025-12-17T18:30:30.702" v="1633" actId="404"/>
-          <ac:spMkLst>
-            <pc:docMk/>
-            <pc:sldMk cId="0" sldId="269"/>
-            <ac:spMk id="20" creationId="{87FE5D4D-67B0-D6FC-3090-0D99B56B82E9}"/>
-          </ac:spMkLst>
-        </pc:spChg>
-        <pc:spChg chg="add mod">
-          <ac:chgData name="Mario Aragón Valderrama" userId="ab42593c9091a3c7" providerId="LiveId" clId="{A94EC9C8-FC2E-45B4-829C-AEB6B286F687}" dt="2025-12-17T18:30:19.785" v="1630" actId="1076"/>
-          <ac:spMkLst>
-            <pc:docMk/>
-            <pc:sldMk cId="0" sldId="269"/>
-            <ac:spMk id="21" creationId="{E1CB4E2D-AA5E-21BE-1785-DF4696D5A71F}"/>
-          </ac:spMkLst>
-        </pc:spChg>
-        <pc:spChg chg="add mod">
-          <ac:chgData name="Mario Aragón Valderrama" userId="ab42593c9091a3c7" providerId="LiveId" clId="{A94EC9C8-FC2E-45B4-829C-AEB6B286F687}" dt="2025-12-17T18:30:26.544" v="1632" actId="404"/>
-          <ac:spMkLst>
-            <pc:docMk/>
-            <pc:sldMk cId="0" sldId="269"/>
-            <ac:spMk id="22" creationId="{88CDE9D7-6FB4-5135-D608-BCD6C5875703}"/>
-          </ac:spMkLst>
-        </pc:spChg>
-        <pc:spChg chg="mod">
-          <ac:chgData name="Mario Aragón Valderrama" userId="ab42593c9091a3c7" providerId="LiveId" clId="{A94EC9C8-FC2E-45B4-829C-AEB6B286F687}" dt="2025-12-17T18:07:41.111" v="577" actId="1076"/>
-          <ac:spMkLst>
-            <pc:docMk/>
-            <pc:sldMk cId="0" sldId="269"/>
-            <ac:spMk id="620" creationId="{00000000-0000-0000-0000-000000000000}"/>
-          </ac:spMkLst>
-        </pc:spChg>
-        <pc:spChg chg="mod">
-          <ac:chgData name="Mario Aragón Valderrama" userId="ab42593c9091a3c7" providerId="LiveId" clId="{A94EC9C8-FC2E-45B4-829C-AEB6B286F687}" dt="2025-12-17T18:14:37.485" v="830" actId="1076"/>
-          <ac:spMkLst>
-            <pc:docMk/>
-            <pc:sldMk cId="0" sldId="269"/>
-            <ac:spMk id="633" creationId="{00000000-0000-0000-0000-000000000000}"/>
-          </ac:spMkLst>
-        </pc:spChg>
-        <pc:spChg chg="mod">
-          <ac:chgData name="Mario Aragón Valderrama" userId="ab42593c9091a3c7" providerId="LiveId" clId="{A94EC9C8-FC2E-45B4-829C-AEB6B286F687}" dt="2025-12-17T18:14:32.538" v="829" actId="20577"/>
-          <ac:spMkLst>
-            <pc:docMk/>
-            <pc:sldMk cId="0" sldId="269"/>
-            <ac:spMk id="634" creationId="{00000000-0000-0000-0000-000000000000}"/>
-          </ac:spMkLst>
-        </pc:spChg>
-        <pc:spChg chg="mod">
-          <ac:chgData name="Mario Aragón Valderrama" userId="ab42593c9091a3c7" providerId="LiveId" clId="{A94EC9C8-FC2E-45B4-829C-AEB6B286F687}" dt="2025-12-17T18:06:49.897" v="568" actId="208"/>
-          <ac:spMkLst>
-            <pc:docMk/>
-            <pc:sldMk cId="0" sldId="269"/>
-            <ac:spMk id="636" creationId="{00000000-0000-0000-0000-000000000000}"/>
-          </ac:spMkLst>
-        </pc:spChg>
-        <pc:spChg chg="mod">
-          <ac:chgData name="Mario Aragón Valderrama" userId="ab42593c9091a3c7" providerId="LiveId" clId="{A94EC9C8-FC2E-45B4-829C-AEB6B286F687}" dt="2025-12-17T18:09:13.147" v="780" actId="20577"/>
-          <ac:spMkLst>
-            <pc:docMk/>
-            <pc:sldMk cId="0" sldId="269"/>
-            <ac:spMk id="637" creationId="{00000000-0000-0000-0000-000000000000}"/>
-          </ac:spMkLst>
-        </pc:spChg>
-        <pc:spChg chg="mod">
-          <ac:chgData name="Mario Aragón Valderrama" userId="ab42593c9091a3c7" providerId="LiveId" clId="{A94EC9C8-FC2E-45B4-829C-AEB6B286F687}" dt="2025-12-17T18:09:46.437" v="793" actId="20577"/>
-          <ac:spMkLst>
-            <pc:docMk/>
-            <pc:sldMk cId="0" sldId="269"/>
-            <ac:spMk id="646" creationId="{00000000-0000-0000-0000-000000000000}"/>
-          </ac:spMkLst>
-        </pc:spChg>
-        <pc:spChg chg="del mod">
-          <ac:chgData name="Mario Aragón Valderrama" userId="ab42593c9091a3c7" providerId="LiveId" clId="{A94EC9C8-FC2E-45B4-829C-AEB6B286F687}" dt="2025-12-17T18:09:45.818" v="792" actId="478"/>
-          <ac:spMkLst>
-            <pc:docMk/>
-            <pc:sldMk cId="0" sldId="269"/>
-            <ac:spMk id="648" creationId="{00000000-0000-0000-0000-000000000000}"/>
-          </ac:spMkLst>
-        </pc:spChg>
-        <pc:grpChg chg="add del mod">
-          <ac:chgData name="Mario Aragón Valderrama" userId="ab42593c9091a3c7" providerId="LiveId" clId="{A94EC9C8-FC2E-45B4-829C-AEB6B286F687}" dt="2025-12-17T18:13:31.064" v="822" actId="478"/>
-          <ac:grpSpMkLst>
-            <pc:docMk/>
-            <pc:sldMk cId="0" sldId="269"/>
-            <ac:grpSpMk id="3" creationId="{5A89A149-BF97-CA2A-D95E-643460D8491E}"/>
-          </ac:grpSpMkLst>
-        </pc:grpChg>
-        <pc:grpChg chg="add del mod">
-          <ac:chgData name="Mario Aragón Valderrama" userId="ab42593c9091a3c7" providerId="LiveId" clId="{A94EC9C8-FC2E-45B4-829C-AEB6B286F687}" dt="2025-12-17T18:22:49.615" v="902" actId="478"/>
-          <ac:grpSpMkLst>
-            <pc:docMk/>
-            <pc:sldMk cId="0" sldId="269"/>
-            <ac:grpSpMk id="9" creationId="{20E66501-CBE8-6D7E-20F9-1EDCA21CCCAC}"/>
-          </ac:grpSpMkLst>
-        </pc:grpChg>
-        <pc:grpChg chg="del mod">
-          <ac:chgData name="Mario Aragón Valderrama" userId="ab42593c9091a3c7" providerId="LiveId" clId="{A94EC9C8-FC2E-45B4-829C-AEB6B286F687}" dt="2025-12-17T18:22:45.298" v="901" actId="478"/>
-          <ac:grpSpMkLst>
-            <pc:docMk/>
-            <pc:sldMk cId="0" sldId="269"/>
-            <ac:grpSpMk id="11" creationId="{278BDD88-8084-F4BF-C2C7-6FEC1766AD77}"/>
-          </ac:grpSpMkLst>
-        </pc:grpChg>
-        <pc:grpChg chg="del">
-          <ac:chgData name="Mario Aragón Valderrama" userId="ab42593c9091a3c7" providerId="LiveId" clId="{A94EC9C8-FC2E-45B4-829C-AEB6B286F687}" dt="2025-12-17T18:07:00.432" v="570" actId="478"/>
-          <ac:grpSpMkLst>
-            <pc:docMk/>
-            <pc:sldMk cId="0" sldId="269"/>
-            <ac:grpSpMk id="621" creationId="{00000000-0000-0000-0000-000000000000}"/>
-          </ac:grpSpMkLst>
-        </pc:grpChg>
-        <pc:grpChg chg="mod">
-          <ac:chgData name="Mario Aragón Valderrama" userId="ab42593c9091a3c7" providerId="LiveId" clId="{A94EC9C8-FC2E-45B4-829C-AEB6B286F687}" dt="2025-12-17T18:19:21.672" v="839" actId="1076"/>
-          <ac:grpSpMkLst>
-            <pc:docMk/>
-            <pc:sldMk cId="0" sldId="269"/>
-            <ac:grpSpMk id="630" creationId="{00000000-0000-0000-0000-000000000000}"/>
-          </ac:grpSpMkLst>
-        </pc:grpChg>
-        <pc:grpChg chg="del mod">
-          <ac:chgData name="Mario Aragón Valderrama" userId="ab42593c9091a3c7" providerId="LiveId" clId="{A94EC9C8-FC2E-45B4-829C-AEB6B286F687}" dt="2025-12-17T18:13:37.468" v="823" actId="478"/>
-          <ac:grpSpMkLst>
-            <pc:docMk/>
-            <pc:sldMk cId="0" sldId="269"/>
-            <ac:grpSpMk id="635" creationId="{00000000-0000-0000-0000-000000000000}"/>
-          </ac:grpSpMkLst>
-        </pc:grpChg>
-        <pc:grpChg chg="del mod">
-          <ac:chgData name="Mario Aragón Valderrama" userId="ab42593c9091a3c7" providerId="LiveId" clId="{A94EC9C8-FC2E-45B4-829C-AEB6B286F687}" dt="2025-12-17T18:09:47.183" v="794" actId="478"/>
-          <ac:grpSpMkLst>
-            <pc:docMk/>
-            <pc:sldMk cId="0" sldId="269"/>
-            <ac:grpSpMk id="638" creationId="{00000000-0000-0000-0000-000000000000}"/>
-          </ac:grpSpMkLst>
-        </pc:grpChg>
-        <pc:grpChg chg="del mod">
-          <ac:chgData name="Mario Aragón Valderrama" userId="ab42593c9091a3c7" providerId="LiveId" clId="{A94EC9C8-FC2E-45B4-829C-AEB6B286F687}" dt="2025-12-17T18:09:45.189" v="791" actId="478"/>
-          <ac:grpSpMkLst>
-            <pc:docMk/>
-            <pc:sldMk cId="0" sldId="269"/>
-            <ac:grpSpMk id="641" creationId="{00000000-0000-0000-0000-000000000000}"/>
-          </ac:grpSpMkLst>
-        </pc:grpChg>
-        <pc:grpChg chg="del mod">
-          <ac:chgData name="Mario Aragón Valderrama" userId="ab42593c9091a3c7" providerId="LiveId" clId="{A94EC9C8-FC2E-45B4-829C-AEB6B286F687}" dt="2025-12-17T18:09:47.873" v="795" actId="478"/>
-          <ac:grpSpMkLst>
-            <pc:docMk/>
-            <pc:sldMk cId="0" sldId="269"/>
-            <ac:grpSpMk id="644" creationId="{00000000-0000-0000-0000-000000000000}"/>
-          </ac:grpSpMkLst>
-        </pc:grpChg>
-        <pc:graphicFrameChg chg="add del mod modGraphic">
-          <ac:chgData name="Mario Aragón Valderrama" userId="ab42593c9091a3c7" providerId="LiveId" clId="{A94EC9C8-FC2E-45B4-829C-AEB6B286F687}" dt="2025-12-17T18:13:26.777" v="821" actId="478"/>
-          <ac:graphicFrameMkLst>
-            <pc:docMk/>
-            <pc:sldMk cId="0" sldId="269"/>
-            <ac:graphicFrameMk id="452" creationId="{00000000-0000-0000-0000-000000000000}"/>
-          </ac:graphicFrameMkLst>
-        </pc:graphicFrameChg>
-        <pc:picChg chg="add mod modCrop">
-          <ac:chgData name="Mario Aragón Valderrama" userId="ab42593c9091a3c7" providerId="LiveId" clId="{A94EC9C8-FC2E-45B4-829C-AEB6B286F687}" dt="2025-12-17T18:20:28.973" v="840" actId="732"/>
-          <ac:picMkLst>
-            <pc:docMk/>
-            <pc:sldMk cId="0" sldId="269"/>
-            <ac:picMk id="8" creationId="{8C95C62C-5D4A-FC95-0DFB-997E5B2FFFDE}"/>
-          </ac:picMkLst>
-        </pc:picChg>
-        <pc:picChg chg="add mod">
-          <ac:chgData name="Mario Aragón Valderrama" userId="ab42593c9091a3c7" providerId="LiveId" clId="{A94EC9C8-FC2E-45B4-829C-AEB6B286F687}" dt="2025-12-17T18:21:12.288" v="855" actId="1076"/>
-          <ac:picMkLst>
-            <pc:docMk/>
-            <pc:sldMk cId="0" sldId="269"/>
-            <ac:picMk id="15" creationId="{0BD2F1C5-A55C-570F-B75F-2D3BDC325838}"/>
-          </ac:picMkLst>
-        </pc:picChg>
-      </pc:sldChg>
-      <pc:sldChg chg="add">
-        <pc:chgData name="Mario Aragón Valderrama" userId="ab42593c9091a3c7" providerId="LiveId" clId="{A94EC9C8-FC2E-45B4-829C-AEB6B286F687}" dt="2025-12-17T17:38:27.727" v="0"/>
-        <pc:sldMkLst>
-          <pc:docMk/>
-          <pc:sldMk cId="0" sldId="270"/>
-        </pc:sldMkLst>
-      </pc:sldChg>
-      <pc:sldChg chg="addSp delSp modSp add mod">
-        <pc:chgData name="Mario Aragón Valderrama" userId="ab42593c9091a3c7" providerId="LiveId" clId="{A94EC9C8-FC2E-45B4-829C-AEB6B286F687}" dt="2025-12-17T21:54:26.079" v="1676"/>
-        <pc:sldMkLst>
-          <pc:docMk/>
-          <pc:sldMk cId="0" sldId="272"/>
-        </pc:sldMkLst>
-        <pc:spChg chg="del">
-          <ac:chgData name="Mario Aragón Valderrama" userId="ab42593c9091a3c7" providerId="LiveId" clId="{A94EC9C8-FC2E-45B4-829C-AEB6B286F687}" dt="2025-12-17T17:38:52.169" v="2" actId="478"/>
-          <ac:spMkLst>
-            <pc:docMk/>
-            <pc:sldMk cId="0" sldId="272"/>
-            <ac:spMk id="5" creationId="{00000000-0000-0000-0000-000000000000}"/>
-          </ac:spMkLst>
-        </pc:spChg>
-        <pc:spChg chg="add mod">
-          <ac:chgData name="Mario Aragón Valderrama" userId="ab42593c9091a3c7" providerId="LiveId" clId="{A94EC9C8-FC2E-45B4-829C-AEB6B286F687}" dt="2025-12-17T17:57:20.305" v="374" actId="1076"/>
-          <ac:spMkLst>
-            <pc:docMk/>
-            <pc:sldMk cId="0" sldId="272"/>
-            <ac:spMk id="6" creationId="{F56E9262-ACFE-8ADC-8AFE-6F44FF07DC25}"/>
-          </ac:spMkLst>
-        </pc:spChg>
-        <pc:spChg chg="add mod">
-          <ac:chgData name="Mario Aragón Valderrama" userId="ab42593c9091a3c7" providerId="LiveId" clId="{A94EC9C8-FC2E-45B4-829C-AEB6B286F687}" dt="2025-12-17T17:53:17.837" v="288" actId="1076"/>
-          <ac:spMkLst>
-            <pc:docMk/>
-            <pc:sldMk cId="0" sldId="272"/>
-            <ac:spMk id="7" creationId="{41CF5255-C740-6850-5A26-FF12DEAB1B77}"/>
-          </ac:spMkLst>
-        </pc:spChg>
-        <pc:spChg chg="mod">
-          <ac:chgData name="Mario Aragón Valderrama" userId="ab42593c9091a3c7" providerId="LiveId" clId="{A94EC9C8-FC2E-45B4-829C-AEB6B286F687}" dt="2025-12-17T17:53:04.486" v="285" actId="1076"/>
-          <ac:spMkLst>
-            <pc:docMk/>
-            <pc:sldMk cId="0" sldId="272"/>
-            <ac:spMk id="633" creationId="{00000000-0000-0000-0000-000000000000}"/>
-          </ac:spMkLst>
-        </pc:spChg>
-        <pc:graphicFrameChg chg="mod modGraphic">
-          <ac:chgData name="Mario Aragón Valderrama" userId="ab42593c9091a3c7" providerId="LiveId" clId="{A94EC9C8-FC2E-45B4-829C-AEB6B286F687}" dt="2025-12-17T17:58:10.007" v="377"/>
-          <ac:graphicFrameMkLst>
-            <pc:docMk/>
-            <pc:sldMk cId="0" sldId="272"/>
-            <ac:graphicFrameMk id="2" creationId="{00000000-0000-0000-0000-000000000000}"/>
-          </ac:graphicFrameMkLst>
-        </pc:graphicFrameChg>
-        <pc:graphicFrameChg chg="add mod modGraphic">
-          <ac:chgData name="Mario Aragón Valderrama" userId="ab42593c9091a3c7" providerId="LiveId" clId="{A94EC9C8-FC2E-45B4-829C-AEB6B286F687}" dt="2025-12-17T21:54:26.079" v="1676"/>
-          <ac:graphicFrameMkLst>
-            <pc:docMk/>
-            <pc:sldMk cId="0" sldId="272"/>
-            <ac:graphicFrameMk id="3" creationId="{82F91AD5-889D-682F-0188-17811BDC62E6}"/>
-          </ac:graphicFrameMkLst>
-        </pc:graphicFrameChg>
-        <pc:graphicFrameChg chg="add del mod">
-          <ac:chgData name="Mario Aragón Valderrama" userId="ab42593c9091a3c7" providerId="LiveId" clId="{A94EC9C8-FC2E-45B4-829C-AEB6B286F687}" dt="2025-12-17T21:53:48.515" v="1638" actId="478"/>
-          <ac:graphicFrameMkLst>
-            <pc:docMk/>
-            <pc:sldMk cId="0" sldId="272"/>
-            <ac:graphicFrameMk id="4" creationId="{4D662621-A338-7D20-AA1E-BFD4B8B7DAA0}"/>
-          </ac:graphicFrameMkLst>
-        </pc:graphicFrameChg>
-        <pc:picChg chg="add del mod">
-          <ac:chgData name="Mario Aragón Valderrama" userId="ab42593c9091a3c7" providerId="LiveId" clId="{A94EC9C8-FC2E-45B4-829C-AEB6B286F687}" dt="2025-12-17T17:53:01.714" v="284" actId="478"/>
-          <ac:picMkLst>
-            <pc:docMk/>
-            <pc:sldMk cId="0" sldId="272"/>
-            <ac:picMk id="4" creationId="{9A0F1519-2413-1DA1-142E-DEF83A534A25}"/>
-          </ac:picMkLst>
-        </pc:picChg>
-        <pc:picChg chg="del mod">
-          <ac:chgData name="Mario Aragón Valderrama" userId="ab42593c9091a3c7" providerId="LiveId" clId="{A94EC9C8-FC2E-45B4-829C-AEB6B286F687}" dt="2025-12-17T17:39:11.513" v="8" actId="478"/>
-          <ac:picMkLst>
-            <pc:docMk/>
-            <pc:sldMk cId="0" sldId="272"/>
-            <ac:picMk id="9" creationId="{00000000-0000-0000-0000-000000000000}"/>
-          </ac:picMkLst>
-        </pc:picChg>
-      </pc:sldChg>
-      <pc:sldChg chg="addSp modSp mod">
-        <pc:chgData name="Mario Aragón Valderrama" userId="ab42593c9091a3c7" providerId="LiveId" clId="{A94EC9C8-FC2E-45B4-829C-AEB6B286F687}" dt="2025-12-17T21:55:30.187" v="1684" actId="1076"/>
-        <pc:sldMkLst>
-          <pc:docMk/>
-          <pc:sldMk cId="0" sldId="296"/>
-        </pc:sldMkLst>
-        <pc:spChg chg="add mod">
-          <ac:chgData name="Mario Aragón Valderrama" userId="ab42593c9091a3c7" providerId="LiveId" clId="{A94EC9C8-FC2E-45B4-829C-AEB6B286F687}" dt="2025-12-17T21:55:30.187" v="1684" actId="1076"/>
-          <ac:spMkLst>
-            <pc:docMk/>
-            <pc:sldMk cId="0" sldId="296"/>
-            <ac:spMk id="3" creationId="{70E38204-24A2-51F6-9008-1CAD6727006D}"/>
-          </ac:spMkLst>
-        </pc:spChg>
-      </pc:sldChg>
-      <pc:sldChg chg="del">
-        <pc:chgData name="Mario Aragón Valderrama" userId="ab42593c9091a3c7" providerId="LiveId" clId="{A94EC9C8-FC2E-45B4-829C-AEB6B286F687}" dt="2025-12-17T21:53:02.878" v="1635" actId="47"/>
-        <pc:sldMkLst>
-          <pc:docMk/>
-          <pc:sldMk cId="0" sldId="304"/>
-        </pc:sldMkLst>
-      </pc:sldChg>
-      <pc:sldChg chg="addSp delSp modSp new del mod">
-        <pc:chgData name="Mario Aragón Valderrama" userId="ab42593c9091a3c7" providerId="LiveId" clId="{A94EC9C8-FC2E-45B4-829C-AEB6B286F687}" dt="2025-12-17T21:54:41.921" v="1678" actId="47"/>
-        <pc:sldMkLst>
-          <pc:docMk/>
-          <pc:sldMk cId="2064685130" sldId="306"/>
-        </pc:sldMkLst>
-        <pc:spChg chg="mod">
-          <ac:chgData name="Mario Aragón Valderrama" userId="ab42593c9091a3c7" providerId="LiveId" clId="{A94EC9C8-FC2E-45B4-829C-AEB6B286F687}" dt="2025-12-17T18:00:55.316" v="396" actId="404"/>
-          <ac:spMkLst>
-            <pc:docMk/>
-            <pc:sldMk cId="2064685130" sldId="306"/>
-            <ac:spMk id="2" creationId="{7664BEB2-C413-4788-F1F1-D853AAD647A2}"/>
-          </ac:spMkLst>
-        </pc:spChg>
-        <pc:spChg chg="add mod">
-          <ac:chgData name="Mario Aragón Valderrama" userId="ab42593c9091a3c7" providerId="LiveId" clId="{A94EC9C8-FC2E-45B4-829C-AEB6B286F687}" dt="2025-12-17T18:02:49.396" v="522" actId="20577"/>
-          <ac:spMkLst>
-            <pc:docMk/>
-            <pc:sldMk cId="2064685130" sldId="306"/>
-            <ac:spMk id="3" creationId="{489A5488-CC41-AE3C-B15B-DDD529EAA282}"/>
-          </ac:spMkLst>
-        </pc:spChg>
-        <pc:spChg chg="add del mod">
-          <ac:chgData name="Mario Aragón Valderrama" userId="ab42593c9091a3c7" providerId="LiveId" clId="{A94EC9C8-FC2E-45B4-829C-AEB6B286F687}" dt="2025-12-17T18:03:32.484" v="556" actId="21"/>
-          <ac:spMkLst>
-            <pc:docMk/>
-            <pc:sldMk cId="2064685130" sldId="306"/>
-            <ac:spMk id="4" creationId="{14960C36-A145-E406-1CC2-C2B53FBBD01F}"/>
-          </ac:spMkLst>
-        </pc:spChg>
-      </pc:sldChg>
-      <pc:sldChg chg="addSp delSp modSp new del">
-        <pc:chgData name="Mario Aragón Valderrama" userId="ab42593c9091a3c7" providerId="LiveId" clId="{A94EC9C8-FC2E-45B4-829C-AEB6B286F687}" dt="2025-12-17T21:54:37.485" v="1677" actId="47"/>
-        <pc:sldMkLst>
-          <pc:docMk/>
-          <pc:sldMk cId="533820865" sldId="307"/>
-        </pc:sldMkLst>
-        <pc:spChg chg="del">
-          <ac:chgData name="Mario Aragón Valderrama" userId="ab42593c9091a3c7" providerId="LiveId" clId="{A94EC9C8-FC2E-45B4-829C-AEB6B286F687}" dt="2025-12-17T18:03:35.578" v="558"/>
-          <ac:spMkLst>
-            <pc:docMk/>
-            <pc:sldMk cId="533820865" sldId="307"/>
-            <ac:spMk id="2" creationId="{0E0DCFEE-FF86-C692-7E90-5310EF0663E5}"/>
-          </ac:spMkLst>
-        </pc:spChg>
-        <pc:spChg chg="add mod">
-          <ac:chgData name="Mario Aragón Valderrama" userId="ab42593c9091a3c7" providerId="LiveId" clId="{A94EC9C8-FC2E-45B4-829C-AEB6B286F687}" dt="2025-12-17T18:03:35.578" v="558"/>
-          <ac:spMkLst>
-            <pc:docMk/>
-            <pc:sldMk cId="533820865" sldId="307"/>
-            <ac:spMk id="4" creationId="{14960C36-A145-E406-1CC2-C2B53FBBD01F}"/>
-          </ac:spMkLst>
-        </pc:spChg>
-      </pc:sldChg>
-      <pc:sldChg chg="add">
-        <pc:chgData name="Mario Aragón Valderrama" userId="ab42593c9091a3c7" providerId="LiveId" clId="{A94EC9C8-FC2E-45B4-829C-AEB6B286F687}" dt="2025-12-17T22:24:16.669" v="1685"/>
-        <pc:sldMkLst>
-          <pc:docMk/>
-          <pc:sldMk cId="4126854353" sldId="307"/>
-        </pc:sldMkLst>
-      </pc:sldChg>
-      <pc:sldChg chg="add">
-        <pc:chgData name="Mario Aragón Valderrama" userId="ab42593c9091a3c7" providerId="LiveId" clId="{A94EC9C8-FC2E-45B4-829C-AEB6B286F687}" dt="2025-12-17T21:52:57.376" v="1634"/>
-        <pc:sldMkLst>
-          <pc:docMk/>
-          <pc:sldMk cId="0" sldId="308"/>
-        </pc:sldMkLst>
-      </pc:sldChg>
-      <pc:sldChg chg="modSp new del">
-        <pc:chgData name="Mario Aragón Valderrama" userId="ab42593c9091a3c7" providerId="LiveId" clId="{A94EC9C8-FC2E-45B4-829C-AEB6B286F687}" dt="2025-12-17T18:07:33.772" v="574" actId="47"/>
-        <pc:sldMkLst>
-          <pc:docMk/>
-          <pc:sldMk cId="2801438337" sldId="308"/>
-        </pc:sldMkLst>
-        <pc:spChg chg="mod">
-          <ac:chgData name="Mario Aragón Valderrama" userId="ab42593c9091a3c7" providerId="LiveId" clId="{A94EC9C8-FC2E-45B4-829C-AEB6B286F687}" dt="2025-12-17T18:03:48.692" v="560"/>
-          <ac:spMkLst>
-            <pc:docMk/>
-            <pc:sldMk cId="2801438337" sldId="308"/>
-            <ac:spMk id="2" creationId="{BAFE5815-9901-BFBE-F77F-98F480841E5B}"/>
-          </ac:spMkLst>
-        </pc:spChg>
-      </pc:sldChg>
-      <pc:sldChg chg="add">
-        <pc:chgData name="Mario Aragón Valderrama" userId="ab42593c9091a3c7" providerId="LiveId" clId="{A94EC9C8-FC2E-45B4-829C-AEB6B286F687}" dt="2025-12-17T21:53:11.533" v="1636"/>
-        <pc:sldMkLst>
-          <pc:docMk/>
-          <pc:sldMk cId="3136901332" sldId="309"/>
-        </pc:sldMkLst>
-      </pc:sldChg>
-    </pc:docChg>
-  </pc:docChgLst>
-</pc:chgInfo>
 </file>
 
 <file path=ppt/diagrams/colors1.xml><?xml version="1.0" encoding="utf-8"?>
@@ -13670,7 +13187,7 @@
               <a:buSzPct val="150000"/>
             </a:pPr>
             <a:r>
-              <a:rPr lang="es-ES" dirty="0"/>
+              <a:rPr lang="es-ES" b="1" dirty="0"/>
               <a:t>Características: </a:t>
             </a:r>
           </a:p>
@@ -14083,7 +13600,7 @@
         <p:spPr>
           <a:xfrm>
             <a:off x="1214863" y="1112200"/>
-            <a:ext cx="7343995" cy="2246769"/>
+            <a:ext cx="7343995" cy="2677656"/>
           </a:xfrm>
           <a:prstGeom prst="rect">
             <a:avLst/>
@@ -14159,7 +13676,35 @@
             </a:r>
             <a:r>
               <a:rPr lang="es-ES" dirty="0"/>
-              <a:t>               1:3      </a:t>
+              <a:t>               1:3     </a:t>
+            </a:r>
+          </a:p>
+          <a:p>
+            <a:pPr marL="285750" indent="-285750">
+              <a:buClr>
+                <a:srgbClr val="00B050"/>
+              </a:buClr>
+              <a:buSzPct val="150000"/>
+              <a:buFont typeface="Wingdings" panose="05000000000000000000" pitchFamily="2" charset="2"/>
+              <a:buChar char="ü"/>
+            </a:pPr>
+            <a:r>
+              <a:rPr lang="es-ES" dirty="0"/>
+              <a:t>Radial</a:t>
+            </a:r>
+          </a:p>
+          <a:p>
+            <a:pPr marL="285750" indent="-285750">
+              <a:buClr>
+                <a:srgbClr val="FF0000"/>
+              </a:buClr>
+              <a:buSzPct val="150000"/>
+              <a:buFont typeface="Arial" panose="020B0604020202020204" pitchFamily="34" charset="0"/>
+              <a:buChar char="×"/>
+            </a:pPr>
+            <a:r>
+              <a:rPr lang="es-ES" dirty="0"/>
+              <a:t>Lineal i Polinomial </a:t>
             </a:r>
           </a:p>
           <a:p>
@@ -14386,7 +13931,7 @@
         </p:nvSpPr>
         <p:spPr>
           <a:xfrm>
-            <a:off x="992551" y="3476730"/>
+            <a:off x="992551" y="3993882"/>
             <a:ext cx="7566307" cy="738664"/>
           </a:xfrm>
           <a:prstGeom prst="rect">
@@ -15246,8 +14791,8 @@
         </p:nvSpPr>
         <p:spPr>
           <a:xfrm>
-            <a:off x="1006548" y="1412749"/>
-            <a:ext cx="7875181" cy="954107"/>
+            <a:off x="964017" y="1187275"/>
+            <a:ext cx="7875181" cy="2185214"/>
           </a:xfrm>
           <a:prstGeom prst="rect">
             <a:avLst/>
@@ -15262,29 +14807,21 @@
           <a:p>
             <a:r>
               <a:rPr lang="es-ES" dirty="0"/>
-              <a:t>Tabla comparativa</a:t>
+              <a:t>FALTA UNA TABLA COMPARATIVA MAS VISUAL, UNA VEZ HECHA, BORRAR LAS DOS DE ABAJO.</a:t>
             </a:r>
           </a:p>
           <a:p>
+            <a:pPr marL="285750" indent="-285750">
+              <a:buFont typeface="Wingdings" panose="05000000000000000000" pitchFamily="2" charset="2"/>
+              <a:buChar char="q"/>
+            </a:pPr>
+            <a:r>
+              <a:rPr lang="es-ES" dirty="0" err="1"/>
+              <a:t>Recall</a:t>
+            </a:r>
             <a:r>
               <a:rPr lang="es-ES" dirty="0"/>
-              <a:t>(</a:t>
-            </a:r>
-            <a:r>
-              <a:rPr lang="es-ES" dirty="0" err="1"/>
-              <a:t>Diria</a:t>
-            </a:r>
-            <a:r>
-              <a:rPr lang="es-ES" dirty="0"/>
-              <a:t>)</a:t>
-            </a:r>
-            <a:r>
-              <a:rPr lang="es-ES" dirty="0" err="1"/>
-              <a:t>Preferibelmente</a:t>
-            </a:r>
-            <a:r>
-              <a:rPr lang="es-ES" dirty="0"/>
-              <a:t> el </a:t>
+              <a:t> similares pero el </a:t>
             </a:r>
             <a:r>
               <a:rPr lang="es-ES" dirty="0" err="1"/>
@@ -15292,41 +14829,271 @@
             </a:r>
             <a:r>
               <a:rPr lang="es-ES" dirty="0"/>
-              <a:t>, buenos (mejores) resultados ( mayor </a:t>
-            </a:r>
-            <a:r>
-              <a:rPr lang="es-ES" dirty="0" err="1"/>
-              <a:t>recal?l</a:t>
-            </a:r>
-            <a:r>
-              <a:rPr lang="es-ES" dirty="0"/>
-              <a:t>) , </a:t>
-            </a:r>
-            <a:r>
-              <a:rPr lang="es-ES" b="1" dirty="0"/>
-              <a:t>computacionalmente menos costoso.</a:t>
+              <a:t> tiene un F1 mejor.</a:t>
             </a:r>
           </a:p>
           <a:p>
-            <a:r>
-              <a:rPr lang="es-ES" b="1" dirty="0"/>
-              <a:t> f1 similar, mirar </a:t>
-            </a:r>
-            <a:r>
-              <a:rPr lang="es-ES" b="1" dirty="0" err="1"/>
-              <a:t>besst</a:t>
-            </a:r>
-            <a:r>
-              <a:rPr lang="es-ES" b="1" dirty="0"/>
-              <a:t> </a:t>
-            </a:r>
-            <a:r>
-              <a:rPr lang="es-ES" b="1" dirty="0" err="1"/>
-              <a:t>recall</a:t>
-            </a:r>
-            <a:r>
-              <a:rPr lang="es-ES" b="1" dirty="0"/>
-              <a:t> i mas estable</a:t>
+            <a:pPr marL="285750" indent="-285750">
+              <a:buFont typeface="Wingdings" panose="05000000000000000000" pitchFamily="2" charset="2"/>
+              <a:buChar char="q"/>
+            </a:pPr>
+            <a:r>
+              <a:rPr lang="es-ES" dirty="0"/>
+              <a:t>Mejor </a:t>
+            </a:r>
+            <a:r>
+              <a:rPr lang="es-ES" dirty="0" err="1"/>
+              <a:t>espeficidad</a:t>
+            </a:r>
+            <a:r>
+              <a:rPr lang="es-ES" dirty="0"/>
+              <a:t> en </a:t>
+            </a:r>
+            <a:r>
+              <a:rPr lang="es-ES" dirty="0" err="1"/>
+              <a:t>Xgboost</a:t>
+            </a:r>
+            <a:r>
+              <a:rPr lang="es-ES" dirty="0"/>
+              <a:t>.</a:t>
+            </a:r>
+          </a:p>
+          <a:p>
+            <a:pPr marL="285750" indent="-285750">
+              <a:buFont typeface="Wingdings" panose="05000000000000000000" pitchFamily="2" charset="2"/>
+              <a:buChar char="q"/>
+            </a:pPr>
+            <a:r>
+              <a:rPr lang="es-ES" dirty="0"/>
+              <a:t>Mejor </a:t>
+            </a:r>
+            <a:r>
+              <a:rPr lang="es-ES" dirty="0" err="1"/>
+              <a:t>Accuracy</a:t>
+            </a:r>
+            <a:r>
+              <a:rPr lang="es-ES" dirty="0"/>
+              <a:t> en </a:t>
+            </a:r>
+            <a:r>
+              <a:rPr lang="es-ES" dirty="0" err="1"/>
+              <a:t>Xbgoost</a:t>
+            </a:r>
+            <a:r>
+              <a:rPr lang="es-ES" dirty="0"/>
+              <a:t>.</a:t>
+            </a:r>
+          </a:p>
+          <a:p>
+            <a:pPr marL="285750" indent="-285750">
+              <a:buFont typeface="Wingdings" panose="05000000000000000000" pitchFamily="2" charset="2"/>
+              <a:buChar char="q"/>
+            </a:pPr>
+            <a:r>
+              <a:rPr lang="es-ES" dirty="0"/>
+              <a:t>En general todo es mejor.</a:t>
+            </a:r>
+          </a:p>
+          <a:p>
+            <a:pPr marL="285750" indent="-285750">
+              <a:buFont typeface="Wingdings" panose="05000000000000000000" pitchFamily="2" charset="2"/>
+              <a:buChar char="q"/>
+            </a:pPr>
+            <a:r>
+              <a:rPr lang="es-ES" dirty="0"/>
+              <a:t>El </a:t>
+            </a:r>
+            <a:r>
+              <a:rPr lang="es-ES" dirty="0" err="1"/>
+              <a:t>glm</a:t>
+            </a:r>
+            <a:r>
+              <a:rPr lang="es-ES" dirty="0"/>
+              <a:t> es computacionalmente menos costoso.</a:t>
+            </a:r>
+          </a:p>
+          <a:p>
+            <a:pPr marL="285750" indent="-285750">
+              <a:buFont typeface="Wingdings" panose="05000000000000000000" pitchFamily="2" charset="2"/>
+              <a:buChar char="q"/>
+            </a:pPr>
+            <a:r>
+              <a:rPr lang="es-ES" dirty="0"/>
+              <a:t>BEST MODEL: </a:t>
+            </a:r>
+            <a:r>
+              <a:rPr lang="es-ES" sz="2400" b="1" dirty="0" err="1">
+                <a:solidFill>
+                  <a:srgbClr val="00B050"/>
+                </a:solidFill>
+              </a:rPr>
+              <a:t>XGBoost</a:t>
+            </a:r>
+            <a:endParaRPr lang="es-ES" sz="2400" b="1" dirty="0">
+              <a:solidFill>
+                <a:srgbClr val="00B050"/>
+              </a:solidFill>
+            </a:endParaRPr>
+          </a:p>
+          <a:p>
+            <a:endParaRPr lang="es-ES" dirty="0"/>
+          </a:p>
+        </p:txBody>
+      </p:sp>
+      <p:sp>
+        <p:nvSpPr>
+          <p:cNvPr id="5" name="CuadroTexto 4">
+            <a:extLst>
+              <a:ext uri="{FF2B5EF4-FFF2-40B4-BE49-F238E27FC236}">
+                <a16:creationId xmlns:a16="http://schemas.microsoft.com/office/drawing/2014/main" id="{20F36B56-6B64-F62F-8E05-4D5C4EBEB3CB}"/>
+              </a:ext>
+            </a:extLst>
+          </p:cNvPr>
+          <p:cNvSpPr txBox="1"/>
+          <p:nvPr/>
+        </p:nvSpPr>
+        <p:spPr>
+          <a:xfrm>
+            <a:off x="1176671" y="3218600"/>
+            <a:ext cx="7091385" cy="738664"/>
+          </a:xfrm>
+          <a:prstGeom prst="rect">
+            <a:avLst/>
+          </a:prstGeom>
+        </p:spPr>
+        <p:style>
+          <a:lnRef idx="1">
+            <a:schemeClr val="accent2"/>
+          </a:lnRef>
+          <a:fillRef idx="2">
+            <a:schemeClr val="accent2"/>
+          </a:fillRef>
+          <a:effectRef idx="1">
+            <a:schemeClr val="accent2"/>
+          </a:effectRef>
+          <a:fontRef idx="minor">
+            <a:schemeClr val="dk1"/>
+          </a:fontRef>
+        </p:style>
+        <p:txBody>
+          <a:bodyPr wrap="square" rtlCol="0">
+            <a:spAutoFit/>
+          </a:bodyPr>
+          <a:lstStyle/>
+          <a:p>
+            <a:pPr latinLnBrk="1"/>
+            <a:r>
+              <a:rPr lang="en-US" dirty="0"/>
+              <a:t> Dataset  </a:t>
+            </a:r>
+            <a:r>
+              <a:rPr lang="en-US" dirty="0" err="1"/>
+              <a:t>Error_rate</a:t>
+            </a:r>
+            <a:r>
+              <a:rPr lang="en-US" dirty="0"/>
+              <a:t>   Accuracy    Precision    </a:t>
+            </a:r>
+            <a:r>
+              <a:rPr lang="en-US" dirty="0" err="1"/>
+              <a:t>Recall_Sensitivity</a:t>
+            </a:r>
+            <a:r>
+              <a:rPr lang="en-US" dirty="0"/>
+              <a:t> Specificity   F1_Score</a:t>
+            </a:r>
+          </a:p>
+          <a:p>
+            <a:pPr latinLnBrk="1"/>
+            <a:r>
+              <a:rPr lang="en-US" dirty="0"/>
+              <a:t>1  Train2  0.2775510  0.7224490  0.3984632          0.7333333    0.7196931  0.5163585</a:t>
+            </a:r>
+          </a:p>
+          <a:p>
+            <a:pPr latinLnBrk="1"/>
+            <a:r>
+              <a:rPr lang="en-US" dirty="0"/>
+              <a:t>2   Test2  0.2914286  0.7085714  0.4025641          0.6826087    0.7158537  0.5064516</a:t>
+            </a:r>
+          </a:p>
+        </p:txBody>
+      </p:sp>
+      <p:sp>
+        <p:nvSpPr>
+          <p:cNvPr id="6" name="CuadroTexto 5">
+            <a:extLst>
+              <a:ext uri="{FF2B5EF4-FFF2-40B4-BE49-F238E27FC236}">
+                <a16:creationId xmlns:a16="http://schemas.microsoft.com/office/drawing/2014/main" id="{22A1D846-4724-8B16-8530-7EDE39ACD41E}"/>
+              </a:ext>
+            </a:extLst>
+          </p:cNvPr>
+          <p:cNvSpPr txBox="1"/>
+          <p:nvPr/>
+        </p:nvSpPr>
+        <p:spPr>
+          <a:xfrm>
+            <a:off x="1176671" y="4136889"/>
+            <a:ext cx="7234747" cy="738664"/>
+          </a:xfrm>
+          <a:prstGeom prst="rect">
+            <a:avLst/>
+          </a:prstGeom>
+        </p:spPr>
+        <p:style>
+          <a:lnRef idx="1">
+            <a:schemeClr val="accent2"/>
+          </a:lnRef>
+          <a:fillRef idx="2">
+            <a:schemeClr val="accent2"/>
+          </a:fillRef>
+          <a:effectRef idx="1">
+            <a:schemeClr val="accent2"/>
+          </a:effectRef>
+          <a:fontRef idx="minor">
+            <a:schemeClr val="dk1"/>
+          </a:fontRef>
+        </p:style>
+        <p:txBody>
+          <a:bodyPr wrap="square" rtlCol="0">
+            <a:spAutoFit/>
+          </a:bodyPr>
+          <a:lstStyle/>
+          <a:p>
+            <a:pPr latinLnBrk="1"/>
+            <a:r>
+              <a:rPr lang="en-US" dirty="0"/>
+              <a:t>   Dataset </a:t>
+            </a:r>
+            <a:r>
+              <a:rPr lang="en-US" dirty="0" err="1"/>
+              <a:t>Error_rate</a:t>
+            </a:r>
+            <a:r>
+              <a:rPr lang="en-US" dirty="0"/>
+              <a:t>  Accuracy    Precision   </a:t>
+            </a:r>
+            <a:r>
+              <a:rPr lang="en-US" dirty="0" err="1"/>
+              <a:t>Recall_Sensitivity</a:t>
+            </a:r>
+            <a:r>
+              <a:rPr lang="en-US" dirty="0"/>
+              <a:t>  Specificity   F1_Score</a:t>
+            </a:r>
+          </a:p>
+          <a:p>
+            <a:pPr latinLnBrk="1"/>
+            <a:r>
+              <a:rPr lang="en-US" dirty="0"/>
+              <a:t>1  Train2  0.3273469  0.6726531 0.3516373       0.6876847       0.6687259   0.4653333</a:t>
+            </a:r>
+          </a:p>
+          <a:p>
+            <a:pPr latinLnBrk="1"/>
+            <a:r>
+              <a:rPr lang="en-US" dirty="0"/>
+              <a:t>2   Test2  0.3261905  0.6738095 0.3549884       0.7034483       0.6660661   0.4718581</a:t>
             </a:r>
           </a:p>
         </p:txBody>
@@ -16808,7 +16575,7 @@
         </p:nvSpPr>
         <p:spPr>
           <a:xfrm>
-            <a:off x="144846" y="2557343"/>
+            <a:off x="144846" y="2270993"/>
             <a:ext cx="8563850" cy="572700"/>
           </a:xfrm>
           <a:prstGeom prst="rect">
@@ -20918,7 +20685,7 @@
             </a:r>
             <a:r>
               <a:rPr lang="es-ES" sz="1600" b="1" dirty="0"/>
-              <a:t> del mejor: </a:t>
+              <a:t>: </a:t>
             </a:r>
           </a:p>
           <a:p>
@@ -21040,7 +20807,7 @@
             </a:pPr>
             <a:r>
               <a:rPr lang="es-ES" dirty="0"/>
-              <a:t>Métricas obtenidas con p=0,06.</a:t>
+              <a:t>Métricas obtenidas con p=0.06.</a:t>
             </a:r>
           </a:p>
           <a:p>
@@ -21301,8 +21068,8 @@
         </p:nvSpPr>
         <p:spPr>
           <a:xfrm>
-            <a:off x="1258229" y="1154252"/>
-            <a:ext cx="6627541" cy="3139321"/>
+            <a:off x="875944" y="1112200"/>
+            <a:ext cx="7580971" cy="3139321"/>
           </a:xfrm>
           <a:prstGeom prst="rect">
             <a:avLst/>
@@ -21427,7 +21194,7 @@
             </a:r>
             <a:r>
               <a:rPr lang="es-ES" dirty="0" err="1"/>
-              <a:t>HasBalace</a:t>
+              <a:t>HasBalance</a:t>
             </a:r>
             <a:endParaRPr lang="es-ES" dirty="0"/>
           </a:p>
@@ -21442,7 +21209,7 @@
             </a:pPr>
             <a:r>
               <a:rPr lang="es-ES" dirty="0"/>
-              <a:t>Otras variables creadas como</a:t>
+              <a:t>Otras variables creadas como Age categorizada y diversas combinaciones de variables.</a:t>
             </a:r>
           </a:p>
           <a:p>
@@ -21458,19 +21225,22 @@
               <a:rPr lang="es-ES" dirty="0" err="1"/>
               <a:t>ClassWeights</a:t>
             </a:r>
-            <a:endParaRPr lang="es-ES" dirty="0"/>
+            <a:r>
+              <a:rPr lang="es-ES" dirty="0"/>
+              <a:t> 1:4</a:t>
+            </a:r>
           </a:p>
           <a:p>
             <a:endParaRPr lang="es-ES" dirty="0"/>
           </a:p>
           <a:p>
             <a:r>
-              <a:rPr lang="es-ES" sz="1600" dirty="0" err="1"/>
+              <a:rPr lang="es-ES" sz="1600" b="1" dirty="0" err="1"/>
               <a:t>Caracteristicas</a:t>
             </a:r>
             <a:r>
-              <a:rPr lang="es-ES" sz="1600" dirty="0"/>
-              <a:t> del mejor: </a:t>
+              <a:rPr lang="es-ES" sz="1600" b="1" dirty="0"/>
+              <a:t>: </a:t>
             </a:r>
           </a:p>
           <a:p>
@@ -21584,8 +21354,8 @@
         </p:nvSpPr>
         <p:spPr>
           <a:xfrm>
-            <a:off x="2329029" y="4115279"/>
-            <a:ext cx="4485939" cy="738664"/>
+            <a:off x="1176671" y="4108191"/>
+            <a:ext cx="7091385" cy="738664"/>
           </a:xfrm>
           <a:prstGeom prst="rect">
             <a:avLst/>
@@ -21614,21 +21384,37 @@
             <a:pPr latinLnBrk="1"/>
             <a:r>
               <a:rPr lang="en-US" dirty="0"/>
-              <a:t> Dataset  Accuracy Precision    Recall  F1_Score</a:t>
+              <a:t> Dataset  </a:t>
+            </a:r>
+            <a:r>
+              <a:rPr lang="en-US" dirty="0" err="1"/>
+              <a:t>Error_rate</a:t>
+            </a:r>
+            <a:r>
+              <a:rPr lang="en-US" dirty="0"/>
+              <a:t>   Accuracy    Precision    </a:t>
+            </a:r>
+            <a:r>
+              <a:rPr lang="en-US" dirty="0" err="1"/>
+              <a:t>Recall_Sensitivity</a:t>
+            </a:r>
+            <a:r>
+              <a:rPr lang="en-US" dirty="0"/>
+              <a:t> Specificity   F1_Score</a:t>
             </a:r>
           </a:p>
           <a:p>
             <a:pPr latinLnBrk="1"/>
             <a:r>
               <a:rPr lang="en-US" dirty="0"/>
-              <a:t>1  Train2 0.7224490 0.3984632 0.7333333 0.5163585</a:t>
+              <a:t>1  Train2  0.2775510  0.7224490  0.3984632          0.7333333    0.7196931  0.5163585</a:t>
             </a:r>
           </a:p>
           <a:p>
             <a:pPr latinLnBrk="1"/>
             <a:r>
               <a:rPr lang="en-US" dirty="0"/>
-              <a:t>2   Test2 0.7085714 0.4025641 0.6826087 0.5064516</a:t>
+              <a:t>2   Test2  0.2914286  0.7085714  0.4025641          0.6826087    0.7158537  0.5064516</a:t>
             </a:r>
           </a:p>
         </p:txBody>
@@ -21647,7 +21433,7 @@
         </p:nvSpPr>
         <p:spPr>
           <a:xfrm>
-            <a:off x="6269162" y="2055251"/>
+            <a:off x="6467637" y="2550108"/>
             <a:ext cx="2321943" cy="1360969"/>
           </a:xfrm>
           <a:prstGeom prst="roundRect">
